--- a/Curso201.pptx
+++ b/Curso201.pptx
@@ -5,7 +5,7 @@
     <p:sldMasterId id="2147483648" r:id="rId1"/>
   </p:sldMasterIdLst>
   <p:notesMasterIdLst>
-    <p:notesMasterId r:id="rId38"/>
+    <p:notesMasterId r:id="rId54"/>
   </p:notesMasterIdLst>
   <p:sldIdLst>
     <p:sldId id="256" r:id="rId2"/>
@@ -44,6 +44,22 @@
     <p:sldId id="291" r:id="rId35"/>
     <p:sldId id="292" r:id="rId36"/>
     <p:sldId id="293" r:id="rId37"/>
+    <p:sldId id="294" r:id="rId38"/>
+    <p:sldId id="295" r:id="rId39"/>
+    <p:sldId id="296" r:id="rId40"/>
+    <p:sldId id="297" r:id="rId41"/>
+    <p:sldId id="298" r:id="rId42"/>
+    <p:sldId id="299" r:id="rId43"/>
+    <p:sldId id="300" r:id="rId44"/>
+    <p:sldId id="301" r:id="rId45"/>
+    <p:sldId id="302" r:id="rId46"/>
+    <p:sldId id="303" r:id="rId47"/>
+    <p:sldId id="304" r:id="rId48"/>
+    <p:sldId id="305" r:id="rId49"/>
+    <p:sldId id="306" r:id="rId50"/>
+    <p:sldId id="307" r:id="rId51"/>
+    <p:sldId id="308" r:id="rId52"/>
+    <p:sldId id="309" r:id="rId53"/>
   </p:sldIdLst>
   <p:sldSz cx="12192000" cy="6858000"/>
   <p:notesSz cx="6858000" cy="9144000"/>
@@ -583,6 +599,846 @@
 </p:notes>
 </file>
 
+<file path=ppt/notesSlides/notesSlide10.xml><?xml version="1.0" encoding="utf-8"?>
+<p:notes xmlns:a="http://schemas.openxmlformats.org/drawingml/2006/main" xmlns:r="http://schemas.openxmlformats.org/officeDocument/2006/relationships" xmlns:p="http://schemas.openxmlformats.org/presentationml/2006/main">
+  <p:cSld>
+    <p:spTree>
+      <p:nvGrpSpPr>
+        <p:cNvPr id="1" name=""/>
+        <p:cNvGrpSpPr/>
+        <p:nvPr/>
+      </p:nvGrpSpPr>
+      <p:grpSpPr>
+        <a:xfrm>
+          <a:off x="0" y="0"/>
+          <a:ext cx="0" cy="0"/>
+          <a:chOff x="0" y="0"/>
+          <a:chExt cx="0" cy="0"/>
+        </a:xfrm>
+      </p:grpSpPr>
+      <p:sp>
+        <p:nvSpPr>
+          <p:cNvPr id="2" name="Slide Image Placeholder 1"/>
+          <p:cNvSpPr>
+            <a:spLocks noGrp="1" noRot="1" noChangeAspect="1"/>
+          </p:cNvSpPr>
+          <p:nvPr>
+            <p:ph type="sldImg"/>
+          </p:nvPr>
+        </p:nvSpPr>
+        <p:spPr/>
+      </p:sp>
+      <p:sp>
+        <p:nvSpPr>
+          <p:cNvPr id="3" name="Notes Placeholder 2"/>
+          <p:cNvSpPr>
+            <a:spLocks noGrp="1"/>
+          </p:cNvSpPr>
+          <p:nvPr>
+            <p:ph type="body" idx="1"/>
+          </p:nvPr>
+        </p:nvSpPr>
+        <p:spPr/>
+        <p:txBody>
+          <a:bodyPr/>
+          <a:lstStyle/>
+          <a:p>
+            <a:endParaRPr lang="en-US" dirty="0"/>
+          </a:p>
+        </p:txBody>
+      </p:sp>
+      <p:sp>
+        <p:nvSpPr>
+          <p:cNvPr id="4" name="Slide Number Placeholder 3"/>
+          <p:cNvSpPr>
+            <a:spLocks noGrp="1"/>
+          </p:cNvSpPr>
+          <p:nvPr>
+            <p:ph type="sldNum" sz="quarter" idx="5"/>
+          </p:nvPr>
+        </p:nvSpPr>
+        <p:spPr/>
+        <p:txBody>
+          <a:bodyPr/>
+          <a:lstStyle/>
+          <a:p>
+            <a:fld id="{3BE7DE0F-4338-D345-B6F5-61C48058FBBB}" type="slidenum">
+              <a:rPr lang="en-US" smtClean="0"/>
+              <a:t>42</a:t>
+            </a:fld>
+            <a:endParaRPr lang="en-US"/>
+          </a:p>
+        </p:txBody>
+      </p:sp>
+    </p:spTree>
+    <p:extLst>
+      <p:ext uri="{BB962C8B-B14F-4D97-AF65-F5344CB8AC3E}">
+        <p14:creationId xmlns:p14="http://schemas.microsoft.com/office/powerpoint/2010/main" val="1542022160"/>
+      </p:ext>
+    </p:extLst>
+  </p:cSld>
+  <p:clrMapOvr>
+    <a:masterClrMapping/>
+  </p:clrMapOvr>
+</p:notes>
+</file>
+
+<file path=ppt/notesSlides/notesSlide11.xml><?xml version="1.0" encoding="utf-8"?>
+<p:notes xmlns:a="http://schemas.openxmlformats.org/drawingml/2006/main" xmlns:r="http://schemas.openxmlformats.org/officeDocument/2006/relationships" xmlns:p="http://schemas.openxmlformats.org/presentationml/2006/main">
+  <p:cSld>
+    <p:spTree>
+      <p:nvGrpSpPr>
+        <p:cNvPr id="1" name=""/>
+        <p:cNvGrpSpPr/>
+        <p:nvPr/>
+      </p:nvGrpSpPr>
+      <p:grpSpPr>
+        <a:xfrm>
+          <a:off x="0" y="0"/>
+          <a:ext cx="0" cy="0"/>
+          <a:chOff x="0" y="0"/>
+          <a:chExt cx="0" cy="0"/>
+        </a:xfrm>
+      </p:grpSpPr>
+      <p:sp>
+        <p:nvSpPr>
+          <p:cNvPr id="2" name="Slide Image Placeholder 1"/>
+          <p:cNvSpPr>
+            <a:spLocks noGrp="1" noRot="1" noChangeAspect="1"/>
+          </p:cNvSpPr>
+          <p:nvPr>
+            <p:ph type="sldImg"/>
+          </p:nvPr>
+        </p:nvSpPr>
+        <p:spPr/>
+      </p:sp>
+      <p:sp>
+        <p:nvSpPr>
+          <p:cNvPr id="3" name="Notes Placeholder 2"/>
+          <p:cNvSpPr>
+            <a:spLocks noGrp="1"/>
+          </p:cNvSpPr>
+          <p:nvPr>
+            <p:ph type="body" idx="1"/>
+          </p:nvPr>
+        </p:nvSpPr>
+        <p:spPr/>
+        <p:txBody>
+          <a:bodyPr/>
+          <a:lstStyle/>
+          <a:p>
+            <a:endParaRPr lang="en-US" dirty="0"/>
+          </a:p>
+        </p:txBody>
+      </p:sp>
+      <p:sp>
+        <p:nvSpPr>
+          <p:cNvPr id="4" name="Slide Number Placeholder 3"/>
+          <p:cNvSpPr>
+            <a:spLocks noGrp="1"/>
+          </p:cNvSpPr>
+          <p:nvPr>
+            <p:ph type="sldNum" sz="quarter" idx="5"/>
+          </p:nvPr>
+        </p:nvSpPr>
+        <p:spPr/>
+        <p:txBody>
+          <a:bodyPr/>
+          <a:lstStyle/>
+          <a:p>
+            <a:fld id="{3BE7DE0F-4338-D345-B6F5-61C48058FBBB}" type="slidenum">
+              <a:rPr lang="en-US" smtClean="0"/>
+              <a:t>43</a:t>
+            </a:fld>
+            <a:endParaRPr lang="en-US"/>
+          </a:p>
+        </p:txBody>
+      </p:sp>
+    </p:spTree>
+    <p:extLst>
+      <p:ext uri="{BB962C8B-B14F-4D97-AF65-F5344CB8AC3E}">
+        <p14:creationId xmlns:p14="http://schemas.microsoft.com/office/powerpoint/2010/main" val="3083312953"/>
+      </p:ext>
+    </p:extLst>
+  </p:cSld>
+  <p:clrMapOvr>
+    <a:masterClrMapping/>
+  </p:clrMapOvr>
+</p:notes>
+</file>
+
+<file path=ppt/notesSlides/notesSlide12.xml><?xml version="1.0" encoding="utf-8"?>
+<p:notes xmlns:a="http://schemas.openxmlformats.org/drawingml/2006/main" xmlns:r="http://schemas.openxmlformats.org/officeDocument/2006/relationships" xmlns:p="http://schemas.openxmlformats.org/presentationml/2006/main">
+  <p:cSld>
+    <p:spTree>
+      <p:nvGrpSpPr>
+        <p:cNvPr id="1" name=""/>
+        <p:cNvGrpSpPr/>
+        <p:nvPr/>
+      </p:nvGrpSpPr>
+      <p:grpSpPr>
+        <a:xfrm>
+          <a:off x="0" y="0"/>
+          <a:ext cx="0" cy="0"/>
+          <a:chOff x="0" y="0"/>
+          <a:chExt cx="0" cy="0"/>
+        </a:xfrm>
+      </p:grpSpPr>
+      <p:sp>
+        <p:nvSpPr>
+          <p:cNvPr id="2" name="Slide Image Placeholder 1"/>
+          <p:cNvSpPr>
+            <a:spLocks noGrp="1" noRot="1" noChangeAspect="1"/>
+          </p:cNvSpPr>
+          <p:nvPr>
+            <p:ph type="sldImg"/>
+          </p:nvPr>
+        </p:nvSpPr>
+        <p:spPr/>
+      </p:sp>
+      <p:sp>
+        <p:nvSpPr>
+          <p:cNvPr id="3" name="Notes Placeholder 2"/>
+          <p:cNvSpPr>
+            <a:spLocks noGrp="1"/>
+          </p:cNvSpPr>
+          <p:nvPr>
+            <p:ph type="body" idx="1"/>
+          </p:nvPr>
+        </p:nvSpPr>
+        <p:spPr/>
+        <p:txBody>
+          <a:bodyPr/>
+          <a:lstStyle/>
+          <a:p>
+            <a:endParaRPr lang="en-US" dirty="0"/>
+          </a:p>
+        </p:txBody>
+      </p:sp>
+      <p:sp>
+        <p:nvSpPr>
+          <p:cNvPr id="4" name="Slide Number Placeholder 3"/>
+          <p:cNvSpPr>
+            <a:spLocks noGrp="1"/>
+          </p:cNvSpPr>
+          <p:nvPr>
+            <p:ph type="sldNum" sz="quarter" idx="5"/>
+          </p:nvPr>
+        </p:nvSpPr>
+        <p:spPr/>
+        <p:txBody>
+          <a:bodyPr/>
+          <a:lstStyle/>
+          <a:p>
+            <a:fld id="{3BE7DE0F-4338-D345-B6F5-61C48058FBBB}" type="slidenum">
+              <a:rPr lang="en-US" smtClean="0"/>
+              <a:t>44</a:t>
+            </a:fld>
+            <a:endParaRPr lang="en-US"/>
+          </a:p>
+        </p:txBody>
+      </p:sp>
+    </p:spTree>
+    <p:extLst>
+      <p:ext uri="{BB962C8B-B14F-4D97-AF65-F5344CB8AC3E}">
+        <p14:creationId xmlns:p14="http://schemas.microsoft.com/office/powerpoint/2010/main" val="290533288"/>
+      </p:ext>
+    </p:extLst>
+  </p:cSld>
+  <p:clrMapOvr>
+    <a:masterClrMapping/>
+  </p:clrMapOvr>
+</p:notes>
+</file>
+
+<file path=ppt/notesSlides/notesSlide13.xml><?xml version="1.0" encoding="utf-8"?>
+<p:notes xmlns:a="http://schemas.openxmlformats.org/drawingml/2006/main" xmlns:r="http://schemas.openxmlformats.org/officeDocument/2006/relationships" xmlns:p="http://schemas.openxmlformats.org/presentationml/2006/main">
+  <p:cSld>
+    <p:spTree>
+      <p:nvGrpSpPr>
+        <p:cNvPr id="1" name=""/>
+        <p:cNvGrpSpPr/>
+        <p:nvPr/>
+      </p:nvGrpSpPr>
+      <p:grpSpPr>
+        <a:xfrm>
+          <a:off x="0" y="0"/>
+          <a:ext cx="0" cy="0"/>
+          <a:chOff x="0" y="0"/>
+          <a:chExt cx="0" cy="0"/>
+        </a:xfrm>
+      </p:grpSpPr>
+      <p:sp>
+        <p:nvSpPr>
+          <p:cNvPr id="2" name="Slide Image Placeholder 1"/>
+          <p:cNvSpPr>
+            <a:spLocks noGrp="1" noRot="1" noChangeAspect="1"/>
+          </p:cNvSpPr>
+          <p:nvPr>
+            <p:ph type="sldImg"/>
+          </p:nvPr>
+        </p:nvSpPr>
+        <p:spPr/>
+      </p:sp>
+      <p:sp>
+        <p:nvSpPr>
+          <p:cNvPr id="3" name="Notes Placeholder 2"/>
+          <p:cNvSpPr>
+            <a:spLocks noGrp="1"/>
+          </p:cNvSpPr>
+          <p:nvPr>
+            <p:ph type="body" idx="1"/>
+          </p:nvPr>
+        </p:nvSpPr>
+        <p:spPr/>
+        <p:txBody>
+          <a:bodyPr/>
+          <a:lstStyle/>
+          <a:p>
+            <a:endParaRPr lang="en-US" dirty="0"/>
+          </a:p>
+        </p:txBody>
+      </p:sp>
+      <p:sp>
+        <p:nvSpPr>
+          <p:cNvPr id="4" name="Slide Number Placeholder 3"/>
+          <p:cNvSpPr>
+            <a:spLocks noGrp="1"/>
+          </p:cNvSpPr>
+          <p:nvPr>
+            <p:ph type="sldNum" sz="quarter" idx="5"/>
+          </p:nvPr>
+        </p:nvSpPr>
+        <p:spPr/>
+        <p:txBody>
+          <a:bodyPr/>
+          <a:lstStyle/>
+          <a:p>
+            <a:fld id="{3BE7DE0F-4338-D345-B6F5-61C48058FBBB}" type="slidenum">
+              <a:rPr lang="en-US" smtClean="0"/>
+              <a:t>45</a:t>
+            </a:fld>
+            <a:endParaRPr lang="en-US"/>
+          </a:p>
+        </p:txBody>
+      </p:sp>
+    </p:spTree>
+    <p:extLst>
+      <p:ext uri="{BB962C8B-B14F-4D97-AF65-F5344CB8AC3E}">
+        <p14:creationId xmlns:p14="http://schemas.microsoft.com/office/powerpoint/2010/main" val="2066676900"/>
+      </p:ext>
+    </p:extLst>
+  </p:cSld>
+  <p:clrMapOvr>
+    <a:masterClrMapping/>
+  </p:clrMapOvr>
+</p:notes>
+</file>
+
+<file path=ppt/notesSlides/notesSlide14.xml><?xml version="1.0" encoding="utf-8"?>
+<p:notes xmlns:a="http://schemas.openxmlformats.org/drawingml/2006/main" xmlns:r="http://schemas.openxmlformats.org/officeDocument/2006/relationships" xmlns:p="http://schemas.openxmlformats.org/presentationml/2006/main">
+  <p:cSld>
+    <p:spTree>
+      <p:nvGrpSpPr>
+        <p:cNvPr id="1" name=""/>
+        <p:cNvGrpSpPr/>
+        <p:nvPr/>
+      </p:nvGrpSpPr>
+      <p:grpSpPr>
+        <a:xfrm>
+          <a:off x="0" y="0"/>
+          <a:ext cx="0" cy="0"/>
+          <a:chOff x="0" y="0"/>
+          <a:chExt cx="0" cy="0"/>
+        </a:xfrm>
+      </p:grpSpPr>
+      <p:sp>
+        <p:nvSpPr>
+          <p:cNvPr id="2" name="Slide Image Placeholder 1"/>
+          <p:cNvSpPr>
+            <a:spLocks noGrp="1" noRot="1" noChangeAspect="1"/>
+          </p:cNvSpPr>
+          <p:nvPr>
+            <p:ph type="sldImg"/>
+          </p:nvPr>
+        </p:nvSpPr>
+        <p:spPr/>
+      </p:sp>
+      <p:sp>
+        <p:nvSpPr>
+          <p:cNvPr id="3" name="Notes Placeholder 2"/>
+          <p:cNvSpPr>
+            <a:spLocks noGrp="1"/>
+          </p:cNvSpPr>
+          <p:nvPr>
+            <p:ph type="body" idx="1"/>
+          </p:nvPr>
+        </p:nvSpPr>
+        <p:spPr/>
+        <p:txBody>
+          <a:bodyPr/>
+          <a:lstStyle/>
+          <a:p>
+            <a:endParaRPr lang="en-US" dirty="0"/>
+          </a:p>
+        </p:txBody>
+      </p:sp>
+      <p:sp>
+        <p:nvSpPr>
+          <p:cNvPr id="4" name="Slide Number Placeholder 3"/>
+          <p:cNvSpPr>
+            <a:spLocks noGrp="1"/>
+          </p:cNvSpPr>
+          <p:nvPr>
+            <p:ph type="sldNum" sz="quarter" idx="5"/>
+          </p:nvPr>
+        </p:nvSpPr>
+        <p:spPr/>
+        <p:txBody>
+          <a:bodyPr/>
+          <a:lstStyle/>
+          <a:p>
+            <a:fld id="{3BE7DE0F-4338-D345-B6F5-61C48058FBBB}" type="slidenum">
+              <a:rPr lang="en-US" smtClean="0"/>
+              <a:t>46</a:t>
+            </a:fld>
+            <a:endParaRPr lang="en-US"/>
+          </a:p>
+        </p:txBody>
+      </p:sp>
+    </p:spTree>
+    <p:extLst>
+      <p:ext uri="{BB962C8B-B14F-4D97-AF65-F5344CB8AC3E}">
+        <p14:creationId xmlns:p14="http://schemas.microsoft.com/office/powerpoint/2010/main" val="2277974849"/>
+      </p:ext>
+    </p:extLst>
+  </p:cSld>
+  <p:clrMapOvr>
+    <a:masterClrMapping/>
+  </p:clrMapOvr>
+</p:notes>
+</file>
+
+<file path=ppt/notesSlides/notesSlide15.xml><?xml version="1.0" encoding="utf-8"?>
+<p:notes xmlns:a="http://schemas.openxmlformats.org/drawingml/2006/main" xmlns:r="http://schemas.openxmlformats.org/officeDocument/2006/relationships" xmlns:p="http://schemas.openxmlformats.org/presentationml/2006/main">
+  <p:cSld>
+    <p:spTree>
+      <p:nvGrpSpPr>
+        <p:cNvPr id="1" name=""/>
+        <p:cNvGrpSpPr/>
+        <p:nvPr/>
+      </p:nvGrpSpPr>
+      <p:grpSpPr>
+        <a:xfrm>
+          <a:off x="0" y="0"/>
+          <a:ext cx="0" cy="0"/>
+          <a:chOff x="0" y="0"/>
+          <a:chExt cx="0" cy="0"/>
+        </a:xfrm>
+      </p:grpSpPr>
+      <p:sp>
+        <p:nvSpPr>
+          <p:cNvPr id="2" name="Slide Image Placeholder 1"/>
+          <p:cNvSpPr>
+            <a:spLocks noGrp="1" noRot="1" noChangeAspect="1"/>
+          </p:cNvSpPr>
+          <p:nvPr>
+            <p:ph type="sldImg"/>
+          </p:nvPr>
+        </p:nvSpPr>
+        <p:spPr/>
+      </p:sp>
+      <p:sp>
+        <p:nvSpPr>
+          <p:cNvPr id="3" name="Notes Placeholder 2"/>
+          <p:cNvSpPr>
+            <a:spLocks noGrp="1"/>
+          </p:cNvSpPr>
+          <p:nvPr>
+            <p:ph type="body" idx="1"/>
+          </p:nvPr>
+        </p:nvSpPr>
+        <p:spPr/>
+        <p:txBody>
+          <a:bodyPr/>
+          <a:lstStyle/>
+          <a:p>
+            <a:endParaRPr lang="en-US" dirty="0"/>
+          </a:p>
+        </p:txBody>
+      </p:sp>
+      <p:sp>
+        <p:nvSpPr>
+          <p:cNvPr id="4" name="Slide Number Placeholder 3"/>
+          <p:cNvSpPr>
+            <a:spLocks noGrp="1"/>
+          </p:cNvSpPr>
+          <p:nvPr>
+            <p:ph type="sldNum" sz="quarter" idx="5"/>
+          </p:nvPr>
+        </p:nvSpPr>
+        <p:spPr/>
+        <p:txBody>
+          <a:bodyPr/>
+          <a:lstStyle/>
+          <a:p>
+            <a:fld id="{3BE7DE0F-4338-D345-B6F5-61C48058FBBB}" type="slidenum">
+              <a:rPr lang="en-US" smtClean="0"/>
+              <a:t>47</a:t>
+            </a:fld>
+            <a:endParaRPr lang="en-US"/>
+          </a:p>
+        </p:txBody>
+      </p:sp>
+    </p:spTree>
+    <p:extLst>
+      <p:ext uri="{BB962C8B-B14F-4D97-AF65-F5344CB8AC3E}">
+        <p14:creationId xmlns:p14="http://schemas.microsoft.com/office/powerpoint/2010/main" val="165306663"/>
+      </p:ext>
+    </p:extLst>
+  </p:cSld>
+  <p:clrMapOvr>
+    <a:masterClrMapping/>
+  </p:clrMapOvr>
+</p:notes>
+</file>
+
+<file path=ppt/notesSlides/notesSlide16.xml><?xml version="1.0" encoding="utf-8"?>
+<p:notes xmlns:a="http://schemas.openxmlformats.org/drawingml/2006/main" xmlns:r="http://schemas.openxmlformats.org/officeDocument/2006/relationships" xmlns:p="http://schemas.openxmlformats.org/presentationml/2006/main">
+  <p:cSld>
+    <p:spTree>
+      <p:nvGrpSpPr>
+        <p:cNvPr id="1" name=""/>
+        <p:cNvGrpSpPr/>
+        <p:nvPr/>
+      </p:nvGrpSpPr>
+      <p:grpSpPr>
+        <a:xfrm>
+          <a:off x="0" y="0"/>
+          <a:ext cx="0" cy="0"/>
+          <a:chOff x="0" y="0"/>
+          <a:chExt cx="0" cy="0"/>
+        </a:xfrm>
+      </p:grpSpPr>
+      <p:sp>
+        <p:nvSpPr>
+          <p:cNvPr id="2" name="Slide Image Placeholder 1"/>
+          <p:cNvSpPr>
+            <a:spLocks noGrp="1" noRot="1" noChangeAspect="1"/>
+          </p:cNvSpPr>
+          <p:nvPr>
+            <p:ph type="sldImg"/>
+          </p:nvPr>
+        </p:nvSpPr>
+        <p:spPr/>
+      </p:sp>
+      <p:sp>
+        <p:nvSpPr>
+          <p:cNvPr id="3" name="Notes Placeholder 2"/>
+          <p:cNvSpPr>
+            <a:spLocks noGrp="1"/>
+          </p:cNvSpPr>
+          <p:nvPr>
+            <p:ph type="body" idx="1"/>
+          </p:nvPr>
+        </p:nvSpPr>
+        <p:spPr/>
+        <p:txBody>
+          <a:bodyPr/>
+          <a:lstStyle/>
+          <a:p>
+            <a:endParaRPr lang="en-US" dirty="0"/>
+          </a:p>
+        </p:txBody>
+      </p:sp>
+      <p:sp>
+        <p:nvSpPr>
+          <p:cNvPr id="4" name="Slide Number Placeholder 3"/>
+          <p:cNvSpPr>
+            <a:spLocks noGrp="1"/>
+          </p:cNvSpPr>
+          <p:nvPr>
+            <p:ph type="sldNum" sz="quarter" idx="5"/>
+          </p:nvPr>
+        </p:nvSpPr>
+        <p:spPr/>
+        <p:txBody>
+          <a:bodyPr/>
+          <a:lstStyle/>
+          <a:p>
+            <a:fld id="{3BE7DE0F-4338-D345-B6F5-61C48058FBBB}" type="slidenum">
+              <a:rPr lang="en-US" smtClean="0"/>
+              <a:t>48</a:t>
+            </a:fld>
+            <a:endParaRPr lang="en-US"/>
+          </a:p>
+        </p:txBody>
+      </p:sp>
+    </p:spTree>
+    <p:extLst>
+      <p:ext uri="{BB962C8B-B14F-4D97-AF65-F5344CB8AC3E}">
+        <p14:creationId xmlns:p14="http://schemas.microsoft.com/office/powerpoint/2010/main" val="3499330565"/>
+      </p:ext>
+    </p:extLst>
+  </p:cSld>
+  <p:clrMapOvr>
+    <a:masterClrMapping/>
+  </p:clrMapOvr>
+</p:notes>
+</file>
+
+<file path=ppt/notesSlides/notesSlide17.xml><?xml version="1.0" encoding="utf-8"?>
+<p:notes xmlns:a="http://schemas.openxmlformats.org/drawingml/2006/main" xmlns:r="http://schemas.openxmlformats.org/officeDocument/2006/relationships" xmlns:p="http://schemas.openxmlformats.org/presentationml/2006/main">
+  <p:cSld>
+    <p:spTree>
+      <p:nvGrpSpPr>
+        <p:cNvPr id="1" name=""/>
+        <p:cNvGrpSpPr/>
+        <p:nvPr/>
+      </p:nvGrpSpPr>
+      <p:grpSpPr>
+        <a:xfrm>
+          <a:off x="0" y="0"/>
+          <a:ext cx="0" cy="0"/>
+          <a:chOff x="0" y="0"/>
+          <a:chExt cx="0" cy="0"/>
+        </a:xfrm>
+      </p:grpSpPr>
+      <p:sp>
+        <p:nvSpPr>
+          <p:cNvPr id="2" name="Slide Image Placeholder 1"/>
+          <p:cNvSpPr>
+            <a:spLocks noGrp="1" noRot="1" noChangeAspect="1"/>
+          </p:cNvSpPr>
+          <p:nvPr>
+            <p:ph type="sldImg"/>
+          </p:nvPr>
+        </p:nvSpPr>
+        <p:spPr/>
+      </p:sp>
+      <p:sp>
+        <p:nvSpPr>
+          <p:cNvPr id="3" name="Notes Placeholder 2"/>
+          <p:cNvSpPr>
+            <a:spLocks noGrp="1"/>
+          </p:cNvSpPr>
+          <p:nvPr>
+            <p:ph type="body" idx="1"/>
+          </p:nvPr>
+        </p:nvSpPr>
+        <p:spPr/>
+        <p:txBody>
+          <a:bodyPr/>
+          <a:lstStyle/>
+          <a:p>
+            <a:endParaRPr lang="en-US" dirty="0"/>
+          </a:p>
+        </p:txBody>
+      </p:sp>
+      <p:sp>
+        <p:nvSpPr>
+          <p:cNvPr id="4" name="Slide Number Placeholder 3"/>
+          <p:cNvSpPr>
+            <a:spLocks noGrp="1"/>
+          </p:cNvSpPr>
+          <p:nvPr>
+            <p:ph type="sldNum" sz="quarter" idx="5"/>
+          </p:nvPr>
+        </p:nvSpPr>
+        <p:spPr/>
+        <p:txBody>
+          <a:bodyPr/>
+          <a:lstStyle/>
+          <a:p>
+            <a:fld id="{3BE7DE0F-4338-D345-B6F5-61C48058FBBB}" type="slidenum">
+              <a:rPr lang="en-US" smtClean="0"/>
+              <a:t>49</a:t>
+            </a:fld>
+            <a:endParaRPr lang="en-US"/>
+          </a:p>
+        </p:txBody>
+      </p:sp>
+    </p:spTree>
+    <p:extLst>
+      <p:ext uri="{BB962C8B-B14F-4D97-AF65-F5344CB8AC3E}">
+        <p14:creationId xmlns:p14="http://schemas.microsoft.com/office/powerpoint/2010/main" val="2025724188"/>
+      </p:ext>
+    </p:extLst>
+  </p:cSld>
+  <p:clrMapOvr>
+    <a:masterClrMapping/>
+  </p:clrMapOvr>
+</p:notes>
+</file>
+
+<file path=ppt/notesSlides/notesSlide18.xml><?xml version="1.0" encoding="utf-8"?>
+<p:notes xmlns:a="http://schemas.openxmlformats.org/drawingml/2006/main" xmlns:r="http://schemas.openxmlformats.org/officeDocument/2006/relationships" xmlns:p="http://schemas.openxmlformats.org/presentationml/2006/main">
+  <p:cSld>
+    <p:spTree>
+      <p:nvGrpSpPr>
+        <p:cNvPr id="1" name=""/>
+        <p:cNvGrpSpPr/>
+        <p:nvPr/>
+      </p:nvGrpSpPr>
+      <p:grpSpPr>
+        <a:xfrm>
+          <a:off x="0" y="0"/>
+          <a:ext cx="0" cy="0"/>
+          <a:chOff x="0" y="0"/>
+          <a:chExt cx="0" cy="0"/>
+        </a:xfrm>
+      </p:grpSpPr>
+      <p:sp>
+        <p:nvSpPr>
+          <p:cNvPr id="2" name="Slide Image Placeholder 1"/>
+          <p:cNvSpPr>
+            <a:spLocks noGrp="1" noRot="1" noChangeAspect="1"/>
+          </p:cNvSpPr>
+          <p:nvPr>
+            <p:ph type="sldImg"/>
+          </p:nvPr>
+        </p:nvSpPr>
+        <p:spPr/>
+      </p:sp>
+      <p:sp>
+        <p:nvSpPr>
+          <p:cNvPr id="3" name="Notes Placeholder 2"/>
+          <p:cNvSpPr>
+            <a:spLocks noGrp="1"/>
+          </p:cNvSpPr>
+          <p:nvPr>
+            <p:ph type="body" idx="1"/>
+          </p:nvPr>
+        </p:nvSpPr>
+        <p:spPr/>
+        <p:txBody>
+          <a:bodyPr/>
+          <a:lstStyle/>
+          <a:p>
+            <a:endParaRPr lang="en-US" dirty="0"/>
+          </a:p>
+        </p:txBody>
+      </p:sp>
+      <p:sp>
+        <p:nvSpPr>
+          <p:cNvPr id="4" name="Slide Number Placeholder 3"/>
+          <p:cNvSpPr>
+            <a:spLocks noGrp="1"/>
+          </p:cNvSpPr>
+          <p:nvPr>
+            <p:ph type="sldNum" sz="quarter" idx="5"/>
+          </p:nvPr>
+        </p:nvSpPr>
+        <p:spPr/>
+        <p:txBody>
+          <a:bodyPr/>
+          <a:lstStyle/>
+          <a:p>
+            <a:fld id="{3BE7DE0F-4338-D345-B6F5-61C48058FBBB}" type="slidenum">
+              <a:rPr lang="en-US" smtClean="0"/>
+              <a:t>50</a:t>
+            </a:fld>
+            <a:endParaRPr lang="en-US"/>
+          </a:p>
+        </p:txBody>
+      </p:sp>
+    </p:spTree>
+    <p:extLst>
+      <p:ext uri="{BB962C8B-B14F-4D97-AF65-F5344CB8AC3E}">
+        <p14:creationId xmlns:p14="http://schemas.microsoft.com/office/powerpoint/2010/main" val="2788230427"/>
+      </p:ext>
+    </p:extLst>
+  </p:cSld>
+  <p:clrMapOvr>
+    <a:masterClrMapping/>
+  </p:clrMapOvr>
+</p:notes>
+</file>
+
+<file path=ppt/notesSlides/notesSlide19.xml><?xml version="1.0" encoding="utf-8"?>
+<p:notes xmlns:a="http://schemas.openxmlformats.org/drawingml/2006/main" xmlns:r="http://schemas.openxmlformats.org/officeDocument/2006/relationships" xmlns:p="http://schemas.openxmlformats.org/presentationml/2006/main">
+  <p:cSld>
+    <p:spTree>
+      <p:nvGrpSpPr>
+        <p:cNvPr id="1" name=""/>
+        <p:cNvGrpSpPr/>
+        <p:nvPr/>
+      </p:nvGrpSpPr>
+      <p:grpSpPr>
+        <a:xfrm>
+          <a:off x="0" y="0"/>
+          <a:ext cx="0" cy="0"/>
+          <a:chOff x="0" y="0"/>
+          <a:chExt cx="0" cy="0"/>
+        </a:xfrm>
+      </p:grpSpPr>
+      <p:sp>
+        <p:nvSpPr>
+          <p:cNvPr id="2" name="Slide Image Placeholder 1"/>
+          <p:cNvSpPr>
+            <a:spLocks noGrp="1" noRot="1" noChangeAspect="1"/>
+          </p:cNvSpPr>
+          <p:nvPr>
+            <p:ph type="sldImg"/>
+          </p:nvPr>
+        </p:nvSpPr>
+        <p:spPr/>
+      </p:sp>
+      <p:sp>
+        <p:nvSpPr>
+          <p:cNvPr id="3" name="Notes Placeholder 2"/>
+          <p:cNvSpPr>
+            <a:spLocks noGrp="1"/>
+          </p:cNvSpPr>
+          <p:nvPr>
+            <p:ph type="body" idx="1"/>
+          </p:nvPr>
+        </p:nvSpPr>
+        <p:spPr/>
+        <p:txBody>
+          <a:bodyPr/>
+          <a:lstStyle/>
+          <a:p>
+            <a:endParaRPr lang="en-US" dirty="0"/>
+          </a:p>
+        </p:txBody>
+      </p:sp>
+      <p:sp>
+        <p:nvSpPr>
+          <p:cNvPr id="4" name="Slide Number Placeholder 3"/>
+          <p:cNvSpPr>
+            <a:spLocks noGrp="1"/>
+          </p:cNvSpPr>
+          <p:nvPr>
+            <p:ph type="sldNum" sz="quarter" idx="5"/>
+          </p:nvPr>
+        </p:nvSpPr>
+        <p:spPr/>
+        <p:txBody>
+          <a:bodyPr/>
+          <a:lstStyle/>
+          <a:p>
+            <a:fld id="{3BE7DE0F-4338-D345-B6F5-61C48058FBBB}" type="slidenum">
+              <a:rPr lang="en-US" smtClean="0"/>
+              <a:t>51</a:t>
+            </a:fld>
+            <a:endParaRPr lang="en-US"/>
+          </a:p>
+        </p:txBody>
+      </p:sp>
+    </p:spTree>
+    <p:extLst>
+      <p:ext uri="{BB962C8B-B14F-4D97-AF65-F5344CB8AC3E}">
+        <p14:creationId xmlns:p14="http://schemas.microsoft.com/office/powerpoint/2010/main" val="4020185542"/>
+      </p:ext>
+    </p:extLst>
+  </p:cSld>
+  <p:clrMapOvr>
+    <a:masterClrMapping/>
+  </p:clrMapOvr>
+</p:notes>
+</file>
+
 <file path=ppt/notesSlides/notesSlide2.xml><?xml version="1.0" encoding="utf-8"?>
 <p:notes xmlns:a="http://schemas.openxmlformats.org/drawingml/2006/main" xmlns:r="http://schemas.openxmlformats.org/officeDocument/2006/relationships" xmlns:p="http://schemas.openxmlformats.org/presentationml/2006/main">
   <p:cSld>
@@ -658,6 +1514,90 @@
     <p:extLst>
       <p:ext uri="{BB962C8B-B14F-4D97-AF65-F5344CB8AC3E}">
         <p14:creationId xmlns:p14="http://schemas.microsoft.com/office/powerpoint/2010/main" val="1071573969"/>
+      </p:ext>
+    </p:extLst>
+  </p:cSld>
+  <p:clrMapOvr>
+    <a:masterClrMapping/>
+  </p:clrMapOvr>
+</p:notes>
+</file>
+
+<file path=ppt/notesSlides/notesSlide20.xml><?xml version="1.0" encoding="utf-8"?>
+<p:notes xmlns:a="http://schemas.openxmlformats.org/drawingml/2006/main" xmlns:r="http://schemas.openxmlformats.org/officeDocument/2006/relationships" xmlns:p="http://schemas.openxmlformats.org/presentationml/2006/main">
+  <p:cSld>
+    <p:spTree>
+      <p:nvGrpSpPr>
+        <p:cNvPr id="1" name=""/>
+        <p:cNvGrpSpPr/>
+        <p:nvPr/>
+      </p:nvGrpSpPr>
+      <p:grpSpPr>
+        <a:xfrm>
+          <a:off x="0" y="0"/>
+          <a:ext cx="0" cy="0"/>
+          <a:chOff x="0" y="0"/>
+          <a:chExt cx="0" cy="0"/>
+        </a:xfrm>
+      </p:grpSpPr>
+      <p:sp>
+        <p:nvSpPr>
+          <p:cNvPr id="2" name="Slide Image Placeholder 1"/>
+          <p:cNvSpPr>
+            <a:spLocks noGrp="1" noRot="1" noChangeAspect="1"/>
+          </p:cNvSpPr>
+          <p:nvPr>
+            <p:ph type="sldImg"/>
+          </p:nvPr>
+        </p:nvSpPr>
+        <p:spPr/>
+      </p:sp>
+      <p:sp>
+        <p:nvSpPr>
+          <p:cNvPr id="3" name="Notes Placeholder 2"/>
+          <p:cNvSpPr>
+            <a:spLocks noGrp="1"/>
+          </p:cNvSpPr>
+          <p:nvPr>
+            <p:ph type="body" idx="1"/>
+          </p:nvPr>
+        </p:nvSpPr>
+        <p:spPr/>
+        <p:txBody>
+          <a:bodyPr/>
+          <a:lstStyle/>
+          <a:p>
+            <a:endParaRPr lang="en-US" dirty="0"/>
+          </a:p>
+        </p:txBody>
+      </p:sp>
+      <p:sp>
+        <p:nvSpPr>
+          <p:cNvPr id="4" name="Slide Number Placeholder 3"/>
+          <p:cNvSpPr>
+            <a:spLocks noGrp="1"/>
+          </p:cNvSpPr>
+          <p:nvPr>
+            <p:ph type="sldNum" sz="quarter" idx="5"/>
+          </p:nvPr>
+        </p:nvSpPr>
+        <p:spPr/>
+        <p:txBody>
+          <a:bodyPr/>
+          <a:lstStyle/>
+          <a:p>
+            <a:fld id="{3BE7DE0F-4338-D345-B6F5-61C48058FBBB}" type="slidenum">
+              <a:rPr lang="en-US" smtClean="0"/>
+              <a:t>52</a:t>
+            </a:fld>
+            <a:endParaRPr lang="en-US"/>
+          </a:p>
+        </p:txBody>
+      </p:sp>
+    </p:spTree>
+    <p:extLst>
+      <p:ext uri="{BB962C8B-B14F-4D97-AF65-F5344CB8AC3E}">
+        <p14:creationId xmlns:p14="http://schemas.microsoft.com/office/powerpoint/2010/main" val="3067235859"/>
       </p:ext>
     </p:extLst>
   </p:cSld>
@@ -826,6 +1766,426 @@
     <p:extLst>
       <p:ext uri="{BB962C8B-B14F-4D97-AF65-F5344CB8AC3E}">
         <p14:creationId xmlns:p14="http://schemas.microsoft.com/office/powerpoint/2010/main" val="2083485034"/>
+      </p:ext>
+    </p:extLst>
+  </p:cSld>
+  <p:clrMapOvr>
+    <a:masterClrMapping/>
+  </p:clrMapOvr>
+</p:notes>
+</file>
+
+<file path=ppt/notesSlides/notesSlide5.xml><?xml version="1.0" encoding="utf-8"?>
+<p:notes xmlns:a="http://schemas.openxmlformats.org/drawingml/2006/main" xmlns:r="http://schemas.openxmlformats.org/officeDocument/2006/relationships" xmlns:p="http://schemas.openxmlformats.org/presentationml/2006/main">
+  <p:cSld>
+    <p:spTree>
+      <p:nvGrpSpPr>
+        <p:cNvPr id="1" name=""/>
+        <p:cNvGrpSpPr/>
+        <p:nvPr/>
+      </p:nvGrpSpPr>
+      <p:grpSpPr>
+        <a:xfrm>
+          <a:off x="0" y="0"/>
+          <a:ext cx="0" cy="0"/>
+          <a:chOff x="0" y="0"/>
+          <a:chExt cx="0" cy="0"/>
+        </a:xfrm>
+      </p:grpSpPr>
+      <p:sp>
+        <p:nvSpPr>
+          <p:cNvPr id="2" name="Slide Image Placeholder 1"/>
+          <p:cNvSpPr>
+            <a:spLocks noGrp="1" noRot="1" noChangeAspect="1"/>
+          </p:cNvSpPr>
+          <p:nvPr>
+            <p:ph type="sldImg"/>
+          </p:nvPr>
+        </p:nvSpPr>
+        <p:spPr/>
+      </p:sp>
+      <p:sp>
+        <p:nvSpPr>
+          <p:cNvPr id="3" name="Notes Placeholder 2"/>
+          <p:cNvSpPr>
+            <a:spLocks noGrp="1"/>
+          </p:cNvSpPr>
+          <p:nvPr>
+            <p:ph type="body" idx="1"/>
+          </p:nvPr>
+        </p:nvSpPr>
+        <p:spPr/>
+        <p:txBody>
+          <a:bodyPr/>
+          <a:lstStyle/>
+          <a:p>
+            <a:endParaRPr lang="en-US" dirty="0"/>
+          </a:p>
+        </p:txBody>
+      </p:sp>
+      <p:sp>
+        <p:nvSpPr>
+          <p:cNvPr id="4" name="Slide Number Placeholder 3"/>
+          <p:cNvSpPr>
+            <a:spLocks noGrp="1"/>
+          </p:cNvSpPr>
+          <p:nvPr>
+            <p:ph type="sldNum" sz="quarter" idx="5"/>
+          </p:nvPr>
+        </p:nvSpPr>
+        <p:spPr/>
+        <p:txBody>
+          <a:bodyPr/>
+          <a:lstStyle/>
+          <a:p>
+            <a:fld id="{3BE7DE0F-4338-D345-B6F5-61C48058FBBB}" type="slidenum">
+              <a:rPr lang="en-US" smtClean="0"/>
+              <a:t>37</a:t>
+            </a:fld>
+            <a:endParaRPr lang="en-US"/>
+          </a:p>
+        </p:txBody>
+      </p:sp>
+    </p:spTree>
+    <p:extLst>
+      <p:ext uri="{BB962C8B-B14F-4D97-AF65-F5344CB8AC3E}">
+        <p14:creationId xmlns:p14="http://schemas.microsoft.com/office/powerpoint/2010/main" val="2782901984"/>
+      </p:ext>
+    </p:extLst>
+  </p:cSld>
+  <p:clrMapOvr>
+    <a:masterClrMapping/>
+  </p:clrMapOvr>
+</p:notes>
+</file>
+
+<file path=ppt/notesSlides/notesSlide6.xml><?xml version="1.0" encoding="utf-8"?>
+<p:notes xmlns:a="http://schemas.openxmlformats.org/drawingml/2006/main" xmlns:r="http://schemas.openxmlformats.org/officeDocument/2006/relationships" xmlns:p="http://schemas.openxmlformats.org/presentationml/2006/main">
+  <p:cSld>
+    <p:spTree>
+      <p:nvGrpSpPr>
+        <p:cNvPr id="1" name=""/>
+        <p:cNvGrpSpPr/>
+        <p:nvPr/>
+      </p:nvGrpSpPr>
+      <p:grpSpPr>
+        <a:xfrm>
+          <a:off x="0" y="0"/>
+          <a:ext cx="0" cy="0"/>
+          <a:chOff x="0" y="0"/>
+          <a:chExt cx="0" cy="0"/>
+        </a:xfrm>
+      </p:grpSpPr>
+      <p:sp>
+        <p:nvSpPr>
+          <p:cNvPr id="2" name="Slide Image Placeholder 1"/>
+          <p:cNvSpPr>
+            <a:spLocks noGrp="1" noRot="1" noChangeAspect="1"/>
+          </p:cNvSpPr>
+          <p:nvPr>
+            <p:ph type="sldImg"/>
+          </p:nvPr>
+        </p:nvSpPr>
+        <p:spPr/>
+      </p:sp>
+      <p:sp>
+        <p:nvSpPr>
+          <p:cNvPr id="3" name="Notes Placeholder 2"/>
+          <p:cNvSpPr>
+            <a:spLocks noGrp="1"/>
+          </p:cNvSpPr>
+          <p:nvPr>
+            <p:ph type="body" idx="1"/>
+          </p:nvPr>
+        </p:nvSpPr>
+        <p:spPr/>
+        <p:txBody>
+          <a:bodyPr/>
+          <a:lstStyle/>
+          <a:p>
+            <a:endParaRPr lang="en-US" dirty="0"/>
+          </a:p>
+        </p:txBody>
+      </p:sp>
+      <p:sp>
+        <p:nvSpPr>
+          <p:cNvPr id="4" name="Slide Number Placeholder 3"/>
+          <p:cNvSpPr>
+            <a:spLocks noGrp="1"/>
+          </p:cNvSpPr>
+          <p:nvPr>
+            <p:ph type="sldNum" sz="quarter" idx="5"/>
+          </p:nvPr>
+        </p:nvSpPr>
+        <p:spPr/>
+        <p:txBody>
+          <a:bodyPr/>
+          <a:lstStyle/>
+          <a:p>
+            <a:fld id="{3BE7DE0F-4338-D345-B6F5-61C48058FBBB}" type="slidenum">
+              <a:rPr lang="en-US" smtClean="0"/>
+              <a:t>38</a:t>
+            </a:fld>
+            <a:endParaRPr lang="en-US"/>
+          </a:p>
+        </p:txBody>
+      </p:sp>
+    </p:spTree>
+    <p:extLst>
+      <p:ext uri="{BB962C8B-B14F-4D97-AF65-F5344CB8AC3E}">
+        <p14:creationId xmlns:p14="http://schemas.microsoft.com/office/powerpoint/2010/main" val="4078348964"/>
+      </p:ext>
+    </p:extLst>
+  </p:cSld>
+  <p:clrMapOvr>
+    <a:masterClrMapping/>
+  </p:clrMapOvr>
+</p:notes>
+</file>
+
+<file path=ppt/notesSlides/notesSlide7.xml><?xml version="1.0" encoding="utf-8"?>
+<p:notes xmlns:a="http://schemas.openxmlformats.org/drawingml/2006/main" xmlns:r="http://schemas.openxmlformats.org/officeDocument/2006/relationships" xmlns:p="http://schemas.openxmlformats.org/presentationml/2006/main">
+  <p:cSld>
+    <p:spTree>
+      <p:nvGrpSpPr>
+        <p:cNvPr id="1" name=""/>
+        <p:cNvGrpSpPr/>
+        <p:nvPr/>
+      </p:nvGrpSpPr>
+      <p:grpSpPr>
+        <a:xfrm>
+          <a:off x="0" y="0"/>
+          <a:ext cx="0" cy="0"/>
+          <a:chOff x="0" y="0"/>
+          <a:chExt cx="0" cy="0"/>
+        </a:xfrm>
+      </p:grpSpPr>
+      <p:sp>
+        <p:nvSpPr>
+          <p:cNvPr id="2" name="Slide Image Placeholder 1"/>
+          <p:cNvSpPr>
+            <a:spLocks noGrp="1" noRot="1" noChangeAspect="1"/>
+          </p:cNvSpPr>
+          <p:nvPr>
+            <p:ph type="sldImg"/>
+          </p:nvPr>
+        </p:nvSpPr>
+        <p:spPr/>
+      </p:sp>
+      <p:sp>
+        <p:nvSpPr>
+          <p:cNvPr id="3" name="Notes Placeholder 2"/>
+          <p:cNvSpPr>
+            <a:spLocks noGrp="1"/>
+          </p:cNvSpPr>
+          <p:nvPr>
+            <p:ph type="body" idx="1"/>
+          </p:nvPr>
+        </p:nvSpPr>
+        <p:spPr/>
+        <p:txBody>
+          <a:bodyPr/>
+          <a:lstStyle/>
+          <a:p>
+            <a:endParaRPr lang="en-US" dirty="0"/>
+          </a:p>
+        </p:txBody>
+      </p:sp>
+      <p:sp>
+        <p:nvSpPr>
+          <p:cNvPr id="4" name="Slide Number Placeholder 3"/>
+          <p:cNvSpPr>
+            <a:spLocks noGrp="1"/>
+          </p:cNvSpPr>
+          <p:nvPr>
+            <p:ph type="sldNum" sz="quarter" idx="5"/>
+          </p:nvPr>
+        </p:nvSpPr>
+        <p:spPr/>
+        <p:txBody>
+          <a:bodyPr/>
+          <a:lstStyle/>
+          <a:p>
+            <a:fld id="{3BE7DE0F-4338-D345-B6F5-61C48058FBBB}" type="slidenum">
+              <a:rPr lang="en-US" smtClean="0"/>
+              <a:t>39</a:t>
+            </a:fld>
+            <a:endParaRPr lang="en-US"/>
+          </a:p>
+        </p:txBody>
+      </p:sp>
+    </p:spTree>
+    <p:extLst>
+      <p:ext uri="{BB962C8B-B14F-4D97-AF65-F5344CB8AC3E}">
+        <p14:creationId xmlns:p14="http://schemas.microsoft.com/office/powerpoint/2010/main" val="3464714576"/>
+      </p:ext>
+    </p:extLst>
+  </p:cSld>
+  <p:clrMapOvr>
+    <a:masterClrMapping/>
+  </p:clrMapOvr>
+</p:notes>
+</file>
+
+<file path=ppt/notesSlides/notesSlide8.xml><?xml version="1.0" encoding="utf-8"?>
+<p:notes xmlns:a="http://schemas.openxmlformats.org/drawingml/2006/main" xmlns:r="http://schemas.openxmlformats.org/officeDocument/2006/relationships" xmlns:p="http://schemas.openxmlformats.org/presentationml/2006/main">
+  <p:cSld>
+    <p:spTree>
+      <p:nvGrpSpPr>
+        <p:cNvPr id="1" name=""/>
+        <p:cNvGrpSpPr/>
+        <p:nvPr/>
+      </p:nvGrpSpPr>
+      <p:grpSpPr>
+        <a:xfrm>
+          <a:off x="0" y="0"/>
+          <a:ext cx="0" cy="0"/>
+          <a:chOff x="0" y="0"/>
+          <a:chExt cx="0" cy="0"/>
+        </a:xfrm>
+      </p:grpSpPr>
+      <p:sp>
+        <p:nvSpPr>
+          <p:cNvPr id="2" name="Slide Image Placeholder 1"/>
+          <p:cNvSpPr>
+            <a:spLocks noGrp="1" noRot="1" noChangeAspect="1"/>
+          </p:cNvSpPr>
+          <p:nvPr>
+            <p:ph type="sldImg"/>
+          </p:nvPr>
+        </p:nvSpPr>
+        <p:spPr/>
+      </p:sp>
+      <p:sp>
+        <p:nvSpPr>
+          <p:cNvPr id="3" name="Notes Placeholder 2"/>
+          <p:cNvSpPr>
+            <a:spLocks noGrp="1"/>
+          </p:cNvSpPr>
+          <p:nvPr>
+            <p:ph type="body" idx="1"/>
+          </p:nvPr>
+        </p:nvSpPr>
+        <p:spPr/>
+        <p:txBody>
+          <a:bodyPr/>
+          <a:lstStyle/>
+          <a:p>
+            <a:endParaRPr lang="en-US" dirty="0"/>
+          </a:p>
+        </p:txBody>
+      </p:sp>
+      <p:sp>
+        <p:nvSpPr>
+          <p:cNvPr id="4" name="Slide Number Placeholder 3"/>
+          <p:cNvSpPr>
+            <a:spLocks noGrp="1"/>
+          </p:cNvSpPr>
+          <p:nvPr>
+            <p:ph type="sldNum" sz="quarter" idx="5"/>
+          </p:nvPr>
+        </p:nvSpPr>
+        <p:spPr/>
+        <p:txBody>
+          <a:bodyPr/>
+          <a:lstStyle/>
+          <a:p>
+            <a:fld id="{3BE7DE0F-4338-D345-B6F5-61C48058FBBB}" type="slidenum">
+              <a:rPr lang="en-US" smtClean="0"/>
+              <a:t>40</a:t>
+            </a:fld>
+            <a:endParaRPr lang="en-US"/>
+          </a:p>
+        </p:txBody>
+      </p:sp>
+    </p:spTree>
+    <p:extLst>
+      <p:ext uri="{BB962C8B-B14F-4D97-AF65-F5344CB8AC3E}">
+        <p14:creationId xmlns:p14="http://schemas.microsoft.com/office/powerpoint/2010/main" val="1680485206"/>
+      </p:ext>
+    </p:extLst>
+  </p:cSld>
+  <p:clrMapOvr>
+    <a:masterClrMapping/>
+  </p:clrMapOvr>
+</p:notes>
+</file>
+
+<file path=ppt/notesSlides/notesSlide9.xml><?xml version="1.0" encoding="utf-8"?>
+<p:notes xmlns:a="http://schemas.openxmlformats.org/drawingml/2006/main" xmlns:r="http://schemas.openxmlformats.org/officeDocument/2006/relationships" xmlns:p="http://schemas.openxmlformats.org/presentationml/2006/main">
+  <p:cSld>
+    <p:spTree>
+      <p:nvGrpSpPr>
+        <p:cNvPr id="1" name=""/>
+        <p:cNvGrpSpPr/>
+        <p:nvPr/>
+      </p:nvGrpSpPr>
+      <p:grpSpPr>
+        <a:xfrm>
+          <a:off x="0" y="0"/>
+          <a:ext cx="0" cy="0"/>
+          <a:chOff x="0" y="0"/>
+          <a:chExt cx="0" cy="0"/>
+        </a:xfrm>
+      </p:grpSpPr>
+      <p:sp>
+        <p:nvSpPr>
+          <p:cNvPr id="2" name="Slide Image Placeholder 1"/>
+          <p:cNvSpPr>
+            <a:spLocks noGrp="1" noRot="1" noChangeAspect="1"/>
+          </p:cNvSpPr>
+          <p:nvPr>
+            <p:ph type="sldImg"/>
+          </p:nvPr>
+        </p:nvSpPr>
+        <p:spPr/>
+      </p:sp>
+      <p:sp>
+        <p:nvSpPr>
+          <p:cNvPr id="3" name="Notes Placeholder 2"/>
+          <p:cNvSpPr>
+            <a:spLocks noGrp="1"/>
+          </p:cNvSpPr>
+          <p:nvPr>
+            <p:ph type="body" idx="1"/>
+          </p:nvPr>
+        </p:nvSpPr>
+        <p:spPr/>
+        <p:txBody>
+          <a:bodyPr/>
+          <a:lstStyle/>
+          <a:p>
+            <a:endParaRPr lang="en-US" dirty="0"/>
+          </a:p>
+        </p:txBody>
+      </p:sp>
+      <p:sp>
+        <p:nvSpPr>
+          <p:cNvPr id="4" name="Slide Number Placeholder 3"/>
+          <p:cNvSpPr>
+            <a:spLocks noGrp="1"/>
+          </p:cNvSpPr>
+          <p:nvPr>
+            <p:ph type="sldNum" sz="quarter" idx="5"/>
+          </p:nvPr>
+        </p:nvSpPr>
+        <p:spPr/>
+        <p:txBody>
+          <a:bodyPr/>
+          <a:lstStyle/>
+          <a:p>
+            <a:fld id="{3BE7DE0F-4338-D345-B6F5-61C48058FBBB}" type="slidenum">
+              <a:rPr lang="en-US" smtClean="0"/>
+              <a:t>41</a:t>
+            </a:fld>
+            <a:endParaRPr lang="en-US"/>
+          </a:p>
+        </p:txBody>
+      </p:sp>
+    </p:spTree>
+    <p:extLst>
+      <p:ext uri="{BB962C8B-B14F-4D97-AF65-F5344CB8AC3E}">
+        <p14:creationId xmlns:p14="http://schemas.microsoft.com/office/powerpoint/2010/main" val="565875797"/>
       </p:ext>
     </p:extLst>
   </p:cSld>
@@ -11384,6 +12744,643 @@
 </p:sld>
 </file>
 
+<file path=ppt/slides/slide37.xml><?xml version="1.0" encoding="utf-8"?>
+<p:sld xmlns:a="http://schemas.openxmlformats.org/drawingml/2006/main" xmlns:r="http://schemas.openxmlformats.org/officeDocument/2006/relationships" xmlns:p="http://schemas.openxmlformats.org/presentationml/2006/main">
+  <p:cSld>
+    <p:bg>
+      <p:bgPr>
+        <a:solidFill>
+          <a:schemeClr val="bg1"/>
+        </a:solidFill>
+        <a:effectLst/>
+      </p:bgPr>
+    </p:bg>
+    <p:spTree>
+      <p:nvGrpSpPr>
+        <p:cNvPr id="1" name=""/>
+        <p:cNvGrpSpPr/>
+        <p:nvPr/>
+      </p:nvGrpSpPr>
+      <p:grpSpPr>
+        <a:xfrm>
+          <a:off x="0" y="0"/>
+          <a:ext cx="0" cy="0"/>
+          <a:chOff x="0" y="0"/>
+          <a:chExt cx="0" cy="0"/>
+        </a:xfrm>
+      </p:grpSpPr>
+      <p:sp>
+        <p:nvSpPr>
+          <p:cNvPr id="11" name="Flowchart: Document 10">
+            <a:extLst>
+              <a:ext uri="{FF2B5EF4-FFF2-40B4-BE49-F238E27FC236}">
+                <a16:creationId xmlns:a16="http://schemas.microsoft.com/office/drawing/2014/main" id="{D12DDE76-C203-4047-9998-63900085B5E8}"/>
+              </a:ext>
+              <a:ext uri="{C183D7F6-B498-43B3-948B-1728B52AA6E4}">
+                <adec:decorative xmlns:adec="http://schemas.microsoft.com/office/drawing/2017/decorative" val="1"/>
+              </a:ext>
+            </a:extLst>
+          </p:cNvPr>
+          <p:cNvSpPr>
+            <a:spLocks noGrp="1" noRot="1" noChangeAspect="1" noMove="1" noResize="1" noEditPoints="1" noAdjustHandles="1" noChangeArrowheads="1" noChangeShapeType="1" noTextEdit="1"/>
+          </p:cNvSpPr>
+          <p:nvPr>
+            <p:extLst>
+              <p:ext uri="{386F3935-93C4-4BCD-93E2-E3B085C9AB24}">
+                <p16:designElem xmlns:p16="http://schemas.microsoft.com/office/powerpoint/2015/main" val="1"/>
+              </p:ext>
+            </p:extLst>
+          </p:nvPr>
+        </p:nvSpPr>
+        <p:spPr>
+          <a:xfrm>
+            <a:off x="638175" y="0"/>
+            <a:ext cx="3248025" cy="3400426"/>
+          </a:xfrm>
+          <a:prstGeom prst="flowChartDocument">
+            <a:avLst/>
+          </a:prstGeom>
+          <a:solidFill>
+            <a:schemeClr val="accent1"/>
+          </a:solidFill>
+          <a:ln>
+            <a:noFill/>
+          </a:ln>
+        </p:spPr>
+        <p:style>
+          <a:lnRef idx="2">
+            <a:schemeClr val="accent1">
+              <a:shade val="50000"/>
+            </a:schemeClr>
+          </a:lnRef>
+          <a:fillRef idx="1">
+            <a:schemeClr val="accent1"/>
+          </a:fillRef>
+          <a:effectRef idx="0">
+            <a:schemeClr val="accent1"/>
+          </a:effectRef>
+          <a:fontRef idx="minor">
+            <a:schemeClr val="lt1"/>
+          </a:fontRef>
+        </p:style>
+        <p:txBody>
+          <a:bodyPr rtlCol="0" anchor="ctr"/>
+          <a:lstStyle/>
+          <a:p>
+            <a:pPr algn="ctr"/>
+            <a:endParaRPr lang="en-US"/>
+          </a:p>
+        </p:txBody>
+      </p:sp>
+      <p:sp>
+        <p:nvSpPr>
+          <p:cNvPr id="2" name="Title 1">
+            <a:extLst>
+              <a:ext uri="{FF2B5EF4-FFF2-40B4-BE49-F238E27FC236}">
+                <a16:creationId xmlns:a16="http://schemas.microsoft.com/office/drawing/2014/main" id="{9D045432-EED2-8148-BA86-3132BFE644EB}"/>
+              </a:ext>
+            </a:extLst>
+          </p:cNvPr>
+          <p:cNvSpPr>
+            <a:spLocks noGrp="1"/>
+          </p:cNvSpPr>
+          <p:nvPr>
+            <p:ph type="title"/>
+          </p:nvPr>
+        </p:nvSpPr>
+        <p:spPr>
+          <a:xfrm>
+            <a:off x="838200" y="171162"/>
+            <a:ext cx="2840182" cy="3229264"/>
+          </a:xfrm>
+        </p:spPr>
+        <p:txBody>
+          <a:bodyPr vert="horz" lIns="91440" tIns="45720" rIns="91440" bIns="45720" rtlCol="0" anchor="ctr">
+            <a:noAutofit/>
+          </a:bodyPr>
+          <a:lstStyle/>
+          <a:p>
+            <a:r>
+              <a:rPr lang="en-US" sz="3200" kern="1200" dirty="0" err="1">
+                <a:solidFill>
+                  <a:srgbClr val="FFFFFF"/>
+                </a:solidFill>
+                <a:latin typeface="+mj-lt"/>
+                <a:ea typeface="+mj-ea"/>
+                <a:cs typeface="+mj-cs"/>
+              </a:rPr>
+              <a:t>Trabajando</a:t>
+            </a:r>
+            <a:r>
+              <a:rPr lang="en-US" sz="3200" kern="1200" dirty="0">
+                <a:solidFill>
+                  <a:srgbClr val="FFFFFF"/>
+                </a:solidFill>
+                <a:latin typeface="+mj-lt"/>
+                <a:ea typeface="+mj-ea"/>
+                <a:cs typeface="+mj-cs"/>
+              </a:rPr>
+              <a:t> con Strings</a:t>
+            </a:r>
+          </a:p>
+        </p:txBody>
+      </p:sp>
+      <p:pic>
+        <p:nvPicPr>
+          <p:cNvPr id="6" name="Picture 5" descr="A screenshot of a cell phone&#10;&#10;Description automatically generated">
+            <a:extLst>
+              <a:ext uri="{FF2B5EF4-FFF2-40B4-BE49-F238E27FC236}">
+                <a16:creationId xmlns:a16="http://schemas.microsoft.com/office/drawing/2014/main" id="{923346B1-3534-824D-A205-208F3B1B7C94}"/>
+              </a:ext>
+            </a:extLst>
+          </p:cNvPr>
+          <p:cNvPicPr>
+            <a:picLocks noChangeAspect="1"/>
+          </p:cNvPicPr>
+          <p:nvPr/>
+        </p:nvPicPr>
+        <p:blipFill>
+          <a:blip r:embed="rId3"/>
+          <a:stretch>
+            <a:fillRect/>
+          </a:stretch>
+        </p:blipFill>
+        <p:spPr>
+          <a:xfrm>
+            <a:off x="4024908" y="625476"/>
+            <a:ext cx="8153400" cy="5549900"/>
+          </a:xfrm>
+          <a:prstGeom prst="rect">
+            <a:avLst/>
+          </a:prstGeom>
+        </p:spPr>
+      </p:pic>
+    </p:spTree>
+    <p:extLst>
+      <p:ext uri="{BB962C8B-B14F-4D97-AF65-F5344CB8AC3E}">
+        <p14:creationId xmlns:p14="http://schemas.microsoft.com/office/powerpoint/2010/main" val="305936719"/>
+      </p:ext>
+    </p:extLst>
+  </p:cSld>
+  <p:clrMapOvr>
+    <a:masterClrMapping/>
+  </p:clrMapOvr>
+</p:sld>
+</file>
+
+<file path=ppt/slides/slide38.xml><?xml version="1.0" encoding="utf-8"?>
+<p:sld xmlns:a="http://schemas.openxmlformats.org/drawingml/2006/main" xmlns:r="http://schemas.openxmlformats.org/officeDocument/2006/relationships" xmlns:p="http://schemas.openxmlformats.org/presentationml/2006/main">
+  <p:cSld>
+    <p:bg>
+      <p:bgPr>
+        <a:solidFill>
+          <a:schemeClr val="bg1"/>
+        </a:solidFill>
+        <a:effectLst/>
+      </p:bgPr>
+    </p:bg>
+    <p:spTree>
+      <p:nvGrpSpPr>
+        <p:cNvPr id="1" name=""/>
+        <p:cNvGrpSpPr/>
+        <p:nvPr/>
+      </p:nvGrpSpPr>
+      <p:grpSpPr>
+        <a:xfrm>
+          <a:off x="0" y="0"/>
+          <a:ext cx="0" cy="0"/>
+          <a:chOff x="0" y="0"/>
+          <a:chExt cx="0" cy="0"/>
+        </a:xfrm>
+      </p:grpSpPr>
+      <p:sp>
+        <p:nvSpPr>
+          <p:cNvPr id="11" name="Flowchart: Document 10">
+            <a:extLst>
+              <a:ext uri="{FF2B5EF4-FFF2-40B4-BE49-F238E27FC236}">
+                <a16:creationId xmlns:a16="http://schemas.microsoft.com/office/drawing/2014/main" id="{D12DDE76-C203-4047-9998-63900085B5E8}"/>
+              </a:ext>
+              <a:ext uri="{C183D7F6-B498-43B3-948B-1728B52AA6E4}">
+                <adec:decorative xmlns:adec="http://schemas.microsoft.com/office/drawing/2017/decorative" val="1"/>
+              </a:ext>
+            </a:extLst>
+          </p:cNvPr>
+          <p:cNvSpPr>
+            <a:spLocks noGrp="1" noRot="1" noChangeAspect="1" noMove="1" noResize="1" noEditPoints="1" noAdjustHandles="1" noChangeArrowheads="1" noChangeShapeType="1" noTextEdit="1"/>
+          </p:cNvSpPr>
+          <p:nvPr>
+            <p:extLst>
+              <p:ext uri="{386F3935-93C4-4BCD-93E2-E3B085C9AB24}">
+                <p16:designElem xmlns:p16="http://schemas.microsoft.com/office/powerpoint/2015/main" val="1"/>
+              </p:ext>
+            </p:extLst>
+          </p:nvPr>
+        </p:nvSpPr>
+        <p:spPr>
+          <a:xfrm>
+            <a:off x="638175" y="0"/>
+            <a:ext cx="3248025" cy="3400426"/>
+          </a:xfrm>
+          <a:prstGeom prst="flowChartDocument">
+            <a:avLst/>
+          </a:prstGeom>
+          <a:solidFill>
+            <a:schemeClr val="accent1"/>
+          </a:solidFill>
+          <a:ln>
+            <a:noFill/>
+          </a:ln>
+        </p:spPr>
+        <p:style>
+          <a:lnRef idx="2">
+            <a:schemeClr val="accent1">
+              <a:shade val="50000"/>
+            </a:schemeClr>
+          </a:lnRef>
+          <a:fillRef idx="1">
+            <a:schemeClr val="accent1"/>
+          </a:fillRef>
+          <a:effectRef idx="0">
+            <a:schemeClr val="accent1"/>
+          </a:effectRef>
+          <a:fontRef idx="minor">
+            <a:schemeClr val="lt1"/>
+          </a:fontRef>
+        </p:style>
+        <p:txBody>
+          <a:bodyPr rtlCol="0" anchor="ctr"/>
+          <a:lstStyle/>
+          <a:p>
+            <a:pPr algn="ctr"/>
+            <a:endParaRPr lang="en-US"/>
+          </a:p>
+        </p:txBody>
+      </p:sp>
+      <p:sp>
+        <p:nvSpPr>
+          <p:cNvPr id="2" name="Title 1">
+            <a:extLst>
+              <a:ext uri="{FF2B5EF4-FFF2-40B4-BE49-F238E27FC236}">
+                <a16:creationId xmlns:a16="http://schemas.microsoft.com/office/drawing/2014/main" id="{9D045432-EED2-8148-BA86-3132BFE644EB}"/>
+              </a:ext>
+            </a:extLst>
+          </p:cNvPr>
+          <p:cNvSpPr>
+            <a:spLocks noGrp="1"/>
+          </p:cNvSpPr>
+          <p:nvPr>
+            <p:ph type="title"/>
+          </p:nvPr>
+        </p:nvSpPr>
+        <p:spPr>
+          <a:xfrm>
+            <a:off x="838200" y="171162"/>
+            <a:ext cx="2840182" cy="3229264"/>
+          </a:xfrm>
+        </p:spPr>
+        <p:txBody>
+          <a:bodyPr vert="horz" lIns="91440" tIns="45720" rIns="91440" bIns="45720" rtlCol="0" anchor="ctr">
+            <a:noAutofit/>
+          </a:bodyPr>
+          <a:lstStyle/>
+          <a:p>
+            <a:r>
+              <a:rPr lang="en-US" sz="3200" kern="1200" dirty="0" err="1">
+                <a:solidFill>
+                  <a:srgbClr val="FFFFFF"/>
+                </a:solidFill>
+                <a:latin typeface="+mj-lt"/>
+                <a:ea typeface="+mj-ea"/>
+                <a:cs typeface="+mj-cs"/>
+              </a:rPr>
+              <a:t>Trabajando</a:t>
+            </a:r>
+            <a:r>
+              <a:rPr lang="en-US" sz="3200" kern="1200" dirty="0">
+                <a:solidFill>
+                  <a:srgbClr val="FFFFFF"/>
+                </a:solidFill>
+                <a:latin typeface="+mj-lt"/>
+                <a:ea typeface="+mj-ea"/>
+                <a:cs typeface="+mj-cs"/>
+              </a:rPr>
+              <a:t> con Strings</a:t>
+            </a:r>
+          </a:p>
+        </p:txBody>
+      </p:sp>
+      <p:pic>
+        <p:nvPicPr>
+          <p:cNvPr id="4" name="Picture 3" descr="A screenshot of a social media post&#10;&#10;Description automatically generated">
+            <a:extLst>
+              <a:ext uri="{FF2B5EF4-FFF2-40B4-BE49-F238E27FC236}">
+                <a16:creationId xmlns:a16="http://schemas.microsoft.com/office/drawing/2014/main" id="{6D6B08E6-7EDB-064A-9A4C-95754C410FEB}"/>
+              </a:ext>
+            </a:extLst>
+          </p:cNvPr>
+          <p:cNvPicPr>
+            <a:picLocks noChangeAspect="1"/>
+          </p:cNvPicPr>
+          <p:nvPr/>
+        </p:nvPicPr>
+        <p:blipFill>
+          <a:blip r:embed="rId3"/>
+          <a:stretch>
+            <a:fillRect/>
+          </a:stretch>
+        </p:blipFill>
+        <p:spPr>
+          <a:xfrm>
+            <a:off x="4086225" y="296760"/>
+            <a:ext cx="7823200" cy="5892800"/>
+          </a:xfrm>
+          <a:prstGeom prst="rect">
+            <a:avLst/>
+          </a:prstGeom>
+        </p:spPr>
+      </p:pic>
+    </p:spTree>
+    <p:extLst>
+      <p:ext uri="{BB962C8B-B14F-4D97-AF65-F5344CB8AC3E}">
+        <p14:creationId xmlns:p14="http://schemas.microsoft.com/office/powerpoint/2010/main" val="4232981263"/>
+      </p:ext>
+    </p:extLst>
+  </p:cSld>
+  <p:clrMapOvr>
+    <a:masterClrMapping/>
+  </p:clrMapOvr>
+</p:sld>
+</file>
+
+<file path=ppt/slides/slide39.xml><?xml version="1.0" encoding="utf-8"?>
+<p:sld xmlns:a="http://schemas.openxmlformats.org/drawingml/2006/main" xmlns:r="http://schemas.openxmlformats.org/officeDocument/2006/relationships" xmlns:p="http://schemas.openxmlformats.org/presentationml/2006/main">
+  <p:cSld>
+    <p:bg>
+      <p:bgPr>
+        <a:solidFill>
+          <a:schemeClr val="bg1"/>
+        </a:solidFill>
+        <a:effectLst/>
+      </p:bgPr>
+    </p:bg>
+    <p:spTree>
+      <p:nvGrpSpPr>
+        <p:cNvPr id="1" name=""/>
+        <p:cNvGrpSpPr/>
+        <p:nvPr/>
+      </p:nvGrpSpPr>
+      <p:grpSpPr>
+        <a:xfrm>
+          <a:off x="0" y="0"/>
+          <a:ext cx="0" cy="0"/>
+          <a:chOff x="0" y="0"/>
+          <a:chExt cx="0" cy="0"/>
+        </a:xfrm>
+      </p:grpSpPr>
+      <p:sp>
+        <p:nvSpPr>
+          <p:cNvPr id="11" name="Flowchart: Document 10">
+            <a:extLst>
+              <a:ext uri="{FF2B5EF4-FFF2-40B4-BE49-F238E27FC236}">
+                <a16:creationId xmlns:a16="http://schemas.microsoft.com/office/drawing/2014/main" id="{D12DDE76-C203-4047-9998-63900085B5E8}"/>
+              </a:ext>
+              <a:ext uri="{C183D7F6-B498-43B3-948B-1728B52AA6E4}">
+                <adec:decorative xmlns:adec="http://schemas.microsoft.com/office/drawing/2017/decorative" val="1"/>
+              </a:ext>
+            </a:extLst>
+          </p:cNvPr>
+          <p:cNvSpPr>
+            <a:spLocks noGrp="1" noRot="1" noChangeAspect="1" noMove="1" noResize="1" noEditPoints="1" noAdjustHandles="1" noChangeArrowheads="1" noChangeShapeType="1" noTextEdit="1"/>
+          </p:cNvSpPr>
+          <p:nvPr>
+            <p:extLst>
+              <p:ext uri="{386F3935-93C4-4BCD-93E2-E3B085C9AB24}">
+                <p16:designElem xmlns:p16="http://schemas.microsoft.com/office/powerpoint/2015/main" val="1"/>
+              </p:ext>
+            </p:extLst>
+          </p:nvPr>
+        </p:nvSpPr>
+        <p:spPr>
+          <a:xfrm>
+            <a:off x="638175" y="0"/>
+            <a:ext cx="3248025" cy="3400426"/>
+          </a:xfrm>
+          <a:prstGeom prst="flowChartDocument">
+            <a:avLst/>
+          </a:prstGeom>
+          <a:solidFill>
+            <a:schemeClr val="accent1"/>
+          </a:solidFill>
+          <a:ln>
+            <a:noFill/>
+          </a:ln>
+        </p:spPr>
+        <p:style>
+          <a:lnRef idx="2">
+            <a:schemeClr val="accent1">
+              <a:shade val="50000"/>
+            </a:schemeClr>
+          </a:lnRef>
+          <a:fillRef idx="1">
+            <a:schemeClr val="accent1"/>
+          </a:fillRef>
+          <a:effectRef idx="0">
+            <a:schemeClr val="accent1"/>
+          </a:effectRef>
+          <a:fontRef idx="minor">
+            <a:schemeClr val="lt1"/>
+          </a:fontRef>
+        </p:style>
+        <p:txBody>
+          <a:bodyPr rtlCol="0" anchor="ctr"/>
+          <a:lstStyle/>
+          <a:p>
+            <a:pPr algn="ctr"/>
+            <a:endParaRPr lang="en-US"/>
+          </a:p>
+        </p:txBody>
+      </p:sp>
+      <p:sp>
+        <p:nvSpPr>
+          <p:cNvPr id="2" name="Title 1">
+            <a:extLst>
+              <a:ext uri="{FF2B5EF4-FFF2-40B4-BE49-F238E27FC236}">
+                <a16:creationId xmlns:a16="http://schemas.microsoft.com/office/drawing/2014/main" id="{9D045432-EED2-8148-BA86-3132BFE644EB}"/>
+              </a:ext>
+            </a:extLst>
+          </p:cNvPr>
+          <p:cNvSpPr>
+            <a:spLocks noGrp="1"/>
+          </p:cNvSpPr>
+          <p:nvPr>
+            <p:ph type="title"/>
+          </p:nvPr>
+        </p:nvSpPr>
+        <p:spPr>
+          <a:xfrm>
+            <a:off x="838200" y="171162"/>
+            <a:ext cx="2840182" cy="3229264"/>
+          </a:xfrm>
+        </p:spPr>
+        <p:txBody>
+          <a:bodyPr vert="horz" lIns="91440" tIns="45720" rIns="91440" bIns="45720" rtlCol="0" anchor="ctr">
+            <a:noAutofit/>
+          </a:bodyPr>
+          <a:lstStyle/>
+          <a:p>
+            <a:r>
+              <a:rPr lang="en-US" sz="3200" kern="1200" dirty="0" err="1">
+                <a:solidFill>
+                  <a:srgbClr val="FFFFFF"/>
+                </a:solidFill>
+                <a:latin typeface="+mj-lt"/>
+                <a:ea typeface="+mj-ea"/>
+                <a:cs typeface="+mj-cs"/>
+              </a:rPr>
+              <a:t>Separando</a:t>
+            </a:r>
+            <a:r>
+              <a:rPr lang="en-US" sz="3200" kern="1200" dirty="0">
+                <a:solidFill>
+                  <a:srgbClr val="FFFFFF"/>
+                </a:solidFill>
+                <a:latin typeface="+mj-lt"/>
+                <a:ea typeface="+mj-ea"/>
+                <a:cs typeface="+mj-cs"/>
+              </a:rPr>
+              <a:t> las </a:t>
+            </a:r>
+            <a:r>
+              <a:rPr lang="en-US" sz="3200" kern="1200" dirty="0" err="1">
+                <a:solidFill>
+                  <a:srgbClr val="FFFFFF"/>
+                </a:solidFill>
+                <a:latin typeface="+mj-lt"/>
+                <a:ea typeface="+mj-ea"/>
+                <a:cs typeface="+mj-cs"/>
+              </a:rPr>
+              <a:t>partes</a:t>
+            </a:r>
+            <a:r>
+              <a:rPr lang="en-US" sz="3200" kern="1200" dirty="0">
+                <a:solidFill>
+                  <a:srgbClr val="FFFFFF"/>
+                </a:solidFill>
+                <a:latin typeface="+mj-lt"/>
+                <a:ea typeface="+mj-ea"/>
+                <a:cs typeface="+mj-cs"/>
+              </a:rPr>
+              <a:t> de </a:t>
+            </a:r>
+            <a:r>
+              <a:rPr lang="en-US" sz="3200" kern="1200" dirty="0" err="1">
+                <a:solidFill>
+                  <a:srgbClr val="FFFFFF"/>
+                </a:solidFill>
+                <a:latin typeface="+mj-lt"/>
+                <a:ea typeface="+mj-ea"/>
+                <a:cs typeface="+mj-cs"/>
+              </a:rPr>
+              <a:t>una</a:t>
+            </a:r>
+            <a:r>
+              <a:rPr lang="en-US" sz="3200" kern="1200" dirty="0">
+                <a:solidFill>
+                  <a:srgbClr val="FFFFFF"/>
+                </a:solidFill>
+                <a:latin typeface="+mj-lt"/>
+                <a:ea typeface="+mj-ea"/>
+                <a:cs typeface="+mj-cs"/>
+              </a:rPr>
+              <a:t> </a:t>
+            </a:r>
+            <a:r>
+              <a:rPr lang="en-US" sz="3200" kern="1200" dirty="0" err="1">
+                <a:solidFill>
+                  <a:srgbClr val="FFFFFF"/>
+                </a:solidFill>
+                <a:latin typeface="+mj-lt"/>
+                <a:ea typeface="+mj-ea"/>
+                <a:cs typeface="+mj-cs"/>
+              </a:rPr>
+              <a:t>oración</a:t>
+            </a:r>
+            <a:r>
+              <a:rPr lang="en-US" sz="3200" kern="1200" dirty="0">
+                <a:solidFill>
+                  <a:srgbClr val="FFFFFF"/>
+                </a:solidFill>
+                <a:latin typeface="+mj-lt"/>
+                <a:ea typeface="+mj-ea"/>
+                <a:cs typeface="+mj-cs"/>
+              </a:rPr>
+              <a:t> con </a:t>
+            </a:r>
+            <a:r>
+              <a:rPr lang="en-US" sz="3200" kern="1200" dirty="0" err="1">
+                <a:solidFill>
+                  <a:srgbClr val="FFFFFF"/>
+                </a:solidFill>
+                <a:latin typeface="+mj-lt"/>
+                <a:ea typeface="+mj-ea"/>
+                <a:cs typeface="+mj-cs"/>
+              </a:rPr>
+              <a:t>String.Split</a:t>
+            </a:r>
+            <a:endParaRPr lang="en-US" sz="3200" kern="1200" dirty="0">
+              <a:solidFill>
+                <a:srgbClr val="FFFFFF"/>
+              </a:solidFill>
+              <a:latin typeface="+mj-lt"/>
+              <a:ea typeface="+mj-ea"/>
+              <a:cs typeface="+mj-cs"/>
+            </a:endParaRPr>
+          </a:p>
+        </p:txBody>
+      </p:sp>
+      <p:pic>
+        <p:nvPicPr>
+          <p:cNvPr id="5" name="Picture 4" descr="A screenshot of a social media post&#10;&#10;Description automatically generated">
+            <a:extLst>
+              <a:ext uri="{FF2B5EF4-FFF2-40B4-BE49-F238E27FC236}">
+                <a16:creationId xmlns:a16="http://schemas.microsoft.com/office/drawing/2014/main" id="{452C1362-1A16-6F4B-9F14-7F380E2A5B68}"/>
+              </a:ext>
+            </a:extLst>
+          </p:cNvPr>
+          <p:cNvPicPr>
+            <a:picLocks noChangeAspect="1"/>
+          </p:cNvPicPr>
+          <p:nvPr/>
+        </p:nvPicPr>
+        <p:blipFill>
+          <a:blip r:embed="rId3"/>
+          <a:stretch>
+            <a:fillRect/>
+          </a:stretch>
+        </p:blipFill>
+        <p:spPr>
+          <a:xfrm>
+            <a:off x="3878407" y="123826"/>
+            <a:ext cx="8115300" cy="6553200"/>
+          </a:xfrm>
+          <a:prstGeom prst="rect">
+            <a:avLst/>
+          </a:prstGeom>
+        </p:spPr>
+      </p:pic>
+    </p:spTree>
+    <p:extLst>
+      <p:ext uri="{BB962C8B-B14F-4D97-AF65-F5344CB8AC3E}">
+        <p14:creationId xmlns:p14="http://schemas.microsoft.com/office/powerpoint/2010/main" val="2331601450"/>
+      </p:ext>
+    </p:extLst>
+  </p:cSld>
+  <p:clrMapOvr>
+    <a:masterClrMapping/>
+  </p:clrMapOvr>
+</p:sld>
+</file>
+
 <file path=ppt/slides/slide4.xml><?xml version="1.0" encoding="utf-8"?>
 <p:sld xmlns:a="http://schemas.openxmlformats.org/drawingml/2006/main" xmlns:r="http://schemas.openxmlformats.org/officeDocument/2006/relationships" xmlns:p="http://schemas.openxmlformats.org/presentationml/2006/main">
   <p:cSld>
@@ -11724,6 +13721,2328 @@
     <p:extLst>
       <p:ext uri="{BB962C8B-B14F-4D97-AF65-F5344CB8AC3E}">
         <p14:creationId xmlns:p14="http://schemas.microsoft.com/office/powerpoint/2010/main" val="1738716480"/>
+      </p:ext>
+    </p:extLst>
+  </p:cSld>
+  <p:clrMapOvr>
+    <a:masterClrMapping/>
+  </p:clrMapOvr>
+</p:sld>
+</file>
+
+<file path=ppt/slides/slide40.xml><?xml version="1.0" encoding="utf-8"?>
+<p:sld xmlns:a="http://schemas.openxmlformats.org/drawingml/2006/main" xmlns:r="http://schemas.openxmlformats.org/officeDocument/2006/relationships" xmlns:p="http://schemas.openxmlformats.org/presentationml/2006/main">
+  <p:cSld>
+    <p:bg>
+      <p:bgPr>
+        <a:solidFill>
+          <a:schemeClr val="bg1"/>
+        </a:solidFill>
+        <a:effectLst/>
+      </p:bgPr>
+    </p:bg>
+    <p:spTree>
+      <p:nvGrpSpPr>
+        <p:cNvPr id="1" name=""/>
+        <p:cNvGrpSpPr/>
+        <p:nvPr/>
+      </p:nvGrpSpPr>
+      <p:grpSpPr>
+        <a:xfrm>
+          <a:off x="0" y="0"/>
+          <a:ext cx="0" cy="0"/>
+          <a:chOff x="0" y="0"/>
+          <a:chExt cx="0" cy="0"/>
+        </a:xfrm>
+      </p:grpSpPr>
+      <p:sp>
+        <p:nvSpPr>
+          <p:cNvPr id="11" name="Flowchart: Document 10">
+            <a:extLst>
+              <a:ext uri="{FF2B5EF4-FFF2-40B4-BE49-F238E27FC236}">
+                <a16:creationId xmlns:a16="http://schemas.microsoft.com/office/drawing/2014/main" id="{D12DDE76-C203-4047-9998-63900085B5E8}"/>
+              </a:ext>
+              <a:ext uri="{C183D7F6-B498-43B3-948B-1728B52AA6E4}">
+                <adec:decorative xmlns:adec="http://schemas.microsoft.com/office/drawing/2017/decorative" val="1"/>
+              </a:ext>
+            </a:extLst>
+          </p:cNvPr>
+          <p:cNvSpPr>
+            <a:spLocks noGrp="1" noRot="1" noChangeAspect="1" noMove="1" noResize="1" noEditPoints="1" noAdjustHandles="1" noChangeArrowheads="1" noChangeShapeType="1" noTextEdit="1"/>
+          </p:cNvSpPr>
+          <p:nvPr>
+            <p:extLst>
+              <p:ext uri="{386F3935-93C4-4BCD-93E2-E3B085C9AB24}">
+                <p16:designElem xmlns:p16="http://schemas.microsoft.com/office/powerpoint/2015/main" val="1"/>
+              </p:ext>
+            </p:extLst>
+          </p:nvPr>
+        </p:nvSpPr>
+        <p:spPr>
+          <a:xfrm>
+            <a:off x="638175" y="0"/>
+            <a:ext cx="3248025" cy="3400426"/>
+          </a:xfrm>
+          <a:prstGeom prst="flowChartDocument">
+            <a:avLst/>
+          </a:prstGeom>
+          <a:solidFill>
+            <a:schemeClr val="accent1"/>
+          </a:solidFill>
+          <a:ln>
+            <a:noFill/>
+          </a:ln>
+        </p:spPr>
+        <p:style>
+          <a:lnRef idx="2">
+            <a:schemeClr val="accent1">
+              <a:shade val="50000"/>
+            </a:schemeClr>
+          </a:lnRef>
+          <a:fillRef idx="1">
+            <a:schemeClr val="accent1"/>
+          </a:fillRef>
+          <a:effectRef idx="0">
+            <a:schemeClr val="accent1"/>
+          </a:effectRef>
+          <a:fontRef idx="minor">
+            <a:schemeClr val="lt1"/>
+          </a:fontRef>
+        </p:style>
+        <p:txBody>
+          <a:bodyPr rtlCol="0" anchor="ctr"/>
+          <a:lstStyle/>
+          <a:p>
+            <a:pPr algn="ctr"/>
+            <a:endParaRPr lang="en-US"/>
+          </a:p>
+        </p:txBody>
+      </p:sp>
+      <p:sp>
+        <p:nvSpPr>
+          <p:cNvPr id="2" name="Title 1">
+            <a:extLst>
+              <a:ext uri="{FF2B5EF4-FFF2-40B4-BE49-F238E27FC236}">
+                <a16:creationId xmlns:a16="http://schemas.microsoft.com/office/drawing/2014/main" id="{9D045432-EED2-8148-BA86-3132BFE644EB}"/>
+              </a:ext>
+            </a:extLst>
+          </p:cNvPr>
+          <p:cNvSpPr>
+            <a:spLocks noGrp="1"/>
+          </p:cNvSpPr>
+          <p:nvPr>
+            <p:ph type="title"/>
+          </p:nvPr>
+        </p:nvSpPr>
+        <p:spPr>
+          <a:xfrm>
+            <a:off x="838200" y="171162"/>
+            <a:ext cx="2840182" cy="3229264"/>
+          </a:xfrm>
+        </p:spPr>
+        <p:txBody>
+          <a:bodyPr vert="horz" lIns="91440" tIns="45720" rIns="91440" bIns="45720" rtlCol="0" anchor="ctr">
+            <a:noAutofit/>
+          </a:bodyPr>
+          <a:lstStyle/>
+          <a:p>
+            <a:r>
+              <a:rPr lang="en-US" sz="3200" kern="1200" dirty="0" err="1">
+                <a:solidFill>
+                  <a:srgbClr val="FFFFFF"/>
+                </a:solidFill>
+                <a:latin typeface="+mj-lt"/>
+                <a:ea typeface="+mj-ea"/>
+                <a:cs typeface="+mj-cs"/>
+              </a:rPr>
+              <a:t>Concatenando</a:t>
+            </a:r>
+            <a:r>
+              <a:rPr lang="en-US" sz="3200" kern="1200" dirty="0">
+                <a:solidFill>
+                  <a:srgbClr val="FFFFFF"/>
+                </a:solidFill>
+                <a:latin typeface="+mj-lt"/>
+                <a:ea typeface="+mj-ea"/>
+                <a:cs typeface="+mj-cs"/>
+              </a:rPr>
+              <a:t> Strings</a:t>
+            </a:r>
+          </a:p>
+        </p:txBody>
+      </p:sp>
+      <p:pic>
+        <p:nvPicPr>
+          <p:cNvPr id="4" name="Picture 3" descr="A screenshot of a social media post&#10;&#10;Description automatically generated">
+            <a:extLst>
+              <a:ext uri="{FF2B5EF4-FFF2-40B4-BE49-F238E27FC236}">
+                <a16:creationId xmlns:a16="http://schemas.microsoft.com/office/drawing/2014/main" id="{C0693836-AE56-E647-A995-50F4776C0324}"/>
+              </a:ext>
+            </a:extLst>
+          </p:cNvPr>
+          <p:cNvPicPr>
+            <a:picLocks noChangeAspect="1"/>
+          </p:cNvPicPr>
+          <p:nvPr/>
+        </p:nvPicPr>
+        <p:blipFill>
+          <a:blip r:embed="rId3"/>
+          <a:stretch>
+            <a:fillRect/>
+          </a:stretch>
+        </p:blipFill>
+        <p:spPr>
+          <a:xfrm>
+            <a:off x="4611976" y="493232"/>
+            <a:ext cx="6244987" cy="5333409"/>
+          </a:xfrm>
+          <a:prstGeom prst="rect">
+            <a:avLst/>
+          </a:prstGeom>
+        </p:spPr>
+      </p:pic>
+    </p:spTree>
+    <p:extLst>
+      <p:ext uri="{BB962C8B-B14F-4D97-AF65-F5344CB8AC3E}">
+        <p14:creationId xmlns:p14="http://schemas.microsoft.com/office/powerpoint/2010/main" val="3293344353"/>
+      </p:ext>
+    </p:extLst>
+  </p:cSld>
+  <p:clrMapOvr>
+    <a:masterClrMapping/>
+  </p:clrMapOvr>
+</p:sld>
+</file>
+
+<file path=ppt/slides/slide41.xml><?xml version="1.0" encoding="utf-8"?>
+<p:sld xmlns:a="http://schemas.openxmlformats.org/drawingml/2006/main" xmlns:r="http://schemas.openxmlformats.org/officeDocument/2006/relationships" xmlns:p="http://schemas.openxmlformats.org/presentationml/2006/main">
+  <p:cSld>
+    <p:bg>
+      <p:bgPr>
+        <a:solidFill>
+          <a:schemeClr val="bg1"/>
+        </a:solidFill>
+        <a:effectLst/>
+      </p:bgPr>
+    </p:bg>
+    <p:spTree>
+      <p:nvGrpSpPr>
+        <p:cNvPr id="1" name=""/>
+        <p:cNvGrpSpPr/>
+        <p:nvPr/>
+      </p:nvGrpSpPr>
+      <p:grpSpPr>
+        <a:xfrm>
+          <a:off x="0" y="0"/>
+          <a:ext cx="0" cy="0"/>
+          <a:chOff x="0" y="0"/>
+          <a:chExt cx="0" cy="0"/>
+        </a:xfrm>
+      </p:grpSpPr>
+      <p:sp>
+        <p:nvSpPr>
+          <p:cNvPr id="11" name="Flowchart: Document 10">
+            <a:extLst>
+              <a:ext uri="{FF2B5EF4-FFF2-40B4-BE49-F238E27FC236}">
+                <a16:creationId xmlns:a16="http://schemas.microsoft.com/office/drawing/2014/main" id="{D12DDE76-C203-4047-9998-63900085B5E8}"/>
+              </a:ext>
+              <a:ext uri="{C183D7F6-B498-43B3-948B-1728B52AA6E4}">
+                <adec:decorative xmlns:adec="http://schemas.microsoft.com/office/drawing/2017/decorative" val="1"/>
+              </a:ext>
+            </a:extLst>
+          </p:cNvPr>
+          <p:cNvSpPr>
+            <a:spLocks noGrp="1" noRot="1" noChangeAspect="1" noMove="1" noResize="1" noEditPoints="1" noAdjustHandles="1" noChangeArrowheads="1" noChangeShapeType="1" noTextEdit="1"/>
+          </p:cNvSpPr>
+          <p:nvPr>
+            <p:extLst>
+              <p:ext uri="{386F3935-93C4-4BCD-93E2-E3B085C9AB24}">
+                <p16:designElem xmlns:p16="http://schemas.microsoft.com/office/powerpoint/2015/main" val="1"/>
+              </p:ext>
+            </p:extLst>
+          </p:nvPr>
+        </p:nvSpPr>
+        <p:spPr>
+          <a:xfrm>
+            <a:off x="638175" y="0"/>
+            <a:ext cx="3248025" cy="3400426"/>
+          </a:xfrm>
+          <a:prstGeom prst="flowChartDocument">
+            <a:avLst/>
+          </a:prstGeom>
+          <a:solidFill>
+            <a:schemeClr val="accent1"/>
+          </a:solidFill>
+          <a:ln>
+            <a:noFill/>
+          </a:ln>
+        </p:spPr>
+        <p:style>
+          <a:lnRef idx="2">
+            <a:schemeClr val="accent1">
+              <a:shade val="50000"/>
+            </a:schemeClr>
+          </a:lnRef>
+          <a:fillRef idx="1">
+            <a:schemeClr val="accent1"/>
+          </a:fillRef>
+          <a:effectRef idx="0">
+            <a:schemeClr val="accent1"/>
+          </a:effectRef>
+          <a:fontRef idx="minor">
+            <a:schemeClr val="lt1"/>
+          </a:fontRef>
+        </p:style>
+        <p:txBody>
+          <a:bodyPr rtlCol="0" anchor="ctr"/>
+          <a:lstStyle/>
+          <a:p>
+            <a:pPr algn="ctr"/>
+            <a:endParaRPr lang="en-US"/>
+          </a:p>
+        </p:txBody>
+      </p:sp>
+      <p:sp>
+        <p:nvSpPr>
+          <p:cNvPr id="2" name="Title 1">
+            <a:extLst>
+              <a:ext uri="{FF2B5EF4-FFF2-40B4-BE49-F238E27FC236}">
+                <a16:creationId xmlns:a16="http://schemas.microsoft.com/office/drawing/2014/main" id="{9D045432-EED2-8148-BA86-3132BFE644EB}"/>
+              </a:ext>
+            </a:extLst>
+          </p:cNvPr>
+          <p:cNvSpPr>
+            <a:spLocks noGrp="1"/>
+          </p:cNvSpPr>
+          <p:nvPr>
+            <p:ph type="title"/>
+          </p:nvPr>
+        </p:nvSpPr>
+        <p:spPr>
+          <a:xfrm>
+            <a:off x="838200" y="171162"/>
+            <a:ext cx="2840182" cy="3229264"/>
+          </a:xfrm>
+        </p:spPr>
+        <p:txBody>
+          <a:bodyPr vert="horz" lIns="91440" tIns="45720" rIns="91440" bIns="45720" rtlCol="0" anchor="ctr">
+            <a:noAutofit/>
+          </a:bodyPr>
+          <a:lstStyle/>
+          <a:p>
+            <a:r>
+              <a:rPr lang="en-US" sz="3200" kern="1200" dirty="0" err="1">
+                <a:solidFill>
+                  <a:srgbClr val="FFFFFF"/>
+                </a:solidFill>
+                <a:latin typeface="+mj-lt"/>
+                <a:ea typeface="+mj-ea"/>
+                <a:cs typeface="+mj-cs"/>
+              </a:rPr>
+              <a:t>Carácteres</a:t>
+            </a:r>
+            <a:r>
+              <a:rPr lang="en-US" sz="3200" kern="1200" dirty="0">
+                <a:solidFill>
+                  <a:srgbClr val="FFFFFF"/>
+                </a:solidFill>
+                <a:latin typeface="+mj-lt"/>
+                <a:ea typeface="+mj-ea"/>
+                <a:cs typeface="+mj-cs"/>
+              </a:rPr>
+              <a:t> de Escape</a:t>
+            </a:r>
+          </a:p>
+        </p:txBody>
+      </p:sp>
+      <p:pic>
+        <p:nvPicPr>
+          <p:cNvPr id="5" name="Picture 4" descr="A screenshot of a cell phone&#10;&#10;Description automatically generated">
+            <a:extLst>
+              <a:ext uri="{FF2B5EF4-FFF2-40B4-BE49-F238E27FC236}">
+                <a16:creationId xmlns:a16="http://schemas.microsoft.com/office/drawing/2014/main" id="{37DB0F75-000D-E845-B46B-444A94C50F9F}"/>
+              </a:ext>
+            </a:extLst>
+          </p:cNvPr>
+          <p:cNvPicPr>
+            <a:picLocks noChangeAspect="1"/>
+          </p:cNvPicPr>
+          <p:nvPr/>
+        </p:nvPicPr>
+        <p:blipFill>
+          <a:blip r:embed="rId3"/>
+          <a:stretch>
+            <a:fillRect/>
+          </a:stretch>
+        </p:blipFill>
+        <p:spPr>
+          <a:xfrm>
+            <a:off x="4086225" y="1403497"/>
+            <a:ext cx="8105774" cy="3603109"/>
+          </a:xfrm>
+          <a:prstGeom prst="rect">
+            <a:avLst/>
+          </a:prstGeom>
+        </p:spPr>
+      </p:pic>
+    </p:spTree>
+    <p:extLst>
+      <p:ext uri="{BB962C8B-B14F-4D97-AF65-F5344CB8AC3E}">
+        <p14:creationId xmlns:p14="http://schemas.microsoft.com/office/powerpoint/2010/main" val="3472398724"/>
+      </p:ext>
+    </p:extLst>
+  </p:cSld>
+  <p:clrMapOvr>
+    <a:masterClrMapping/>
+  </p:clrMapOvr>
+</p:sld>
+</file>
+
+<file path=ppt/slides/slide42.xml><?xml version="1.0" encoding="utf-8"?>
+<p:sld xmlns:a="http://schemas.openxmlformats.org/drawingml/2006/main" xmlns:r="http://schemas.openxmlformats.org/officeDocument/2006/relationships" xmlns:p="http://schemas.openxmlformats.org/presentationml/2006/main">
+  <p:cSld>
+    <p:bg>
+      <p:bgPr>
+        <a:solidFill>
+          <a:schemeClr val="bg1"/>
+        </a:solidFill>
+        <a:effectLst/>
+      </p:bgPr>
+    </p:bg>
+    <p:spTree>
+      <p:nvGrpSpPr>
+        <p:cNvPr id="1" name=""/>
+        <p:cNvGrpSpPr/>
+        <p:nvPr/>
+      </p:nvGrpSpPr>
+      <p:grpSpPr>
+        <a:xfrm>
+          <a:off x="0" y="0"/>
+          <a:ext cx="0" cy="0"/>
+          <a:chOff x="0" y="0"/>
+          <a:chExt cx="0" cy="0"/>
+        </a:xfrm>
+      </p:grpSpPr>
+      <p:sp>
+        <p:nvSpPr>
+          <p:cNvPr id="11" name="Flowchart: Document 10">
+            <a:extLst>
+              <a:ext uri="{FF2B5EF4-FFF2-40B4-BE49-F238E27FC236}">
+                <a16:creationId xmlns:a16="http://schemas.microsoft.com/office/drawing/2014/main" id="{D12DDE76-C203-4047-9998-63900085B5E8}"/>
+              </a:ext>
+              <a:ext uri="{C183D7F6-B498-43B3-948B-1728B52AA6E4}">
+                <adec:decorative xmlns:adec="http://schemas.microsoft.com/office/drawing/2017/decorative" val="1"/>
+              </a:ext>
+            </a:extLst>
+          </p:cNvPr>
+          <p:cNvSpPr>
+            <a:spLocks noGrp="1" noRot="1" noChangeAspect="1" noMove="1" noResize="1" noEditPoints="1" noAdjustHandles="1" noChangeArrowheads="1" noChangeShapeType="1" noTextEdit="1"/>
+          </p:cNvSpPr>
+          <p:nvPr>
+            <p:extLst>
+              <p:ext uri="{386F3935-93C4-4BCD-93E2-E3B085C9AB24}">
+                <p16:designElem xmlns:p16="http://schemas.microsoft.com/office/powerpoint/2015/main" val="1"/>
+              </p:ext>
+            </p:extLst>
+          </p:nvPr>
+        </p:nvSpPr>
+        <p:spPr>
+          <a:xfrm>
+            <a:off x="638175" y="0"/>
+            <a:ext cx="3248025" cy="3400426"/>
+          </a:xfrm>
+          <a:prstGeom prst="flowChartDocument">
+            <a:avLst/>
+          </a:prstGeom>
+          <a:solidFill>
+            <a:schemeClr val="accent1"/>
+          </a:solidFill>
+          <a:ln>
+            <a:noFill/>
+          </a:ln>
+        </p:spPr>
+        <p:style>
+          <a:lnRef idx="2">
+            <a:schemeClr val="accent1">
+              <a:shade val="50000"/>
+            </a:schemeClr>
+          </a:lnRef>
+          <a:fillRef idx="1">
+            <a:schemeClr val="accent1"/>
+          </a:fillRef>
+          <a:effectRef idx="0">
+            <a:schemeClr val="accent1"/>
+          </a:effectRef>
+          <a:fontRef idx="minor">
+            <a:schemeClr val="lt1"/>
+          </a:fontRef>
+        </p:style>
+        <p:txBody>
+          <a:bodyPr rtlCol="0" anchor="ctr"/>
+          <a:lstStyle/>
+          <a:p>
+            <a:pPr algn="ctr"/>
+            <a:endParaRPr lang="en-US"/>
+          </a:p>
+        </p:txBody>
+      </p:sp>
+      <p:sp>
+        <p:nvSpPr>
+          <p:cNvPr id="2" name="Title 1">
+            <a:extLst>
+              <a:ext uri="{FF2B5EF4-FFF2-40B4-BE49-F238E27FC236}">
+                <a16:creationId xmlns:a16="http://schemas.microsoft.com/office/drawing/2014/main" id="{9D045432-EED2-8148-BA86-3132BFE644EB}"/>
+              </a:ext>
+            </a:extLst>
+          </p:cNvPr>
+          <p:cNvSpPr>
+            <a:spLocks noGrp="1"/>
+          </p:cNvSpPr>
+          <p:nvPr>
+            <p:ph type="title"/>
+          </p:nvPr>
+        </p:nvSpPr>
+        <p:spPr>
+          <a:xfrm>
+            <a:off x="838200" y="171162"/>
+            <a:ext cx="2840182" cy="3229264"/>
+          </a:xfrm>
+        </p:spPr>
+        <p:txBody>
+          <a:bodyPr vert="horz" lIns="91440" tIns="45720" rIns="91440" bIns="45720" rtlCol="0" anchor="ctr">
+            <a:noAutofit/>
+          </a:bodyPr>
+          <a:lstStyle/>
+          <a:p>
+            <a:r>
+              <a:rPr lang="en-US" sz="3200" kern="1200" dirty="0" err="1">
+                <a:solidFill>
+                  <a:srgbClr val="FFFFFF"/>
+                </a:solidFill>
+                <a:latin typeface="+mj-lt"/>
+                <a:ea typeface="+mj-ea"/>
+                <a:cs typeface="+mj-cs"/>
+              </a:rPr>
+              <a:t>Carácteres</a:t>
+            </a:r>
+            <a:r>
+              <a:rPr lang="en-US" sz="3200" kern="1200" dirty="0">
+                <a:solidFill>
+                  <a:srgbClr val="FFFFFF"/>
+                </a:solidFill>
+                <a:latin typeface="+mj-lt"/>
+                <a:ea typeface="+mj-ea"/>
+                <a:cs typeface="+mj-cs"/>
+              </a:rPr>
+              <a:t> de Escape</a:t>
+            </a:r>
+          </a:p>
+        </p:txBody>
+      </p:sp>
+      <p:pic>
+        <p:nvPicPr>
+          <p:cNvPr id="4" name="Picture 3" descr="A screenshot of a social media post&#10;&#10;Description automatically generated">
+            <a:extLst>
+              <a:ext uri="{FF2B5EF4-FFF2-40B4-BE49-F238E27FC236}">
+                <a16:creationId xmlns:a16="http://schemas.microsoft.com/office/drawing/2014/main" id="{17E3CE66-DAB7-5A47-9C22-9701F0264441}"/>
+              </a:ext>
+            </a:extLst>
+          </p:cNvPr>
+          <p:cNvPicPr>
+            <a:picLocks noChangeAspect="1"/>
+          </p:cNvPicPr>
+          <p:nvPr/>
+        </p:nvPicPr>
+        <p:blipFill>
+          <a:blip r:embed="rId3"/>
+          <a:stretch>
+            <a:fillRect/>
+          </a:stretch>
+        </p:blipFill>
+        <p:spPr>
+          <a:xfrm>
+            <a:off x="4086224" y="171161"/>
+            <a:ext cx="7165641" cy="5591685"/>
+          </a:xfrm>
+          <a:prstGeom prst="rect">
+            <a:avLst/>
+          </a:prstGeom>
+        </p:spPr>
+      </p:pic>
+    </p:spTree>
+    <p:extLst>
+      <p:ext uri="{BB962C8B-B14F-4D97-AF65-F5344CB8AC3E}">
+        <p14:creationId xmlns:p14="http://schemas.microsoft.com/office/powerpoint/2010/main" val="489980599"/>
+      </p:ext>
+    </p:extLst>
+  </p:cSld>
+  <p:clrMapOvr>
+    <a:masterClrMapping/>
+  </p:clrMapOvr>
+</p:sld>
+</file>
+
+<file path=ppt/slides/slide43.xml><?xml version="1.0" encoding="utf-8"?>
+<p:sld xmlns:a="http://schemas.openxmlformats.org/drawingml/2006/main" xmlns:r="http://schemas.openxmlformats.org/officeDocument/2006/relationships" xmlns:p="http://schemas.openxmlformats.org/presentationml/2006/main">
+  <p:cSld>
+    <p:bg>
+      <p:bgPr>
+        <a:solidFill>
+          <a:schemeClr val="bg1"/>
+        </a:solidFill>
+        <a:effectLst/>
+      </p:bgPr>
+    </p:bg>
+    <p:spTree>
+      <p:nvGrpSpPr>
+        <p:cNvPr id="1" name=""/>
+        <p:cNvGrpSpPr/>
+        <p:nvPr/>
+      </p:nvGrpSpPr>
+      <p:grpSpPr>
+        <a:xfrm>
+          <a:off x="0" y="0"/>
+          <a:ext cx="0" cy="0"/>
+          <a:chOff x="0" y="0"/>
+          <a:chExt cx="0" cy="0"/>
+        </a:xfrm>
+      </p:grpSpPr>
+      <p:sp>
+        <p:nvSpPr>
+          <p:cNvPr id="11" name="Flowchart: Document 10">
+            <a:extLst>
+              <a:ext uri="{FF2B5EF4-FFF2-40B4-BE49-F238E27FC236}">
+                <a16:creationId xmlns:a16="http://schemas.microsoft.com/office/drawing/2014/main" id="{D12DDE76-C203-4047-9998-63900085B5E8}"/>
+              </a:ext>
+              <a:ext uri="{C183D7F6-B498-43B3-948B-1728B52AA6E4}">
+                <adec:decorative xmlns:adec="http://schemas.microsoft.com/office/drawing/2017/decorative" val="1"/>
+              </a:ext>
+            </a:extLst>
+          </p:cNvPr>
+          <p:cNvSpPr>
+            <a:spLocks noGrp="1" noRot="1" noChangeAspect="1" noMove="1" noResize="1" noEditPoints="1" noAdjustHandles="1" noChangeArrowheads="1" noChangeShapeType="1" noTextEdit="1"/>
+          </p:cNvSpPr>
+          <p:nvPr>
+            <p:extLst>
+              <p:ext uri="{386F3935-93C4-4BCD-93E2-E3B085C9AB24}">
+                <p16:designElem xmlns:p16="http://schemas.microsoft.com/office/powerpoint/2015/main" val="1"/>
+              </p:ext>
+            </p:extLst>
+          </p:nvPr>
+        </p:nvSpPr>
+        <p:spPr>
+          <a:xfrm>
+            <a:off x="638175" y="0"/>
+            <a:ext cx="3248025" cy="3400426"/>
+          </a:xfrm>
+          <a:prstGeom prst="flowChartDocument">
+            <a:avLst/>
+          </a:prstGeom>
+          <a:solidFill>
+            <a:schemeClr val="accent1"/>
+          </a:solidFill>
+          <a:ln>
+            <a:noFill/>
+          </a:ln>
+        </p:spPr>
+        <p:style>
+          <a:lnRef idx="2">
+            <a:schemeClr val="accent1">
+              <a:shade val="50000"/>
+            </a:schemeClr>
+          </a:lnRef>
+          <a:fillRef idx="1">
+            <a:schemeClr val="accent1"/>
+          </a:fillRef>
+          <a:effectRef idx="0">
+            <a:schemeClr val="accent1"/>
+          </a:effectRef>
+          <a:fontRef idx="minor">
+            <a:schemeClr val="lt1"/>
+          </a:fontRef>
+        </p:style>
+        <p:txBody>
+          <a:bodyPr rtlCol="0" anchor="ctr"/>
+          <a:lstStyle/>
+          <a:p>
+            <a:pPr algn="ctr"/>
+            <a:endParaRPr lang="en-US"/>
+          </a:p>
+        </p:txBody>
+      </p:sp>
+      <p:sp>
+        <p:nvSpPr>
+          <p:cNvPr id="2" name="Title 1">
+            <a:extLst>
+              <a:ext uri="{FF2B5EF4-FFF2-40B4-BE49-F238E27FC236}">
+                <a16:creationId xmlns:a16="http://schemas.microsoft.com/office/drawing/2014/main" id="{9D045432-EED2-8148-BA86-3132BFE644EB}"/>
+              </a:ext>
+            </a:extLst>
+          </p:cNvPr>
+          <p:cNvSpPr>
+            <a:spLocks noGrp="1"/>
+          </p:cNvSpPr>
+          <p:nvPr>
+            <p:ph type="title"/>
+          </p:nvPr>
+        </p:nvSpPr>
+        <p:spPr>
+          <a:xfrm>
+            <a:off x="838200" y="171162"/>
+            <a:ext cx="2840182" cy="3229264"/>
+          </a:xfrm>
+        </p:spPr>
+        <p:txBody>
+          <a:bodyPr vert="horz" lIns="91440" tIns="45720" rIns="91440" bIns="45720" rtlCol="0" anchor="ctr">
+            <a:noAutofit/>
+          </a:bodyPr>
+          <a:lstStyle/>
+          <a:p>
+            <a:r>
+              <a:rPr lang="en-US" sz="3200" kern="1200" dirty="0" err="1">
+                <a:solidFill>
+                  <a:srgbClr val="FFFFFF"/>
+                </a:solidFill>
+                <a:latin typeface="+mj-lt"/>
+                <a:ea typeface="+mj-ea"/>
+                <a:cs typeface="+mj-cs"/>
+              </a:rPr>
+              <a:t>Verbatin</a:t>
+            </a:r>
+            <a:r>
+              <a:rPr lang="en-US" sz="3200" kern="1200" dirty="0">
+                <a:solidFill>
+                  <a:srgbClr val="FFFFFF"/>
+                </a:solidFill>
+                <a:latin typeface="+mj-lt"/>
+                <a:ea typeface="+mj-ea"/>
+                <a:cs typeface="+mj-cs"/>
+              </a:rPr>
+              <a:t> Strings</a:t>
+            </a:r>
+          </a:p>
+        </p:txBody>
+      </p:sp>
+      <p:pic>
+        <p:nvPicPr>
+          <p:cNvPr id="5" name="Picture 4" descr="A screenshot of a cell phone&#10;&#10;Description automatically generated">
+            <a:extLst>
+              <a:ext uri="{FF2B5EF4-FFF2-40B4-BE49-F238E27FC236}">
+                <a16:creationId xmlns:a16="http://schemas.microsoft.com/office/drawing/2014/main" id="{C02AF354-9C7B-7843-807B-EABD034C4CEF}"/>
+              </a:ext>
+            </a:extLst>
+          </p:cNvPr>
+          <p:cNvPicPr>
+            <a:picLocks noChangeAspect="1"/>
+          </p:cNvPicPr>
+          <p:nvPr/>
+        </p:nvPicPr>
+        <p:blipFill>
+          <a:blip r:embed="rId3"/>
+          <a:stretch>
+            <a:fillRect/>
+          </a:stretch>
+        </p:blipFill>
+        <p:spPr>
+          <a:xfrm>
+            <a:off x="4465119" y="171162"/>
+            <a:ext cx="5738259" cy="6204243"/>
+          </a:xfrm>
+          <a:prstGeom prst="rect">
+            <a:avLst/>
+          </a:prstGeom>
+        </p:spPr>
+      </p:pic>
+    </p:spTree>
+    <p:extLst>
+      <p:ext uri="{BB962C8B-B14F-4D97-AF65-F5344CB8AC3E}">
+        <p14:creationId xmlns:p14="http://schemas.microsoft.com/office/powerpoint/2010/main" val="4097256881"/>
+      </p:ext>
+    </p:extLst>
+  </p:cSld>
+  <p:clrMapOvr>
+    <a:masterClrMapping/>
+  </p:clrMapOvr>
+</p:sld>
+</file>
+
+<file path=ppt/slides/slide44.xml><?xml version="1.0" encoding="utf-8"?>
+<p:sld xmlns:a="http://schemas.openxmlformats.org/drawingml/2006/main" xmlns:r="http://schemas.openxmlformats.org/officeDocument/2006/relationships" xmlns:p="http://schemas.openxmlformats.org/presentationml/2006/main">
+  <p:cSld>
+    <p:bg>
+      <p:bgPr>
+        <a:solidFill>
+          <a:schemeClr val="bg1"/>
+        </a:solidFill>
+        <a:effectLst/>
+      </p:bgPr>
+    </p:bg>
+    <p:spTree>
+      <p:nvGrpSpPr>
+        <p:cNvPr id="1" name=""/>
+        <p:cNvGrpSpPr/>
+        <p:nvPr/>
+      </p:nvGrpSpPr>
+      <p:grpSpPr>
+        <a:xfrm>
+          <a:off x="0" y="0"/>
+          <a:ext cx="0" cy="0"/>
+          <a:chOff x="0" y="0"/>
+          <a:chExt cx="0" cy="0"/>
+        </a:xfrm>
+      </p:grpSpPr>
+      <p:sp>
+        <p:nvSpPr>
+          <p:cNvPr id="11" name="Flowchart: Document 10">
+            <a:extLst>
+              <a:ext uri="{FF2B5EF4-FFF2-40B4-BE49-F238E27FC236}">
+                <a16:creationId xmlns:a16="http://schemas.microsoft.com/office/drawing/2014/main" id="{D12DDE76-C203-4047-9998-63900085B5E8}"/>
+              </a:ext>
+              <a:ext uri="{C183D7F6-B498-43B3-948B-1728B52AA6E4}">
+                <adec:decorative xmlns:adec="http://schemas.microsoft.com/office/drawing/2017/decorative" val="1"/>
+              </a:ext>
+            </a:extLst>
+          </p:cNvPr>
+          <p:cNvSpPr>
+            <a:spLocks noGrp="1" noRot="1" noChangeAspect="1" noMove="1" noResize="1" noEditPoints="1" noAdjustHandles="1" noChangeArrowheads="1" noChangeShapeType="1" noTextEdit="1"/>
+          </p:cNvSpPr>
+          <p:nvPr>
+            <p:extLst>
+              <p:ext uri="{386F3935-93C4-4BCD-93E2-E3B085C9AB24}">
+                <p16:designElem xmlns:p16="http://schemas.microsoft.com/office/powerpoint/2015/main" val="1"/>
+              </p:ext>
+            </p:extLst>
+          </p:nvPr>
+        </p:nvSpPr>
+        <p:spPr>
+          <a:xfrm>
+            <a:off x="638175" y="0"/>
+            <a:ext cx="3248025" cy="3400426"/>
+          </a:xfrm>
+          <a:prstGeom prst="flowChartDocument">
+            <a:avLst/>
+          </a:prstGeom>
+          <a:solidFill>
+            <a:schemeClr val="accent1"/>
+          </a:solidFill>
+          <a:ln>
+            <a:noFill/>
+          </a:ln>
+        </p:spPr>
+        <p:style>
+          <a:lnRef idx="2">
+            <a:schemeClr val="accent1">
+              <a:shade val="50000"/>
+            </a:schemeClr>
+          </a:lnRef>
+          <a:fillRef idx="1">
+            <a:schemeClr val="accent1"/>
+          </a:fillRef>
+          <a:effectRef idx="0">
+            <a:schemeClr val="accent1"/>
+          </a:effectRef>
+          <a:fontRef idx="minor">
+            <a:schemeClr val="lt1"/>
+          </a:fontRef>
+        </p:style>
+        <p:txBody>
+          <a:bodyPr rtlCol="0" anchor="ctr"/>
+          <a:lstStyle/>
+          <a:p>
+            <a:pPr algn="ctr"/>
+            <a:endParaRPr lang="en-US"/>
+          </a:p>
+        </p:txBody>
+      </p:sp>
+      <p:sp>
+        <p:nvSpPr>
+          <p:cNvPr id="2" name="Title 1">
+            <a:extLst>
+              <a:ext uri="{FF2B5EF4-FFF2-40B4-BE49-F238E27FC236}">
+                <a16:creationId xmlns:a16="http://schemas.microsoft.com/office/drawing/2014/main" id="{9D045432-EED2-8148-BA86-3132BFE644EB}"/>
+              </a:ext>
+            </a:extLst>
+          </p:cNvPr>
+          <p:cNvSpPr>
+            <a:spLocks noGrp="1"/>
+          </p:cNvSpPr>
+          <p:nvPr>
+            <p:ph type="title"/>
+          </p:nvPr>
+        </p:nvSpPr>
+        <p:spPr>
+          <a:xfrm>
+            <a:off x="838200" y="171162"/>
+            <a:ext cx="2840182" cy="3229264"/>
+          </a:xfrm>
+        </p:spPr>
+        <p:txBody>
+          <a:bodyPr vert="horz" lIns="91440" tIns="45720" rIns="91440" bIns="45720" rtlCol="0" anchor="ctr">
+            <a:noAutofit/>
+          </a:bodyPr>
+          <a:lstStyle/>
+          <a:p>
+            <a:r>
+              <a:rPr lang="en-US" sz="3200" kern="1200" dirty="0">
+                <a:solidFill>
+                  <a:srgbClr val="FFFFFF"/>
+                </a:solidFill>
+                <a:latin typeface="+mj-lt"/>
+                <a:ea typeface="+mj-ea"/>
+                <a:cs typeface="+mj-cs"/>
+              </a:rPr>
+              <a:t>Strings son </a:t>
+            </a:r>
+            <a:r>
+              <a:rPr lang="en-US" sz="3200" kern="1200" dirty="0" err="1">
+                <a:solidFill>
+                  <a:srgbClr val="FFFFFF"/>
+                </a:solidFill>
+                <a:latin typeface="+mj-lt"/>
+                <a:ea typeface="+mj-ea"/>
+                <a:cs typeface="+mj-cs"/>
+              </a:rPr>
+              <a:t>inmutables</a:t>
+            </a:r>
+            <a:endParaRPr lang="en-US" sz="3200" kern="1200" dirty="0">
+              <a:solidFill>
+                <a:srgbClr val="FFFFFF"/>
+              </a:solidFill>
+              <a:latin typeface="+mj-lt"/>
+              <a:ea typeface="+mj-ea"/>
+              <a:cs typeface="+mj-cs"/>
+            </a:endParaRPr>
+          </a:p>
+        </p:txBody>
+      </p:sp>
+      <p:pic>
+        <p:nvPicPr>
+          <p:cNvPr id="6" name="Picture 5" descr="A screenshot of a cell phone&#10;&#10;Description automatically generated">
+            <a:extLst>
+              <a:ext uri="{FF2B5EF4-FFF2-40B4-BE49-F238E27FC236}">
+                <a16:creationId xmlns:a16="http://schemas.microsoft.com/office/drawing/2014/main" id="{3244D200-7B2C-1D40-AFD5-6216F2F6D2BB}"/>
+              </a:ext>
+            </a:extLst>
+          </p:cNvPr>
+          <p:cNvPicPr>
+            <a:picLocks noChangeAspect="1"/>
+          </p:cNvPicPr>
+          <p:nvPr/>
+        </p:nvPicPr>
+        <p:blipFill>
+          <a:blip r:embed="rId3"/>
+          <a:stretch>
+            <a:fillRect/>
+          </a:stretch>
+        </p:blipFill>
+        <p:spPr>
+          <a:xfrm>
+            <a:off x="4592599" y="690969"/>
+            <a:ext cx="5667449" cy="4965700"/>
+          </a:xfrm>
+          <a:prstGeom prst="rect">
+            <a:avLst/>
+          </a:prstGeom>
+        </p:spPr>
+      </p:pic>
+    </p:spTree>
+    <p:extLst>
+      <p:ext uri="{BB962C8B-B14F-4D97-AF65-F5344CB8AC3E}">
+        <p14:creationId xmlns:p14="http://schemas.microsoft.com/office/powerpoint/2010/main" val="4240959159"/>
+      </p:ext>
+    </p:extLst>
+  </p:cSld>
+  <p:clrMapOvr>
+    <a:masterClrMapping/>
+  </p:clrMapOvr>
+</p:sld>
+</file>
+
+<file path=ppt/slides/slide45.xml><?xml version="1.0" encoding="utf-8"?>
+<p:sld xmlns:a="http://schemas.openxmlformats.org/drawingml/2006/main" xmlns:r="http://schemas.openxmlformats.org/officeDocument/2006/relationships" xmlns:p="http://schemas.openxmlformats.org/presentationml/2006/main">
+  <p:cSld>
+    <p:bg>
+      <p:bgPr>
+        <a:solidFill>
+          <a:schemeClr val="bg1"/>
+        </a:solidFill>
+        <a:effectLst/>
+      </p:bgPr>
+    </p:bg>
+    <p:spTree>
+      <p:nvGrpSpPr>
+        <p:cNvPr id="1" name=""/>
+        <p:cNvGrpSpPr/>
+        <p:nvPr/>
+      </p:nvGrpSpPr>
+      <p:grpSpPr>
+        <a:xfrm>
+          <a:off x="0" y="0"/>
+          <a:ext cx="0" cy="0"/>
+          <a:chOff x="0" y="0"/>
+          <a:chExt cx="0" cy="0"/>
+        </a:xfrm>
+      </p:grpSpPr>
+      <p:sp>
+        <p:nvSpPr>
+          <p:cNvPr id="11" name="Flowchart: Document 10">
+            <a:extLst>
+              <a:ext uri="{FF2B5EF4-FFF2-40B4-BE49-F238E27FC236}">
+                <a16:creationId xmlns:a16="http://schemas.microsoft.com/office/drawing/2014/main" id="{D12DDE76-C203-4047-9998-63900085B5E8}"/>
+              </a:ext>
+              <a:ext uri="{C183D7F6-B498-43B3-948B-1728B52AA6E4}">
+                <adec:decorative xmlns:adec="http://schemas.microsoft.com/office/drawing/2017/decorative" val="1"/>
+              </a:ext>
+            </a:extLst>
+          </p:cNvPr>
+          <p:cNvSpPr>
+            <a:spLocks noGrp="1" noRot="1" noChangeAspect="1" noMove="1" noResize="1" noEditPoints="1" noAdjustHandles="1" noChangeArrowheads="1" noChangeShapeType="1" noTextEdit="1"/>
+          </p:cNvSpPr>
+          <p:nvPr>
+            <p:extLst>
+              <p:ext uri="{386F3935-93C4-4BCD-93E2-E3B085C9AB24}">
+                <p16:designElem xmlns:p16="http://schemas.microsoft.com/office/powerpoint/2015/main" val="1"/>
+              </p:ext>
+            </p:extLst>
+          </p:nvPr>
+        </p:nvSpPr>
+        <p:spPr>
+          <a:xfrm>
+            <a:off x="638175" y="0"/>
+            <a:ext cx="3248025" cy="3400426"/>
+          </a:xfrm>
+          <a:prstGeom prst="flowChartDocument">
+            <a:avLst/>
+          </a:prstGeom>
+          <a:solidFill>
+            <a:schemeClr val="accent1"/>
+          </a:solidFill>
+          <a:ln>
+            <a:noFill/>
+          </a:ln>
+        </p:spPr>
+        <p:style>
+          <a:lnRef idx="2">
+            <a:schemeClr val="accent1">
+              <a:shade val="50000"/>
+            </a:schemeClr>
+          </a:lnRef>
+          <a:fillRef idx="1">
+            <a:schemeClr val="accent1"/>
+          </a:fillRef>
+          <a:effectRef idx="0">
+            <a:schemeClr val="accent1"/>
+          </a:effectRef>
+          <a:fontRef idx="minor">
+            <a:schemeClr val="lt1"/>
+          </a:fontRef>
+        </p:style>
+        <p:txBody>
+          <a:bodyPr rtlCol="0" anchor="ctr"/>
+          <a:lstStyle/>
+          <a:p>
+            <a:pPr algn="ctr"/>
+            <a:endParaRPr lang="en-US"/>
+          </a:p>
+        </p:txBody>
+      </p:sp>
+      <p:sp>
+        <p:nvSpPr>
+          <p:cNvPr id="2" name="Title 1">
+            <a:extLst>
+              <a:ext uri="{FF2B5EF4-FFF2-40B4-BE49-F238E27FC236}">
+                <a16:creationId xmlns:a16="http://schemas.microsoft.com/office/drawing/2014/main" id="{9D045432-EED2-8148-BA86-3132BFE644EB}"/>
+              </a:ext>
+            </a:extLst>
+          </p:cNvPr>
+          <p:cNvSpPr>
+            <a:spLocks noGrp="1"/>
+          </p:cNvSpPr>
+          <p:nvPr>
+            <p:ph type="title"/>
+          </p:nvPr>
+        </p:nvSpPr>
+        <p:spPr>
+          <a:xfrm>
+            <a:off x="838200" y="171162"/>
+            <a:ext cx="2840182" cy="3229264"/>
+          </a:xfrm>
+        </p:spPr>
+        <p:txBody>
+          <a:bodyPr vert="horz" lIns="91440" tIns="45720" rIns="91440" bIns="45720" rtlCol="0" anchor="ctr">
+            <a:noAutofit/>
+          </a:bodyPr>
+          <a:lstStyle/>
+          <a:p>
+            <a:r>
+              <a:rPr lang="en-US" sz="3200" kern="1200" dirty="0">
+                <a:solidFill>
+                  <a:srgbClr val="FFFFFF"/>
+                </a:solidFill>
+                <a:latin typeface="+mj-lt"/>
+                <a:ea typeface="+mj-ea"/>
+                <a:cs typeface="+mj-cs"/>
+              </a:rPr>
+              <a:t>Casting. </a:t>
+            </a:r>
+            <a:r>
+              <a:rPr lang="en-US" sz="3200" kern="1200" dirty="0" err="1">
+                <a:solidFill>
+                  <a:srgbClr val="FFFFFF"/>
+                </a:solidFill>
+                <a:latin typeface="+mj-lt"/>
+                <a:ea typeface="+mj-ea"/>
+                <a:cs typeface="+mj-cs"/>
+              </a:rPr>
+              <a:t>Convirtiendo</a:t>
+            </a:r>
+            <a:r>
+              <a:rPr lang="en-US" sz="3200" kern="1200" dirty="0">
+                <a:solidFill>
+                  <a:srgbClr val="FFFFFF"/>
+                </a:solidFill>
+                <a:latin typeface="+mj-lt"/>
+                <a:ea typeface="+mj-ea"/>
+                <a:cs typeface="+mj-cs"/>
+              </a:rPr>
+              <a:t> </a:t>
+            </a:r>
+            <a:r>
+              <a:rPr lang="en-US" sz="3200" kern="1200" dirty="0" err="1">
+                <a:solidFill>
+                  <a:srgbClr val="FFFFFF"/>
+                </a:solidFill>
+                <a:latin typeface="+mj-lt"/>
+                <a:ea typeface="+mj-ea"/>
+                <a:cs typeface="+mj-cs"/>
+              </a:rPr>
+              <a:t>Tipos</a:t>
+            </a:r>
+            <a:endParaRPr lang="en-US" sz="3200" kern="1200" dirty="0">
+              <a:solidFill>
+                <a:srgbClr val="FFFFFF"/>
+              </a:solidFill>
+              <a:latin typeface="+mj-lt"/>
+              <a:ea typeface="+mj-ea"/>
+              <a:cs typeface="+mj-cs"/>
+            </a:endParaRPr>
+          </a:p>
+        </p:txBody>
+      </p:sp>
+      <p:pic>
+        <p:nvPicPr>
+          <p:cNvPr id="4" name="Picture 3" descr="A screenshot of a cell phone&#10;&#10;Description automatically generated">
+            <a:extLst>
+              <a:ext uri="{FF2B5EF4-FFF2-40B4-BE49-F238E27FC236}">
+                <a16:creationId xmlns:a16="http://schemas.microsoft.com/office/drawing/2014/main" id="{781CCA23-C055-A84E-9A6F-8D1BF46C3A2A}"/>
+              </a:ext>
+            </a:extLst>
+          </p:cNvPr>
+          <p:cNvPicPr>
+            <a:picLocks noChangeAspect="1"/>
+          </p:cNvPicPr>
+          <p:nvPr/>
+        </p:nvPicPr>
+        <p:blipFill>
+          <a:blip r:embed="rId3"/>
+          <a:stretch>
+            <a:fillRect/>
+          </a:stretch>
+        </p:blipFill>
+        <p:spPr>
+          <a:xfrm>
+            <a:off x="4457700" y="171161"/>
+            <a:ext cx="4055920" cy="5345011"/>
+          </a:xfrm>
+          <a:prstGeom prst="rect">
+            <a:avLst/>
+          </a:prstGeom>
+        </p:spPr>
+      </p:pic>
+      <p:pic>
+        <p:nvPicPr>
+          <p:cNvPr id="7" name="Picture 6" descr="A close up of a logo&#10;&#10;Description automatically generated">
+            <a:extLst>
+              <a:ext uri="{FF2B5EF4-FFF2-40B4-BE49-F238E27FC236}">
+                <a16:creationId xmlns:a16="http://schemas.microsoft.com/office/drawing/2014/main" id="{42EA4FF8-1CEF-CD45-A518-B6002D8077C3}"/>
+              </a:ext>
+            </a:extLst>
+          </p:cNvPr>
+          <p:cNvPicPr>
+            <a:picLocks noChangeAspect="1"/>
+          </p:cNvPicPr>
+          <p:nvPr/>
+        </p:nvPicPr>
+        <p:blipFill>
+          <a:blip r:embed="rId4"/>
+          <a:stretch>
+            <a:fillRect/>
+          </a:stretch>
+        </p:blipFill>
+        <p:spPr>
+          <a:xfrm>
+            <a:off x="3513322" y="5390708"/>
+            <a:ext cx="7759700" cy="457200"/>
+          </a:xfrm>
+          <a:prstGeom prst="rect">
+            <a:avLst/>
+          </a:prstGeom>
+        </p:spPr>
+      </p:pic>
+      <p:pic>
+        <p:nvPicPr>
+          <p:cNvPr id="9" name="Picture 8">
+            <a:extLst>
+              <a:ext uri="{FF2B5EF4-FFF2-40B4-BE49-F238E27FC236}">
+                <a16:creationId xmlns:a16="http://schemas.microsoft.com/office/drawing/2014/main" id="{087AD64F-6C5F-0F41-BDE5-8C6776524704}"/>
+              </a:ext>
+            </a:extLst>
+          </p:cNvPr>
+          <p:cNvPicPr>
+            <a:picLocks noChangeAspect="1"/>
+          </p:cNvPicPr>
+          <p:nvPr/>
+        </p:nvPicPr>
+        <p:blipFill>
+          <a:blip r:embed="rId5"/>
+          <a:stretch>
+            <a:fillRect/>
+          </a:stretch>
+        </p:blipFill>
+        <p:spPr>
+          <a:xfrm>
+            <a:off x="3513322" y="5904165"/>
+            <a:ext cx="6007100" cy="457200"/>
+          </a:xfrm>
+          <a:prstGeom prst="rect">
+            <a:avLst/>
+          </a:prstGeom>
+        </p:spPr>
+      </p:pic>
+    </p:spTree>
+    <p:extLst>
+      <p:ext uri="{BB962C8B-B14F-4D97-AF65-F5344CB8AC3E}">
+        <p14:creationId xmlns:p14="http://schemas.microsoft.com/office/powerpoint/2010/main" val="1153429321"/>
+      </p:ext>
+    </p:extLst>
+  </p:cSld>
+  <p:clrMapOvr>
+    <a:masterClrMapping/>
+  </p:clrMapOvr>
+</p:sld>
+</file>
+
+<file path=ppt/slides/slide46.xml><?xml version="1.0" encoding="utf-8"?>
+<p:sld xmlns:a="http://schemas.openxmlformats.org/drawingml/2006/main" xmlns:r="http://schemas.openxmlformats.org/officeDocument/2006/relationships" xmlns:p="http://schemas.openxmlformats.org/presentationml/2006/main">
+  <p:cSld>
+    <p:bg>
+      <p:bgPr>
+        <a:solidFill>
+          <a:schemeClr val="bg1"/>
+        </a:solidFill>
+        <a:effectLst/>
+      </p:bgPr>
+    </p:bg>
+    <p:spTree>
+      <p:nvGrpSpPr>
+        <p:cNvPr id="1" name=""/>
+        <p:cNvGrpSpPr/>
+        <p:nvPr/>
+      </p:nvGrpSpPr>
+      <p:grpSpPr>
+        <a:xfrm>
+          <a:off x="0" y="0"/>
+          <a:ext cx="0" cy="0"/>
+          <a:chOff x="0" y="0"/>
+          <a:chExt cx="0" cy="0"/>
+        </a:xfrm>
+      </p:grpSpPr>
+      <p:sp>
+        <p:nvSpPr>
+          <p:cNvPr id="11" name="Flowchart: Document 10">
+            <a:extLst>
+              <a:ext uri="{FF2B5EF4-FFF2-40B4-BE49-F238E27FC236}">
+                <a16:creationId xmlns:a16="http://schemas.microsoft.com/office/drawing/2014/main" id="{D12DDE76-C203-4047-9998-63900085B5E8}"/>
+              </a:ext>
+              <a:ext uri="{C183D7F6-B498-43B3-948B-1728B52AA6E4}">
+                <adec:decorative xmlns:adec="http://schemas.microsoft.com/office/drawing/2017/decorative" val="1"/>
+              </a:ext>
+            </a:extLst>
+          </p:cNvPr>
+          <p:cNvSpPr>
+            <a:spLocks noGrp="1" noRot="1" noChangeAspect="1" noMove="1" noResize="1" noEditPoints="1" noAdjustHandles="1" noChangeArrowheads="1" noChangeShapeType="1" noTextEdit="1"/>
+          </p:cNvSpPr>
+          <p:nvPr>
+            <p:extLst>
+              <p:ext uri="{386F3935-93C4-4BCD-93E2-E3B085C9AB24}">
+                <p16:designElem xmlns:p16="http://schemas.microsoft.com/office/powerpoint/2015/main" val="1"/>
+              </p:ext>
+            </p:extLst>
+          </p:nvPr>
+        </p:nvSpPr>
+        <p:spPr>
+          <a:xfrm>
+            <a:off x="638175" y="0"/>
+            <a:ext cx="3248025" cy="3400426"/>
+          </a:xfrm>
+          <a:prstGeom prst="flowChartDocument">
+            <a:avLst/>
+          </a:prstGeom>
+          <a:solidFill>
+            <a:schemeClr val="accent1"/>
+          </a:solidFill>
+          <a:ln>
+            <a:noFill/>
+          </a:ln>
+        </p:spPr>
+        <p:style>
+          <a:lnRef idx="2">
+            <a:schemeClr val="accent1">
+              <a:shade val="50000"/>
+            </a:schemeClr>
+          </a:lnRef>
+          <a:fillRef idx="1">
+            <a:schemeClr val="accent1"/>
+          </a:fillRef>
+          <a:effectRef idx="0">
+            <a:schemeClr val="accent1"/>
+          </a:effectRef>
+          <a:fontRef idx="minor">
+            <a:schemeClr val="lt1"/>
+          </a:fontRef>
+        </p:style>
+        <p:txBody>
+          <a:bodyPr rtlCol="0" anchor="ctr"/>
+          <a:lstStyle/>
+          <a:p>
+            <a:pPr algn="ctr"/>
+            <a:endParaRPr lang="en-US"/>
+          </a:p>
+        </p:txBody>
+      </p:sp>
+      <p:sp>
+        <p:nvSpPr>
+          <p:cNvPr id="2" name="Title 1">
+            <a:extLst>
+              <a:ext uri="{FF2B5EF4-FFF2-40B4-BE49-F238E27FC236}">
+                <a16:creationId xmlns:a16="http://schemas.microsoft.com/office/drawing/2014/main" id="{9D045432-EED2-8148-BA86-3132BFE644EB}"/>
+              </a:ext>
+            </a:extLst>
+          </p:cNvPr>
+          <p:cNvSpPr>
+            <a:spLocks noGrp="1"/>
+          </p:cNvSpPr>
+          <p:nvPr>
+            <p:ph type="title"/>
+          </p:nvPr>
+        </p:nvSpPr>
+        <p:spPr>
+          <a:xfrm>
+            <a:off x="838200" y="171162"/>
+            <a:ext cx="2840182" cy="3229264"/>
+          </a:xfrm>
+        </p:spPr>
+        <p:txBody>
+          <a:bodyPr vert="horz" lIns="91440" tIns="45720" rIns="91440" bIns="45720" rtlCol="0" anchor="ctr">
+            <a:noAutofit/>
+          </a:bodyPr>
+          <a:lstStyle/>
+          <a:p>
+            <a:r>
+              <a:rPr lang="en-US" sz="3200" kern="1200" dirty="0">
+                <a:solidFill>
+                  <a:srgbClr val="FFFFFF"/>
+                </a:solidFill>
+                <a:latin typeface="+mj-lt"/>
+                <a:ea typeface="+mj-ea"/>
+                <a:cs typeface="+mj-cs"/>
+              </a:rPr>
+              <a:t>Casting. </a:t>
+            </a:r>
+            <a:r>
+              <a:rPr lang="en-US" sz="3200" kern="1200" dirty="0" err="1">
+                <a:solidFill>
+                  <a:srgbClr val="FFFFFF"/>
+                </a:solidFill>
+                <a:latin typeface="+mj-lt"/>
+                <a:ea typeface="+mj-ea"/>
+                <a:cs typeface="+mj-cs"/>
+              </a:rPr>
+              <a:t>Convirtiendo</a:t>
+            </a:r>
+            <a:r>
+              <a:rPr lang="en-US" sz="3200" kern="1200" dirty="0">
+                <a:solidFill>
+                  <a:srgbClr val="FFFFFF"/>
+                </a:solidFill>
+                <a:latin typeface="+mj-lt"/>
+                <a:ea typeface="+mj-ea"/>
+                <a:cs typeface="+mj-cs"/>
+              </a:rPr>
+              <a:t> </a:t>
+            </a:r>
+            <a:r>
+              <a:rPr lang="en-US" sz="3200" kern="1200" dirty="0" err="1">
+                <a:solidFill>
+                  <a:srgbClr val="FFFFFF"/>
+                </a:solidFill>
+                <a:latin typeface="+mj-lt"/>
+                <a:ea typeface="+mj-ea"/>
+                <a:cs typeface="+mj-cs"/>
+              </a:rPr>
+              <a:t>Tipos</a:t>
+            </a:r>
+            <a:endParaRPr lang="en-US" sz="3200" kern="1200" dirty="0">
+              <a:solidFill>
+                <a:srgbClr val="FFFFFF"/>
+              </a:solidFill>
+              <a:latin typeface="+mj-lt"/>
+              <a:ea typeface="+mj-ea"/>
+              <a:cs typeface="+mj-cs"/>
+            </a:endParaRPr>
+          </a:p>
+        </p:txBody>
+      </p:sp>
+      <p:pic>
+        <p:nvPicPr>
+          <p:cNvPr id="5" name="Picture 4" descr="A screenshot of a cell phone&#10;&#10;Description automatically generated">
+            <a:extLst>
+              <a:ext uri="{FF2B5EF4-FFF2-40B4-BE49-F238E27FC236}">
+                <a16:creationId xmlns:a16="http://schemas.microsoft.com/office/drawing/2014/main" id="{256A56F5-EF7F-4C4B-9146-A8727733A97F}"/>
+              </a:ext>
+            </a:extLst>
+          </p:cNvPr>
+          <p:cNvPicPr>
+            <a:picLocks noChangeAspect="1"/>
+          </p:cNvPicPr>
+          <p:nvPr/>
+        </p:nvPicPr>
+        <p:blipFill>
+          <a:blip r:embed="rId3"/>
+          <a:stretch>
+            <a:fillRect/>
+          </a:stretch>
+        </p:blipFill>
+        <p:spPr>
+          <a:xfrm>
+            <a:off x="5151178" y="619797"/>
+            <a:ext cx="4588245" cy="5561258"/>
+          </a:xfrm>
+          <a:prstGeom prst="rect">
+            <a:avLst/>
+          </a:prstGeom>
+        </p:spPr>
+      </p:pic>
+    </p:spTree>
+    <p:extLst>
+      <p:ext uri="{BB962C8B-B14F-4D97-AF65-F5344CB8AC3E}">
+        <p14:creationId xmlns:p14="http://schemas.microsoft.com/office/powerpoint/2010/main" val="133276154"/>
+      </p:ext>
+    </p:extLst>
+  </p:cSld>
+  <p:clrMapOvr>
+    <a:masterClrMapping/>
+  </p:clrMapOvr>
+</p:sld>
+</file>
+
+<file path=ppt/slides/slide47.xml><?xml version="1.0" encoding="utf-8"?>
+<p:sld xmlns:a="http://schemas.openxmlformats.org/drawingml/2006/main" xmlns:r="http://schemas.openxmlformats.org/officeDocument/2006/relationships" xmlns:p="http://schemas.openxmlformats.org/presentationml/2006/main">
+  <p:cSld>
+    <p:bg>
+      <p:bgPr>
+        <a:solidFill>
+          <a:schemeClr val="bg1"/>
+        </a:solidFill>
+        <a:effectLst/>
+      </p:bgPr>
+    </p:bg>
+    <p:spTree>
+      <p:nvGrpSpPr>
+        <p:cNvPr id="1" name=""/>
+        <p:cNvGrpSpPr/>
+        <p:nvPr/>
+      </p:nvGrpSpPr>
+      <p:grpSpPr>
+        <a:xfrm>
+          <a:off x="0" y="0"/>
+          <a:ext cx="0" cy="0"/>
+          <a:chOff x="0" y="0"/>
+          <a:chExt cx="0" cy="0"/>
+        </a:xfrm>
+      </p:grpSpPr>
+      <p:sp>
+        <p:nvSpPr>
+          <p:cNvPr id="11" name="Flowchart: Document 10">
+            <a:extLst>
+              <a:ext uri="{FF2B5EF4-FFF2-40B4-BE49-F238E27FC236}">
+                <a16:creationId xmlns:a16="http://schemas.microsoft.com/office/drawing/2014/main" id="{D12DDE76-C203-4047-9998-63900085B5E8}"/>
+              </a:ext>
+              <a:ext uri="{C183D7F6-B498-43B3-948B-1728B52AA6E4}">
+                <adec:decorative xmlns:adec="http://schemas.microsoft.com/office/drawing/2017/decorative" val="1"/>
+              </a:ext>
+            </a:extLst>
+          </p:cNvPr>
+          <p:cNvSpPr>
+            <a:spLocks noGrp="1" noRot="1" noChangeAspect="1" noMove="1" noResize="1" noEditPoints="1" noAdjustHandles="1" noChangeArrowheads="1" noChangeShapeType="1" noTextEdit="1"/>
+          </p:cNvSpPr>
+          <p:nvPr>
+            <p:extLst>
+              <p:ext uri="{386F3935-93C4-4BCD-93E2-E3B085C9AB24}">
+                <p16:designElem xmlns:p16="http://schemas.microsoft.com/office/powerpoint/2015/main" val="1"/>
+              </p:ext>
+            </p:extLst>
+          </p:nvPr>
+        </p:nvSpPr>
+        <p:spPr>
+          <a:xfrm>
+            <a:off x="638175" y="0"/>
+            <a:ext cx="3248025" cy="3400426"/>
+          </a:xfrm>
+          <a:prstGeom prst="flowChartDocument">
+            <a:avLst/>
+          </a:prstGeom>
+          <a:solidFill>
+            <a:schemeClr val="accent1"/>
+          </a:solidFill>
+          <a:ln>
+            <a:noFill/>
+          </a:ln>
+        </p:spPr>
+        <p:style>
+          <a:lnRef idx="2">
+            <a:schemeClr val="accent1">
+              <a:shade val="50000"/>
+            </a:schemeClr>
+          </a:lnRef>
+          <a:fillRef idx="1">
+            <a:schemeClr val="accent1"/>
+          </a:fillRef>
+          <a:effectRef idx="0">
+            <a:schemeClr val="accent1"/>
+          </a:effectRef>
+          <a:fontRef idx="minor">
+            <a:schemeClr val="lt1"/>
+          </a:fontRef>
+        </p:style>
+        <p:txBody>
+          <a:bodyPr rtlCol="0" anchor="ctr"/>
+          <a:lstStyle/>
+          <a:p>
+            <a:pPr algn="ctr"/>
+            <a:endParaRPr lang="en-US"/>
+          </a:p>
+        </p:txBody>
+      </p:sp>
+      <p:sp>
+        <p:nvSpPr>
+          <p:cNvPr id="2" name="Title 1">
+            <a:extLst>
+              <a:ext uri="{FF2B5EF4-FFF2-40B4-BE49-F238E27FC236}">
+                <a16:creationId xmlns:a16="http://schemas.microsoft.com/office/drawing/2014/main" id="{9D045432-EED2-8148-BA86-3132BFE644EB}"/>
+              </a:ext>
+            </a:extLst>
+          </p:cNvPr>
+          <p:cNvSpPr>
+            <a:spLocks noGrp="1"/>
+          </p:cNvSpPr>
+          <p:nvPr>
+            <p:ph type="title"/>
+          </p:nvPr>
+        </p:nvSpPr>
+        <p:spPr>
+          <a:xfrm>
+            <a:off x="838200" y="171162"/>
+            <a:ext cx="2840182" cy="3229264"/>
+          </a:xfrm>
+        </p:spPr>
+        <p:txBody>
+          <a:bodyPr vert="horz" lIns="91440" tIns="45720" rIns="91440" bIns="45720" rtlCol="0" anchor="ctr">
+            <a:noAutofit/>
+          </a:bodyPr>
+          <a:lstStyle/>
+          <a:p>
+            <a:r>
+              <a:rPr lang="en-US" sz="2800" kern="1200" dirty="0">
+                <a:solidFill>
+                  <a:srgbClr val="FFFFFF"/>
+                </a:solidFill>
+                <a:latin typeface="+mj-lt"/>
+                <a:ea typeface="+mj-ea"/>
+                <a:cs typeface="+mj-cs"/>
+              </a:rPr>
+              <a:t>Variables </a:t>
+            </a:r>
+            <a:r>
+              <a:rPr lang="en-US" sz="2800" kern="1200" dirty="0" err="1">
+                <a:solidFill>
+                  <a:srgbClr val="FFFFFF"/>
+                </a:solidFill>
+                <a:latin typeface="+mj-lt"/>
+                <a:ea typeface="+mj-ea"/>
+                <a:cs typeface="+mj-cs"/>
+              </a:rPr>
+              <a:t>deben</a:t>
+            </a:r>
+            <a:r>
+              <a:rPr lang="en-US" sz="2800" kern="1200" dirty="0">
+                <a:solidFill>
+                  <a:srgbClr val="FFFFFF"/>
+                </a:solidFill>
+                <a:latin typeface="+mj-lt"/>
+                <a:ea typeface="+mj-ea"/>
+                <a:cs typeface="+mj-cs"/>
+              </a:rPr>
+              <a:t> </a:t>
+            </a:r>
+            <a:r>
+              <a:rPr lang="en-US" sz="2800" kern="1200" dirty="0" err="1">
+                <a:solidFill>
+                  <a:srgbClr val="FFFFFF"/>
+                </a:solidFill>
+                <a:latin typeface="+mj-lt"/>
+                <a:ea typeface="+mj-ea"/>
+                <a:cs typeface="+mj-cs"/>
+              </a:rPr>
+              <a:t>declararse</a:t>
+            </a:r>
+            <a:r>
+              <a:rPr lang="en-US" sz="2800" kern="1200" dirty="0">
+                <a:solidFill>
+                  <a:srgbClr val="FFFFFF"/>
+                </a:solidFill>
+                <a:latin typeface="+mj-lt"/>
+                <a:ea typeface="+mj-ea"/>
+                <a:cs typeface="+mj-cs"/>
+              </a:rPr>
+              <a:t> al </a:t>
+            </a:r>
+            <a:r>
+              <a:rPr lang="en-US" sz="2800" kern="1200" dirty="0" err="1">
+                <a:solidFill>
+                  <a:srgbClr val="FFFFFF"/>
+                </a:solidFill>
+                <a:latin typeface="+mj-lt"/>
+                <a:ea typeface="+mj-ea"/>
+                <a:cs typeface="+mj-cs"/>
+              </a:rPr>
+              <a:t>tipo</a:t>
+            </a:r>
+            <a:r>
+              <a:rPr lang="en-US" sz="2800" kern="1200" dirty="0">
+                <a:solidFill>
+                  <a:srgbClr val="FFFFFF"/>
+                </a:solidFill>
+                <a:latin typeface="+mj-lt"/>
+                <a:ea typeface="+mj-ea"/>
+                <a:cs typeface="+mj-cs"/>
+              </a:rPr>
+              <a:t> al que </a:t>
+            </a:r>
+            <a:r>
+              <a:rPr lang="en-US" sz="2800" kern="1200" dirty="0" err="1">
+                <a:solidFill>
+                  <a:srgbClr val="FFFFFF"/>
+                </a:solidFill>
+                <a:latin typeface="+mj-lt"/>
+                <a:ea typeface="+mj-ea"/>
+                <a:cs typeface="+mj-cs"/>
+              </a:rPr>
+              <a:t>pertenecen</a:t>
+            </a:r>
+            <a:r>
+              <a:rPr lang="en-US" sz="2800" kern="1200" dirty="0">
+                <a:solidFill>
+                  <a:srgbClr val="FFFFFF"/>
+                </a:solidFill>
+                <a:latin typeface="+mj-lt"/>
+                <a:ea typeface="+mj-ea"/>
+                <a:cs typeface="+mj-cs"/>
+              </a:rPr>
+              <a:t> antes de </a:t>
+            </a:r>
+            <a:r>
+              <a:rPr lang="en-US" sz="2800" kern="1200" dirty="0" err="1">
+                <a:solidFill>
+                  <a:srgbClr val="FFFFFF"/>
+                </a:solidFill>
+                <a:latin typeface="+mj-lt"/>
+                <a:ea typeface="+mj-ea"/>
+                <a:cs typeface="+mj-cs"/>
+              </a:rPr>
+              <a:t>usarse</a:t>
+            </a:r>
+            <a:endParaRPr lang="en-US" sz="2800" kern="1200" dirty="0">
+              <a:solidFill>
+                <a:srgbClr val="FFFFFF"/>
+              </a:solidFill>
+              <a:latin typeface="+mj-lt"/>
+              <a:ea typeface="+mj-ea"/>
+              <a:cs typeface="+mj-cs"/>
+            </a:endParaRPr>
+          </a:p>
+        </p:txBody>
+      </p:sp>
+      <p:pic>
+        <p:nvPicPr>
+          <p:cNvPr id="4" name="Picture 3" descr="A screenshot of a social media post&#10;&#10;Description automatically generated">
+            <a:extLst>
+              <a:ext uri="{FF2B5EF4-FFF2-40B4-BE49-F238E27FC236}">
+                <a16:creationId xmlns:a16="http://schemas.microsoft.com/office/drawing/2014/main" id="{A9FACD9D-1E68-0042-9834-744C7ABCB495}"/>
+              </a:ext>
+            </a:extLst>
+          </p:cNvPr>
+          <p:cNvPicPr>
+            <a:picLocks noChangeAspect="1"/>
+          </p:cNvPicPr>
+          <p:nvPr/>
+        </p:nvPicPr>
+        <p:blipFill>
+          <a:blip r:embed="rId3"/>
+          <a:stretch>
+            <a:fillRect/>
+          </a:stretch>
+        </p:blipFill>
+        <p:spPr>
+          <a:xfrm>
+            <a:off x="4086225" y="485701"/>
+            <a:ext cx="7848600" cy="4483100"/>
+          </a:xfrm>
+          <a:prstGeom prst="rect">
+            <a:avLst/>
+          </a:prstGeom>
+        </p:spPr>
+      </p:pic>
+    </p:spTree>
+    <p:extLst>
+      <p:ext uri="{BB962C8B-B14F-4D97-AF65-F5344CB8AC3E}">
+        <p14:creationId xmlns:p14="http://schemas.microsoft.com/office/powerpoint/2010/main" val="369952293"/>
+      </p:ext>
+    </p:extLst>
+  </p:cSld>
+  <p:clrMapOvr>
+    <a:masterClrMapping/>
+  </p:clrMapOvr>
+</p:sld>
+</file>
+
+<file path=ppt/slides/slide48.xml><?xml version="1.0" encoding="utf-8"?>
+<p:sld xmlns:a="http://schemas.openxmlformats.org/drawingml/2006/main" xmlns:r="http://schemas.openxmlformats.org/officeDocument/2006/relationships" xmlns:p="http://schemas.openxmlformats.org/presentationml/2006/main">
+  <p:cSld>
+    <p:bg>
+      <p:bgPr>
+        <a:solidFill>
+          <a:schemeClr val="bg1"/>
+        </a:solidFill>
+        <a:effectLst/>
+      </p:bgPr>
+    </p:bg>
+    <p:spTree>
+      <p:nvGrpSpPr>
+        <p:cNvPr id="1" name=""/>
+        <p:cNvGrpSpPr/>
+        <p:nvPr/>
+      </p:nvGrpSpPr>
+      <p:grpSpPr>
+        <a:xfrm>
+          <a:off x="0" y="0"/>
+          <a:ext cx="0" cy="0"/>
+          <a:chOff x="0" y="0"/>
+          <a:chExt cx="0" cy="0"/>
+        </a:xfrm>
+      </p:grpSpPr>
+      <p:sp>
+        <p:nvSpPr>
+          <p:cNvPr id="11" name="Flowchart: Document 10">
+            <a:extLst>
+              <a:ext uri="{FF2B5EF4-FFF2-40B4-BE49-F238E27FC236}">
+                <a16:creationId xmlns:a16="http://schemas.microsoft.com/office/drawing/2014/main" id="{D12DDE76-C203-4047-9998-63900085B5E8}"/>
+              </a:ext>
+              <a:ext uri="{C183D7F6-B498-43B3-948B-1728B52AA6E4}">
+                <adec:decorative xmlns:adec="http://schemas.microsoft.com/office/drawing/2017/decorative" val="1"/>
+              </a:ext>
+            </a:extLst>
+          </p:cNvPr>
+          <p:cNvSpPr>
+            <a:spLocks noGrp="1" noRot="1" noChangeAspect="1" noMove="1" noResize="1" noEditPoints="1" noAdjustHandles="1" noChangeArrowheads="1" noChangeShapeType="1" noTextEdit="1"/>
+          </p:cNvSpPr>
+          <p:nvPr>
+            <p:extLst>
+              <p:ext uri="{386F3935-93C4-4BCD-93E2-E3B085C9AB24}">
+                <p16:designElem xmlns:p16="http://schemas.microsoft.com/office/powerpoint/2015/main" val="1"/>
+              </p:ext>
+            </p:extLst>
+          </p:nvPr>
+        </p:nvSpPr>
+        <p:spPr>
+          <a:xfrm>
+            <a:off x="638175" y="0"/>
+            <a:ext cx="3248025" cy="3400426"/>
+          </a:xfrm>
+          <a:prstGeom prst="flowChartDocument">
+            <a:avLst/>
+          </a:prstGeom>
+          <a:solidFill>
+            <a:schemeClr val="accent1"/>
+          </a:solidFill>
+          <a:ln>
+            <a:noFill/>
+          </a:ln>
+        </p:spPr>
+        <p:style>
+          <a:lnRef idx="2">
+            <a:schemeClr val="accent1">
+              <a:shade val="50000"/>
+            </a:schemeClr>
+          </a:lnRef>
+          <a:fillRef idx="1">
+            <a:schemeClr val="accent1"/>
+          </a:fillRef>
+          <a:effectRef idx="0">
+            <a:schemeClr val="accent1"/>
+          </a:effectRef>
+          <a:fontRef idx="minor">
+            <a:schemeClr val="lt1"/>
+          </a:fontRef>
+        </p:style>
+        <p:txBody>
+          <a:bodyPr rtlCol="0" anchor="ctr"/>
+          <a:lstStyle/>
+          <a:p>
+            <a:pPr algn="ctr"/>
+            <a:endParaRPr lang="en-US"/>
+          </a:p>
+        </p:txBody>
+      </p:sp>
+      <p:sp>
+        <p:nvSpPr>
+          <p:cNvPr id="2" name="Title 1">
+            <a:extLst>
+              <a:ext uri="{FF2B5EF4-FFF2-40B4-BE49-F238E27FC236}">
+                <a16:creationId xmlns:a16="http://schemas.microsoft.com/office/drawing/2014/main" id="{9D045432-EED2-8148-BA86-3132BFE644EB}"/>
+              </a:ext>
+            </a:extLst>
+          </p:cNvPr>
+          <p:cNvSpPr>
+            <a:spLocks noGrp="1"/>
+          </p:cNvSpPr>
+          <p:nvPr>
+            <p:ph type="title"/>
+          </p:nvPr>
+        </p:nvSpPr>
+        <p:spPr>
+          <a:xfrm>
+            <a:off x="838200" y="171162"/>
+            <a:ext cx="2840182" cy="3229264"/>
+          </a:xfrm>
+        </p:spPr>
+        <p:txBody>
+          <a:bodyPr vert="horz" lIns="91440" tIns="45720" rIns="91440" bIns="45720" rtlCol="0" anchor="ctr">
+            <a:noAutofit/>
+          </a:bodyPr>
+          <a:lstStyle/>
+          <a:p>
+            <a:r>
+              <a:rPr lang="en-US" sz="2800" kern="1200" dirty="0">
+                <a:solidFill>
+                  <a:srgbClr val="FFFFFF"/>
+                </a:solidFill>
+                <a:latin typeface="+mj-lt"/>
+                <a:ea typeface="+mj-ea"/>
+                <a:cs typeface="+mj-cs"/>
+              </a:rPr>
+              <a:t>Variables </a:t>
+            </a:r>
+            <a:r>
+              <a:rPr lang="en-US" sz="2800" kern="1200" dirty="0" err="1">
+                <a:solidFill>
+                  <a:srgbClr val="FFFFFF"/>
+                </a:solidFill>
+                <a:latin typeface="+mj-lt"/>
+                <a:ea typeface="+mj-ea"/>
+                <a:cs typeface="+mj-cs"/>
+              </a:rPr>
+              <a:t>deben</a:t>
+            </a:r>
+            <a:r>
+              <a:rPr lang="en-US" sz="2800" kern="1200" dirty="0">
+                <a:solidFill>
+                  <a:srgbClr val="FFFFFF"/>
+                </a:solidFill>
+                <a:latin typeface="+mj-lt"/>
+                <a:ea typeface="+mj-ea"/>
+                <a:cs typeface="+mj-cs"/>
+              </a:rPr>
+              <a:t> </a:t>
+            </a:r>
+            <a:r>
+              <a:rPr lang="en-US" sz="2800" kern="1200" dirty="0" err="1">
+                <a:solidFill>
+                  <a:srgbClr val="FFFFFF"/>
+                </a:solidFill>
+                <a:latin typeface="+mj-lt"/>
+                <a:ea typeface="+mj-ea"/>
+                <a:cs typeface="+mj-cs"/>
+              </a:rPr>
+              <a:t>declararse</a:t>
+            </a:r>
+            <a:r>
+              <a:rPr lang="en-US" sz="2800" kern="1200" dirty="0">
+                <a:solidFill>
+                  <a:srgbClr val="FFFFFF"/>
+                </a:solidFill>
+                <a:latin typeface="+mj-lt"/>
+                <a:ea typeface="+mj-ea"/>
+                <a:cs typeface="+mj-cs"/>
+              </a:rPr>
+              <a:t> al </a:t>
+            </a:r>
+            <a:r>
+              <a:rPr lang="en-US" sz="2800" kern="1200" dirty="0" err="1">
+                <a:solidFill>
+                  <a:srgbClr val="FFFFFF"/>
+                </a:solidFill>
+                <a:latin typeface="+mj-lt"/>
+                <a:ea typeface="+mj-ea"/>
+                <a:cs typeface="+mj-cs"/>
+              </a:rPr>
+              <a:t>tipo</a:t>
+            </a:r>
+            <a:r>
+              <a:rPr lang="en-US" sz="2800" kern="1200" dirty="0">
+                <a:solidFill>
+                  <a:srgbClr val="FFFFFF"/>
+                </a:solidFill>
+                <a:latin typeface="+mj-lt"/>
+                <a:ea typeface="+mj-ea"/>
+                <a:cs typeface="+mj-cs"/>
+              </a:rPr>
+              <a:t> al que </a:t>
+            </a:r>
+            <a:r>
+              <a:rPr lang="en-US" sz="2800" kern="1200" dirty="0" err="1">
+                <a:solidFill>
+                  <a:srgbClr val="FFFFFF"/>
+                </a:solidFill>
+                <a:latin typeface="+mj-lt"/>
+                <a:ea typeface="+mj-ea"/>
+                <a:cs typeface="+mj-cs"/>
+              </a:rPr>
+              <a:t>pertenecen</a:t>
+            </a:r>
+            <a:r>
+              <a:rPr lang="en-US" sz="2800" kern="1200" dirty="0">
+                <a:solidFill>
+                  <a:srgbClr val="FFFFFF"/>
+                </a:solidFill>
+                <a:latin typeface="+mj-lt"/>
+                <a:ea typeface="+mj-ea"/>
+                <a:cs typeface="+mj-cs"/>
+              </a:rPr>
+              <a:t> antes de </a:t>
+            </a:r>
+            <a:r>
+              <a:rPr lang="en-US" sz="2800" kern="1200" dirty="0" err="1">
+                <a:solidFill>
+                  <a:srgbClr val="FFFFFF"/>
+                </a:solidFill>
+                <a:latin typeface="+mj-lt"/>
+                <a:ea typeface="+mj-ea"/>
+                <a:cs typeface="+mj-cs"/>
+              </a:rPr>
+              <a:t>usarse</a:t>
+            </a:r>
+            <a:endParaRPr lang="en-US" sz="2800" kern="1200" dirty="0">
+              <a:solidFill>
+                <a:srgbClr val="FFFFFF"/>
+              </a:solidFill>
+              <a:latin typeface="+mj-lt"/>
+              <a:ea typeface="+mj-ea"/>
+              <a:cs typeface="+mj-cs"/>
+            </a:endParaRPr>
+          </a:p>
+        </p:txBody>
+      </p:sp>
+      <p:pic>
+        <p:nvPicPr>
+          <p:cNvPr id="5" name="Picture 4" descr="A screenshot of a cell phone&#10;&#10;Description automatically generated">
+            <a:extLst>
+              <a:ext uri="{FF2B5EF4-FFF2-40B4-BE49-F238E27FC236}">
+                <a16:creationId xmlns:a16="http://schemas.microsoft.com/office/drawing/2014/main" id="{85C21820-7E98-AA4C-BDDD-F499A78825C9}"/>
+              </a:ext>
+            </a:extLst>
+          </p:cNvPr>
+          <p:cNvPicPr>
+            <a:picLocks noChangeAspect="1"/>
+          </p:cNvPicPr>
+          <p:nvPr/>
+        </p:nvPicPr>
+        <p:blipFill>
+          <a:blip r:embed="rId3"/>
+          <a:stretch>
+            <a:fillRect/>
+          </a:stretch>
+        </p:blipFill>
+        <p:spPr>
+          <a:xfrm>
+            <a:off x="4292601" y="171162"/>
+            <a:ext cx="5021519" cy="6578826"/>
+          </a:xfrm>
+          <a:prstGeom prst="rect">
+            <a:avLst/>
+          </a:prstGeom>
+        </p:spPr>
+      </p:pic>
+    </p:spTree>
+    <p:extLst>
+      <p:ext uri="{BB962C8B-B14F-4D97-AF65-F5344CB8AC3E}">
+        <p14:creationId xmlns:p14="http://schemas.microsoft.com/office/powerpoint/2010/main" val="2687556687"/>
+      </p:ext>
+    </p:extLst>
+  </p:cSld>
+  <p:clrMapOvr>
+    <a:masterClrMapping/>
+  </p:clrMapOvr>
+</p:sld>
+</file>
+
+<file path=ppt/slides/slide49.xml><?xml version="1.0" encoding="utf-8"?>
+<p:sld xmlns:a="http://schemas.openxmlformats.org/drawingml/2006/main" xmlns:r="http://schemas.openxmlformats.org/officeDocument/2006/relationships" xmlns:p="http://schemas.openxmlformats.org/presentationml/2006/main">
+  <p:cSld>
+    <p:bg>
+      <p:bgPr>
+        <a:solidFill>
+          <a:schemeClr val="bg1"/>
+        </a:solidFill>
+        <a:effectLst/>
+      </p:bgPr>
+    </p:bg>
+    <p:spTree>
+      <p:nvGrpSpPr>
+        <p:cNvPr id="1" name=""/>
+        <p:cNvGrpSpPr/>
+        <p:nvPr/>
+      </p:nvGrpSpPr>
+      <p:grpSpPr>
+        <a:xfrm>
+          <a:off x="0" y="0"/>
+          <a:ext cx="0" cy="0"/>
+          <a:chOff x="0" y="0"/>
+          <a:chExt cx="0" cy="0"/>
+        </a:xfrm>
+      </p:grpSpPr>
+      <p:sp>
+        <p:nvSpPr>
+          <p:cNvPr id="11" name="Flowchart: Document 10">
+            <a:extLst>
+              <a:ext uri="{FF2B5EF4-FFF2-40B4-BE49-F238E27FC236}">
+                <a16:creationId xmlns:a16="http://schemas.microsoft.com/office/drawing/2014/main" id="{D12DDE76-C203-4047-9998-63900085B5E8}"/>
+              </a:ext>
+              <a:ext uri="{C183D7F6-B498-43B3-948B-1728B52AA6E4}">
+                <adec:decorative xmlns:adec="http://schemas.microsoft.com/office/drawing/2017/decorative" val="1"/>
+              </a:ext>
+            </a:extLst>
+          </p:cNvPr>
+          <p:cNvSpPr>
+            <a:spLocks noGrp="1" noRot="1" noChangeAspect="1" noMove="1" noResize="1" noEditPoints="1" noAdjustHandles="1" noChangeArrowheads="1" noChangeShapeType="1" noTextEdit="1"/>
+          </p:cNvSpPr>
+          <p:nvPr>
+            <p:extLst>
+              <p:ext uri="{386F3935-93C4-4BCD-93E2-E3B085C9AB24}">
+                <p16:designElem xmlns:p16="http://schemas.microsoft.com/office/powerpoint/2015/main" val="1"/>
+              </p:ext>
+            </p:extLst>
+          </p:nvPr>
+        </p:nvSpPr>
+        <p:spPr>
+          <a:xfrm>
+            <a:off x="638175" y="0"/>
+            <a:ext cx="3248025" cy="3400426"/>
+          </a:xfrm>
+          <a:prstGeom prst="flowChartDocument">
+            <a:avLst/>
+          </a:prstGeom>
+          <a:solidFill>
+            <a:schemeClr val="accent1"/>
+          </a:solidFill>
+          <a:ln>
+            <a:noFill/>
+          </a:ln>
+        </p:spPr>
+        <p:style>
+          <a:lnRef idx="2">
+            <a:schemeClr val="accent1">
+              <a:shade val="50000"/>
+            </a:schemeClr>
+          </a:lnRef>
+          <a:fillRef idx="1">
+            <a:schemeClr val="accent1"/>
+          </a:fillRef>
+          <a:effectRef idx="0">
+            <a:schemeClr val="accent1"/>
+          </a:effectRef>
+          <a:fontRef idx="minor">
+            <a:schemeClr val="lt1"/>
+          </a:fontRef>
+        </p:style>
+        <p:txBody>
+          <a:bodyPr rtlCol="0" anchor="ctr"/>
+          <a:lstStyle/>
+          <a:p>
+            <a:pPr algn="ctr"/>
+            <a:endParaRPr lang="en-US"/>
+          </a:p>
+        </p:txBody>
+      </p:sp>
+      <p:sp>
+        <p:nvSpPr>
+          <p:cNvPr id="2" name="Title 1">
+            <a:extLst>
+              <a:ext uri="{FF2B5EF4-FFF2-40B4-BE49-F238E27FC236}">
+                <a16:creationId xmlns:a16="http://schemas.microsoft.com/office/drawing/2014/main" id="{9D045432-EED2-8148-BA86-3132BFE644EB}"/>
+              </a:ext>
+            </a:extLst>
+          </p:cNvPr>
+          <p:cNvSpPr>
+            <a:spLocks noGrp="1"/>
+          </p:cNvSpPr>
+          <p:nvPr>
+            <p:ph type="title"/>
+          </p:nvPr>
+        </p:nvSpPr>
+        <p:spPr>
+          <a:xfrm>
+            <a:off x="838200" y="171162"/>
+            <a:ext cx="2840182" cy="3229264"/>
+          </a:xfrm>
+        </p:spPr>
+        <p:txBody>
+          <a:bodyPr vert="horz" lIns="91440" tIns="45720" rIns="91440" bIns="45720" rtlCol="0" anchor="ctr">
+            <a:noAutofit/>
+          </a:bodyPr>
+          <a:lstStyle/>
+          <a:p>
+            <a:r>
+              <a:rPr lang="en-US" sz="3200" kern="1200" dirty="0">
+                <a:solidFill>
+                  <a:srgbClr val="FFFFFF"/>
+                </a:solidFill>
+                <a:latin typeface="+mj-lt"/>
+                <a:ea typeface="+mj-ea"/>
+                <a:cs typeface="+mj-cs"/>
+              </a:rPr>
+              <a:t>Las variables </a:t>
+            </a:r>
+            <a:r>
+              <a:rPr lang="en-US" sz="3200" kern="1200" dirty="0" err="1">
+                <a:solidFill>
+                  <a:srgbClr val="FFFFFF"/>
+                </a:solidFill>
+                <a:latin typeface="+mj-lt"/>
+                <a:ea typeface="+mj-ea"/>
+                <a:cs typeface="+mj-cs"/>
+              </a:rPr>
+              <a:t>una</a:t>
+            </a:r>
+            <a:r>
+              <a:rPr lang="en-US" sz="3200" kern="1200" dirty="0">
+                <a:solidFill>
+                  <a:srgbClr val="FFFFFF"/>
+                </a:solidFill>
+                <a:latin typeface="+mj-lt"/>
+                <a:ea typeface="+mj-ea"/>
+                <a:cs typeface="+mj-cs"/>
+              </a:rPr>
+              <a:t> </a:t>
+            </a:r>
+            <a:r>
+              <a:rPr lang="en-US" sz="3200" kern="1200" dirty="0" err="1">
+                <a:solidFill>
+                  <a:srgbClr val="FFFFFF"/>
+                </a:solidFill>
+                <a:latin typeface="+mj-lt"/>
+                <a:ea typeface="+mj-ea"/>
+                <a:cs typeface="+mj-cs"/>
+              </a:rPr>
+              <a:t>vez</a:t>
+            </a:r>
+            <a:r>
+              <a:rPr lang="en-US" sz="3200" kern="1200" dirty="0">
+                <a:solidFill>
+                  <a:srgbClr val="FFFFFF"/>
+                </a:solidFill>
+                <a:latin typeface="+mj-lt"/>
+                <a:ea typeface="+mj-ea"/>
+                <a:cs typeface="+mj-cs"/>
+              </a:rPr>
+              <a:t> </a:t>
+            </a:r>
+            <a:r>
+              <a:rPr lang="en-US" sz="3200" kern="1200" dirty="0" err="1">
+                <a:solidFill>
+                  <a:srgbClr val="FFFFFF"/>
+                </a:solidFill>
+                <a:latin typeface="+mj-lt"/>
+                <a:ea typeface="+mj-ea"/>
+                <a:cs typeface="+mj-cs"/>
+              </a:rPr>
+              <a:t>declaradas</a:t>
+            </a:r>
+            <a:r>
+              <a:rPr lang="en-US" sz="3200" kern="1200" dirty="0">
+                <a:solidFill>
+                  <a:srgbClr val="FFFFFF"/>
+                </a:solidFill>
+                <a:latin typeface="+mj-lt"/>
+                <a:ea typeface="+mj-ea"/>
+                <a:cs typeface="+mj-cs"/>
+              </a:rPr>
+              <a:t> no </a:t>
+            </a:r>
+            <a:r>
+              <a:rPr lang="en-US" sz="3200" kern="1200" dirty="0" err="1">
+                <a:solidFill>
+                  <a:srgbClr val="FFFFFF"/>
+                </a:solidFill>
+                <a:latin typeface="+mj-lt"/>
+                <a:ea typeface="+mj-ea"/>
+                <a:cs typeface="+mj-cs"/>
+              </a:rPr>
+              <a:t>pueden</a:t>
+            </a:r>
+            <a:r>
+              <a:rPr lang="en-US" sz="3200" kern="1200" dirty="0">
+                <a:solidFill>
+                  <a:srgbClr val="FFFFFF"/>
+                </a:solidFill>
+                <a:latin typeface="+mj-lt"/>
+                <a:ea typeface="+mj-ea"/>
+                <a:cs typeface="+mj-cs"/>
+              </a:rPr>
+              <a:t> </a:t>
+            </a:r>
+            <a:r>
+              <a:rPr lang="en-US" sz="3200" kern="1200" dirty="0" err="1">
+                <a:solidFill>
+                  <a:srgbClr val="FFFFFF"/>
+                </a:solidFill>
+                <a:latin typeface="+mj-lt"/>
+                <a:ea typeface="+mj-ea"/>
+                <a:cs typeface="+mj-cs"/>
+              </a:rPr>
+              <a:t>recibir</a:t>
+            </a:r>
+            <a:r>
+              <a:rPr lang="en-US" sz="3200" kern="1200" dirty="0">
+                <a:solidFill>
+                  <a:srgbClr val="FFFFFF"/>
+                </a:solidFill>
+                <a:latin typeface="+mj-lt"/>
+                <a:ea typeface="+mj-ea"/>
+                <a:cs typeface="+mj-cs"/>
+              </a:rPr>
+              <a:t> </a:t>
+            </a:r>
+            <a:r>
+              <a:rPr lang="en-US" sz="3200" kern="1200" dirty="0" err="1">
+                <a:solidFill>
+                  <a:srgbClr val="FFFFFF"/>
+                </a:solidFill>
+                <a:latin typeface="+mj-lt"/>
+                <a:ea typeface="+mj-ea"/>
+                <a:cs typeface="+mj-cs"/>
+              </a:rPr>
+              <a:t>valores</a:t>
+            </a:r>
+            <a:r>
+              <a:rPr lang="en-US" sz="3200" kern="1200" dirty="0">
+                <a:solidFill>
+                  <a:srgbClr val="FFFFFF"/>
+                </a:solidFill>
+                <a:latin typeface="+mj-lt"/>
+                <a:ea typeface="+mj-ea"/>
+                <a:cs typeface="+mj-cs"/>
+              </a:rPr>
+              <a:t> de </a:t>
+            </a:r>
+            <a:r>
+              <a:rPr lang="en-US" sz="3200" kern="1200" dirty="0" err="1">
+                <a:solidFill>
+                  <a:srgbClr val="FFFFFF"/>
+                </a:solidFill>
+                <a:latin typeface="+mj-lt"/>
+                <a:ea typeface="+mj-ea"/>
+                <a:cs typeface="+mj-cs"/>
+              </a:rPr>
+              <a:t>otros</a:t>
+            </a:r>
+            <a:r>
+              <a:rPr lang="en-US" sz="3200" kern="1200" dirty="0">
+                <a:solidFill>
+                  <a:srgbClr val="FFFFFF"/>
+                </a:solidFill>
+                <a:latin typeface="+mj-lt"/>
+                <a:ea typeface="+mj-ea"/>
+                <a:cs typeface="+mj-cs"/>
+              </a:rPr>
+              <a:t> </a:t>
+            </a:r>
+            <a:r>
+              <a:rPr lang="en-US" sz="3200" kern="1200" dirty="0" err="1">
+                <a:solidFill>
+                  <a:srgbClr val="FFFFFF"/>
+                </a:solidFill>
+                <a:latin typeface="+mj-lt"/>
+                <a:ea typeface="+mj-ea"/>
+                <a:cs typeface="+mj-cs"/>
+              </a:rPr>
+              <a:t>tipos</a:t>
+            </a:r>
+            <a:endParaRPr lang="en-US" sz="3200" kern="1200" dirty="0">
+              <a:solidFill>
+                <a:srgbClr val="FFFFFF"/>
+              </a:solidFill>
+              <a:latin typeface="+mj-lt"/>
+              <a:ea typeface="+mj-ea"/>
+              <a:cs typeface="+mj-cs"/>
+            </a:endParaRPr>
+          </a:p>
+        </p:txBody>
+      </p:sp>
+      <p:pic>
+        <p:nvPicPr>
+          <p:cNvPr id="7" name="Picture 6" descr="A screenshot of a cell phone&#10;&#10;Description automatically generated">
+            <a:extLst>
+              <a:ext uri="{FF2B5EF4-FFF2-40B4-BE49-F238E27FC236}">
+                <a16:creationId xmlns:a16="http://schemas.microsoft.com/office/drawing/2014/main" id="{22437415-1485-F544-8703-2ACE826755D8}"/>
+              </a:ext>
+            </a:extLst>
+          </p:cNvPr>
+          <p:cNvPicPr>
+            <a:picLocks noChangeAspect="1"/>
+          </p:cNvPicPr>
+          <p:nvPr/>
+        </p:nvPicPr>
+        <p:blipFill>
+          <a:blip r:embed="rId3"/>
+          <a:stretch>
+            <a:fillRect/>
+          </a:stretch>
+        </p:blipFill>
+        <p:spPr>
+          <a:xfrm>
+            <a:off x="4086225" y="796999"/>
+            <a:ext cx="7848600" cy="4838700"/>
+          </a:xfrm>
+          <a:prstGeom prst="rect">
+            <a:avLst/>
+          </a:prstGeom>
+        </p:spPr>
+      </p:pic>
+    </p:spTree>
+    <p:extLst>
+      <p:ext uri="{BB962C8B-B14F-4D97-AF65-F5344CB8AC3E}">
+        <p14:creationId xmlns:p14="http://schemas.microsoft.com/office/powerpoint/2010/main" val="2381345177"/>
       </p:ext>
     </p:extLst>
   </p:cSld>
@@ -12311,6 +16630,714 @@
     <p:extLst>
       <p:ext uri="{BB962C8B-B14F-4D97-AF65-F5344CB8AC3E}">
         <p14:creationId xmlns:p14="http://schemas.microsoft.com/office/powerpoint/2010/main" val="2680405466"/>
+      </p:ext>
+    </p:extLst>
+  </p:cSld>
+  <p:clrMapOvr>
+    <a:masterClrMapping/>
+  </p:clrMapOvr>
+</p:sld>
+</file>
+
+<file path=ppt/slides/slide50.xml><?xml version="1.0" encoding="utf-8"?>
+<p:sld xmlns:a="http://schemas.openxmlformats.org/drawingml/2006/main" xmlns:r="http://schemas.openxmlformats.org/officeDocument/2006/relationships" xmlns:p="http://schemas.openxmlformats.org/presentationml/2006/main">
+  <p:cSld>
+    <p:bg>
+      <p:bgPr>
+        <a:solidFill>
+          <a:schemeClr val="bg1"/>
+        </a:solidFill>
+        <a:effectLst/>
+      </p:bgPr>
+    </p:bg>
+    <p:spTree>
+      <p:nvGrpSpPr>
+        <p:cNvPr id="1" name=""/>
+        <p:cNvGrpSpPr/>
+        <p:nvPr/>
+      </p:nvGrpSpPr>
+      <p:grpSpPr>
+        <a:xfrm>
+          <a:off x="0" y="0"/>
+          <a:ext cx="0" cy="0"/>
+          <a:chOff x="0" y="0"/>
+          <a:chExt cx="0" cy="0"/>
+        </a:xfrm>
+      </p:grpSpPr>
+      <p:sp>
+        <p:nvSpPr>
+          <p:cNvPr id="11" name="Flowchart: Document 10">
+            <a:extLst>
+              <a:ext uri="{FF2B5EF4-FFF2-40B4-BE49-F238E27FC236}">
+                <a16:creationId xmlns:a16="http://schemas.microsoft.com/office/drawing/2014/main" id="{D12DDE76-C203-4047-9998-63900085B5E8}"/>
+              </a:ext>
+              <a:ext uri="{C183D7F6-B498-43B3-948B-1728B52AA6E4}">
+                <adec:decorative xmlns:adec="http://schemas.microsoft.com/office/drawing/2017/decorative" val="1"/>
+              </a:ext>
+            </a:extLst>
+          </p:cNvPr>
+          <p:cNvSpPr>
+            <a:spLocks noGrp="1" noRot="1" noChangeAspect="1" noMove="1" noResize="1" noEditPoints="1" noAdjustHandles="1" noChangeArrowheads="1" noChangeShapeType="1" noTextEdit="1"/>
+          </p:cNvSpPr>
+          <p:nvPr>
+            <p:extLst>
+              <p:ext uri="{386F3935-93C4-4BCD-93E2-E3B085C9AB24}">
+                <p16:designElem xmlns:p16="http://schemas.microsoft.com/office/powerpoint/2015/main" val="1"/>
+              </p:ext>
+            </p:extLst>
+          </p:nvPr>
+        </p:nvSpPr>
+        <p:spPr>
+          <a:xfrm>
+            <a:off x="638175" y="0"/>
+            <a:ext cx="3248025" cy="3400426"/>
+          </a:xfrm>
+          <a:prstGeom prst="flowChartDocument">
+            <a:avLst/>
+          </a:prstGeom>
+          <a:solidFill>
+            <a:schemeClr val="accent1"/>
+          </a:solidFill>
+          <a:ln>
+            <a:noFill/>
+          </a:ln>
+        </p:spPr>
+        <p:style>
+          <a:lnRef idx="2">
+            <a:schemeClr val="accent1">
+              <a:shade val="50000"/>
+            </a:schemeClr>
+          </a:lnRef>
+          <a:fillRef idx="1">
+            <a:schemeClr val="accent1"/>
+          </a:fillRef>
+          <a:effectRef idx="0">
+            <a:schemeClr val="accent1"/>
+          </a:effectRef>
+          <a:fontRef idx="minor">
+            <a:schemeClr val="lt1"/>
+          </a:fontRef>
+        </p:style>
+        <p:txBody>
+          <a:bodyPr rtlCol="0" anchor="ctr"/>
+          <a:lstStyle/>
+          <a:p>
+            <a:pPr algn="ctr"/>
+            <a:endParaRPr lang="en-US"/>
+          </a:p>
+        </p:txBody>
+      </p:sp>
+      <p:sp>
+        <p:nvSpPr>
+          <p:cNvPr id="2" name="Title 1">
+            <a:extLst>
+              <a:ext uri="{FF2B5EF4-FFF2-40B4-BE49-F238E27FC236}">
+                <a16:creationId xmlns:a16="http://schemas.microsoft.com/office/drawing/2014/main" id="{9D045432-EED2-8148-BA86-3132BFE644EB}"/>
+              </a:ext>
+            </a:extLst>
+          </p:cNvPr>
+          <p:cNvSpPr>
+            <a:spLocks noGrp="1"/>
+          </p:cNvSpPr>
+          <p:nvPr>
+            <p:ph type="title"/>
+          </p:nvPr>
+        </p:nvSpPr>
+        <p:spPr>
+          <a:xfrm>
+            <a:off x="838200" y="171162"/>
+            <a:ext cx="2840182" cy="3229264"/>
+          </a:xfrm>
+        </p:spPr>
+        <p:txBody>
+          <a:bodyPr vert="horz" lIns="91440" tIns="45720" rIns="91440" bIns="45720" rtlCol="0" anchor="ctr">
+            <a:noAutofit/>
+          </a:bodyPr>
+          <a:lstStyle/>
+          <a:p>
+            <a:r>
+              <a:rPr lang="en-US" sz="3200" kern="1200" dirty="0">
+                <a:solidFill>
+                  <a:srgbClr val="FFFFFF"/>
+                </a:solidFill>
+                <a:latin typeface="+mj-lt"/>
+                <a:ea typeface="+mj-ea"/>
+                <a:cs typeface="+mj-cs"/>
+              </a:rPr>
+              <a:t>Las variables </a:t>
+            </a:r>
+            <a:r>
+              <a:rPr lang="en-US" sz="3200" kern="1200" dirty="0" err="1">
+                <a:solidFill>
+                  <a:srgbClr val="FFFFFF"/>
+                </a:solidFill>
+                <a:latin typeface="+mj-lt"/>
+                <a:ea typeface="+mj-ea"/>
+                <a:cs typeface="+mj-cs"/>
+              </a:rPr>
+              <a:t>pueden</a:t>
+            </a:r>
+            <a:r>
+              <a:rPr lang="en-US" sz="3200" kern="1200" dirty="0">
+                <a:solidFill>
+                  <a:srgbClr val="FFFFFF"/>
+                </a:solidFill>
+                <a:latin typeface="+mj-lt"/>
+                <a:ea typeface="+mj-ea"/>
+                <a:cs typeface="+mj-cs"/>
+              </a:rPr>
+              <a:t> </a:t>
+            </a:r>
+            <a:r>
+              <a:rPr lang="en-US" sz="3200" kern="1200" dirty="0" err="1">
+                <a:solidFill>
+                  <a:srgbClr val="FFFFFF"/>
+                </a:solidFill>
+                <a:latin typeface="+mj-lt"/>
+                <a:ea typeface="+mj-ea"/>
+                <a:cs typeface="+mj-cs"/>
+              </a:rPr>
+              <a:t>declararse</a:t>
+            </a:r>
+            <a:r>
+              <a:rPr lang="en-US" sz="3200" kern="1200" dirty="0">
+                <a:solidFill>
+                  <a:srgbClr val="FFFFFF"/>
+                </a:solidFill>
+                <a:latin typeface="+mj-lt"/>
+                <a:ea typeface="+mj-ea"/>
+                <a:cs typeface="+mj-cs"/>
+              </a:rPr>
+              <a:t> </a:t>
+            </a:r>
+            <a:r>
+              <a:rPr lang="en-US" sz="3200" kern="1200" dirty="0" err="1">
+                <a:solidFill>
+                  <a:srgbClr val="FFFFFF"/>
+                </a:solidFill>
+                <a:latin typeface="+mj-lt"/>
+                <a:ea typeface="+mj-ea"/>
+                <a:cs typeface="+mj-cs"/>
+              </a:rPr>
+              <a:t>implícitamente</a:t>
+            </a:r>
+            <a:endParaRPr lang="en-US" sz="3200" kern="1200" dirty="0">
+              <a:solidFill>
+                <a:srgbClr val="FFFFFF"/>
+              </a:solidFill>
+              <a:latin typeface="+mj-lt"/>
+              <a:ea typeface="+mj-ea"/>
+              <a:cs typeface="+mj-cs"/>
+            </a:endParaRPr>
+          </a:p>
+        </p:txBody>
+      </p:sp>
+      <p:pic>
+        <p:nvPicPr>
+          <p:cNvPr id="6" name="Picture 5" descr="A screenshot of a cell phone&#10;&#10;Description automatically generated">
+            <a:extLst>
+              <a:ext uri="{FF2B5EF4-FFF2-40B4-BE49-F238E27FC236}">
+                <a16:creationId xmlns:a16="http://schemas.microsoft.com/office/drawing/2014/main" id="{C7F8DC28-222A-9C4E-96C5-9BA27458D1E5}"/>
+              </a:ext>
+            </a:extLst>
+          </p:cNvPr>
+          <p:cNvPicPr>
+            <a:picLocks noChangeAspect="1"/>
+          </p:cNvPicPr>
+          <p:nvPr/>
+        </p:nvPicPr>
+        <p:blipFill>
+          <a:blip r:embed="rId3"/>
+          <a:stretch>
+            <a:fillRect/>
+          </a:stretch>
+        </p:blipFill>
+        <p:spPr>
+          <a:xfrm>
+            <a:off x="4086225" y="780116"/>
+            <a:ext cx="7569200" cy="4864100"/>
+          </a:xfrm>
+          <a:prstGeom prst="rect">
+            <a:avLst/>
+          </a:prstGeom>
+        </p:spPr>
+      </p:pic>
+    </p:spTree>
+    <p:extLst>
+      <p:ext uri="{BB962C8B-B14F-4D97-AF65-F5344CB8AC3E}">
+        <p14:creationId xmlns:p14="http://schemas.microsoft.com/office/powerpoint/2010/main" val="1289794176"/>
+      </p:ext>
+    </p:extLst>
+  </p:cSld>
+  <p:clrMapOvr>
+    <a:masterClrMapping/>
+  </p:clrMapOvr>
+</p:sld>
+</file>
+
+<file path=ppt/slides/slide51.xml><?xml version="1.0" encoding="utf-8"?>
+<p:sld xmlns:a="http://schemas.openxmlformats.org/drawingml/2006/main" xmlns:r="http://schemas.openxmlformats.org/officeDocument/2006/relationships" xmlns:p="http://schemas.openxmlformats.org/presentationml/2006/main">
+  <p:cSld>
+    <p:bg>
+      <p:bgPr>
+        <a:solidFill>
+          <a:schemeClr val="bg1"/>
+        </a:solidFill>
+        <a:effectLst/>
+      </p:bgPr>
+    </p:bg>
+    <p:spTree>
+      <p:nvGrpSpPr>
+        <p:cNvPr id="1" name=""/>
+        <p:cNvGrpSpPr/>
+        <p:nvPr/>
+      </p:nvGrpSpPr>
+      <p:grpSpPr>
+        <a:xfrm>
+          <a:off x="0" y="0"/>
+          <a:ext cx="0" cy="0"/>
+          <a:chOff x="0" y="0"/>
+          <a:chExt cx="0" cy="0"/>
+        </a:xfrm>
+      </p:grpSpPr>
+      <p:sp>
+        <p:nvSpPr>
+          <p:cNvPr id="11" name="Flowchart: Document 10">
+            <a:extLst>
+              <a:ext uri="{FF2B5EF4-FFF2-40B4-BE49-F238E27FC236}">
+                <a16:creationId xmlns:a16="http://schemas.microsoft.com/office/drawing/2014/main" id="{D12DDE76-C203-4047-9998-63900085B5E8}"/>
+              </a:ext>
+              <a:ext uri="{C183D7F6-B498-43B3-948B-1728B52AA6E4}">
+                <adec:decorative xmlns:adec="http://schemas.microsoft.com/office/drawing/2017/decorative" val="1"/>
+              </a:ext>
+            </a:extLst>
+          </p:cNvPr>
+          <p:cNvSpPr>
+            <a:spLocks noGrp="1" noRot="1" noChangeAspect="1" noMove="1" noResize="1" noEditPoints="1" noAdjustHandles="1" noChangeArrowheads="1" noChangeShapeType="1" noTextEdit="1"/>
+          </p:cNvSpPr>
+          <p:nvPr>
+            <p:extLst>
+              <p:ext uri="{386F3935-93C4-4BCD-93E2-E3B085C9AB24}">
+                <p16:designElem xmlns:p16="http://schemas.microsoft.com/office/powerpoint/2015/main" val="1"/>
+              </p:ext>
+            </p:extLst>
+          </p:nvPr>
+        </p:nvSpPr>
+        <p:spPr>
+          <a:xfrm>
+            <a:off x="638175" y="0"/>
+            <a:ext cx="3248025" cy="3400426"/>
+          </a:xfrm>
+          <a:prstGeom prst="flowChartDocument">
+            <a:avLst/>
+          </a:prstGeom>
+          <a:solidFill>
+            <a:schemeClr val="accent1"/>
+          </a:solidFill>
+          <a:ln>
+            <a:noFill/>
+          </a:ln>
+        </p:spPr>
+        <p:style>
+          <a:lnRef idx="2">
+            <a:schemeClr val="accent1">
+              <a:shade val="50000"/>
+            </a:schemeClr>
+          </a:lnRef>
+          <a:fillRef idx="1">
+            <a:schemeClr val="accent1"/>
+          </a:fillRef>
+          <a:effectRef idx="0">
+            <a:schemeClr val="accent1"/>
+          </a:effectRef>
+          <a:fontRef idx="minor">
+            <a:schemeClr val="lt1"/>
+          </a:fontRef>
+        </p:style>
+        <p:txBody>
+          <a:bodyPr rtlCol="0" anchor="ctr"/>
+          <a:lstStyle/>
+          <a:p>
+            <a:pPr algn="ctr"/>
+            <a:endParaRPr lang="en-US"/>
+          </a:p>
+        </p:txBody>
+      </p:sp>
+      <p:sp>
+        <p:nvSpPr>
+          <p:cNvPr id="2" name="Title 1">
+            <a:extLst>
+              <a:ext uri="{FF2B5EF4-FFF2-40B4-BE49-F238E27FC236}">
+                <a16:creationId xmlns:a16="http://schemas.microsoft.com/office/drawing/2014/main" id="{9D045432-EED2-8148-BA86-3132BFE644EB}"/>
+              </a:ext>
+            </a:extLst>
+          </p:cNvPr>
+          <p:cNvSpPr>
+            <a:spLocks noGrp="1"/>
+          </p:cNvSpPr>
+          <p:nvPr>
+            <p:ph type="title"/>
+          </p:nvPr>
+        </p:nvSpPr>
+        <p:spPr>
+          <a:xfrm>
+            <a:off x="838200" y="171162"/>
+            <a:ext cx="2840182" cy="3229264"/>
+          </a:xfrm>
+        </p:spPr>
+        <p:txBody>
+          <a:bodyPr vert="horz" lIns="91440" tIns="45720" rIns="91440" bIns="45720" rtlCol="0" anchor="ctr">
+            <a:noAutofit/>
+          </a:bodyPr>
+          <a:lstStyle/>
+          <a:p>
+            <a:r>
+              <a:rPr lang="en-US" sz="3200" kern="1200" dirty="0">
+                <a:solidFill>
+                  <a:srgbClr val="FFFFFF"/>
+                </a:solidFill>
+                <a:latin typeface="+mj-lt"/>
+                <a:ea typeface="+mj-ea"/>
+                <a:cs typeface="+mj-cs"/>
+              </a:rPr>
+              <a:t>Las variables </a:t>
+            </a:r>
+            <a:r>
+              <a:rPr lang="en-US" sz="3200" kern="1200" dirty="0" err="1">
+                <a:solidFill>
+                  <a:srgbClr val="FFFFFF"/>
+                </a:solidFill>
+                <a:latin typeface="+mj-lt"/>
+                <a:ea typeface="+mj-ea"/>
+                <a:cs typeface="+mj-cs"/>
+              </a:rPr>
+              <a:t>pueden</a:t>
+            </a:r>
+            <a:r>
+              <a:rPr lang="en-US" sz="3200" kern="1200" dirty="0">
+                <a:solidFill>
+                  <a:srgbClr val="FFFFFF"/>
+                </a:solidFill>
+                <a:latin typeface="+mj-lt"/>
+                <a:ea typeface="+mj-ea"/>
+                <a:cs typeface="+mj-cs"/>
+              </a:rPr>
+              <a:t> </a:t>
+            </a:r>
+            <a:r>
+              <a:rPr lang="en-US" sz="3200" kern="1200" dirty="0" err="1">
+                <a:solidFill>
+                  <a:srgbClr val="FFFFFF"/>
+                </a:solidFill>
+                <a:latin typeface="+mj-lt"/>
+                <a:ea typeface="+mj-ea"/>
+                <a:cs typeface="+mj-cs"/>
+              </a:rPr>
+              <a:t>declararse</a:t>
+            </a:r>
+            <a:r>
+              <a:rPr lang="en-US" sz="3200" kern="1200" dirty="0">
+                <a:solidFill>
+                  <a:srgbClr val="FFFFFF"/>
+                </a:solidFill>
+                <a:latin typeface="+mj-lt"/>
+                <a:ea typeface="+mj-ea"/>
+                <a:cs typeface="+mj-cs"/>
+              </a:rPr>
+              <a:t> </a:t>
+            </a:r>
+            <a:r>
+              <a:rPr lang="en-US" sz="3200" kern="1200" dirty="0" err="1">
+                <a:solidFill>
+                  <a:srgbClr val="FFFFFF"/>
+                </a:solidFill>
+                <a:latin typeface="+mj-lt"/>
+                <a:ea typeface="+mj-ea"/>
+                <a:cs typeface="+mj-cs"/>
+              </a:rPr>
+              <a:t>implícitamente</a:t>
+            </a:r>
+            <a:endParaRPr lang="en-US" sz="3200" kern="1200" dirty="0">
+              <a:solidFill>
+                <a:srgbClr val="FFFFFF"/>
+              </a:solidFill>
+              <a:latin typeface="+mj-lt"/>
+              <a:ea typeface="+mj-ea"/>
+              <a:cs typeface="+mj-cs"/>
+            </a:endParaRPr>
+          </a:p>
+        </p:txBody>
+      </p:sp>
+      <p:pic>
+        <p:nvPicPr>
+          <p:cNvPr id="7" name="Picture 6" descr="A screenshot of a cell phone&#10;&#10;Description automatically generated">
+            <a:extLst>
+              <a:ext uri="{FF2B5EF4-FFF2-40B4-BE49-F238E27FC236}">
+                <a16:creationId xmlns:a16="http://schemas.microsoft.com/office/drawing/2014/main" id="{00409F82-EF57-234B-95C6-CBDD7CCC7CED}"/>
+              </a:ext>
+            </a:extLst>
+          </p:cNvPr>
+          <p:cNvPicPr>
+            <a:picLocks noChangeAspect="1"/>
+          </p:cNvPicPr>
+          <p:nvPr/>
+        </p:nvPicPr>
+        <p:blipFill>
+          <a:blip r:embed="rId3"/>
+          <a:stretch>
+            <a:fillRect/>
+          </a:stretch>
+        </p:blipFill>
+        <p:spPr>
+          <a:xfrm>
+            <a:off x="5096049" y="696643"/>
+            <a:ext cx="5156200" cy="5067300"/>
+          </a:xfrm>
+          <a:prstGeom prst="rect">
+            <a:avLst/>
+          </a:prstGeom>
+        </p:spPr>
+      </p:pic>
+    </p:spTree>
+    <p:extLst>
+      <p:ext uri="{BB962C8B-B14F-4D97-AF65-F5344CB8AC3E}">
+        <p14:creationId xmlns:p14="http://schemas.microsoft.com/office/powerpoint/2010/main" val="1957844660"/>
+      </p:ext>
+    </p:extLst>
+  </p:cSld>
+  <p:clrMapOvr>
+    <a:masterClrMapping/>
+  </p:clrMapOvr>
+</p:sld>
+</file>
+
+<file path=ppt/slides/slide52.xml><?xml version="1.0" encoding="utf-8"?>
+<p:sld xmlns:a="http://schemas.openxmlformats.org/drawingml/2006/main" xmlns:r="http://schemas.openxmlformats.org/officeDocument/2006/relationships" xmlns:p="http://schemas.openxmlformats.org/presentationml/2006/main">
+  <p:cSld>
+    <p:bg>
+      <p:bgPr>
+        <a:solidFill>
+          <a:schemeClr val="bg1"/>
+        </a:solidFill>
+        <a:effectLst/>
+      </p:bgPr>
+    </p:bg>
+    <p:spTree>
+      <p:nvGrpSpPr>
+        <p:cNvPr id="1" name=""/>
+        <p:cNvGrpSpPr/>
+        <p:nvPr/>
+      </p:nvGrpSpPr>
+      <p:grpSpPr>
+        <a:xfrm>
+          <a:off x="0" y="0"/>
+          <a:ext cx="0" cy="0"/>
+          <a:chOff x="0" y="0"/>
+          <a:chExt cx="0" cy="0"/>
+        </a:xfrm>
+      </p:grpSpPr>
+      <p:sp>
+        <p:nvSpPr>
+          <p:cNvPr id="11" name="Flowchart: Document 10">
+            <a:extLst>
+              <a:ext uri="{FF2B5EF4-FFF2-40B4-BE49-F238E27FC236}">
+                <a16:creationId xmlns:a16="http://schemas.microsoft.com/office/drawing/2014/main" id="{D12DDE76-C203-4047-9998-63900085B5E8}"/>
+              </a:ext>
+              <a:ext uri="{C183D7F6-B498-43B3-948B-1728B52AA6E4}">
+                <adec:decorative xmlns:adec="http://schemas.microsoft.com/office/drawing/2017/decorative" val="1"/>
+              </a:ext>
+            </a:extLst>
+          </p:cNvPr>
+          <p:cNvSpPr>
+            <a:spLocks noGrp="1" noRot="1" noChangeAspect="1" noMove="1" noResize="1" noEditPoints="1" noAdjustHandles="1" noChangeArrowheads="1" noChangeShapeType="1" noTextEdit="1"/>
+          </p:cNvSpPr>
+          <p:nvPr>
+            <p:extLst>
+              <p:ext uri="{386F3935-93C4-4BCD-93E2-E3B085C9AB24}">
+                <p16:designElem xmlns:p16="http://schemas.microsoft.com/office/powerpoint/2015/main" val="1"/>
+              </p:ext>
+            </p:extLst>
+          </p:nvPr>
+        </p:nvSpPr>
+        <p:spPr>
+          <a:xfrm>
+            <a:off x="638175" y="0"/>
+            <a:ext cx="3248025" cy="3400426"/>
+          </a:xfrm>
+          <a:prstGeom prst="flowChartDocument">
+            <a:avLst/>
+          </a:prstGeom>
+          <a:solidFill>
+            <a:schemeClr val="accent1"/>
+          </a:solidFill>
+          <a:ln>
+            <a:noFill/>
+          </a:ln>
+        </p:spPr>
+        <p:style>
+          <a:lnRef idx="2">
+            <a:schemeClr val="accent1">
+              <a:shade val="50000"/>
+            </a:schemeClr>
+          </a:lnRef>
+          <a:fillRef idx="1">
+            <a:schemeClr val="accent1"/>
+          </a:fillRef>
+          <a:effectRef idx="0">
+            <a:schemeClr val="accent1"/>
+          </a:effectRef>
+          <a:fontRef idx="minor">
+            <a:schemeClr val="lt1"/>
+          </a:fontRef>
+        </p:style>
+        <p:txBody>
+          <a:bodyPr rtlCol="0" anchor="ctr"/>
+          <a:lstStyle/>
+          <a:p>
+            <a:pPr algn="ctr"/>
+            <a:endParaRPr lang="en-US"/>
+          </a:p>
+        </p:txBody>
+      </p:sp>
+      <p:sp>
+        <p:nvSpPr>
+          <p:cNvPr id="2" name="Title 1">
+            <a:extLst>
+              <a:ext uri="{FF2B5EF4-FFF2-40B4-BE49-F238E27FC236}">
+                <a16:creationId xmlns:a16="http://schemas.microsoft.com/office/drawing/2014/main" id="{9D045432-EED2-8148-BA86-3132BFE644EB}"/>
+              </a:ext>
+            </a:extLst>
+          </p:cNvPr>
+          <p:cNvSpPr>
+            <a:spLocks noGrp="1"/>
+          </p:cNvSpPr>
+          <p:nvPr>
+            <p:ph type="title"/>
+          </p:nvPr>
+        </p:nvSpPr>
+        <p:spPr>
+          <a:xfrm>
+            <a:off x="838200" y="171162"/>
+            <a:ext cx="2840182" cy="3229264"/>
+          </a:xfrm>
+        </p:spPr>
+        <p:txBody>
+          <a:bodyPr vert="horz" lIns="91440" tIns="45720" rIns="91440" bIns="45720" rtlCol="0" anchor="ctr">
+            <a:noAutofit/>
+          </a:bodyPr>
+          <a:lstStyle/>
+          <a:p>
+            <a:r>
+              <a:rPr lang="en-US" sz="3200" kern="1200" dirty="0">
+                <a:solidFill>
+                  <a:srgbClr val="FFFFFF"/>
+                </a:solidFill>
+                <a:latin typeface="+mj-lt"/>
+                <a:ea typeface="+mj-ea"/>
+                <a:cs typeface="+mj-cs"/>
+              </a:rPr>
+              <a:t>Las variables </a:t>
+            </a:r>
+            <a:r>
+              <a:rPr lang="en-US" sz="3200" kern="1200" dirty="0" err="1">
+                <a:solidFill>
+                  <a:srgbClr val="FFFFFF"/>
+                </a:solidFill>
+                <a:latin typeface="+mj-lt"/>
+                <a:ea typeface="+mj-ea"/>
+                <a:cs typeface="+mj-cs"/>
+              </a:rPr>
+              <a:t>pueden</a:t>
+            </a:r>
+            <a:r>
+              <a:rPr lang="en-US" sz="3200" kern="1200" dirty="0">
+                <a:solidFill>
+                  <a:srgbClr val="FFFFFF"/>
+                </a:solidFill>
+                <a:latin typeface="+mj-lt"/>
+                <a:ea typeface="+mj-ea"/>
+                <a:cs typeface="+mj-cs"/>
+              </a:rPr>
+              <a:t> </a:t>
+            </a:r>
+            <a:r>
+              <a:rPr lang="en-US" sz="3200" kern="1200" dirty="0" err="1">
+                <a:solidFill>
+                  <a:srgbClr val="FFFFFF"/>
+                </a:solidFill>
+                <a:latin typeface="+mj-lt"/>
+                <a:ea typeface="+mj-ea"/>
+                <a:cs typeface="+mj-cs"/>
+              </a:rPr>
+              <a:t>declararse</a:t>
+            </a:r>
+            <a:r>
+              <a:rPr lang="en-US" sz="3200" kern="1200" dirty="0">
+                <a:solidFill>
+                  <a:srgbClr val="FFFFFF"/>
+                </a:solidFill>
+                <a:latin typeface="+mj-lt"/>
+                <a:ea typeface="+mj-ea"/>
+                <a:cs typeface="+mj-cs"/>
+              </a:rPr>
+              <a:t> </a:t>
+            </a:r>
+            <a:r>
+              <a:rPr lang="en-US" sz="3200" kern="1200" dirty="0" err="1">
+                <a:solidFill>
+                  <a:srgbClr val="FFFFFF"/>
+                </a:solidFill>
+                <a:latin typeface="+mj-lt"/>
+                <a:ea typeface="+mj-ea"/>
+                <a:cs typeface="+mj-cs"/>
+              </a:rPr>
+              <a:t>implícitamente</a:t>
+            </a:r>
+            <a:endParaRPr lang="en-US" sz="3200" kern="1200" dirty="0">
+              <a:solidFill>
+                <a:srgbClr val="FFFFFF"/>
+              </a:solidFill>
+              <a:latin typeface="+mj-lt"/>
+              <a:ea typeface="+mj-ea"/>
+              <a:cs typeface="+mj-cs"/>
+            </a:endParaRPr>
+          </a:p>
+        </p:txBody>
+      </p:sp>
+      <p:pic>
+        <p:nvPicPr>
+          <p:cNvPr id="4" name="Picture 3" descr="A screenshot of a cell phone&#10;&#10;Description automatically generated">
+            <a:extLst>
+              <a:ext uri="{FF2B5EF4-FFF2-40B4-BE49-F238E27FC236}">
+                <a16:creationId xmlns:a16="http://schemas.microsoft.com/office/drawing/2014/main" id="{BCAFB491-9703-9240-9DBE-6F7EB1A57CCB}"/>
+              </a:ext>
+            </a:extLst>
+          </p:cNvPr>
+          <p:cNvPicPr>
+            <a:picLocks noChangeAspect="1"/>
+          </p:cNvPicPr>
+          <p:nvPr/>
+        </p:nvPicPr>
+        <p:blipFill>
+          <a:blip r:embed="rId3"/>
+          <a:stretch>
+            <a:fillRect/>
+          </a:stretch>
+        </p:blipFill>
+        <p:spPr>
+          <a:xfrm>
+            <a:off x="4917213" y="504752"/>
+            <a:ext cx="5261107" cy="5377733"/>
+          </a:xfrm>
+          <a:prstGeom prst="rect">
+            <a:avLst/>
+          </a:prstGeom>
+        </p:spPr>
+      </p:pic>
+    </p:spTree>
+    <p:extLst>
+      <p:ext uri="{BB962C8B-B14F-4D97-AF65-F5344CB8AC3E}">
+        <p14:creationId xmlns:p14="http://schemas.microsoft.com/office/powerpoint/2010/main" val="1695519769"/>
       </p:ext>
     </p:extLst>
   </p:cSld>

--- a/Curso201.pptx
+++ b/Curso201.pptx
@@ -5,7 +5,7 @@
     <p:sldMasterId id="2147483648" r:id="rId1"/>
   </p:sldMasterIdLst>
   <p:notesMasterIdLst>
-    <p:notesMasterId r:id="rId54"/>
+    <p:notesMasterId r:id="rId66"/>
   </p:notesMasterIdLst>
   <p:sldIdLst>
     <p:sldId id="256" r:id="rId2"/>
@@ -60,6 +60,18 @@
     <p:sldId id="307" r:id="rId51"/>
     <p:sldId id="308" r:id="rId52"/>
     <p:sldId id="309" r:id="rId53"/>
+    <p:sldId id="310" r:id="rId54"/>
+    <p:sldId id="316" r:id="rId55"/>
+    <p:sldId id="315" r:id="rId56"/>
+    <p:sldId id="314" r:id="rId57"/>
+    <p:sldId id="317" r:id="rId58"/>
+    <p:sldId id="318" r:id="rId59"/>
+    <p:sldId id="320" r:id="rId60"/>
+    <p:sldId id="321" r:id="rId61"/>
+    <p:sldId id="323" r:id="rId62"/>
+    <p:sldId id="322" r:id="rId63"/>
+    <p:sldId id="319" r:id="rId64"/>
+    <p:sldId id="313" r:id="rId65"/>
   </p:sldIdLst>
   <p:sldSz cx="12192000" cy="6858000"/>
   <p:notesSz cx="6858000" cy="9144000"/>
@@ -1607,6 +1619,762 @@
 </p:notes>
 </file>
 
+<file path=ppt/notesSlides/notesSlide21.xml><?xml version="1.0" encoding="utf-8"?>
+<p:notes xmlns:a="http://schemas.openxmlformats.org/drawingml/2006/main" xmlns:r="http://schemas.openxmlformats.org/officeDocument/2006/relationships" xmlns:p="http://schemas.openxmlformats.org/presentationml/2006/main">
+  <p:cSld>
+    <p:spTree>
+      <p:nvGrpSpPr>
+        <p:cNvPr id="1" name=""/>
+        <p:cNvGrpSpPr/>
+        <p:nvPr/>
+      </p:nvGrpSpPr>
+      <p:grpSpPr>
+        <a:xfrm>
+          <a:off x="0" y="0"/>
+          <a:ext cx="0" cy="0"/>
+          <a:chOff x="0" y="0"/>
+          <a:chExt cx="0" cy="0"/>
+        </a:xfrm>
+      </p:grpSpPr>
+      <p:sp>
+        <p:nvSpPr>
+          <p:cNvPr id="2" name="Slide Image Placeholder 1"/>
+          <p:cNvSpPr>
+            <a:spLocks noGrp="1" noRot="1" noChangeAspect="1"/>
+          </p:cNvSpPr>
+          <p:nvPr>
+            <p:ph type="sldImg"/>
+          </p:nvPr>
+        </p:nvSpPr>
+        <p:spPr/>
+      </p:sp>
+      <p:sp>
+        <p:nvSpPr>
+          <p:cNvPr id="3" name="Notes Placeholder 2"/>
+          <p:cNvSpPr>
+            <a:spLocks noGrp="1"/>
+          </p:cNvSpPr>
+          <p:nvPr>
+            <p:ph type="body" idx="1"/>
+          </p:nvPr>
+        </p:nvSpPr>
+        <p:spPr/>
+        <p:txBody>
+          <a:bodyPr/>
+          <a:lstStyle/>
+          <a:p>
+            <a:endParaRPr lang="en-US" dirty="0"/>
+          </a:p>
+        </p:txBody>
+      </p:sp>
+      <p:sp>
+        <p:nvSpPr>
+          <p:cNvPr id="4" name="Slide Number Placeholder 3"/>
+          <p:cNvSpPr>
+            <a:spLocks noGrp="1"/>
+          </p:cNvSpPr>
+          <p:nvPr>
+            <p:ph type="sldNum" sz="quarter" idx="5"/>
+          </p:nvPr>
+        </p:nvSpPr>
+        <p:spPr/>
+        <p:txBody>
+          <a:bodyPr/>
+          <a:lstStyle/>
+          <a:p>
+            <a:fld id="{3BE7DE0F-4338-D345-B6F5-61C48058FBBB}" type="slidenum">
+              <a:rPr lang="en-US" smtClean="0"/>
+              <a:t>53</a:t>
+            </a:fld>
+            <a:endParaRPr lang="en-US"/>
+          </a:p>
+        </p:txBody>
+      </p:sp>
+    </p:spTree>
+    <p:extLst>
+      <p:ext uri="{BB962C8B-B14F-4D97-AF65-F5344CB8AC3E}">
+        <p14:creationId xmlns:p14="http://schemas.microsoft.com/office/powerpoint/2010/main" val="3498948763"/>
+      </p:ext>
+    </p:extLst>
+  </p:cSld>
+  <p:clrMapOvr>
+    <a:masterClrMapping/>
+  </p:clrMapOvr>
+</p:notes>
+</file>
+
+<file path=ppt/notesSlides/notesSlide22.xml><?xml version="1.0" encoding="utf-8"?>
+<p:notes xmlns:a="http://schemas.openxmlformats.org/drawingml/2006/main" xmlns:r="http://schemas.openxmlformats.org/officeDocument/2006/relationships" xmlns:p="http://schemas.openxmlformats.org/presentationml/2006/main">
+  <p:cSld>
+    <p:spTree>
+      <p:nvGrpSpPr>
+        <p:cNvPr id="1" name=""/>
+        <p:cNvGrpSpPr/>
+        <p:nvPr/>
+      </p:nvGrpSpPr>
+      <p:grpSpPr>
+        <a:xfrm>
+          <a:off x="0" y="0"/>
+          <a:ext cx="0" cy="0"/>
+          <a:chOff x="0" y="0"/>
+          <a:chExt cx="0" cy="0"/>
+        </a:xfrm>
+      </p:grpSpPr>
+      <p:sp>
+        <p:nvSpPr>
+          <p:cNvPr id="2" name="Slide Image Placeholder 1"/>
+          <p:cNvSpPr>
+            <a:spLocks noGrp="1" noRot="1" noChangeAspect="1"/>
+          </p:cNvSpPr>
+          <p:nvPr>
+            <p:ph type="sldImg"/>
+          </p:nvPr>
+        </p:nvSpPr>
+        <p:spPr/>
+      </p:sp>
+      <p:sp>
+        <p:nvSpPr>
+          <p:cNvPr id="3" name="Notes Placeholder 2"/>
+          <p:cNvSpPr>
+            <a:spLocks noGrp="1"/>
+          </p:cNvSpPr>
+          <p:nvPr>
+            <p:ph type="body" idx="1"/>
+          </p:nvPr>
+        </p:nvSpPr>
+        <p:spPr/>
+        <p:txBody>
+          <a:bodyPr/>
+          <a:lstStyle/>
+          <a:p>
+            <a:endParaRPr lang="en-US" dirty="0"/>
+          </a:p>
+        </p:txBody>
+      </p:sp>
+      <p:sp>
+        <p:nvSpPr>
+          <p:cNvPr id="4" name="Slide Number Placeholder 3"/>
+          <p:cNvSpPr>
+            <a:spLocks noGrp="1"/>
+          </p:cNvSpPr>
+          <p:nvPr>
+            <p:ph type="sldNum" sz="quarter" idx="5"/>
+          </p:nvPr>
+        </p:nvSpPr>
+        <p:spPr/>
+        <p:txBody>
+          <a:bodyPr/>
+          <a:lstStyle/>
+          <a:p>
+            <a:fld id="{3BE7DE0F-4338-D345-B6F5-61C48058FBBB}" type="slidenum">
+              <a:rPr lang="en-US" smtClean="0"/>
+              <a:t>54</a:t>
+            </a:fld>
+            <a:endParaRPr lang="en-US"/>
+          </a:p>
+        </p:txBody>
+      </p:sp>
+    </p:spTree>
+    <p:extLst>
+      <p:ext uri="{BB962C8B-B14F-4D97-AF65-F5344CB8AC3E}">
+        <p14:creationId xmlns:p14="http://schemas.microsoft.com/office/powerpoint/2010/main" val="1546624460"/>
+      </p:ext>
+    </p:extLst>
+  </p:cSld>
+  <p:clrMapOvr>
+    <a:masterClrMapping/>
+  </p:clrMapOvr>
+</p:notes>
+</file>
+
+<file path=ppt/notesSlides/notesSlide23.xml><?xml version="1.0" encoding="utf-8"?>
+<p:notes xmlns:a="http://schemas.openxmlformats.org/drawingml/2006/main" xmlns:r="http://schemas.openxmlformats.org/officeDocument/2006/relationships" xmlns:p="http://schemas.openxmlformats.org/presentationml/2006/main">
+  <p:cSld>
+    <p:spTree>
+      <p:nvGrpSpPr>
+        <p:cNvPr id="1" name=""/>
+        <p:cNvGrpSpPr/>
+        <p:nvPr/>
+      </p:nvGrpSpPr>
+      <p:grpSpPr>
+        <a:xfrm>
+          <a:off x="0" y="0"/>
+          <a:ext cx="0" cy="0"/>
+          <a:chOff x="0" y="0"/>
+          <a:chExt cx="0" cy="0"/>
+        </a:xfrm>
+      </p:grpSpPr>
+      <p:sp>
+        <p:nvSpPr>
+          <p:cNvPr id="2" name="Slide Image Placeholder 1"/>
+          <p:cNvSpPr>
+            <a:spLocks noGrp="1" noRot="1" noChangeAspect="1"/>
+          </p:cNvSpPr>
+          <p:nvPr>
+            <p:ph type="sldImg"/>
+          </p:nvPr>
+        </p:nvSpPr>
+        <p:spPr/>
+      </p:sp>
+      <p:sp>
+        <p:nvSpPr>
+          <p:cNvPr id="3" name="Notes Placeholder 2"/>
+          <p:cNvSpPr>
+            <a:spLocks noGrp="1"/>
+          </p:cNvSpPr>
+          <p:nvPr>
+            <p:ph type="body" idx="1"/>
+          </p:nvPr>
+        </p:nvSpPr>
+        <p:spPr/>
+        <p:txBody>
+          <a:bodyPr/>
+          <a:lstStyle/>
+          <a:p>
+            <a:endParaRPr lang="en-US" dirty="0"/>
+          </a:p>
+        </p:txBody>
+      </p:sp>
+      <p:sp>
+        <p:nvSpPr>
+          <p:cNvPr id="4" name="Slide Number Placeholder 3"/>
+          <p:cNvSpPr>
+            <a:spLocks noGrp="1"/>
+          </p:cNvSpPr>
+          <p:nvPr>
+            <p:ph type="sldNum" sz="quarter" idx="5"/>
+          </p:nvPr>
+        </p:nvSpPr>
+        <p:spPr/>
+        <p:txBody>
+          <a:bodyPr/>
+          <a:lstStyle/>
+          <a:p>
+            <a:fld id="{3BE7DE0F-4338-D345-B6F5-61C48058FBBB}" type="slidenum">
+              <a:rPr lang="en-US" smtClean="0"/>
+              <a:t>55</a:t>
+            </a:fld>
+            <a:endParaRPr lang="en-US"/>
+          </a:p>
+        </p:txBody>
+      </p:sp>
+    </p:spTree>
+    <p:extLst>
+      <p:ext uri="{BB962C8B-B14F-4D97-AF65-F5344CB8AC3E}">
+        <p14:creationId xmlns:p14="http://schemas.microsoft.com/office/powerpoint/2010/main" val="2732261245"/>
+      </p:ext>
+    </p:extLst>
+  </p:cSld>
+  <p:clrMapOvr>
+    <a:masterClrMapping/>
+  </p:clrMapOvr>
+</p:notes>
+</file>
+
+<file path=ppt/notesSlides/notesSlide24.xml><?xml version="1.0" encoding="utf-8"?>
+<p:notes xmlns:a="http://schemas.openxmlformats.org/drawingml/2006/main" xmlns:r="http://schemas.openxmlformats.org/officeDocument/2006/relationships" xmlns:p="http://schemas.openxmlformats.org/presentationml/2006/main">
+  <p:cSld>
+    <p:spTree>
+      <p:nvGrpSpPr>
+        <p:cNvPr id="1" name=""/>
+        <p:cNvGrpSpPr/>
+        <p:nvPr/>
+      </p:nvGrpSpPr>
+      <p:grpSpPr>
+        <a:xfrm>
+          <a:off x="0" y="0"/>
+          <a:ext cx="0" cy="0"/>
+          <a:chOff x="0" y="0"/>
+          <a:chExt cx="0" cy="0"/>
+        </a:xfrm>
+      </p:grpSpPr>
+      <p:sp>
+        <p:nvSpPr>
+          <p:cNvPr id="2" name="Slide Image Placeholder 1"/>
+          <p:cNvSpPr>
+            <a:spLocks noGrp="1" noRot="1" noChangeAspect="1"/>
+          </p:cNvSpPr>
+          <p:nvPr>
+            <p:ph type="sldImg"/>
+          </p:nvPr>
+        </p:nvSpPr>
+        <p:spPr/>
+      </p:sp>
+      <p:sp>
+        <p:nvSpPr>
+          <p:cNvPr id="3" name="Notes Placeholder 2"/>
+          <p:cNvSpPr>
+            <a:spLocks noGrp="1"/>
+          </p:cNvSpPr>
+          <p:nvPr>
+            <p:ph type="body" idx="1"/>
+          </p:nvPr>
+        </p:nvSpPr>
+        <p:spPr/>
+        <p:txBody>
+          <a:bodyPr/>
+          <a:lstStyle/>
+          <a:p>
+            <a:endParaRPr lang="en-US" dirty="0"/>
+          </a:p>
+        </p:txBody>
+      </p:sp>
+      <p:sp>
+        <p:nvSpPr>
+          <p:cNvPr id="4" name="Slide Number Placeholder 3"/>
+          <p:cNvSpPr>
+            <a:spLocks noGrp="1"/>
+          </p:cNvSpPr>
+          <p:nvPr>
+            <p:ph type="sldNum" sz="quarter" idx="5"/>
+          </p:nvPr>
+        </p:nvSpPr>
+        <p:spPr/>
+        <p:txBody>
+          <a:bodyPr/>
+          <a:lstStyle/>
+          <a:p>
+            <a:fld id="{3BE7DE0F-4338-D345-B6F5-61C48058FBBB}" type="slidenum">
+              <a:rPr lang="en-US" smtClean="0"/>
+              <a:t>56</a:t>
+            </a:fld>
+            <a:endParaRPr lang="en-US"/>
+          </a:p>
+        </p:txBody>
+      </p:sp>
+    </p:spTree>
+    <p:extLst>
+      <p:ext uri="{BB962C8B-B14F-4D97-AF65-F5344CB8AC3E}">
+        <p14:creationId xmlns:p14="http://schemas.microsoft.com/office/powerpoint/2010/main" val="3176064967"/>
+      </p:ext>
+    </p:extLst>
+  </p:cSld>
+  <p:clrMapOvr>
+    <a:masterClrMapping/>
+  </p:clrMapOvr>
+</p:notes>
+</file>
+
+<file path=ppt/notesSlides/notesSlide25.xml><?xml version="1.0" encoding="utf-8"?>
+<p:notes xmlns:a="http://schemas.openxmlformats.org/drawingml/2006/main" xmlns:r="http://schemas.openxmlformats.org/officeDocument/2006/relationships" xmlns:p="http://schemas.openxmlformats.org/presentationml/2006/main">
+  <p:cSld>
+    <p:spTree>
+      <p:nvGrpSpPr>
+        <p:cNvPr id="1" name=""/>
+        <p:cNvGrpSpPr/>
+        <p:nvPr/>
+      </p:nvGrpSpPr>
+      <p:grpSpPr>
+        <a:xfrm>
+          <a:off x="0" y="0"/>
+          <a:ext cx="0" cy="0"/>
+          <a:chOff x="0" y="0"/>
+          <a:chExt cx="0" cy="0"/>
+        </a:xfrm>
+      </p:grpSpPr>
+      <p:sp>
+        <p:nvSpPr>
+          <p:cNvPr id="2" name="Slide Image Placeholder 1"/>
+          <p:cNvSpPr>
+            <a:spLocks noGrp="1" noRot="1" noChangeAspect="1"/>
+          </p:cNvSpPr>
+          <p:nvPr>
+            <p:ph type="sldImg"/>
+          </p:nvPr>
+        </p:nvSpPr>
+        <p:spPr/>
+      </p:sp>
+      <p:sp>
+        <p:nvSpPr>
+          <p:cNvPr id="3" name="Notes Placeholder 2"/>
+          <p:cNvSpPr>
+            <a:spLocks noGrp="1"/>
+          </p:cNvSpPr>
+          <p:nvPr>
+            <p:ph type="body" idx="1"/>
+          </p:nvPr>
+        </p:nvSpPr>
+        <p:spPr/>
+        <p:txBody>
+          <a:bodyPr/>
+          <a:lstStyle/>
+          <a:p>
+            <a:endParaRPr lang="en-US" dirty="0"/>
+          </a:p>
+        </p:txBody>
+      </p:sp>
+      <p:sp>
+        <p:nvSpPr>
+          <p:cNvPr id="4" name="Slide Number Placeholder 3"/>
+          <p:cNvSpPr>
+            <a:spLocks noGrp="1"/>
+          </p:cNvSpPr>
+          <p:nvPr>
+            <p:ph type="sldNum" sz="quarter" idx="5"/>
+          </p:nvPr>
+        </p:nvSpPr>
+        <p:spPr/>
+        <p:txBody>
+          <a:bodyPr/>
+          <a:lstStyle/>
+          <a:p>
+            <a:fld id="{3BE7DE0F-4338-D345-B6F5-61C48058FBBB}" type="slidenum">
+              <a:rPr lang="en-US" smtClean="0"/>
+              <a:t>57</a:t>
+            </a:fld>
+            <a:endParaRPr lang="en-US"/>
+          </a:p>
+        </p:txBody>
+      </p:sp>
+    </p:spTree>
+    <p:extLst>
+      <p:ext uri="{BB962C8B-B14F-4D97-AF65-F5344CB8AC3E}">
+        <p14:creationId xmlns:p14="http://schemas.microsoft.com/office/powerpoint/2010/main" val="3095186000"/>
+      </p:ext>
+    </p:extLst>
+  </p:cSld>
+  <p:clrMapOvr>
+    <a:masterClrMapping/>
+  </p:clrMapOvr>
+</p:notes>
+</file>
+
+<file path=ppt/notesSlides/notesSlide26.xml><?xml version="1.0" encoding="utf-8"?>
+<p:notes xmlns:a="http://schemas.openxmlformats.org/drawingml/2006/main" xmlns:r="http://schemas.openxmlformats.org/officeDocument/2006/relationships" xmlns:p="http://schemas.openxmlformats.org/presentationml/2006/main">
+  <p:cSld>
+    <p:spTree>
+      <p:nvGrpSpPr>
+        <p:cNvPr id="1" name=""/>
+        <p:cNvGrpSpPr/>
+        <p:nvPr/>
+      </p:nvGrpSpPr>
+      <p:grpSpPr>
+        <a:xfrm>
+          <a:off x="0" y="0"/>
+          <a:ext cx="0" cy="0"/>
+          <a:chOff x="0" y="0"/>
+          <a:chExt cx="0" cy="0"/>
+        </a:xfrm>
+      </p:grpSpPr>
+      <p:sp>
+        <p:nvSpPr>
+          <p:cNvPr id="2" name="Slide Image Placeholder 1"/>
+          <p:cNvSpPr>
+            <a:spLocks noGrp="1" noRot="1" noChangeAspect="1"/>
+          </p:cNvSpPr>
+          <p:nvPr>
+            <p:ph type="sldImg"/>
+          </p:nvPr>
+        </p:nvSpPr>
+        <p:spPr/>
+      </p:sp>
+      <p:sp>
+        <p:nvSpPr>
+          <p:cNvPr id="3" name="Notes Placeholder 2"/>
+          <p:cNvSpPr>
+            <a:spLocks noGrp="1"/>
+          </p:cNvSpPr>
+          <p:nvPr>
+            <p:ph type="body" idx="1"/>
+          </p:nvPr>
+        </p:nvSpPr>
+        <p:spPr/>
+        <p:txBody>
+          <a:bodyPr/>
+          <a:lstStyle/>
+          <a:p>
+            <a:endParaRPr lang="en-US" dirty="0"/>
+          </a:p>
+        </p:txBody>
+      </p:sp>
+      <p:sp>
+        <p:nvSpPr>
+          <p:cNvPr id="4" name="Slide Number Placeholder 3"/>
+          <p:cNvSpPr>
+            <a:spLocks noGrp="1"/>
+          </p:cNvSpPr>
+          <p:nvPr>
+            <p:ph type="sldNum" sz="quarter" idx="5"/>
+          </p:nvPr>
+        </p:nvSpPr>
+        <p:spPr/>
+        <p:txBody>
+          <a:bodyPr/>
+          <a:lstStyle/>
+          <a:p>
+            <a:fld id="{3BE7DE0F-4338-D345-B6F5-61C48058FBBB}" type="slidenum">
+              <a:rPr lang="en-US" smtClean="0"/>
+              <a:t>58</a:t>
+            </a:fld>
+            <a:endParaRPr lang="en-US"/>
+          </a:p>
+        </p:txBody>
+      </p:sp>
+    </p:spTree>
+    <p:extLst>
+      <p:ext uri="{BB962C8B-B14F-4D97-AF65-F5344CB8AC3E}">
+        <p14:creationId xmlns:p14="http://schemas.microsoft.com/office/powerpoint/2010/main" val="3302784747"/>
+      </p:ext>
+    </p:extLst>
+  </p:cSld>
+  <p:clrMapOvr>
+    <a:masterClrMapping/>
+  </p:clrMapOvr>
+</p:notes>
+</file>
+
+<file path=ppt/notesSlides/notesSlide27.xml><?xml version="1.0" encoding="utf-8"?>
+<p:notes xmlns:a="http://schemas.openxmlformats.org/drawingml/2006/main" xmlns:r="http://schemas.openxmlformats.org/officeDocument/2006/relationships" xmlns:p="http://schemas.openxmlformats.org/presentationml/2006/main">
+  <p:cSld>
+    <p:spTree>
+      <p:nvGrpSpPr>
+        <p:cNvPr id="1" name=""/>
+        <p:cNvGrpSpPr/>
+        <p:nvPr/>
+      </p:nvGrpSpPr>
+      <p:grpSpPr>
+        <a:xfrm>
+          <a:off x="0" y="0"/>
+          <a:ext cx="0" cy="0"/>
+          <a:chOff x="0" y="0"/>
+          <a:chExt cx="0" cy="0"/>
+        </a:xfrm>
+      </p:grpSpPr>
+      <p:sp>
+        <p:nvSpPr>
+          <p:cNvPr id="2" name="Slide Image Placeholder 1"/>
+          <p:cNvSpPr>
+            <a:spLocks noGrp="1" noRot="1" noChangeAspect="1"/>
+          </p:cNvSpPr>
+          <p:nvPr>
+            <p:ph type="sldImg"/>
+          </p:nvPr>
+        </p:nvSpPr>
+        <p:spPr/>
+      </p:sp>
+      <p:sp>
+        <p:nvSpPr>
+          <p:cNvPr id="3" name="Notes Placeholder 2"/>
+          <p:cNvSpPr>
+            <a:spLocks noGrp="1"/>
+          </p:cNvSpPr>
+          <p:nvPr>
+            <p:ph type="body" idx="1"/>
+          </p:nvPr>
+        </p:nvSpPr>
+        <p:spPr/>
+        <p:txBody>
+          <a:bodyPr/>
+          <a:lstStyle/>
+          <a:p>
+            <a:endParaRPr lang="en-US" dirty="0"/>
+          </a:p>
+        </p:txBody>
+      </p:sp>
+      <p:sp>
+        <p:nvSpPr>
+          <p:cNvPr id="4" name="Slide Number Placeholder 3"/>
+          <p:cNvSpPr>
+            <a:spLocks noGrp="1"/>
+          </p:cNvSpPr>
+          <p:nvPr>
+            <p:ph type="sldNum" sz="quarter" idx="5"/>
+          </p:nvPr>
+        </p:nvSpPr>
+        <p:spPr/>
+        <p:txBody>
+          <a:bodyPr/>
+          <a:lstStyle/>
+          <a:p>
+            <a:fld id="{3BE7DE0F-4338-D345-B6F5-61C48058FBBB}" type="slidenum">
+              <a:rPr lang="en-US" smtClean="0"/>
+              <a:t>59</a:t>
+            </a:fld>
+            <a:endParaRPr lang="en-US"/>
+          </a:p>
+        </p:txBody>
+      </p:sp>
+    </p:spTree>
+    <p:extLst>
+      <p:ext uri="{BB962C8B-B14F-4D97-AF65-F5344CB8AC3E}">
+        <p14:creationId xmlns:p14="http://schemas.microsoft.com/office/powerpoint/2010/main" val="2308537630"/>
+      </p:ext>
+    </p:extLst>
+  </p:cSld>
+  <p:clrMapOvr>
+    <a:masterClrMapping/>
+  </p:clrMapOvr>
+</p:notes>
+</file>
+
+<file path=ppt/notesSlides/notesSlide28.xml><?xml version="1.0" encoding="utf-8"?>
+<p:notes xmlns:a="http://schemas.openxmlformats.org/drawingml/2006/main" xmlns:r="http://schemas.openxmlformats.org/officeDocument/2006/relationships" xmlns:p="http://schemas.openxmlformats.org/presentationml/2006/main">
+  <p:cSld>
+    <p:spTree>
+      <p:nvGrpSpPr>
+        <p:cNvPr id="1" name=""/>
+        <p:cNvGrpSpPr/>
+        <p:nvPr/>
+      </p:nvGrpSpPr>
+      <p:grpSpPr>
+        <a:xfrm>
+          <a:off x="0" y="0"/>
+          <a:ext cx="0" cy="0"/>
+          <a:chOff x="0" y="0"/>
+          <a:chExt cx="0" cy="0"/>
+        </a:xfrm>
+      </p:grpSpPr>
+      <p:sp>
+        <p:nvSpPr>
+          <p:cNvPr id="2" name="Slide Image Placeholder 1"/>
+          <p:cNvSpPr>
+            <a:spLocks noGrp="1" noRot="1" noChangeAspect="1"/>
+          </p:cNvSpPr>
+          <p:nvPr>
+            <p:ph type="sldImg"/>
+          </p:nvPr>
+        </p:nvSpPr>
+        <p:spPr/>
+      </p:sp>
+      <p:sp>
+        <p:nvSpPr>
+          <p:cNvPr id="3" name="Notes Placeholder 2"/>
+          <p:cNvSpPr>
+            <a:spLocks noGrp="1"/>
+          </p:cNvSpPr>
+          <p:nvPr>
+            <p:ph type="body" idx="1"/>
+          </p:nvPr>
+        </p:nvSpPr>
+        <p:spPr/>
+        <p:txBody>
+          <a:bodyPr/>
+          <a:lstStyle/>
+          <a:p>
+            <a:endParaRPr lang="en-US" dirty="0"/>
+          </a:p>
+        </p:txBody>
+      </p:sp>
+      <p:sp>
+        <p:nvSpPr>
+          <p:cNvPr id="4" name="Slide Number Placeholder 3"/>
+          <p:cNvSpPr>
+            <a:spLocks noGrp="1"/>
+          </p:cNvSpPr>
+          <p:nvPr>
+            <p:ph type="sldNum" sz="quarter" idx="5"/>
+          </p:nvPr>
+        </p:nvSpPr>
+        <p:spPr/>
+        <p:txBody>
+          <a:bodyPr/>
+          <a:lstStyle/>
+          <a:p>
+            <a:fld id="{3BE7DE0F-4338-D345-B6F5-61C48058FBBB}" type="slidenum">
+              <a:rPr lang="en-US" smtClean="0"/>
+              <a:t>60</a:t>
+            </a:fld>
+            <a:endParaRPr lang="en-US"/>
+          </a:p>
+        </p:txBody>
+      </p:sp>
+    </p:spTree>
+    <p:extLst>
+      <p:ext uri="{BB962C8B-B14F-4D97-AF65-F5344CB8AC3E}">
+        <p14:creationId xmlns:p14="http://schemas.microsoft.com/office/powerpoint/2010/main" val="962696827"/>
+      </p:ext>
+    </p:extLst>
+  </p:cSld>
+  <p:clrMapOvr>
+    <a:masterClrMapping/>
+  </p:clrMapOvr>
+</p:notes>
+</file>
+
+<file path=ppt/notesSlides/notesSlide29.xml><?xml version="1.0" encoding="utf-8"?>
+<p:notes xmlns:a="http://schemas.openxmlformats.org/drawingml/2006/main" xmlns:r="http://schemas.openxmlformats.org/officeDocument/2006/relationships" xmlns:p="http://schemas.openxmlformats.org/presentationml/2006/main">
+  <p:cSld>
+    <p:spTree>
+      <p:nvGrpSpPr>
+        <p:cNvPr id="1" name=""/>
+        <p:cNvGrpSpPr/>
+        <p:nvPr/>
+      </p:nvGrpSpPr>
+      <p:grpSpPr>
+        <a:xfrm>
+          <a:off x="0" y="0"/>
+          <a:ext cx="0" cy="0"/>
+          <a:chOff x="0" y="0"/>
+          <a:chExt cx="0" cy="0"/>
+        </a:xfrm>
+      </p:grpSpPr>
+      <p:sp>
+        <p:nvSpPr>
+          <p:cNvPr id="2" name="Slide Image Placeholder 1"/>
+          <p:cNvSpPr>
+            <a:spLocks noGrp="1" noRot="1" noChangeAspect="1"/>
+          </p:cNvSpPr>
+          <p:nvPr>
+            <p:ph type="sldImg"/>
+          </p:nvPr>
+        </p:nvSpPr>
+        <p:spPr/>
+      </p:sp>
+      <p:sp>
+        <p:nvSpPr>
+          <p:cNvPr id="3" name="Notes Placeholder 2"/>
+          <p:cNvSpPr>
+            <a:spLocks noGrp="1"/>
+          </p:cNvSpPr>
+          <p:nvPr>
+            <p:ph type="body" idx="1"/>
+          </p:nvPr>
+        </p:nvSpPr>
+        <p:spPr/>
+        <p:txBody>
+          <a:bodyPr/>
+          <a:lstStyle/>
+          <a:p>
+            <a:endParaRPr lang="en-US" dirty="0"/>
+          </a:p>
+        </p:txBody>
+      </p:sp>
+      <p:sp>
+        <p:nvSpPr>
+          <p:cNvPr id="4" name="Slide Number Placeholder 3"/>
+          <p:cNvSpPr>
+            <a:spLocks noGrp="1"/>
+          </p:cNvSpPr>
+          <p:nvPr>
+            <p:ph type="sldNum" sz="quarter" idx="5"/>
+          </p:nvPr>
+        </p:nvSpPr>
+        <p:spPr/>
+        <p:txBody>
+          <a:bodyPr/>
+          <a:lstStyle/>
+          <a:p>
+            <a:fld id="{3BE7DE0F-4338-D345-B6F5-61C48058FBBB}" type="slidenum">
+              <a:rPr lang="en-US" smtClean="0"/>
+              <a:t>61</a:t>
+            </a:fld>
+            <a:endParaRPr lang="en-US"/>
+          </a:p>
+        </p:txBody>
+      </p:sp>
+    </p:spTree>
+    <p:extLst>
+      <p:ext uri="{BB962C8B-B14F-4D97-AF65-F5344CB8AC3E}">
+        <p14:creationId xmlns:p14="http://schemas.microsoft.com/office/powerpoint/2010/main" val="3471687282"/>
+      </p:ext>
+    </p:extLst>
+  </p:cSld>
+  <p:clrMapOvr>
+    <a:masterClrMapping/>
+  </p:clrMapOvr>
+</p:notes>
+</file>
+
 <file path=ppt/notesSlides/notesSlide3.xml><?xml version="1.0" encoding="utf-8"?>
 <p:notes xmlns:a="http://schemas.openxmlformats.org/drawingml/2006/main" xmlns:r="http://schemas.openxmlformats.org/officeDocument/2006/relationships" xmlns:p="http://schemas.openxmlformats.org/presentationml/2006/main">
   <p:cSld>
@@ -1682,6 +2450,258 @@
     <p:extLst>
       <p:ext uri="{BB962C8B-B14F-4D97-AF65-F5344CB8AC3E}">
         <p14:creationId xmlns:p14="http://schemas.microsoft.com/office/powerpoint/2010/main" val="1149909204"/>
+      </p:ext>
+    </p:extLst>
+  </p:cSld>
+  <p:clrMapOvr>
+    <a:masterClrMapping/>
+  </p:clrMapOvr>
+</p:notes>
+</file>
+
+<file path=ppt/notesSlides/notesSlide30.xml><?xml version="1.0" encoding="utf-8"?>
+<p:notes xmlns:a="http://schemas.openxmlformats.org/drawingml/2006/main" xmlns:r="http://schemas.openxmlformats.org/officeDocument/2006/relationships" xmlns:p="http://schemas.openxmlformats.org/presentationml/2006/main">
+  <p:cSld>
+    <p:spTree>
+      <p:nvGrpSpPr>
+        <p:cNvPr id="1" name=""/>
+        <p:cNvGrpSpPr/>
+        <p:nvPr/>
+      </p:nvGrpSpPr>
+      <p:grpSpPr>
+        <a:xfrm>
+          <a:off x="0" y="0"/>
+          <a:ext cx="0" cy="0"/>
+          <a:chOff x="0" y="0"/>
+          <a:chExt cx="0" cy="0"/>
+        </a:xfrm>
+      </p:grpSpPr>
+      <p:sp>
+        <p:nvSpPr>
+          <p:cNvPr id="2" name="Slide Image Placeholder 1"/>
+          <p:cNvSpPr>
+            <a:spLocks noGrp="1" noRot="1" noChangeAspect="1"/>
+          </p:cNvSpPr>
+          <p:nvPr>
+            <p:ph type="sldImg"/>
+          </p:nvPr>
+        </p:nvSpPr>
+        <p:spPr/>
+      </p:sp>
+      <p:sp>
+        <p:nvSpPr>
+          <p:cNvPr id="3" name="Notes Placeholder 2"/>
+          <p:cNvSpPr>
+            <a:spLocks noGrp="1"/>
+          </p:cNvSpPr>
+          <p:nvPr>
+            <p:ph type="body" idx="1"/>
+          </p:nvPr>
+        </p:nvSpPr>
+        <p:spPr/>
+        <p:txBody>
+          <a:bodyPr/>
+          <a:lstStyle/>
+          <a:p>
+            <a:endParaRPr lang="en-US" dirty="0"/>
+          </a:p>
+        </p:txBody>
+      </p:sp>
+      <p:sp>
+        <p:nvSpPr>
+          <p:cNvPr id="4" name="Slide Number Placeholder 3"/>
+          <p:cNvSpPr>
+            <a:spLocks noGrp="1"/>
+          </p:cNvSpPr>
+          <p:nvPr>
+            <p:ph type="sldNum" sz="quarter" idx="5"/>
+          </p:nvPr>
+        </p:nvSpPr>
+        <p:spPr/>
+        <p:txBody>
+          <a:bodyPr/>
+          <a:lstStyle/>
+          <a:p>
+            <a:fld id="{3BE7DE0F-4338-D345-B6F5-61C48058FBBB}" type="slidenum">
+              <a:rPr lang="en-US" smtClean="0"/>
+              <a:t>62</a:t>
+            </a:fld>
+            <a:endParaRPr lang="en-US"/>
+          </a:p>
+        </p:txBody>
+      </p:sp>
+    </p:spTree>
+    <p:extLst>
+      <p:ext uri="{BB962C8B-B14F-4D97-AF65-F5344CB8AC3E}">
+        <p14:creationId xmlns:p14="http://schemas.microsoft.com/office/powerpoint/2010/main" val="2935033047"/>
+      </p:ext>
+    </p:extLst>
+  </p:cSld>
+  <p:clrMapOvr>
+    <a:masterClrMapping/>
+  </p:clrMapOvr>
+</p:notes>
+</file>
+
+<file path=ppt/notesSlides/notesSlide31.xml><?xml version="1.0" encoding="utf-8"?>
+<p:notes xmlns:a="http://schemas.openxmlformats.org/drawingml/2006/main" xmlns:r="http://schemas.openxmlformats.org/officeDocument/2006/relationships" xmlns:p="http://schemas.openxmlformats.org/presentationml/2006/main">
+  <p:cSld>
+    <p:spTree>
+      <p:nvGrpSpPr>
+        <p:cNvPr id="1" name=""/>
+        <p:cNvGrpSpPr/>
+        <p:nvPr/>
+      </p:nvGrpSpPr>
+      <p:grpSpPr>
+        <a:xfrm>
+          <a:off x="0" y="0"/>
+          <a:ext cx="0" cy="0"/>
+          <a:chOff x="0" y="0"/>
+          <a:chExt cx="0" cy="0"/>
+        </a:xfrm>
+      </p:grpSpPr>
+      <p:sp>
+        <p:nvSpPr>
+          <p:cNvPr id="2" name="Slide Image Placeholder 1"/>
+          <p:cNvSpPr>
+            <a:spLocks noGrp="1" noRot="1" noChangeAspect="1"/>
+          </p:cNvSpPr>
+          <p:nvPr>
+            <p:ph type="sldImg"/>
+          </p:nvPr>
+        </p:nvSpPr>
+        <p:spPr/>
+      </p:sp>
+      <p:sp>
+        <p:nvSpPr>
+          <p:cNvPr id="3" name="Notes Placeholder 2"/>
+          <p:cNvSpPr>
+            <a:spLocks noGrp="1"/>
+          </p:cNvSpPr>
+          <p:nvPr>
+            <p:ph type="body" idx="1"/>
+          </p:nvPr>
+        </p:nvSpPr>
+        <p:spPr/>
+        <p:txBody>
+          <a:bodyPr/>
+          <a:lstStyle/>
+          <a:p>
+            <a:endParaRPr lang="en-US" dirty="0"/>
+          </a:p>
+        </p:txBody>
+      </p:sp>
+      <p:sp>
+        <p:nvSpPr>
+          <p:cNvPr id="4" name="Slide Number Placeholder 3"/>
+          <p:cNvSpPr>
+            <a:spLocks noGrp="1"/>
+          </p:cNvSpPr>
+          <p:nvPr>
+            <p:ph type="sldNum" sz="quarter" idx="5"/>
+          </p:nvPr>
+        </p:nvSpPr>
+        <p:spPr/>
+        <p:txBody>
+          <a:bodyPr/>
+          <a:lstStyle/>
+          <a:p>
+            <a:fld id="{3BE7DE0F-4338-D345-B6F5-61C48058FBBB}" type="slidenum">
+              <a:rPr lang="en-US" smtClean="0"/>
+              <a:t>63</a:t>
+            </a:fld>
+            <a:endParaRPr lang="en-US"/>
+          </a:p>
+        </p:txBody>
+      </p:sp>
+    </p:spTree>
+    <p:extLst>
+      <p:ext uri="{BB962C8B-B14F-4D97-AF65-F5344CB8AC3E}">
+        <p14:creationId xmlns:p14="http://schemas.microsoft.com/office/powerpoint/2010/main" val="3647677748"/>
+      </p:ext>
+    </p:extLst>
+  </p:cSld>
+  <p:clrMapOvr>
+    <a:masterClrMapping/>
+  </p:clrMapOvr>
+</p:notes>
+</file>
+
+<file path=ppt/notesSlides/notesSlide32.xml><?xml version="1.0" encoding="utf-8"?>
+<p:notes xmlns:a="http://schemas.openxmlformats.org/drawingml/2006/main" xmlns:r="http://schemas.openxmlformats.org/officeDocument/2006/relationships" xmlns:p="http://schemas.openxmlformats.org/presentationml/2006/main">
+  <p:cSld>
+    <p:spTree>
+      <p:nvGrpSpPr>
+        <p:cNvPr id="1" name=""/>
+        <p:cNvGrpSpPr/>
+        <p:nvPr/>
+      </p:nvGrpSpPr>
+      <p:grpSpPr>
+        <a:xfrm>
+          <a:off x="0" y="0"/>
+          <a:ext cx="0" cy="0"/>
+          <a:chOff x="0" y="0"/>
+          <a:chExt cx="0" cy="0"/>
+        </a:xfrm>
+      </p:grpSpPr>
+      <p:sp>
+        <p:nvSpPr>
+          <p:cNvPr id="2" name="Slide Image Placeholder 1"/>
+          <p:cNvSpPr>
+            <a:spLocks noGrp="1" noRot="1" noChangeAspect="1"/>
+          </p:cNvSpPr>
+          <p:nvPr>
+            <p:ph type="sldImg"/>
+          </p:nvPr>
+        </p:nvSpPr>
+        <p:spPr/>
+      </p:sp>
+      <p:sp>
+        <p:nvSpPr>
+          <p:cNvPr id="3" name="Notes Placeholder 2"/>
+          <p:cNvSpPr>
+            <a:spLocks noGrp="1"/>
+          </p:cNvSpPr>
+          <p:nvPr>
+            <p:ph type="body" idx="1"/>
+          </p:nvPr>
+        </p:nvSpPr>
+        <p:spPr/>
+        <p:txBody>
+          <a:bodyPr/>
+          <a:lstStyle/>
+          <a:p>
+            <a:endParaRPr lang="en-US" dirty="0"/>
+          </a:p>
+        </p:txBody>
+      </p:sp>
+      <p:sp>
+        <p:nvSpPr>
+          <p:cNvPr id="4" name="Slide Number Placeholder 3"/>
+          <p:cNvSpPr>
+            <a:spLocks noGrp="1"/>
+          </p:cNvSpPr>
+          <p:nvPr>
+            <p:ph type="sldNum" sz="quarter" idx="5"/>
+          </p:nvPr>
+        </p:nvSpPr>
+        <p:spPr/>
+        <p:txBody>
+          <a:bodyPr/>
+          <a:lstStyle/>
+          <a:p>
+            <a:fld id="{3BE7DE0F-4338-D345-B6F5-61C48058FBBB}" type="slidenum">
+              <a:rPr lang="en-US" smtClean="0"/>
+              <a:t>64</a:t>
+            </a:fld>
+            <a:endParaRPr lang="en-US"/>
+          </a:p>
+        </p:txBody>
+      </p:sp>
+    </p:spTree>
+    <p:extLst>
+      <p:ext uri="{BB962C8B-B14F-4D97-AF65-F5344CB8AC3E}">
+        <p14:creationId xmlns:p14="http://schemas.microsoft.com/office/powerpoint/2010/main" val="139684487"/>
       </p:ext>
     </p:extLst>
   </p:cSld>
@@ -17347,6 +18367,1555 @@
 </p:sld>
 </file>
 
+<file path=ppt/slides/slide53.xml><?xml version="1.0" encoding="utf-8"?>
+<p:sld xmlns:a="http://schemas.openxmlformats.org/drawingml/2006/main" xmlns:r="http://schemas.openxmlformats.org/officeDocument/2006/relationships" xmlns:p="http://schemas.openxmlformats.org/presentationml/2006/main">
+  <p:cSld>
+    <p:bg>
+      <p:bgPr>
+        <a:solidFill>
+          <a:schemeClr val="bg1"/>
+        </a:solidFill>
+        <a:effectLst/>
+      </p:bgPr>
+    </p:bg>
+    <p:spTree>
+      <p:nvGrpSpPr>
+        <p:cNvPr id="1" name=""/>
+        <p:cNvGrpSpPr/>
+        <p:nvPr/>
+      </p:nvGrpSpPr>
+      <p:grpSpPr>
+        <a:xfrm>
+          <a:off x="0" y="0"/>
+          <a:ext cx="0" cy="0"/>
+          <a:chOff x="0" y="0"/>
+          <a:chExt cx="0" cy="0"/>
+        </a:xfrm>
+      </p:grpSpPr>
+      <p:sp>
+        <p:nvSpPr>
+          <p:cNvPr id="11" name="Flowchart: Document 10">
+            <a:extLst>
+              <a:ext uri="{FF2B5EF4-FFF2-40B4-BE49-F238E27FC236}">
+                <a16:creationId xmlns:a16="http://schemas.microsoft.com/office/drawing/2014/main" id="{D12DDE76-C203-4047-9998-63900085B5E8}"/>
+              </a:ext>
+              <a:ext uri="{C183D7F6-B498-43B3-948B-1728B52AA6E4}">
+                <adec:decorative xmlns:adec="http://schemas.microsoft.com/office/drawing/2017/decorative" val="1"/>
+              </a:ext>
+            </a:extLst>
+          </p:cNvPr>
+          <p:cNvSpPr>
+            <a:spLocks noGrp="1" noRot="1" noChangeAspect="1" noMove="1" noResize="1" noEditPoints="1" noAdjustHandles="1" noChangeArrowheads="1" noChangeShapeType="1" noTextEdit="1"/>
+          </p:cNvSpPr>
+          <p:nvPr>
+            <p:extLst>
+              <p:ext uri="{386F3935-93C4-4BCD-93E2-E3B085C9AB24}">
+                <p16:designElem xmlns:p16="http://schemas.microsoft.com/office/powerpoint/2015/main" val="1"/>
+              </p:ext>
+            </p:extLst>
+          </p:nvPr>
+        </p:nvSpPr>
+        <p:spPr>
+          <a:xfrm>
+            <a:off x="638175" y="0"/>
+            <a:ext cx="3248025" cy="3400426"/>
+          </a:xfrm>
+          <a:prstGeom prst="flowChartDocument">
+            <a:avLst/>
+          </a:prstGeom>
+          <a:solidFill>
+            <a:schemeClr val="accent1"/>
+          </a:solidFill>
+          <a:ln>
+            <a:noFill/>
+          </a:ln>
+        </p:spPr>
+        <p:style>
+          <a:lnRef idx="2">
+            <a:schemeClr val="accent1">
+              <a:shade val="50000"/>
+            </a:schemeClr>
+          </a:lnRef>
+          <a:fillRef idx="1">
+            <a:schemeClr val="accent1"/>
+          </a:fillRef>
+          <a:effectRef idx="0">
+            <a:schemeClr val="accent1"/>
+          </a:effectRef>
+          <a:fontRef idx="minor">
+            <a:schemeClr val="lt1"/>
+          </a:fontRef>
+        </p:style>
+        <p:txBody>
+          <a:bodyPr rtlCol="0" anchor="ctr"/>
+          <a:lstStyle/>
+          <a:p>
+            <a:pPr algn="ctr"/>
+            <a:endParaRPr lang="en-US"/>
+          </a:p>
+        </p:txBody>
+      </p:sp>
+      <p:sp>
+        <p:nvSpPr>
+          <p:cNvPr id="2" name="Title 1">
+            <a:extLst>
+              <a:ext uri="{FF2B5EF4-FFF2-40B4-BE49-F238E27FC236}">
+                <a16:creationId xmlns:a16="http://schemas.microsoft.com/office/drawing/2014/main" id="{9D045432-EED2-8148-BA86-3132BFE644EB}"/>
+              </a:ext>
+            </a:extLst>
+          </p:cNvPr>
+          <p:cNvSpPr>
+            <a:spLocks noGrp="1"/>
+          </p:cNvSpPr>
+          <p:nvPr>
+            <p:ph type="title"/>
+          </p:nvPr>
+        </p:nvSpPr>
+        <p:spPr>
+          <a:xfrm>
+            <a:off x="838200" y="171162"/>
+            <a:ext cx="2840182" cy="3229264"/>
+          </a:xfrm>
+        </p:spPr>
+        <p:txBody>
+          <a:bodyPr vert="horz" lIns="91440" tIns="45720" rIns="91440" bIns="45720" rtlCol="0" anchor="ctr">
+            <a:noAutofit/>
+          </a:bodyPr>
+          <a:lstStyle/>
+          <a:p>
+            <a:r>
+              <a:rPr lang="en-US" sz="3200" dirty="0">
+                <a:solidFill>
+                  <a:srgbClr val="FFFFFF"/>
+                </a:solidFill>
+              </a:rPr>
+              <a:t>Los </a:t>
+            </a:r>
+            <a:r>
+              <a:rPr lang="en-US" sz="3200" dirty="0" err="1">
+                <a:solidFill>
+                  <a:srgbClr val="FFFFFF"/>
+                </a:solidFill>
+              </a:rPr>
+              <a:t>operadores</a:t>
+            </a:r>
+            <a:r>
+              <a:rPr lang="en-US" sz="3200" dirty="0">
+                <a:solidFill>
+                  <a:srgbClr val="FFFFFF"/>
+                </a:solidFill>
+              </a:rPr>
+              <a:t> </a:t>
+            </a:r>
+            <a:r>
+              <a:rPr lang="en-US" sz="3200" dirty="0" err="1">
+                <a:solidFill>
+                  <a:srgbClr val="FFFFFF"/>
+                </a:solidFill>
+              </a:rPr>
+              <a:t>relacionales</a:t>
+            </a:r>
+            <a:r>
+              <a:rPr lang="en-US" sz="3200" dirty="0">
+                <a:solidFill>
+                  <a:srgbClr val="FFFFFF"/>
+                </a:solidFill>
+              </a:rPr>
+              <a:t> y de </a:t>
+            </a:r>
+            <a:r>
+              <a:rPr lang="en-US" sz="3200" dirty="0" err="1">
+                <a:solidFill>
+                  <a:srgbClr val="FFFFFF"/>
+                </a:solidFill>
+              </a:rPr>
+              <a:t>igualdad</a:t>
+            </a:r>
+            <a:endParaRPr lang="en-US" sz="3200" kern="1200" dirty="0">
+              <a:solidFill>
+                <a:srgbClr val="FFFFFF"/>
+              </a:solidFill>
+              <a:latin typeface="+mj-lt"/>
+              <a:ea typeface="+mj-ea"/>
+              <a:cs typeface="+mj-cs"/>
+            </a:endParaRPr>
+          </a:p>
+        </p:txBody>
+      </p:sp>
+      <p:sp>
+        <p:nvSpPr>
+          <p:cNvPr id="10" name="TextBox 9">
+            <a:extLst>
+              <a:ext uri="{FF2B5EF4-FFF2-40B4-BE49-F238E27FC236}">
+                <a16:creationId xmlns:a16="http://schemas.microsoft.com/office/drawing/2014/main" id="{B78FCACB-BEAA-A848-B530-FE96449DFEA7}"/>
+              </a:ext>
+            </a:extLst>
+          </p:cNvPr>
+          <p:cNvSpPr txBox="1"/>
+          <p:nvPr/>
+        </p:nvSpPr>
+        <p:spPr>
+          <a:xfrm>
+            <a:off x="4316818" y="1081391"/>
+            <a:ext cx="7036981" cy="4524315"/>
+          </a:xfrm>
+          <a:prstGeom prst="rect">
+            <a:avLst/>
+          </a:prstGeom>
+          <a:noFill/>
+        </p:spPr>
+        <p:txBody>
+          <a:bodyPr wrap="square" rtlCol="0">
+            <a:spAutoFit/>
+          </a:bodyPr>
+          <a:lstStyle/>
+          <a:p>
+            <a:r>
+              <a:rPr lang="en-US" sz="4800" dirty="0"/>
+              <a:t> ==		bool b = (x == 5)</a:t>
+            </a:r>
+          </a:p>
+          <a:p>
+            <a:r>
+              <a:rPr lang="en-US" sz="4800" dirty="0"/>
+              <a:t>!=		bool b = (x != 5)</a:t>
+            </a:r>
+          </a:p>
+          <a:p>
+            <a:r>
+              <a:rPr lang="en-US" sz="4800" dirty="0"/>
+              <a:t>&lt;		bool b = (x &lt; 100)</a:t>
+            </a:r>
+          </a:p>
+          <a:p>
+            <a:r>
+              <a:rPr lang="en-US" sz="4800" dirty="0"/>
+              <a:t>&lt;=		bool b = (x &lt;= 100)</a:t>
+            </a:r>
+          </a:p>
+          <a:p>
+            <a:r>
+              <a:rPr lang="en-US" sz="4800" dirty="0"/>
+              <a:t>&gt; 		bool b = (x &gt; 100)</a:t>
+            </a:r>
+          </a:p>
+          <a:p>
+            <a:r>
+              <a:rPr lang="en-US" sz="4800" dirty="0"/>
+              <a:t>&gt;=		bool b = (x &gt;= 100)</a:t>
+            </a:r>
+          </a:p>
+        </p:txBody>
+      </p:sp>
+    </p:spTree>
+    <p:extLst>
+      <p:ext uri="{BB962C8B-B14F-4D97-AF65-F5344CB8AC3E}">
+        <p14:creationId xmlns:p14="http://schemas.microsoft.com/office/powerpoint/2010/main" val="3999754278"/>
+      </p:ext>
+    </p:extLst>
+  </p:cSld>
+  <p:clrMapOvr>
+    <a:masterClrMapping/>
+  </p:clrMapOvr>
+</p:sld>
+</file>
+
+<file path=ppt/slides/slide54.xml><?xml version="1.0" encoding="utf-8"?>
+<p:sld xmlns:a="http://schemas.openxmlformats.org/drawingml/2006/main" xmlns:r="http://schemas.openxmlformats.org/officeDocument/2006/relationships" xmlns:p="http://schemas.openxmlformats.org/presentationml/2006/main">
+  <p:cSld>
+    <p:bg>
+      <p:bgPr>
+        <a:solidFill>
+          <a:schemeClr val="bg1"/>
+        </a:solidFill>
+        <a:effectLst/>
+      </p:bgPr>
+    </p:bg>
+    <p:spTree>
+      <p:nvGrpSpPr>
+        <p:cNvPr id="1" name=""/>
+        <p:cNvGrpSpPr/>
+        <p:nvPr/>
+      </p:nvGrpSpPr>
+      <p:grpSpPr>
+        <a:xfrm>
+          <a:off x="0" y="0"/>
+          <a:ext cx="0" cy="0"/>
+          <a:chOff x="0" y="0"/>
+          <a:chExt cx="0" cy="0"/>
+        </a:xfrm>
+      </p:grpSpPr>
+      <p:sp>
+        <p:nvSpPr>
+          <p:cNvPr id="11" name="Flowchart: Document 10">
+            <a:extLst>
+              <a:ext uri="{FF2B5EF4-FFF2-40B4-BE49-F238E27FC236}">
+                <a16:creationId xmlns:a16="http://schemas.microsoft.com/office/drawing/2014/main" id="{D12DDE76-C203-4047-9998-63900085B5E8}"/>
+              </a:ext>
+              <a:ext uri="{C183D7F6-B498-43B3-948B-1728B52AA6E4}">
+                <adec:decorative xmlns:adec="http://schemas.microsoft.com/office/drawing/2017/decorative" val="1"/>
+              </a:ext>
+            </a:extLst>
+          </p:cNvPr>
+          <p:cNvSpPr>
+            <a:spLocks noGrp="1" noRot="1" noChangeAspect="1" noMove="1" noResize="1" noEditPoints="1" noAdjustHandles="1" noChangeArrowheads="1" noChangeShapeType="1" noTextEdit="1"/>
+          </p:cNvSpPr>
+          <p:nvPr>
+            <p:extLst>
+              <p:ext uri="{386F3935-93C4-4BCD-93E2-E3B085C9AB24}">
+                <p16:designElem xmlns:p16="http://schemas.microsoft.com/office/powerpoint/2015/main" val="1"/>
+              </p:ext>
+            </p:extLst>
+          </p:nvPr>
+        </p:nvSpPr>
+        <p:spPr>
+          <a:xfrm>
+            <a:off x="638175" y="0"/>
+            <a:ext cx="3248025" cy="3400426"/>
+          </a:xfrm>
+          <a:prstGeom prst="flowChartDocument">
+            <a:avLst/>
+          </a:prstGeom>
+          <a:solidFill>
+            <a:schemeClr val="accent1"/>
+          </a:solidFill>
+          <a:ln>
+            <a:noFill/>
+          </a:ln>
+        </p:spPr>
+        <p:style>
+          <a:lnRef idx="2">
+            <a:schemeClr val="accent1">
+              <a:shade val="50000"/>
+            </a:schemeClr>
+          </a:lnRef>
+          <a:fillRef idx="1">
+            <a:schemeClr val="accent1"/>
+          </a:fillRef>
+          <a:effectRef idx="0">
+            <a:schemeClr val="accent1"/>
+          </a:effectRef>
+          <a:fontRef idx="minor">
+            <a:schemeClr val="lt1"/>
+          </a:fontRef>
+        </p:style>
+        <p:txBody>
+          <a:bodyPr rtlCol="0" anchor="ctr"/>
+          <a:lstStyle/>
+          <a:p>
+            <a:pPr algn="ctr"/>
+            <a:endParaRPr lang="en-US"/>
+          </a:p>
+        </p:txBody>
+      </p:sp>
+      <p:sp>
+        <p:nvSpPr>
+          <p:cNvPr id="2" name="Title 1">
+            <a:extLst>
+              <a:ext uri="{FF2B5EF4-FFF2-40B4-BE49-F238E27FC236}">
+                <a16:creationId xmlns:a16="http://schemas.microsoft.com/office/drawing/2014/main" id="{9D045432-EED2-8148-BA86-3132BFE644EB}"/>
+              </a:ext>
+            </a:extLst>
+          </p:cNvPr>
+          <p:cNvSpPr>
+            <a:spLocks noGrp="1"/>
+          </p:cNvSpPr>
+          <p:nvPr>
+            <p:ph type="title"/>
+          </p:nvPr>
+        </p:nvSpPr>
+        <p:spPr>
+          <a:xfrm>
+            <a:off x="838200" y="171162"/>
+            <a:ext cx="2840182" cy="3229264"/>
+          </a:xfrm>
+        </p:spPr>
+        <p:txBody>
+          <a:bodyPr vert="horz" lIns="91440" tIns="45720" rIns="91440" bIns="45720" rtlCol="0" anchor="ctr">
+            <a:noAutofit/>
+          </a:bodyPr>
+          <a:lstStyle/>
+          <a:p>
+            <a:r>
+              <a:rPr lang="en-US" sz="3200" dirty="0">
+                <a:solidFill>
+                  <a:srgbClr val="FFFFFF"/>
+                </a:solidFill>
+              </a:rPr>
+              <a:t>Los </a:t>
+            </a:r>
+            <a:r>
+              <a:rPr lang="en-US" sz="3200" dirty="0" err="1">
+                <a:solidFill>
+                  <a:srgbClr val="FFFFFF"/>
+                </a:solidFill>
+              </a:rPr>
+              <a:t>operadores</a:t>
+            </a:r>
+            <a:r>
+              <a:rPr lang="en-US" sz="3200" dirty="0">
+                <a:solidFill>
+                  <a:srgbClr val="FFFFFF"/>
+                </a:solidFill>
+              </a:rPr>
+              <a:t> </a:t>
+            </a:r>
+            <a:r>
+              <a:rPr lang="en-US" sz="3200" dirty="0" err="1">
+                <a:solidFill>
+                  <a:srgbClr val="FFFFFF"/>
+                </a:solidFill>
+              </a:rPr>
+              <a:t>relacionales</a:t>
+            </a:r>
+            <a:r>
+              <a:rPr lang="en-US" sz="3200" dirty="0">
+                <a:solidFill>
+                  <a:srgbClr val="FFFFFF"/>
+                </a:solidFill>
+              </a:rPr>
+              <a:t> y de </a:t>
+            </a:r>
+            <a:r>
+              <a:rPr lang="en-US" sz="3200" dirty="0" err="1">
+                <a:solidFill>
+                  <a:srgbClr val="FFFFFF"/>
+                </a:solidFill>
+              </a:rPr>
+              <a:t>igualdad</a:t>
+            </a:r>
+            <a:endParaRPr lang="en-US" sz="3200" kern="1200" dirty="0">
+              <a:solidFill>
+                <a:srgbClr val="FFFFFF"/>
+              </a:solidFill>
+              <a:latin typeface="+mj-lt"/>
+              <a:ea typeface="+mj-ea"/>
+              <a:cs typeface="+mj-cs"/>
+            </a:endParaRPr>
+          </a:p>
+        </p:txBody>
+      </p:sp>
+      <p:pic>
+        <p:nvPicPr>
+          <p:cNvPr id="5" name="Picture 4" descr="A screenshot of a cell phone&#10;&#10;Description automatically generated">
+            <a:extLst>
+              <a:ext uri="{FF2B5EF4-FFF2-40B4-BE49-F238E27FC236}">
+                <a16:creationId xmlns:a16="http://schemas.microsoft.com/office/drawing/2014/main" id="{45E15188-4ED2-BE47-99A0-4F963E3B605D}"/>
+              </a:ext>
+            </a:extLst>
+          </p:cNvPr>
+          <p:cNvPicPr>
+            <a:picLocks noChangeAspect="1"/>
+          </p:cNvPicPr>
+          <p:nvPr/>
+        </p:nvPicPr>
+        <p:blipFill>
+          <a:blip r:embed="rId3"/>
+          <a:stretch>
+            <a:fillRect/>
+          </a:stretch>
+        </p:blipFill>
+        <p:spPr>
+          <a:xfrm>
+            <a:off x="4490960" y="682626"/>
+            <a:ext cx="6197600" cy="5435600"/>
+          </a:xfrm>
+          <a:prstGeom prst="rect">
+            <a:avLst/>
+          </a:prstGeom>
+        </p:spPr>
+      </p:pic>
+    </p:spTree>
+    <p:extLst>
+      <p:ext uri="{BB962C8B-B14F-4D97-AF65-F5344CB8AC3E}">
+        <p14:creationId xmlns:p14="http://schemas.microsoft.com/office/powerpoint/2010/main" val="4138148698"/>
+      </p:ext>
+    </p:extLst>
+  </p:cSld>
+  <p:clrMapOvr>
+    <a:masterClrMapping/>
+  </p:clrMapOvr>
+</p:sld>
+</file>
+
+<file path=ppt/slides/slide55.xml><?xml version="1.0" encoding="utf-8"?>
+<p:sld xmlns:a="http://schemas.openxmlformats.org/drawingml/2006/main" xmlns:r="http://schemas.openxmlformats.org/officeDocument/2006/relationships" xmlns:p="http://schemas.openxmlformats.org/presentationml/2006/main">
+  <p:cSld>
+    <p:bg>
+      <p:bgPr>
+        <a:solidFill>
+          <a:schemeClr val="bg1"/>
+        </a:solidFill>
+        <a:effectLst/>
+      </p:bgPr>
+    </p:bg>
+    <p:spTree>
+      <p:nvGrpSpPr>
+        <p:cNvPr id="1" name=""/>
+        <p:cNvGrpSpPr/>
+        <p:nvPr/>
+      </p:nvGrpSpPr>
+      <p:grpSpPr>
+        <a:xfrm>
+          <a:off x="0" y="0"/>
+          <a:ext cx="0" cy="0"/>
+          <a:chOff x="0" y="0"/>
+          <a:chExt cx="0" cy="0"/>
+        </a:xfrm>
+      </p:grpSpPr>
+      <p:sp>
+        <p:nvSpPr>
+          <p:cNvPr id="11" name="Flowchart: Document 10">
+            <a:extLst>
+              <a:ext uri="{FF2B5EF4-FFF2-40B4-BE49-F238E27FC236}">
+                <a16:creationId xmlns:a16="http://schemas.microsoft.com/office/drawing/2014/main" id="{D12DDE76-C203-4047-9998-63900085B5E8}"/>
+              </a:ext>
+              <a:ext uri="{C183D7F6-B498-43B3-948B-1728B52AA6E4}">
+                <adec:decorative xmlns:adec="http://schemas.microsoft.com/office/drawing/2017/decorative" val="1"/>
+              </a:ext>
+            </a:extLst>
+          </p:cNvPr>
+          <p:cNvSpPr>
+            <a:spLocks noGrp="1" noRot="1" noChangeAspect="1" noMove="1" noResize="1" noEditPoints="1" noAdjustHandles="1" noChangeArrowheads="1" noChangeShapeType="1" noTextEdit="1"/>
+          </p:cNvSpPr>
+          <p:nvPr>
+            <p:extLst>
+              <p:ext uri="{386F3935-93C4-4BCD-93E2-E3B085C9AB24}">
+                <p16:designElem xmlns:p16="http://schemas.microsoft.com/office/powerpoint/2015/main" val="1"/>
+              </p:ext>
+            </p:extLst>
+          </p:nvPr>
+        </p:nvSpPr>
+        <p:spPr>
+          <a:xfrm>
+            <a:off x="638175" y="0"/>
+            <a:ext cx="3248025" cy="3400426"/>
+          </a:xfrm>
+          <a:prstGeom prst="flowChartDocument">
+            <a:avLst/>
+          </a:prstGeom>
+          <a:solidFill>
+            <a:schemeClr val="accent1"/>
+          </a:solidFill>
+          <a:ln>
+            <a:noFill/>
+          </a:ln>
+        </p:spPr>
+        <p:style>
+          <a:lnRef idx="2">
+            <a:schemeClr val="accent1">
+              <a:shade val="50000"/>
+            </a:schemeClr>
+          </a:lnRef>
+          <a:fillRef idx="1">
+            <a:schemeClr val="accent1"/>
+          </a:fillRef>
+          <a:effectRef idx="0">
+            <a:schemeClr val="accent1"/>
+          </a:effectRef>
+          <a:fontRef idx="minor">
+            <a:schemeClr val="lt1"/>
+          </a:fontRef>
+        </p:style>
+        <p:txBody>
+          <a:bodyPr rtlCol="0" anchor="ctr"/>
+          <a:lstStyle/>
+          <a:p>
+            <a:pPr algn="ctr"/>
+            <a:endParaRPr lang="en-US"/>
+          </a:p>
+        </p:txBody>
+      </p:sp>
+      <p:sp>
+        <p:nvSpPr>
+          <p:cNvPr id="2" name="Title 1">
+            <a:extLst>
+              <a:ext uri="{FF2B5EF4-FFF2-40B4-BE49-F238E27FC236}">
+                <a16:creationId xmlns:a16="http://schemas.microsoft.com/office/drawing/2014/main" id="{9D045432-EED2-8148-BA86-3132BFE644EB}"/>
+              </a:ext>
+            </a:extLst>
+          </p:cNvPr>
+          <p:cNvSpPr>
+            <a:spLocks noGrp="1"/>
+          </p:cNvSpPr>
+          <p:nvPr>
+            <p:ph type="title"/>
+          </p:nvPr>
+        </p:nvSpPr>
+        <p:spPr>
+          <a:xfrm>
+            <a:off x="838200" y="171162"/>
+            <a:ext cx="2840182" cy="3229264"/>
+          </a:xfrm>
+        </p:spPr>
+        <p:txBody>
+          <a:bodyPr vert="horz" lIns="91440" tIns="45720" rIns="91440" bIns="45720" rtlCol="0" anchor="ctr">
+            <a:noAutofit/>
+          </a:bodyPr>
+          <a:lstStyle/>
+          <a:p>
+            <a:r>
+              <a:rPr lang="en-US" sz="3200" dirty="0">
+                <a:solidFill>
+                  <a:srgbClr val="FFFFFF"/>
+                </a:solidFill>
+              </a:rPr>
+              <a:t>Las </a:t>
+            </a:r>
+            <a:r>
+              <a:rPr lang="en-US" sz="3200" dirty="0" err="1">
+                <a:solidFill>
+                  <a:srgbClr val="FFFFFF"/>
+                </a:solidFill>
+              </a:rPr>
+              <a:t>construcciones</a:t>
+            </a:r>
+            <a:r>
+              <a:rPr lang="en-US" sz="3200" dirty="0">
+                <a:solidFill>
+                  <a:srgbClr val="FFFFFF"/>
+                </a:solidFill>
+              </a:rPr>
+              <a:t> de </a:t>
+            </a:r>
+            <a:r>
+              <a:rPr lang="en-US" sz="3200" dirty="0" err="1">
+                <a:solidFill>
+                  <a:srgbClr val="FFFFFF"/>
+                </a:solidFill>
+              </a:rPr>
+              <a:t>decisión</a:t>
+            </a:r>
+            <a:endParaRPr lang="en-US" sz="3200" kern="1200" dirty="0">
+              <a:solidFill>
+                <a:srgbClr val="FFFFFF"/>
+              </a:solidFill>
+              <a:latin typeface="+mj-lt"/>
+              <a:ea typeface="+mj-ea"/>
+              <a:cs typeface="+mj-cs"/>
+            </a:endParaRPr>
+          </a:p>
+        </p:txBody>
+      </p:sp>
+      <p:sp>
+        <p:nvSpPr>
+          <p:cNvPr id="6" name="TextBox 5">
+            <a:extLst>
+              <a:ext uri="{FF2B5EF4-FFF2-40B4-BE49-F238E27FC236}">
+                <a16:creationId xmlns:a16="http://schemas.microsoft.com/office/drawing/2014/main" id="{B787FDE0-D221-5344-AE76-795D3CD93923}"/>
+              </a:ext>
+            </a:extLst>
+          </p:cNvPr>
+          <p:cNvSpPr txBox="1"/>
+          <p:nvPr/>
+        </p:nvSpPr>
+        <p:spPr>
+          <a:xfrm>
+            <a:off x="6491992" y="2803160"/>
+            <a:ext cx="3627620" cy="1569660"/>
+          </a:xfrm>
+          <a:prstGeom prst="rect">
+            <a:avLst/>
+          </a:prstGeom>
+          <a:noFill/>
+        </p:spPr>
+        <p:txBody>
+          <a:bodyPr wrap="square" rtlCol="0">
+            <a:spAutoFit/>
+          </a:bodyPr>
+          <a:lstStyle/>
+          <a:p>
+            <a:pPr marL="285750" indent="-285750">
+              <a:buFont typeface="Arial" panose="020B0604020202020204" pitchFamily="34" charset="0"/>
+              <a:buChar char="•"/>
+            </a:pPr>
+            <a:r>
+              <a:rPr lang="en-US" sz="4800" dirty="0"/>
+              <a:t> if/else</a:t>
+            </a:r>
+          </a:p>
+          <a:p>
+            <a:pPr marL="285750" indent="-285750">
+              <a:buFont typeface="Arial" panose="020B0604020202020204" pitchFamily="34" charset="0"/>
+              <a:buChar char="•"/>
+            </a:pPr>
+            <a:r>
+              <a:rPr lang="en-US" sz="4800" dirty="0"/>
+              <a:t> switch</a:t>
+            </a:r>
+          </a:p>
+        </p:txBody>
+      </p:sp>
+    </p:spTree>
+    <p:extLst>
+      <p:ext uri="{BB962C8B-B14F-4D97-AF65-F5344CB8AC3E}">
+        <p14:creationId xmlns:p14="http://schemas.microsoft.com/office/powerpoint/2010/main" val="4268144879"/>
+      </p:ext>
+    </p:extLst>
+  </p:cSld>
+  <p:clrMapOvr>
+    <a:masterClrMapping/>
+  </p:clrMapOvr>
+</p:sld>
+</file>
+
+<file path=ppt/slides/slide56.xml><?xml version="1.0" encoding="utf-8"?>
+<p:sld xmlns:a="http://schemas.openxmlformats.org/drawingml/2006/main" xmlns:r="http://schemas.openxmlformats.org/officeDocument/2006/relationships" xmlns:p="http://schemas.openxmlformats.org/presentationml/2006/main">
+  <p:cSld>
+    <p:bg>
+      <p:bgPr>
+        <a:solidFill>
+          <a:schemeClr val="bg1"/>
+        </a:solidFill>
+        <a:effectLst/>
+      </p:bgPr>
+    </p:bg>
+    <p:spTree>
+      <p:nvGrpSpPr>
+        <p:cNvPr id="1" name=""/>
+        <p:cNvGrpSpPr/>
+        <p:nvPr/>
+      </p:nvGrpSpPr>
+      <p:grpSpPr>
+        <a:xfrm>
+          <a:off x="0" y="0"/>
+          <a:ext cx="0" cy="0"/>
+          <a:chOff x="0" y="0"/>
+          <a:chExt cx="0" cy="0"/>
+        </a:xfrm>
+      </p:grpSpPr>
+      <p:sp>
+        <p:nvSpPr>
+          <p:cNvPr id="11" name="Flowchart: Document 10">
+            <a:extLst>
+              <a:ext uri="{FF2B5EF4-FFF2-40B4-BE49-F238E27FC236}">
+                <a16:creationId xmlns:a16="http://schemas.microsoft.com/office/drawing/2014/main" id="{D12DDE76-C203-4047-9998-63900085B5E8}"/>
+              </a:ext>
+              <a:ext uri="{C183D7F6-B498-43B3-948B-1728B52AA6E4}">
+                <adec:decorative xmlns:adec="http://schemas.microsoft.com/office/drawing/2017/decorative" val="1"/>
+              </a:ext>
+            </a:extLst>
+          </p:cNvPr>
+          <p:cNvSpPr>
+            <a:spLocks noGrp="1" noRot="1" noChangeAspect="1" noMove="1" noResize="1" noEditPoints="1" noAdjustHandles="1" noChangeArrowheads="1" noChangeShapeType="1" noTextEdit="1"/>
+          </p:cNvSpPr>
+          <p:nvPr>
+            <p:extLst>
+              <p:ext uri="{386F3935-93C4-4BCD-93E2-E3B085C9AB24}">
+                <p16:designElem xmlns:p16="http://schemas.microsoft.com/office/powerpoint/2015/main" val="1"/>
+              </p:ext>
+            </p:extLst>
+          </p:nvPr>
+        </p:nvSpPr>
+        <p:spPr>
+          <a:xfrm>
+            <a:off x="638175" y="0"/>
+            <a:ext cx="3248025" cy="3400426"/>
+          </a:xfrm>
+          <a:prstGeom prst="flowChartDocument">
+            <a:avLst/>
+          </a:prstGeom>
+          <a:solidFill>
+            <a:schemeClr val="accent1"/>
+          </a:solidFill>
+          <a:ln>
+            <a:noFill/>
+          </a:ln>
+        </p:spPr>
+        <p:style>
+          <a:lnRef idx="2">
+            <a:schemeClr val="accent1">
+              <a:shade val="50000"/>
+            </a:schemeClr>
+          </a:lnRef>
+          <a:fillRef idx="1">
+            <a:schemeClr val="accent1"/>
+          </a:fillRef>
+          <a:effectRef idx="0">
+            <a:schemeClr val="accent1"/>
+          </a:effectRef>
+          <a:fontRef idx="minor">
+            <a:schemeClr val="lt1"/>
+          </a:fontRef>
+        </p:style>
+        <p:txBody>
+          <a:bodyPr rtlCol="0" anchor="ctr"/>
+          <a:lstStyle/>
+          <a:p>
+            <a:pPr algn="ctr"/>
+            <a:endParaRPr lang="en-US"/>
+          </a:p>
+        </p:txBody>
+      </p:sp>
+      <p:sp>
+        <p:nvSpPr>
+          <p:cNvPr id="2" name="Title 1">
+            <a:extLst>
+              <a:ext uri="{FF2B5EF4-FFF2-40B4-BE49-F238E27FC236}">
+                <a16:creationId xmlns:a16="http://schemas.microsoft.com/office/drawing/2014/main" id="{9D045432-EED2-8148-BA86-3132BFE644EB}"/>
+              </a:ext>
+            </a:extLst>
+          </p:cNvPr>
+          <p:cNvSpPr>
+            <a:spLocks noGrp="1"/>
+          </p:cNvSpPr>
+          <p:nvPr>
+            <p:ph type="title"/>
+          </p:nvPr>
+        </p:nvSpPr>
+        <p:spPr>
+          <a:xfrm>
+            <a:off x="838200" y="171162"/>
+            <a:ext cx="2840182" cy="3229264"/>
+          </a:xfrm>
+        </p:spPr>
+        <p:txBody>
+          <a:bodyPr vert="horz" lIns="91440" tIns="45720" rIns="91440" bIns="45720" rtlCol="0" anchor="ctr">
+            <a:noAutofit/>
+          </a:bodyPr>
+          <a:lstStyle/>
+          <a:p>
+            <a:r>
+              <a:rPr lang="en-US" sz="3200" dirty="0">
+                <a:solidFill>
+                  <a:srgbClr val="FFFFFF"/>
+                </a:solidFill>
+              </a:rPr>
+              <a:t>If/else</a:t>
+            </a:r>
+            <a:endParaRPr lang="en-US" sz="3200" kern="1200" dirty="0">
+              <a:solidFill>
+                <a:srgbClr val="FFFFFF"/>
+              </a:solidFill>
+              <a:latin typeface="+mj-lt"/>
+              <a:ea typeface="+mj-ea"/>
+              <a:cs typeface="+mj-cs"/>
+            </a:endParaRPr>
+          </a:p>
+        </p:txBody>
+      </p:sp>
+      <p:pic>
+        <p:nvPicPr>
+          <p:cNvPr id="4" name="Picture 3" descr="A screenshot of a cell phone&#10;&#10;Description automatically generated">
+            <a:extLst>
+              <a:ext uri="{FF2B5EF4-FFF2-40B4-BE49-F238E27FC236}">
+                <a16:creationId xmlns:a16="http://schemas.microsoft.com/office/drawing/2014/main" id="{33F73A30-F74D-6140-82B5-35DC9E26F3CF}"/>
+              </a:ext>
+            </a:extLst>
+          </p:cNvPr>
+          <p:cNvPicPr>
+            <a:picLocks noChangeAspect="1"/>
+          </p:cNvPicPr>
+          <p:nvPr/>
+        </p:nvPicPr>
+        <p:blipFill>
+          <a:blip r:embed="rId3"/>
+          <a:stretch>
+            <a:fillRect/>
+          </a:stretch>
+        </p:blipFill>
+        <p:spPr>
+          <a:xfrm>
+            <a:off x="4994263" y="892588"/>
+            <a:ext cx="3519357" cy="5072823"/>
+          </a:xfrm>
+          <a:prstGeom prst="rect">
+            <a:avLst/>
+          </a:prstGeom>
+        </p:spPr>
+      </p:pic>
+      <p:sp>
+        <p:nvSpPr>
+          <p:cNvPr id="5" name="Rectangle 4">
+            <a:extLst>
+              <a:ext uri="{FF2B5EF4-FFF2-40B4-BE49-F238E27FC236}">
+                <a16:creationId xmlns:a16="http://schemas.microsoft.com/office/drawing/2014/main" id="{45B5D17D-A79F-F947-AD24-FEA054457601}"/>
+              </a:ext>
+            </a:extLst>
+          </p:cNvPr>
+          <p:cNvSpPr/>
+          <p:nvPr/>
+        </p:nvSpPr>
+        <p:spPr>
+          <a:xfrm>
+            <a:off x="7120328" y="3444615"/>
+            <a:ext cx="74951" cy="273570"/>
+          </a:xfrm>
+          <a:prstGeom prst="rect">
+            <a:avLst/>
+          </a:prstGeom>
+          <a:solidFill>
+            <a:schemeClr val="bg1"/>
+          </a:solidFill>
+          <a:ln>
+            <a:noFill/>
+          </a:ln>
+        </p:spPr>
+        <p:style>
+          <a:lnRef idx="2">
+            <a:schemeClr val="accent1">
+              <a:shade val="50000"/>
+            </a:schemeClr>
+          </a:lnRef>
+          <a:fillRef idx="1">
+            <a:schemeClr val="accent1"/>
+          </a:fillRef>
+          <a:effectRef idx="0">
+            <a:schemeClr val="accent1"/>
+          </a:effectRef>
+          <a:fontRef idx="minor">
+            <a:schemeClr val="lt1"/>
+          </a:fontRef>
+        </p:style>
+        <p:txBody>
+          <a:bodyPr rtlCol="0" anchor="ctr"/>
+          <a:lstStyle/>
+          <a:p>
+            <a:pPr algn="ctr"/>
+            <a:endParaRPr lang="en-US"/>
+          </a:p>
+        </p:txBody>
+      </p:sp>
+      <p:sp>
+        <p:nvSpPr>
+          <p:cNvPr id="8" name="Rectangle 7">
+            <a:extLst>
+              <a:ext uri="{FF2B5EF4-FFF2-40B4-BE49-F238E27FC236}">
+                <a16:creationId xmlns:a16="http://schemas.microsoft.com/office/drawing/2014/main" id="{3B6126F7-764D-C341-9C25-C230305AB07C}"/>
+              </a:ext>
+            </a:extLst>
+          </p:cNvPr>
+          <p:cNvSpPr/>
+          <p:nvPr/>
+        </p:nvSpPr>
+        <p:spPr>
+          <a:xfrm>
+            <a:off x="6424912" y="3400426"/>
+            <a:ext cx="74951" cy="273570"/>
+          </a:xfrm>
+          <a:prstGeom prst="rect">
+            <a:avLst/>
+          </a:prstGeom>
+          <a:solidFill>
+            <a:schemeClr val="bg1"/>
+          </a:solidFill>
+          <a:ln>
+            <a:noFill/>
+          </a:ln>
+        </p:spPr>
+        <p:style>
+          <a:lnRef idx="2">
+            <a:schemeClr val="accent1">
+              <a:shade val="50000"/>
+            </a:schemeClr>
+          </a:lnRef>
+          <a:fillRef idx="1">
+            <a:schemeClr val="accent1"/>
+          </a:fillRef>
+          <a:effectRef idx="0">
+            <a:schemeClr val="accent1"/>
+          </a:effectRef>
+          <a:fontRef idx="minor">
+            <a:schemeClr val="lt1"/>
+          </a:fontRef>
+        </p:style>
+        <p:txBody>
+          <a:bodyPr rtlCol="0" anchor="ctr"/>
+          <a:lstStyle/>
+          <a:p>
+            <a:pPr algn="ctr"/>
+            <a:endParaRPr lang="en-US"/>
+          </a:p>
+        </p:txBody>
+      </p:sp>
+    </p:spTree>
+    <p:extLst>
+      <p:ext uri="{BB962C8B-B14F-4D97-AF65-F5344CB8AC3E}">
+        <p14:creationId xmlns:p14="http://schemas.microsoft.com/office/powerpoint/2010/main" val="2520210801"/>
+      </p:ext>
+    </p:extLst>
+  </p:cSld>
+  <p:clrMapOvr>
+    <a:masterClrMapping/>
+  </p:clrMapOvr>
+</p:sld>
+</file>
+
+<file path=ppt/slides/slide57.xml><?xml version="1.0" encoding="utf-8"?>
+<p:sld xmlns:a="http://schemas.openxmlformats.org/drawingml/2006/main" xmlns:r="http://schemas.openxmlformats.org/officeDocument/2006/relationships" xmlns:p="http://schemas.openxmlformats.org/presentationml/2006/main">
+  <p:cSld>
+    <p:bg>
+      <p:bgPr>
+        <a:solidFill>
+          <a:schemeClr val="bg1"/>
+        </a:solidFill>
+        <a:effectLst/>
+      </p:bgPr>
+    </p:bg>
+    <p:spTree>
+      <p:nvGrpSpPr>
+        <p:cNvPr id="1" name=""/>
+        <p:cNvGrpSpPr/>
+        <p:nvPr/>
+      </p:nvGrpSpPr>
+      <p:grpSpPr>
+        <a:xfrm>
+          <a:off x="0" y="0"/>
+          <a:ext cx="0" cy="0"/>
+          <a:chOff x="0" y="0"/>
+          <a:chExt cx="0" cy="0"/>
+        </a:xfrm>
+      </p:grpSpPr>
+      <p:sp>
+        <p:nvSpPr>
+          <p:cNvPr id="11" name="Flowchart: Document 10">
+            <a:extLst>
+              <a:ext uri="{FF2B5EF4-FFF2-40B4-BE49-F238E27FC236}">
+                <a16:creationId xmlns:a16="http://schemas.microsoft.com/office/drawing/2014/main" id="{D12DDE76-C203-4047-9998-63900085B5E8}"/>
+              </a:ext>
+              <a:ext uri="{C183D7F6-B498-43B3-948B-1728B52AA6E4}">
+                <adec:decorative xmlns:adec="http://schemas.microsoft.com/office/drawing/2017/decorative" val="1"/>
+              </a:ext>
+            </a:extLst>
+          </p:cNvPr>
+          <p:cNvSpPr>
+            <a:spLocks noGrp="1" noRot="1" noChangeAspect="1" noMove="1" noResize="1" noEditPoints="1" noAdjustHandles="1" noChangeArrowheads="1" noChangeShapeType="1" noTextEdit="1"/>
+          </p:cNvSpPr>
+          <p:nvPr>
+            <p:extLst>
+              <p:ext uri="{386F3935-93C4-4BCD-93E2-E3B085C9AB24}">
+                <p16:designElem xmlns:p16="http://schemas.microsoft.com/office/powerpoint/2015/main" val="1"/>
+              </p:ext>
+            </p:extLst>
+          </p:nvPr>
+        </p:nvSpPr>
+        <p:spPr>
+          <a:xfrm>
+            <a:off x="638175" y="0"/>
+            <a:ext cx="3248025" cy="3400426"/>
+          </a:xfrm>
+          <a:prstGeom prst="flowChartDocument">
+            <a:avLst/>
+          </a:prstGeom>
+          <a:solidFill>
+            <a:schemeClr val="accent1"/>
+          </a:solidFill>
+          <a:ln>
+            <a:noFill/>
+          </a:ln>
+        </p:spPr>
+        <p:style>
+          <a:lnRef idx="2">
+            <a:schemeClr val="accent1">
+              <a:shade val="50000"/>
+            </a:schemeClr>
+          </a:lnRef>
+          <a:fillRef idx="1">
+            <a:schemeClr val="accent1"/>
+          </a:fillRef>
+          <a:effectRef idx="0">
+            <a:schemeClr val="accent1"/>
+          </a:effectRef>
+          <a:fontRef idx="minor">
+            <a:schemeClr val="lt1"/>
+          </a:fontRef>
+        </p:style>
+        <p:txBody>
+          <a:bodyPr rtlCol="0" anchor="ctr"/>
+          <a:lstStyle/>
+          <a:p>
+            <a:pPr algn="ctr"/>
+            <a:endParaRPr lang="en-US"/>
+          </a:p>
+        </p:txBody>
+      </p:sp>
+      <p:sp>
+        <p:nvSpPr>
+          <p:cNvPr id="2" name="Title 1">
+            <a:extLst>
+              <a:ext uri="{FF2B5EF4-FFF2-40B4-BE49-F238E27FC236}">
+                <a16:creationId xmlns:a16="http://schemas.microsoft.com/office/drawing/2014/main" id="{9D045432-EED2-8148-BA86-3132BFE644EB}"/>
+              </a:ext>
+            </a:extLst>
+          </p:cNvPr>
+          <p:cNvSpPr>
+            <a:spLocks noGrp="1"/>
+          </p:cNvSpPr>
+          <p:nvPr>
+            <p:ph type="title"/>
+          </p:nvPr>
+        </p:nvSpPr>
+        <p:spPr>
+          <a:xfrm>
+            <a:off x="838200" y="171162"/>
+            <a:ext cx="2840182" cy="3229264"/>
+          </a:xfrm>
+        </p:spPr>
+        <p:txBody>
+          <a:bodyPr vert="horz" lIns="91440" tIns="45720" rIns="91440" bIns="45720" rtlCol="0" anchor="ctr">
+            <a:noAutofit/>
+          </a:bodyPr>
+          <a:lstStyle/>
+          <a:p>
+            <a:r>
+              <a:rPr lang="en-US" sz="3200" dirty="0">
+                <a:solidFill>
+                  <a:srgbClr val="FFFFFF"/>
+                </a:solidFill>
+              </a:rPr>
+              <a:t>If/else</a:t>
+            </a:r>
+            <a:endParaRPr lang="en-US" sz="3200" kern="1200" dirty="0">
+              <a:solidFill>
+                <a:srgbClr val="FFFFFF"/>
+              </a:solidFill>
+              <a:latin typeface="+mj-lt"/>
+              <a:ea typeface="+mj-ea"/>
+              <a:cs typeface="+mj-cs"/>
+            </a:endParaRPr>
+          </a:p>
+        </p:txBody>
+      </p:sp>
+      <p:pic>
+        <p:nvPicPr>
+          <p:cNvPr id="5" name="Picture 4" descr="A screenshot of a cell phone&#10;&#10;Description automatically generated">
+            <a:extLst>
+              <a:ext uri="{FF2B5EF4-FFF2-40B4-BE49-F238E27FC236}">
+                <a16:creationId xmlns:a16="http://schemas.microsoft.com/office/drawing/2014/main" id="{8435859E-2DF9-0C4F-8138-B56162651EE4}"/>
+              </a:ext>
+            </a:extLst>
+          </p:cNvPr>
+          <p:cNvPicPr>
+            <a:picLocks noChangeAspect="1"/>
+          </p:cNvPicPr>
+          <p:nvPr/>
+        </p:nvPicPr>
+        <p:blipFill>
+          <a:blip r:embed="rId3"/>
+          <a:stretch>
+            <a:fillRect/>
+          </a:stretch>
+        </p:blipFill>
+        <p:spPr>
+          <a:xfrm>
+            <a:off x="4711928" y="947948"/>
+            <a:ext cx="5384800" cy="3835400"/>
+          </a:xfrm>
+          <a:prstGeom prst="rect">
+            <a:avLst/>
+          </a:prstGeom>
+        </p:spPr>
+      </p:pic>
+    </p:spTree>
+    <p:extLst>
+      <p:ext uri="{BB962C8B-B14F-4D97-AF65-F5344CB8AC3E}">
+        <p14:creationId xmlns:p14="http://schemas.microsoft.com/office/powerpoint/2010/main" val="784407187"/>
+      </p:ext>
+    </p:extLst>
+  </p:cSld>
+  <p:clrMapOvr>
+    <a:masterClrMapping/>
+  </p:clrMapOvr>
+</p:sld>
+</file>
+
+<file path=ppt/slides/slide58.xml><?xml version="1.0" encoding="utf-8"?>
+<p:sld xmlns:a="http://schemas.openxmlformats.org/drawingml/2006/main" xmlns:r="http://schemas.openxmlformats.org/officeDocument/2006/relationships" xmlns:p="http://schemas.openxmlformats.org/presentationml/2006/main">
+  <p:cSld>
+    <p:bg>
+      <p:bgPr>
+        <a:solidFill>
+          <a:schemeClr val="bg1"/>
+        </a:solidFill>
+        <a:effectLst/>
+      </p:bgPr>
+    </p:bg>
+    <p:spTree>
+      <p:nvGrpSpPr>
+        <p:cNvPr id="1" name=""/>
+        <p:cNvGrpSpPr/>
+        <p:nvPr/>
+      </p:nvGrpSpPr>
+      <p:grpSpPr>
+        <a:xfrm>
+          <a:off x="0" y="0"/>
+          <a:ext cx="0" cy="0"/>
+          <a:chOff x="0" y="0"/>
+          <a:chExt cx="0" cy="0"/>
+        </a:xfrm>
+      </p:grpSpPr>
+      <p:sp>
+        <p:nvSpPr>
+          <p:cNvPr id="11" name="Flowchart: Document 10">
+            <a:extLst>
+              <a:ext uri="{FF2B5EF4-FFF2-40B4-BE49-F238E27FC236}">
+                <a16:creationId xmlns:a16="http://schemas.microsoft.com/office/drawing/2014/main" id="{D12DDE76-C203-4047-9998-63900085B5E8}"/>
+              </a:ext>
+              <a:ext uri="{C183D7F6-B498-43B3-948B-1728B52AA6E4}">
+                <adec:decorative xmlns:adec="http://schemas.microsoft.com/office/drawing/2017/decorative" val="1"/>
+              </a:ext>
+            </a:extLst>
+          </p:cNvPr>
+          <p:cNvSpPr>
+            <a:spLocks noGrp="1" noRot="1" noChangeAspect="1" noMove="1" noResize="1" noEditPoints="1" noAdjustHandles="1" noChangeArrowheads="1" noChangeShapeType="1" noTextEdit="1"/>
+          </p:cNvSpPr>
+          <p:nvPr>
+            <p:extLst>
+              <p:ext uri="{386F3935-93C4-4BCD-93E2-E3B085C9AB24}">
+                <p16:designElem xmlns:p16="http://schemas.microsoft.com/office/powerpoint/2015/main" val="1"/>
+              </p:ext>
+            </p:extLst>
+          </p:nvPr>
+        </p:nvSpPr>
+        <p:spPr>
+          <a:xfrm>
+            <a:off x="638175" y="0"/>
+            <a:ext cx="3248025" cy="3400426"/>
+          </a:xfrm>
+          <a:prstGeom prst="flowChartDocument">
+            <a:avLst/>
+          </a:prstGeom>
+          <a:solidFill>
+            <a:schemeClr val="accent1"/>
+          </a:solidFill>
+          <a:ln>
+            <a:noFill/>
+          </a:ln>
+        </p:spPr>
+        <p:style>
+          <a:lnRef idx="2">
+            <a:schemeClr val="accent1">
+              <a:shade val="50000"/>
+            </a:schemeClr>
+          </a:lnRef>
+          <a:fillRef idx="1">
+            <a:schemeClr val="accent1"/>
+          </a:fillRef>
+          <a:effectRef idx="0">
+            <a:schemeClr val="accent1"/>
+          </a:effectRef>
+          <a:fontRef idx="minor">
+            <a:schemeClr val="lt1"/>
+          </a:fontRef>
+        </p:style>
+        <p:txBody>
+          <a:bodyPr rtlCol="0" anchor="ctr"/>
+          <a:lstStyle/>
+          <a:p>
+            <a:pPr algn="ctr"/>
+            <a:endParaRPr lang="en-US"/>
+          </a:p>
+        </p:txBody>
+      </p:sp>
+      <p:sp>
+        <p:nvSpPr>
+          <p:cNvPr id="2" name="Title 1">
+            <a:extLst>
+              <a:ext uri="{FF2B5EF4-FFF2-40B4-BE49-F238E27FC236}">
+                <a16:creationId xmlns:a16="http://schemas.microsoft.com/office/drawing/2014/main" id="{9D045432-EED2-8148-BA86-3132BFE644EB}"/>
+              </a:ext>
+            </a:extLst>
+          </p:cNvPr>
+          <p:cNvSpPr>
+            <a:spLocks noGrp="1"/>
+          </p:cNvSpPr>
+          <p:nvPr>
+            <p:ph type="title"/>
+          </p:nvPr>
+        </p:nvSpPr>
+        <p:spPr>
+          <a:xfrm>
+            <a:off x="838200" y="171162"/>
+            <a:ext cx="2840182" cy="3229264"/>
+          </a:xfrm>
+        </p:spPr>
+        <p:txBody>
+          <a:bodyPr vert="horz" lIns="91440" tIns="45720" rIns="91440" bIns="45720" rtlCol="0" anchor="ctr">
+            <a:noAutofit/>
+          </a:bodyPr>
+          <a:lstStyle/>
+          <a:p>
+            <a:r>
+              <a:rPr lang="en-US" sz="3200" dirty="0">
+                <a:solidFill>
+                  <a:srgbClr val="FFFFFF"/>
+                </a:solidFill>
+              </a:rPr>
+              <a:t>If/else if/else</a:t>
+            </a:r>
+            <a:endParaRPr lang="en-US" sz="3200" kern="1200" dirty="0">
+              <a:solidFill>
+                <a:srgbClr val="FFFFFF"/>
+              </a:solidFill>
+              <a:latin typeface="+mj-lt"/>
+              <a:ea typeface="+mj-ea"/>
+              <a:cs typeface="+mj-cs"/>
+            </a:endParaRPr>
+          </a:p>
+        </p:txBody>
+      </p:sp>
+      <p:pic>
+        <p:nvPicPr>
+          <p:cNvPr id="4" name="Picture 3" descr="A screenshot of a cell phone&#10;&#10;Description automatically generated">
+            <a:extLst>
+              <a:ext uri="{FF2B5EF4-FFF2-40B4-BE49-F238E27FC236}">
+                <a16:creationId xmlns:a16="http://schemas.microsoft.com/office/drawing/2014/main" id="{716D5826-F5BD-CB48-B1A8-2CC671B686F3}"/>
+              </a:ext>
+            </a:extLst>
+          </p:cNvPr>
+          <p:cNvPicPr>
+            <a:picLocks noChangeAspect="1"/>
+          </p:cNvPicPr>
+          <p:nvPr/>
+        </p:nvPicPr>
+        <p:blipFill>
+          <a:blip r:embed="rId3"/>
+          <a:stretch>
+            <a:fillRect/>
+          </a:stretch>
+        </p:blipFill>
+        <p:spPr>
+          <a:xfrm>
+            <a:off x="4280933" y="753582"/>
+            <a:ext cx="6819900" cy="4457700"/>
+          </a:xfrm>
+          <a:prstGeom prst="rect">
+            <a:avLst/>
+          </a:prstGeom>
+        </p:spPr>
+      </p:pic>
+    </p:spTree>
+    <p:extLst>
+      <p:ext uri="{BB962C8B-B14F-4D97-AF65-F5344CB8AC3E}">
+        <p14:creationId xmlns:p14="http://schemas.microsoft.com/office/powerpoint/2010/main" val="4063558872"/>
+      </p:ext>
+    </p:extLst>
+  </p:cSld>
+  <p:clrMapOvr>
+    <a:masterClrMapping/>
+  </p:clrMapOvr>
+</p:sld>
+</file>
+
+<file path=ppt/slides/slide59.xml><?xml version="1.0" encoding="utf-8"?>
+<p:sld xmlns:a="http://schemas.openxmlformats.org/drawingml/2006/main" xmlns:r="http://schemas.openxmlformats.org/officeDocument/2006/relationships" xmlns:p="http://schemas.openxmlformats.org/presentationml/2006/main">
+  <p:cSld>
+    <p:bg>
+      <p:bgPr>
+        <a:solidFill>
+          <a:schemeClr val="bg1"/>
+        </a:solidFill>
+        <a:effectLst/>
+      </p:bgPr>
+    </p:bg>
+    <p:spTree>
+      <p:nvGrpSpPr>
+        <p:cNvPr id="1" name=""/>
+        <p:cNvGrpSpPr/>
+        <p:nvPr/>
+      </p:nvGrpSpPr>
+      <p:grpSpPr>
+        <a:xfrm>
+          <a:off x="0" y="0"/>
+          <a:ext cx="0" cy="0"/>
+          <a:chOff x="0" y="0"/>
+          <a:chExt cx="0" cy="0"/>
+        </a:xfrm>
+      </p:grpSpPr>
+      <p:sp>
+        <p:nvSpPr>
+          <p:cNvPr id="11" name="Flowchart: Document 10">
+            <a:extLst>
+              <a:ext uri="{FF2B5EF4-FFF2-40B4-BE49-F238E27FC236}">
+                <a16:creationId xmlns:a16="http://schemas.microsoft.com/office/drawing/2014/main" id="{D12DDE76-C203-4047-9998-63900085B5E8}"/>
+              </a:ext>
+              <a:ext uri="{C183D7F6-B498-43B3-948B-1728B52AA6E4}">
+                <adec:decorative xmlns:adec="http://schemas.microsoft.com/office/drawing/2017/decorative" val="1"/>
+              </a:ext>
+            </a:extLst>
+          </p:cNvPr>
+          <p:cNvSpPr>
+            <a:spLocks noGrp="1" noRot="1" noChangeAspect="1" noMove="1" noResize="1" noEditPoints="1" noAdjustHandles="1" noChangeArrowheads="1" noChangeShapeType="1" noTextEdit="1"/>
+          </p:cNvSpPr>
+          <p:nvPr>
+            <p:extLst>
+              <p:ext uri="{386F3935-93C4-4BCD-93E2-E3B085C9AB24}">
+                <p16:designElem xmlns:p16="http://schemas.microsoft.com/office/powerpoint/2015/main" val="1"/>
+              </p:ext>
+            </p:extLst>
+          </p:nvPr>
+        </p:nvSpPr>
+        <p:spPr>
+          <a:xfrm>
+            <a:off x="638175" y="0"/>
+            <a:ext cx="3248025" cy="3400426"/>
+          </a:xfrm>
+          <a:prstGeom prst="flowChartDocument">
+            <a:avLst/>
+          </a:prstGeom>
+          <a:solidFill>
+            <a:schemeClr val="accent1"/>
+          </a:solidFill>
+          <a:ln>
+            <a:noFill/>
+          </a:ln>
+        </p:spPr>
+        <p:style>
+          <a:lnRef idx="2">
+            <a:schemeClr val="accent1">
+              <a:shade val="50000"/>
+            </a:schemeClr>
+          </a:lnRef>
+          <a:fillRef idx="1">
+            <a:schemeClr val="accent1"/>
+          </a:fillRef>
+          <a:effectRef idx="0">
+            <a:schemeClr val="accent1"/>
+          </a:effectRef>
+          <a:fontRef idx="minor">
+            <a:schemeClr val="lt1"/>
+          </a:fontRef>
+        </p:style>
+        <p:txBody>
+          <a:bodyPr rtlCol="0" anchor="ctr"/>
+          <a:lstStyle/>
+          <a:p>
+            <a:pPr algn="ctr"/>
+            <a:endParaRPr lang="en-US"/>
+          </a:p>
+        </p:txBody>
+      </p:sp>
+      <p:sp>
+        <p:nvSpPr>
+          <p:cNvPr id="2" name="Title 1">
+            <a:extLst>
+              <a:ext uri="{FF2B5EF4-FFF2-40B4-BE49-F238E27FC236}">
+                <a16:creationId xmlns:a16="http://schemas.microsoft.com/office/drawing/2014/main" id="{9D045432-EED2-8148-BA86-3132BFE644EB}"/>
+              </a:ext>
+            </a:extLst>
+          </p:cNvPr>
+          <p:cNvSpPr>
+            <a:spLocks noGrp="1"/>
+          </p:cNvSpPr>
+          <p:nvPr>
+            <p:ph type="title"/>
+          </p:nvPr>
+        </p:nvSpPr>
+        <p:spPr>
+          <a:xfrm>
+            <a:off x="838200" y="171162"/>
+            <a:ext cx="2840182" cy="3229264"/>
+          </a:xfrm>
+        </p:spPr>
+        <p:txBody>
+          <a:bodyPr vert="horz" lIns="91440" tIns="45720" rIns="91440" bIns="45720" rtlCol="0" anchor="ctr">
+            <a:noAutofit/>
+          </a:bodyPr>
+          <a:lstStyle/>
+          <a:p>
+            <a:r>
+              <a:rPr lang="en-US" sz="3200" dirty="0">
+                <a:solidFill>
+                  <a:srgbClr val="FFFFFF"/>
+                </a:solidFill>
+              </a:rPr>
+              <a:t>Los </a:t>
+            </a:r>
+            <a:r>
+              <a:rPr lang="en-US" sz="3200" dirty="0" err="1">
+                <a:solidFill>
+                  <a:srgbClr val="FFFFFF"/>
+                </a:solidFill>
+              </a:rPr>
+              <a:t>operadores</a:t>
+            </a:r>
+            <a:r>
+              <a:rPr lang="en-US" sz="3200" dirty="0">
+                <a:solidFill>
+                  <a:srgbClr val="FFFFFF"/>
+                </a:solidFill>
+              </a:rPr>
+              <a:t> </a:t>
+            </a:r>
+            <a:r>
+              <a:rPr lang="en-US" sz="3200" dirty="0" err="1">
+                <a:solidFill>
+                  <a:srgbClr val="FFFFFF"/>
+                </a:solidFill>
+              </a:rPr>
+              <a:t>lógicos</a:t>
+            </a:r>
+            <a:endParaRPr lang="en-US" sz="3200" kern="1200" dirty="0">
+              <a:solidFill>
+                <a:srgbClr val="FFFFFF"/>
+              </a:solidFill>
+              <a:latin typeface="+mj-lt"/>
+              <a:ea typeface="+mj-ea"/>
+              <a:cs typeface="+mj-cs"/>
+            </a:endParaRPr>
+          </a:p>
+        </p:txBody>
+      </p:sp>
+      <p:sp>
+        <p:nvSpPr>
+          <p:cNvPr id="10" name="TextBox 9">
+            <a:extLst>
+              <a:ext uri="{FF2B5EF4-FFF2-40B4-BE49-F238E27FC236}">
+                <a16:creationId xmlns:a16="http://schemas.microsoft.com/office/drawing/2014/main" id="{B78FCACB-BEAA-A848-B530-FE96449DFEA7}"/>
+              </a:ext>
+            </a:extLst>
+          </p:cNvPr>
+          <p:cNvSpPr txBox="1"/>
+          <p:nvPr/>
+        </p:nvSpPr>
+        <p:spPr>
+          <a:xfrm>
+            <a:off x="4568105" y="2336124"/>
+            <a:ext cx="7475393" cy="1384995"/>
+          </a:xfrm>
+          <a:prstGeom prst="rect">
+            <a:avLst/>
+          </a:prstGeom>
+          <a:noFill/>
+        </p:spPr>
+        <p:txBody>
+          <a:bodyPr wrap="square" rtlCol="0">
+            <a:spAutoFit/>
+          </a:bodyPr>
+          <a:lstStyle/>
+          <a:p>
+            <a:r>
+              <a:rPr lang="en-US" sz="2800" dirty="0"/>
+              <a:t> (or) 		||	bool b = (n &gt; 50 || s == “A” )</a:t>
+            </a:r>
+          </a:p>
+          <a:p>
+            <a:r>
+              <a:rPr lang="en-US" sz="2800" dirty="0"/>
+              <a:t>(and) 		&amp;&amp;	bool b = (n &lt;= 50 &amp;&amp; s == “A”)</a:t>
+            </a:r>
+          </a:p>
+          <a:p>
+            <a:r>
+              <a:rPr lang="en-US" sz="2800" dirty="0"/>
+              <a:t>(not)		!	bool b = (!(n &lt; 50))</a:t>
+            </a:r>
+          </a:p>
+        </p:txBody>
+      </p:sp>
+    </p:spTree>
+    <p:extLst>
+      <p:ext uri="{BB962C8B-B14F-4D97-AF65-F5344CB8AC3E}">
+        <p14:creationId xmlns:p14="http://schemas.microsoft.com/office/powerpoint/2010/main" val="1556928682"/>
+      </p:ext>
+    </p:extLst>
+  </p:cSld>
+  <p:clrMapOvr>
+    <a:masterClrMapping/>
+  </p:clrMapOvr>
+</p:sld>
+</file>
+
 <file path=ppt/slides/slide6.xml><?xml version="1.0" encoding="utf-8"?>
 <p:sld xmlns:a="http://schemas.openxmlformats.org/drawingml/2006/main" xmlns:r="http://schemas.openxmlformats.org/officeDocument/2006/relationships" xmlns:p="http://schemas.openxmlformats.org/presentationml/2006/main">
   <p:cSld>
@@ -17540,6 +20109,1061 @@
     <p:extLst>
       <p:ext uri="{BB962C8B-B14F-4D97-AF65-F5344CB8AC3E}">
         <p14:creationId xmlns:p14="http://schemas.microsoft.com/office/powerpoint/2010/main" val="3086395104"/>
+      </p:ext>
+    </p:extLst>
+  </p:cSld>
+  <p:clrMapOvr>
+    <a:masterClrMapping/>
+  </p:clrMapOvr>
+</p:sld>
+</file>
+
+<file path=ppt/slides/slide60.xml><?xml version="1.0" encoding="utf-8"?>
+<p:sld xmlns:a="http://schemas.openxmlformats.org/drawingml/2006/main" xmlns:r="http://schemas.openxmlformats.org/officeDocument/2006/relationships" xmlns:p="http://schemas.openxmlformats.org/presentationml/2006/main">
+  <p:cSld>
+    <p:bg>
+      <p:bgPr>
+        <a:solidFill>
+          <a:schemeClr val="bg1"/>
+        </a:solidFill>
+        <a:effectLst/>
+      </p:bgPr>
+    </p:bg>
+    <p:spTree>
+      <p:nvGrpSpPr>
+        <p:cNvPr id="1" name=""/>
+        <p:cNvGrpSpPr/>
+        <p:nvPr/>
+      </p:nvGrpSpPr>
+      <p:grpSpPr>
+        <a:xfrm>
+          <a:off x="0" y="0"/>
+          <a:ext cx="0" cy="0"/>
+          <a:chOff x="0" y="0"/>
+          <a:chExt cx="0" cy="0"/>
+        </a:xfrm>
+      </p:grpSpPr>
+      <p:sp>
+        <p:nvSpPr>
+          <p:cNvPr id="11" name="Flowchart: Document 10">
+            <a:extLst>
+              <a:ext uri="{FF2B5EF4-FFF2-40B4-BE49-F238E27FC236}">
+                <a16:creationId xmlns:a16="http://schemas.microsoft.com/office/drawing/2014/main" id="{D12DDE76-C203-4047-9998-63900085B5E8}"/>
+              </a:ext>
+              <a:ext uri="{C183D7F6-B498-43B3-948B-1728B52AA6E4}">
+                <adec:decorative xmlns:adec="http://schemas.microsoft.com/office/drawing/2017/decorative" val="1"/>
+              </a:ext>
+            </a:extLst>
+          </p:cNvPr>
+          <p:cNvSpPr>
+            <a:spLocks noGrp="1" noRot="1" noChangeAspect="1" noMove="1" noResize="1" noEditPoints="1" noAdjustHandles="1" noChangeArrowheads="1" noChangeShapeType="1" noTextEdit="1"/>
+          </p:cNvSpPr>
+          <p:nvPr>
+            <p:extLst>
+              <p:ext uri="{386F3935-93C4-4BCD-93E2-E3B085C9AB24}">
+                <p16:designElem xmlns:p16="http://schemas.microsoft.com/office/powerpoint/2015/main" val="1"/>
+              </p:ext>
+            </p:extLst>
+          </p:nvPr>
+        </p:nvSpPr>
+        <p:spPr>
+          <a:xfrm>
+            <a:off x="638175" y="0"/>
+            <a:ext cx="3248025" cy="3400426"/>
+          </a:xfrm>
+          <a:prstGeom prst="flowChartDocument">
+            <a:avLst/>
+          </a:prstGeom>
+          <a:solidFill>
+            <a:schemeClr val="accent1"/>
+          </a:solidFill>
+          <a:ln>
+            <a:noFill/>
+          </a:ln>
+        </p:spPr>
+        <p:style>
+          <a:lnRef idx="2">
+            <a:schemeClr val="accent1">
+              <a:shade val="50000"/>
+            </a:schemeClr>
+          </a:lnRef>
+          <a:fillRef idx="1">
+            <a:schemeClr val="accent1"/>
+          </a:fillRef>
+          <a:effectRef idx="0">
+            <a:schemeClr val="accent1"/>
+          </a:effectRef>
+          <a:fontRef idx="minor">
+            <a:schemeClr val="lt1"/>
+          </a:fontRef>
+        </p:style>
+        <p:txBody>
+          <a:bodyPr rtlCol="0" anchor="ctr"/>
+          <a:lstStyle/>
+          <a:p>
+            <a:pPr algn="ctr"/>
+            <a:endParaRPr lang="en-US"/>
+          </a:p>
+        </p:txBody>
+      </p:sp>
+      <p:sp>
+        <p:nvSpPr>
+          <p:cNvPr id="2" name="Title 1">
+            <a:extLst>
+              <a:ext uri="{FF2B5EF4-FFF2-40B4-BE49-F238E27FC236}">
+                <a16:creationId xmlns:a16="http://schemas.microsoft.com/office/drawing/2014/main" id="{9D045432-EED2-8148-BA86-3132BFE644EB}"/>
+              </a:ext>
+            </a:extLst>
+          </p:cNvPr>
+          <p:cNvSpPr>
+            <a:spLocks noGrp="1"/>
+          </p:cNvSpPr>
+          <p:nvPr>
+            <p:ph type="title"/>
+          </p:nvPr>
+        </p:nvSpPr>
+        <p:spPr>
+          <a:xfrm>
+            <a:off x="838200" y="171162"/>
+            <a:ext cx="2840182" cy="3229264"/>
+          </a:xfrm>
+        </p:spPr>
+        <p:txBody>
+          <a:bodyPr vert="horz" lIns="91440" tIns="45720" rIns="91440" bIns="45720" rtlCol="0" anchor="ctr">
+            <a:noAutofit/>
+          </a:bodyPr>
+          <a:lstStyle/>
+          <a:p>
+            <a:r>
+              <a:rPr lang="en-US" sz="3200" dirty="0">
+                <a:solidFill>
+                  <a:srgbClr val="FFFFFF"/>
+                </a:solidFill>
+              </a:rPr>
+              <a:t>Los </a:t>
+            </a:r>
+            <a:r>
+              <a:rPr lang="en-US" sz="3200" dirty="0" err="1">
+                <a:solidFill>
+                  <a:srgbClr val="FFFFFF"/>
+                </a:solidFill>
+              </a:rPr>
+              <a:t>operadores</a:t>
+            </a:r>
+            <a:r>
+              <a:rPr lang="en-US" sz="3200" dirty="0">
+                <a:solidFill>
+                  <a:srgbClr val="FFFFFF"/>
+                </a:solidFill>
+              </a:rPr>
+              <a:t> </a:t>
+            </a:r>
+            <a:r>
+              <a:rPr lang="en-US" sz="3200" dirty="0" err="1">
+                <a:solidFill>
+                  <a:srgbClr val="FFFFFF"/>
+                </a:solidFill>
+              </a:rPr>
+              <a:t>lógicos</a:t>
+            </a:r>
+            <a:endParaRPr lang="en-US" sz="3200" kern="1200" dirty="0">
+              <a:solidFill>
+                <a:srgbClr val="FFFFFF"/>
+              </a:solidFill>
+              <a:latin typeface="+mj-lt"/>
+              <a:ea typeface="+mj-ea"/>
+              <a:cs typeface="+mj-cs"/>
+            </a:endParaRPr>
+          </a:p>
+        </p:txBody>
+      </p:sp>
+      <p:pic>
+        <p:nvPicPr>
+          <p:cNvPr id="4" name="Picture 3" descr="A screenshot of a cell phone&#10;&#10;Description automatically generated">
+            <a:extLst>
+              <a:ext uri="{FF2B5EF4-FFF2-40B4-BE49-F238E27FC236}">
+                <a16:creationId xmlns:a16="http://schemas.microsoft.com/office/drawing/2014/main" id="{75C0DB13-5E1C-5840-AD83-2F49806F364A}"/>
+              </a:ext>
+            </a:extLst>
+          </p:cNvPr>
+          <p:cNvPicPr>
+            <a:picLocks noChangeAspect="1"/>
+          </p:cNvPicPr>
+          <p:nvPr/>
+        </p:nvPicPr>
+        <p:blipFill>
+          <a:blip r:embed="rId3"/>
+          <a:stretch>
+            <a:fillRect/>
+          </a:stretch>
+        </p:blipFill>
+        <p:spPr>
+          <a:xfrm>
+            <a:off x="4635500" y="1131562"/>
+            <a:ext cx="6718300" cy="4914900"/>
+          </a:xfrm>
+          <a:prstGeom prst="rect">
+            <a:avLst/>
+          </a:prstGeom>
+        </p:spPr>
+      </p:pic>
+    </p:spTree>
+    <p:extLst>
+      <p:ext uri="{BB962C8B-B14F-4D97-AF65-F5344CB8AC3E}">
+        <p14:creationId xmlns:p14="http://schemas.microsoft.com/office/powerpoint/2010/main" val="3632111733"/>
+      </p:ext>
+    </p:extLst>
+  </p:cSld>
+  <p:clrMapOvr>
+    <a:masterClrMapping/>
+  </p:clrMapOvr>
+</p:sld>
+</file>
+
+<file path=ppt/slides/slide61.xml><?xml version="1.0" encoding="utf-8"?>
+<p:sld xmlns:a="http://schemas.openxmlformats.org/drawingml/2006/main" xmlns:r="http://schemas.openxmlformats.org/officeDocument/2006/relationships" xmlns:p="http://schemas.openxmlformats.org/presentationml/2006/main">
+  <p:cSld>
+    <p:bg>
+      <p:bgPr>
+        <a:solidFill>
+          <a:schemeClr val="bg1"/>
+        </a:solidFill>
+        <a:effectLst/>
+      </p:bgPr>
+    </p:bg>
+    <p:spTree>
+      <p:nvGrpSpPr>
+        <p:cNvPr id="1" name=""/>
+        <p:cNvGrpSpPr/>
+        <p:nvPr/>
+      </p:nvGrpSpPr>
+      <p:grpSpPr>
+        <a:xfrm>
+          <a:off x="0" y="0"/>
+          <a:ext cx="0" cy="0"/>
+          <a:chOff x="0" y="0"/>
+          <a:chExt cx="0" cy="0"/>
+        </a:xfrm>
+      </p:grpSpPr>
+      <p:sp>
+        <p:nvSpPr>
+          <p:cNvPr id="11" name="Flowchart: Document 10">
+            <a:extLst>
+              <a:ext uri="{FF2B5EF4-FFF2-40B4-BE49-F238E27FC236}">
+                <a16:creationId xmlns:a16="http://schemas.microsoft.com/office/drawing/2014/main" id="{D12DDE76-C203-4047-9998-63900085B5E8}"/>
+              </a:ext>
+              <a:ext uri="{C183D7F6-B498-43B3-948B-1728B52AA6E4}">
+                <adec:decorative xmlns:adec="http://schemas.microsoft.com/office/drawing/2017/decorative" val="1"/>
+              </a:ext>
+            </a:extLst>
+          </p:cNvPr>
+          <p:cNvSpPr>
+            <a:spLocks noGrp="1" noRot="1" noChangeAspect="1" noMove="1" noResize="1" noEditPoints="1" noAdjustHandles="1" noChangeArrowheads="1" noChangeShapeType="1" noTextEdit="1"/>
+          </p:cNvSpPr>
+          <p:nvPr>
+            <p:extLst>
+              <p:ext uri="{386F3935-93C4-4BCD-93E2-E3B085C9AB24}">
+                <p16:designElem xmlns:p16="http://schemas.microsoft.com/office/powerpoint/2015/main" val="1"/>
+              </p:ext>
+            </p:extLst>
+          </p:nvPr>
+        </p:nvSpPr>
+        <p:spPr>
+          <a:xfrm>
+            <a:off x="638175" y="0"/>
+            <a:ext cx="3248025" cy="3400426"/>
+          </a:xfrm>
+          <a:prstGeom prst="flowChartDocument">
+            <a:avLst/>
+          </a:prstGeom>
+          <a:solidFill>
+            <a:schemeClr val="accent1"/>
+          </a:solidFill>
+          <a:ln>
+            <a:noFill/>
+          </a:ln>
+        </p:spPr>
+        <p:style>
+          <a:lnRef idx="2">
+            <a:schemeClr val="accent1">
+              <a:shade val="50000"/>
+            </a:schemeClr>
+          </a:lnRef>
+          <a:fillRef idx="1">
+            <a:schemeClr val="accent1"/>
+          </a:fillRef>
+          <a:effectRef idx="0">
+            <a:schemeClr val="accent1"/>
+          </a:effectRef>
+          <a:fontRef idx="minor">
+            <a:schemeClr val="lt1"/>
+          </a:fontRef>
+        </p:style>
+        <p:txBody>
+          <a:bodyPr rtlCol="0" anchor="ctr"/>
+          <a:lstStyle/>
+          <a:p>
+            <a:pPr algn="ctr"/>
+            <a:endParaRPr lang="en-US"/>
+          </a:p>
+        </p:txBody>
+      </p:sp>
+      <p:sp>
+        <p:nvSpPr>
+          <p:cNvPr id="2" name="Title 1">
+            <a:extLst>
+              <a:ext uri="{FF2B5EF4-FFF2-40B4-BE49-F238E27FC236}">
+                <a16:creationId xmlns:a16="http://schemas.microsoft.com/office/drawing/2014/main" id="{9D045432-EED2-8148-BA86-3132BFE644EB}"/>
+              </a:ext>
+            </a:extLst>
+          </p:cNvPr>
+          <p:cNvSpPr>
+            <a:spLocks noGrp="1"/>
+          </p:cNvSpPr>
+          <p:nvPr>
+            <p:ph type="title"/>
+          </p:nvPr>
+        </p:nvSpPr>
+        <p:spPr>
+          <a:xfrm>
+            <a:off x="838200" y="171162"/>
+            <a:ext cx="2840182" cy="3229264"/>
+          </a:xfrm>
+        </p:spPr>
+        <p:txBody>
+          <a:bodyPr vert="horz" lIns="91440" tIns="45720" rIns="91440" bIns="45720" rtlCol="0" anchor="ctr">
+            <a:noAutofit/>
+          </a:bodyPr>
+          <a:lstStyle/>
+          <a:p>
+            <a:r>
+              <a:rPr lang="en-US" sz="3200" dirty="0">
+                <a:solidFill>
+                  <a:srgbClr val="FFFFFF"/>
+                </a:solidFill>
+              </a:rPr>
+              <a:t>El </a:t>
+            </a:r>
+            <a:r>
+              <a:rPr lang="en-US" sz="3200" dirty="0" err="1">
+                <a:solidFill>
+                  <a:srgbClr val="FFFFFF"/>
+                </a:solidFill>
+              </a:rPr>
+              <a:t>operador</a:t>
+            </a:r>
+            <a:r>
+              <a:rPr lang="en-US" sz="3200" dirty="0">
+                <a:solidFill>
+                  <a:srgbClr val="FFFFFF"/>
+                </a:solidFill>
+              </a:rPr>
+              <a:t> </a:t>
+            </a:r>
+            <a:r>
+              <a:rPr lang="en-US" sz="3200" dirty="0" err="1">
+                <a:solidFill>
+                  <a:srgbClr val="FFFFFF"/>
+                </a:solidFill>
+              </a:rPr>
+              <a:t>condicional</a:t>
+            </a:r>
+            <a:br>
+              <a:rPr lang="en-US" sz="3200" dirty="0">
+                <a:solidFill>
+                  <a:srgbClr val="FFFFFF"/>
+                </a:solidFill>
+              </a:rPr>
+            </a:br>
+            <a:endParaRPr lang="en-US" sz="3200" kern="1200" dirty="0">
+              <a:solidFill>
+                <a:srgbClr val="FFFFFF"/>
+              </a:solidFill>
+              <a:latin typeface="+mj-lt"/>
+              <a:ea typeface="+mj-ea"/>
+              <a:cs typeface="+mj-cs"/>
+            </a:endParaRPr>
+          </a:p>
+        </p:txBody>
+      </p:sp>
+      <p:pic>
+        <p:nvPicPr>
+          <p:cNvPr id="4" name="Picture 3" descr="A screenshot of a cell phone&#10;&#10;Description automatically generated">
+            <a:extLst>
+              <a:ext uri="{FF2B5EF4-FFF2-40B4-BE49-F238E27FC236}">
+                <a16:creationId xmlns:a16="http://schemas.microsoft.com/office/drawing/2014/main" id="{0B4EF6DA-8086-D345-B82D-42E5EB11DF53}"/>
+              </a:ext>
+            </a:extLst>
+          </p:cNvPr>
+          <p:cNvPicPr>
+            <a:picLocks noChangeAspect="1"/>
+          </p:cNvPicPr>
+          <p:nvPr/>
+        </p:nvPicPr>
+        <p:blipFill>
+          <a:blip r:embed="rId3"/>
+          <a:stretch>
+            <a:fillRect/>
+          </a:stretch>
+        </p:blipFill>
+        <p:spPr>
+          <a:xfrm>
+            <a:off x="4397948" y="1066800"/>
+            <a:ext cx="6604000" cy="4724400"/>
+          </a:xfrm>
+          <a:prstGeom prst="rect">
+            <a:avLst/>
+          </a:prstGeom>
+        </p:spPr>
+      </p:pic>
+    </p:spTree>
+    <p:extLst>
+      <p:ext uri="{BB962C8B-B14F-4D97-AF65-F5344CB8AC3E}">
+        <p14:creationId xmlns:p14="http://schemas.microsoft.com/office/powerpoint/2010/main" val="341987682"/>
+      </p:ext>
+    </p:extLst>
+  </p:cSld>
+  <p:clrMapOvr>
+    <a:masterClrMapping/>
+  </p:clrMapOvr>
+</p:sld>
+</file>
+
+<file path=ppt/slides/slide62.xml><?xml version="1.0" encoding="utf-8"?>
+<p:sld xmlns:a="http://schemas.openxmlformats.org/drawingml/2006/main" xmlns:r="http://schemas.openxmlformats.org/officeDocument/2006/relationships" xmlns:p="http://schemas.openxmlformats.org/presentationml/2006/main">
+  <p:cSld>
+    <p:bg>
+      <p:bgPr>
+        <a:solidFill>
+          <a:schemeClr val="bg1"/>
+        </a:solidFill>
+        <a:effectLst/>
+      </p:bgPr>
+    </p:bg>
+    <p:spTree>
+      <p:nvGrpSpPr>
+        <p:cNvPr id="1" name=""/>
+        <p:cNvGrpSpPr/>
+        <p:nvPr/>
+      </p:nvGrpSpPr>
+      <p:grpSpPr>
+        <a:xfrm>
+          <a:off x="0" y="0"/>
+          <a:ext cx="0" cy="0"/>
+          <a:chOff x="0" y="0"/>
+          <a:chExt cx="0" cy="0"/>
+        </a:xfrm>
+      </p:grpSpPr>
+      <p:sp>
+        <p:nvSpPr>
+          <p:cNvPr id="11" name="Flowchart: Document 10">
+            <a:extLst>
+              <a:ext uri="{FF2B5EF4-FFF2-40B4-BE49-F238E27FC236}">
+                <a16:creationId xmlns:a16="http://schemas.microsoft.com/office/drawing/2014/main" id="{D12DDE76-C203-4047-9998-63900085B5E8}"/>
+              </a:ext>
+              <a:ext uri="{C183D7F6-B498-43B3-948B-1728B52AA6E4}">
+                <adec:decorative xmlns:adec="http://schemas.microsoft.com/office/drawing/2017/decorative" val="1"/>
+              </a:ext>
+            </a:extLst>
+          </p:cNvPr>
+          <p:cNvSpPr>
+            <a:spLocks noGrp="1" noRot="1" noChangeAspect="1" noMove="1" noResize="1" noEditPoints="1" noAdjustHandles="1" noChangeArrowheads="1" noChangeShapeType="1" noTextEdit="1"/>
+          </p:cNvSpPr>
+          <p:nvPr>
+            <p:extLst>
+              <p:ext uri="{386F3935-93C4-4BCD-93E2-E3B085C9AB24}">
+                <p16:designElem xmlns:p16="http://schemas.microsoft.com/office/powerpoint/2015/main" val="1"/>
+              </p:ext>
+            </p:extLst>
+          </p:nvPr>
+        </p:nvSpPr>
+        <p:spPr>
+          <a:xfrm>
+            <a:off x="638175" y="0"/>
+            <a:ext cx="3248025" cy="3400426"/>
+          </a:xfrm>
+          <a:prstGeom prst="flowChartDocument">
+            <a:avLst/>
+          </a:prstGeom>
+          <a:solidFill>
+            <a:schemeClr val="accent1"/>
+          </a:solidFill>
+          <a:ln>
+            <a:noFill/>
+          </a:ln>
+        </p:spPr>
+        <p:style>
+          <a:lnRef idx="2">
+            <a:schemeClr val="accent1">
+              <a:shade val="50000"/>
+            </a:schemeClr>
+          </a:lnRef>
+          <a:fillRef idx="1">
+            <a:schemeClr val="accent1"/>
+          </a:fillRef>
+          <a:effectRef idx="0">
+            <a:schemeClr val="accent1"/>
+          </a:effectRef>
+          <a:fontRef idx="minor">
+            <a:schemeClr val="lt1"/>
+          </a:fontRef>
+        </p:style>
+        <p:txBody>
+          <a:bodyPr rtlCol="0" anchor="ctr"/>
+          <a:lstStyle/>
+          <a:p>
+            <a:pPr algn="ctr"/>
+            <a:endParaRPr lang="en-US"/>
+          </a:p>
+        </p:txBody>
+      </p:sp>
+      <p:sp>
+        <p:nvSpPr>
+          <p:cNvPr id="2" name="Title 1">
+            <a:extLst>
+              <a:ext uri="{FF2B5EF4-FFF2-40B4-BE49-F238E27FC236}">
+                <a16:creationId xmlns:a16="http://schemas.microsoft.com/office/drawing/2014/main" id="{9D045432-EED2-8148-BA86-3132BFE644EB}"/>
+              </a:ext>
+            </a:extLst>
+          </p:cNvPr>
+          <p:cNvSpPr>
+            <a:spLocks noGrp="1"/>
+          </p:cNvSpPr>
+          <p:nvPr>
+            <p:ph type="title"/>
+          </p:nvPr>
+        </p:nvSpPr>
+        <p:spPr>
+          <a:xfrm>
+            <a:off x="838200" y="171162"/>
+            <a:ext cx="2840182" cy="3229264"/>
+          </a:xfrm>
+        </p:spPr>
+        <p:txBody>
+          <a:bodyPr vert="horz" lIns="91440" tIns="45720" rIns="91440" bIns="45720" rtlCol="0" anchor="ctr">
+            <a:noAutofit/>
+          </a:bodyPr>
+          <a:lstStyle/>
+          <a:p>
+            <a:r>
+              <a:rPr lang="en-US" sz="3200" dirty="0">
+                <a:solidFill>
+                  <a:srgbClr val="FFFFFF"/>
+                </a:solidFill>
+              </a:rPr>
+              <a:t>El </a:t>
+            </a:r>
+            <a:r>
+              <a:rPr lang="en-US" sz="3200" dirty="0" err="1">
+                <a:solidFill>
+                  <a:srgbClr val="FFFFFF"/>
+                </a:solidFill>
+              </a:rPr>
+              <a:t>operador</a:t>
+            </a:r>
+            <a:r>
+              <a:rPr lang="en-US" sz="3200" dirty="0">
+                <a:solidFill>
+                  <a:srgbClr val="FFFFFF"/>
+                </a:solidFill>
+              </a:rPr>
+              <a:t> </a:t>
+            </a:r>
+            <a:r>
+              <a:rPr lang="en-US" sz="3200" dirty="0" err="1">
+                <a:solidFill>
+                  <a:srgbClr val="FFFFFF"/>
+                </a:solidFill>
+              </a:rPr>
+              <a:t>condicional</a:t>
+            </a:r>
+            <a:br>
+              <a:rPr lang="en-US" sz="3200" dirty="0">
+                <a:solidFill>
+                  <a:srgbClr val="FFFFFF"/>
+                </a:solidFill>
+              </a:rPr>
+            </a:br>
+            <a:r>
+              <a:rPr lang="en-US" sz="3200" dirty="0">
+                <a:solidFill>
+                  <a:srgbClr val="FFFFFF"/>
+                </a:solidFill>
+              </a:rPr>
+              <a:t>? :</a:t>
+            </a:r>
+            <a:endParaRPr lang="en-US" sz="3200" kern="1200" dirty="0">
+              <a:solidFill>
+                <a:srgbClr val="FFFFFF"/>
+              </a:solidFill>
+              <a:latin typeface="+mj-lt"/>
+              <a:ea typeface="+mj-ea"/>
+              <a:cs typeface="+mj-cs"/>
+            </a:endParaRPr>
+          </a:p>
+        </p:txBody>
+      </p:sp>
+      <p:pic>
+        <p:nvPicPr>
+          <p:cNvPr id="5" name="Picture 4" descr="A screenshot of a cell phone&#10;&#10;Description automatically generated">
+            <a:extLst>
+              <a:ext uri="{FF2B5EF4-FFF2-40B4-BE49-F238E27FC236}">
+                <a16:creationId xmlns:a16="http://schemas.microsoft.com/office/drawing/2014/main" id="{F5888CDF-010E-934B-96A3-1489EC62B85B}"/>
+              </a:ext>
+            </a:extLst>
+          </p:cNvPr>
+          <p:cNvPicPr>
+            <a:picLocks noChangeAspect="1"/>
+          </p:cNvPicPr>
+          <p:nvPr/>
+        </p:nvPicPr>
+        <p:blipFill>
+          <a:blip r:embed="rId3"/>
+          <a:stretch>
+            <a:fillRect/>
+          </a:stretch>
+        </p:blipFill>
+        <p:spPr>
+          <a:xfrm>
+            <a:off x="4262853" y="1066800"/>
+            <a:ext cx="7467600" cy="4724400"/>
+          </a:xfrm>
+          <a:prstGeom prst="rect">
+            <a:avLst/>
+          </a:prstGeom>
+        </p:spPr>
+      </p:pic>
+    </p:spTree>
+    <p:extLst>
+      <p:ext uri="{BB962C8B-B14F-4D97-AF65-F5344CB8AC3E}">
+        <p14:creationId xmlns:p14="http://schemas.microsoft.com/office/powerpoint/2010/main" val="4043537055"/>
+      </p:ext>
+    </p:extLst>
+  </p:cSld>
+  <p:clrMapOvr>
+    <a:masterClrMapping/>
+  </p:clrMapOvr>
+</p:sld>
+</file>
+
+<file path=ppt/slides/slide63.xml><?xml version="1.0" encoding="utf-8"?>
+<p:sld xmlns:a="http://schemas.openxmlformats.org/drawingml/2006/main" xmlns:r="http://schemas.openxmlformats.org/officeDocument/2006/relationships" xmlns:p="http://schemas.openxmlformats.org/presentationml/2006/main">
+  <p:cSld>
+    <p:bg>
+      <p:bgPr>
+        <a:solidFill>
+          <a:schemeClr val="bg1"/>
+        </a:solidFill>
+        <a:effectLst/>
+      </p:bgPr>
+    </p:bg>
+    <p:spTree>
+      <p:nvGrpSpPr>
+        <p:cNvPr id="1" name=""/>
+        <p:cNvGrpSpPr/>
+        <p:nvPr/>
+      </p:nvGrpSpPr>
+      <p:grpSpPr>
+        <a:xfrm>
+          <a:off x="0" y="0"/>
+          <a:ext cx="0" cy="0"/>
+          <a:chOff x="0" y="0"/>
+          <a:chExt cx="0" cy="0"/>
+        </a:xfrm>
+      </p:grpSpPr>
+      <p:sp>
+        <p:nvSpPr>
+          <p:cNvPr id="11" name="Flowchart: Document 10">
+            <a:extLst>
+              <a:ext uri="{FF2B5EF4-FFF2-40B4-BE49-F238E27FC236}">
+                <a16:creationId xmlns:a16="http://schemas.microsoft.com/office/drawing/2014/main" id="{D12DDE76-C203-4047-9998-63900085B5E8}"/>
+              </a:ext>
+              <a:ext uri="{C183D7F6-B498-43B3-948B-1728B52AA6E4}">
+                <adec:decorative xmlns:adec="http://schemas.microsoft.com/office/drawing/2017/decorative" val="1"/>
+              </a:ext>
+            </a:extLst>
+          </p:cNvPr>
+          <p:cNvSpPr>
+            <a:spLocks noGrp="1" noRot="1" noChangeAspect="1" noMove="1" noResize="1" noEditPoints="1" noAdjustHandles="1" noChangeArrowheads="1" noChangeShapeType="1" noTextEdit="1"/>
+          </p:cNvSpPr>
+          <p:nvPr>
+            <p:extLst>
+              <p:ext uri="{386F3935-93C4-4BCD-93E2-E3B085C9AB24}">
+                <p16:designElem xmlns:p16="http://schemas.microsoft.com/office/powerpoint/2015/main" val="1"/>
+              </p:ext>
+            </p:extLst>
+          </p:nvPr>
+        </p:nvSpPr>
+        <p:spPr>
+          <a:xfrm>
+            <a:off x="638175" y="0"/>
+            <a:ext cx="3248025" cy="3400426"/>
+          </a:xfrm>
+          <a:prstGeom prst="flowChartDocument">
+            <a:avLst/>
+          </a:prstGeom>
+          <a:solidFill>
+            <a:schemeClr val="accent1"/>
+          </a:solidFill>
+          <a:ln>
+            <a:noFill/>
+          </a:ln>
+        </p:spPr>
+        <p:style>
+          <a:lnRef idx="2">
+            <a:schemeClr val="accent1">
+              <a:shade val="50000"/>
+            </a:schemeClr>
+          </a:lnRef>
+          <a:fillRef idx="1">
+            <a:schemeClr val="accent1"/>
+          </a:fillRef>
+          <a:effectRef idx="0">
+            <a:schemeClr val="accent1"/>
+          </a:effectRef>
+          <a:fontRef idx="minor">
+            <a:schemeClr val="lt1"/>
+          </a:fontRef>
+        </p:style>
+        <p:txBody>
+          <a:bodyPr rtlCol="0" anchor="ctr"/>
+          <a:lstStyle/>
+          <a:p>
+            <a:pPr algn="ctr"/>
+            <a:endParaRPr lang="en-US"/>
+          </a:p>
+        </p:txBody>
+      </p:sp>
+      <p:sp>
+        <p:nvSpPr>
+          <p:cNvPr id="2" name="Title 1">
+            <a:extLst>
+              <a:ext uri="{FF2B5EF4-FFF2-40B4-BE49-F238E27FC236}">
+                <a16:creationId xmlns:a16="http://schemas.microsoft.com/office/drawing/2014/main" id="{9D045432-EED2-8148-BA86-3132BFE644EB}"/>
+              </a:ext>
+            </a:extLst>
+          </p:cNvPr>
+          <p:cNvSpPr>
+            <a:spLocks noGrp="1"/>
+          </p:cNvSpPr>
+          <p:nvPr>
+            <p:ph type="title"/>
+          </p:nvPr>
+        </p:nvSpPr>
+        <p:spPr>
+          <a:xfrm>
+            <a:off x="838200" y="171162"/>
+            <a:ext cx="2840182" cy="3229264"/>
+          </a:xfrm>
+        </p:spPr>
+        <p:txBody>
+          <a:bodyPr vert="horz" lIns="91440" tIns="45720" rIns="91440" bIns="45720" rtlCol="0" anchor="ctr">
+            <a:noAutofit/>
+          </a:bodyPr>
+          <a:lstStyle/>
+          <a:p>
+            <a:r>
+              <a:rPr lang="en-US" sz="3200" dirty="0">
+                <a:solidFill>
+                  <a:srgbClr val="FFFFFF"/>
+                </a:solidFill>
+              </a:rPr>
+              <a:t>switch</a:t>
+            </a:r>
+            <a:endParaRPr lang="en-US" sz="3200" kern="1200" dirty="0">
+              <a:solidFill>
+                <a:srgbClr val="FFFFFF"/>
+              </a:solidFill>
+              <a:latin typeface="+mj-lt"/>
+              <a:ea typeface="+mj-ea"/>
+              <a:cs typeface="+mj-cs"/>
+            </a:endParaRPr>
+          </a:p>
+        </p:txBody>
+      </p:sp>
+      <p:pic>
+        <p:nvPicPr>
+          <p:cNvPr id="5" name="Picture 4" descr="A screenshot of a cell phone&#10;&#10;Description automatically generated">
+            <a:extLst>
+              <a:ext uri="{FF2B5EF4-FFF2-40B4-BE49-F238E27FC236}">
+                <a16:creationId xmlns:a16="http://schemas.microsoft.com/office/drawing/2014/main" id="{71FCDA53-DBB4-1F4C-99C7-B50D40D5F625}"/>
+              </a:ext>
+            </a:extLst>
+          </p:cNvPr>
+          <p:cNvPicPr>
+            <a:picLocks noChangeAspect="1"/>
+          </p:cNvPicPr>
+          <p:nvPr/>
+        </p:nvPicPr>
+        <p:blipFill>
+          <a:blip r:embed="rId3"/>
+          <a:stretch>
+            <a:fillRect/>
+          </a:stretch>
+        </p:blipFill>
+        <p:spPr>
+          <a:xfrm>
+            <a:off x="4378325" y="1089026"/>
+            <a:ext cx="7175500" cy="4622800"/>
+          </a:xfrm>
+          <a:prstGeom prst="rect">
+            <a:avLst/>
+          </a:prstGeom>
+        </p:spPr>
+      </p:pic>
+    </p:spTree>
+    <p:extLst>
+      <p:ext uri="{BB962C8B-B14F-4D97-AF65-F5344CB8AC3E}">
+        <p14:creationId xmlns:p14="http://schemas.microsoft.com/office/powerpoint/2010/main" val="2312550603"/>
+      </p:ext>
+    </p:extLst>
+  </p:cSld>
+  <p:clrMapOvr>
+    <a:masterClrMapping/>
+  </p:clrMapOvr>
+</p:sld>
+</file>
+
+<file path=ppt/slides/slide64.xml><?xml version="1.0" encoding="utf-8"?>
+<p:sld xmlns:a="http://schemas.openxmlformats.org/drawingml/2006/main" xmlns:r="http://schemas.openxmlformats.org/officeDocument/2006/relationships" xmlns:p="http://schemas.openxmlformats.org/presentationml/2006/main">
+  <p:cSld>
+    <p:bg>
+      <p:bgPr>
+        <a:solidFill>
+          <a:schemeClr val="bg1"/>
+        </a:solidFill>
+        <a:effectLst/>
+      </p:bgPr>
+    </p:bg>
+    <p:spTree>
+      <p:nvGrpSpPr>
+        <p:cNvPr id="1" name=""/>
+        <p:cNvGrpSpPr/>
+        <p:nvPr/>
+      </p:nvGrpSpPr>
+      <p:grpSpPr>
+        <a:xfrm>
+          <a:off x="0" y="0"/>
+          <a:ext cx="0" cy="0"/>
+          <a:chOff x="0" y="0"/>
+          <a:chExt cx="0" cy="0"/>
+        </a:xfrm>
+      </p:grpSpPr>
+      <p:sp>
+        <p:nvSpPr>
+          <p:cNvPr id="11" name="Flowchart: Document 10">
+            <a:extLst>
+              <a:ext uri="{FF2B5EF4-FFF2-40B4-BE49-F238E27FC236}">
+                <a16:creationId xmlns:a16="http://schemas.microsoft.com/office/drawing/2014/main" id="{D12DDE76-C203-4047-9998-63900085B5E8}"/>
+              </a:ext>
+              <a:ext uri="{C183D7F6-B498-43B3-948B-1728B52AA6E4}">
+                <adec:decorative xmlns:adec="http://schemas.microsoft.com/office/drawing/2017/decorative" val="1"/>
+              </a:ext>
+            </a:extLst>
+          </p:cNvPr>
+          <p:cNvSpPr>
+            <a:spLocks noGrp="1" noRot="1" noChangeAspect="1" noMove="1" noResize="1" noEditPoints="1" noAdjustHandles="1" noChangeArrowheads="1" noChangeShapeType="1" noTextEdit="1"/>
+          </p:cNvSpPr>
+          <p:nvPr>
+            <p:extLst>
+              <p:ext uri="{386F3935-93C4-4BCD-93E2-E3B085C9AB24}">
+                <p16:designElem xmlns:p16="http://schemas.microsoft.com/office/powerpoint/2015/main" val="1"/>
+              </p:ext>
+            </p:extLst>
+          </p:nvPr>
+        </p:nvSpPr>
+        <p:spPr>
+          <a:xfrm>
+            <a:off x="638175" y="0"/>
+            <a:ext cx="3248025" cy="3400426"/>
+          </a:xfrm>
+          <a:prstGeom prst="flowChartDocument">
+            <a:avLst/>
+          </a:prstGeom>
+          <a:solidFill>
+            <a:schemeClr val="accent1"/>
+          </a:solidFill>
+          <a:ln>
+            <a:noFill/>
+          </a:ln>
+        </p:spPr>
+        <p:style>
+          <a:lnRef idx="2">
+            <a:schemeClr val="accent1">
+              <a:shade val="50000"/>
+            </a:schemeClr>
+          </a:lnRef>
+          <a:fillRef idx="1">
+            <a:schemeClr val="accent1"/>
+          </a:fillRef>
+          <a:effectRef idx="0">
+            <a:schemeClr val="accent1"/>
+          </a:effectRef>
+          <a:fontRef idx="minor">
+            <a:schemeClr val="lt1"/>
+          </a:fontRef>
+        </p:style>
+        <p:txBody>
+          <a:bodyPr rtlCol="0" anchor="ctr"/>
+          <a:lstStyle/>
+          <a:p>
+            <a:pPr algn="ctr"/>
+            <a:endParaRPr lang="en-US"/>
+          </a:p>
+        </p:txBody>
+      </p:sp>
+      <p:sp>
+        <p:nvSpPr>
+          <p:cNvPr id="2" name="Title 1">
+            <a:extLst>
+              <a:ext uri="{FF2B5EF4-FFF2-40B4-BE49-F238E27FC236}">
+                <a16:creationId xmlns:a16="http://schemas.microsoft.com/office/drawing/2014/main" id="{9D045432-EED2-8148-BA86-3132BFE644EB}"/>
+              </a:ext>
+            </a:extLst>
+          </p:cNvPr>
+          <p:cNvSpPr>
+            <a:spLocks noGrp="1"/>
+          </p:cNvSpPr>
+          <p:nvPr>
+            <p:ph type="title"/>
+          </p:nvPr>
+        </p:nvSpPr>
+        <p:spPr>
+          <a:xfrm>
+            <a:off x="838200" y="171162"/>
+            <a:ext cx="2840182" cy="3229264"/>
+          </a:xfrm>
+        </p:spPr>
+        <p:txBody>
+          <a:bodyPr vert="horz" lIns="91440" tIns="45720" rIns="91440" bIns="45720" rtlCol="0" anchor="ctr">
+            <a:noAutofit/>
+          </a:bodyPr>
+          <a:lstStyle/>
+          <a:p>
+            <a:r>
+              <a:rPr lang="en-US" sz="3200" dirty="0">
+                <a:solidFill>
+                  <a:srgbClr val="FFFFFF"/>
+                </a:solidFill>
+              </a:rPr>
+              <a:t>Las </a:t>
+            </a:r>
+            <a:r>
+              <a:rPr lang="en-US" sz="3200" dirty="0" err="1">
+                <a:solidFill>
+                  <a:srgbClr val="FFFFFF"/>
+                </a:solidFill>
+              </a:rPr>
+              <a:t>construcciones</a:t>
+            </a:r>
+            <a:r>
+              <a:rPr lang="en-US" sz="3200" dirty="0">
+                <a:solidFill>
+                  <a:srgbClr val="FFFFFF"/>
+                </a:solidFill>
+              </a:rPr>
+              <a:t> de </a:t>
+            </a:r>
+            <a:r>
+              <a:rPr lang="en-US" sz="3200" dirty="0" err="1">
+                <a:solidFill>
+                  <a:srgbClr val="FFFFFF"/>
+                </a:solidFill>
+              </a:rPr>
+              <a:t>iteración</a:t>
+            </a:r>
+            <a:r>
+              <a:rPr lang="en-US" sz="3200" dirty="0">
+                <a:solidFill>
+                  <a:srgbClr val="FFFFFF"/>
+                </a:solidFill>
+              </a:rPr>
+              <a:t> o loops</a:t>
+            </a:r>
+            <a:endParaRPr lang="en-US" sz="3200" kern="1200" dirty="0">
+              <a:solidFill>
+                <a:srgbClr val="FFFFFF"/>
+              </a:solidFill>
+              <a:latin typeface="+mj-lt"/>
+              <a:ea typeface="+mj-ea"/>
+              <a:cs typeface="+mj-cs"/>
+            </a:endParaRPr>
+          </a:p>
+        </p:txBody>
+      </p:sp>
+      <p:sp>
+        <p:nvSpPr>
+          <p:cNvPr id="6" name="TextBox 5">
+            <a:extLst>
+              <a:ext uri="{FF2B5EF4-FFF2-40B4-BE49-F238E27FC236}">
+                <a16:creationId xmlns:a16="http://schemas.microsoft.com/office/drawing/2014/main" id="{B787FDE0-D221-5344-AE76-795D3CD93923}"/>
+              </a:ext>
+            </a:extLst>
+          </p:cNvPr>
+          <p:cNvSpPr txBox="1"/>
+          <p:nvPr/>
+        </p:nvSpPr>
+        <p:spPr>
+          <a:xfrm>
+            <a:off x="5637553" y="1700213"/>
+            <a:ext cx="3627620" cy="3046988"/>
+          </a:xfrm>
+          <a:prstGeom prst="rect">
+            <a:avLst/>
+          </a:prstGeom>
+          <a:noFill/>
+        </p:spPr>
+        <p:txBody>
+          <a:bodyPr wrap="square" rtlCol="0">
+            <a:spAutoFit/>
+          </a:bodyPr>
+          <a:lstStyle/>
+          <a:p>
+            <a:pPr marL="285750" indent="-285750">
+              <a:buFont typeface="Arial" panose="020B0604020202020204" pitchFamily="34" charset="0"/>
+              <a:buChar char="•"/>
+            </a:pPr>
+            <a:r>
+              <a:rPr lang="en-US" sz="4800" dirty="0"/>
+              <a:t> for</a:t>
+            </a:r>
+          </a:p>
+          <a:p>
+            <a:pPr marL="285750" indent="-285750">
+              <a:buFont typeface="Arial" panose="020B0604020202020204" pitchFamily="34" charset="0"/>
+              <a:buChar char="•"/>
+            </a:pPr>
+            <a:r>
+              <a:rPr lang="en-US" sz="4800" dirty="0"/>
+              <a:t> foreach</a:t>
+            </a:r>
+          </a:p>
+          <a:p>
+            <a:pPr marL="285750" indent="-285750">
+              <a:buFont typeface="Arial" panose="020B0604020202020204" pitchFamily="34" charset="0"/>
+              <a:buChar char="•"/>
+            </a:pPr>
+            <a:r>
+              <a:rPr lang="en-US" sz="4800" dirty="0"/>
+              <a:t> while</a:t>
+            </a:r>
+          </a:p>
+          <a:p>
+            <a:pPr marL="285750" indent="-285750">
+              <a:buFont typeface="Arial" panose="020B0604020202020204" pitchFamily="34" charset="0"/>
+              <a:buChar char="•"/>
+            </a:pPr>
+            <a:r>
+              <a:rPr lang="en-US" sz="4800" dirty="0"/>
+              <a:t> do while</a:t>
+            </a:r>
+          </a:p>
+        </p:txBody>
+      </p:sp>
+    </p:spTree>
+    <p:extLst>
+      <p:ext uri="{BB962C8B-B14F-4D97-AF65-F5344CB8AC3E}">
+        <p14:creationId xmlns:p14="http://schemas.microsoft.com/office/powerpoint/2010/main" val="1589950708"/>
       </p:ext>
     </p:extLst>
   </p:cSld>

--- a/Curso201.pptx
+++ b/Curso201.pptx
@@ -5,7 +5,7 @@
     <p:sldMasterId id="2147483648" r:id="rId1"/>
   </p:sldMasterIdLst>
   <p:notesMasterIdLst>
-    <p:notesMasterId r:id="rId66"/>
+    <p:notesMasterId r:id="rId72"/>
   </p:notesMasterIdLst>
   <p:sldIdLst>
     <p:sldId id="256" r:id="rId2"/>
@@ -71,7 +71,13 @@
     <p:sldId id="323" r:id="rId62"/>
     <p:sldId id="322" r:id="rId63"/>
     <p:sldId id="319" r:id="rId64"/>
-    <p:sldId id="313" r:id="rId65"/>
+    <p:sldId id="324" r:id="rId65"/>
+    <p:sldId id="325" r:id="rId66"/>
+    <p:sldId id="326" r:id="rId67"/>
+    <p:sldId id="327" r:id="rId68"/>
+    <p:sldId id="313" r:id="rId69"/>
+    <p:sldId id="328" r:id="rId70"/>
+    <p:sldId id="329" r:id="rId71"/>
   </p:sldIdLst>
   <p:sldSz cx="12192000" cy="6858000"/>
   <p:notesSz cx="6858000" cy="9144000"/>
@@ -260,7 +266,7 @@
           <a:p>
             <a:fld id="{4282A413-D2B7-6541-8037-CC8699C3C638}" type="datetimeFigureOut">
               <a:rPr lang="en-US" smtClean="0"/>
-              <a:t>3/20/19</a:t>
+              <a:t>3/21/19</a:t>
             </a:fld>
             <a:endParaRPr lang="en-US"/>
           </a:p>
@@ -2701,7 +2707,511 @@
     </p:spTree>
     <p:extLst>
       <p:ext uri="{BB962C8B-B14F-4D97-AF65-F5344CB8AC3E}">
+        <p14:creationId xmlns:p14="http://schemas.microsoft.com/office/powerpoint/2010/main" val="3843101632"/>
+      </p:ext>
+    </p:extLst>
+  </p:cSld>
+  <p:clrMapOvr>
+    <a:masterClrMapping/>
+  </p:clrMapOvr>
+</p:notes>
+</file>
+
+<file path=ppt/notesSlides/notesSlide33.xml><?xml version="1.0" encoding="utf-8"?>
+<p:notes xmlns:a="http://schemas.openxmlformats.org/drawingml/2006/main" xmlns:r="http://schemas.openxmlformats.org/officeDocument/2006/relationships" xmlns:p="http://schemas.openxmlformats.org/presentationml/2006/main">
+  <p:cSld>
+    <p:spTree>
+      <p:nvGrpSpPr>
+        <p:cNvPr id="1" name=""/>
+        <p:cNvGrpSpPr/>
+        <p:nvPr/>
+      </p:nvGrpSpPr>
+      <p:grpSpPr>
+        <a:xfrm>
+          <a:off x="0" y="0"/>
+          <a:ext cx="0" cy="0"/>
+          <a:chOff x="0" y="0"/>
+          <a:chExt cx="0" cy="0"/>
+        </a:xfrm>
+      </p:grpSpPr>
+      <p:sp>
+        <p:nvSpPr>
+          <p:cNvPr id="2" name="Slide Image Placeholder 1"/>
+          <p:cNvSpPr>
+            <a:spLocks noGrp="1" noRot="1" noChangeAspect="1"/>
+          </p:cNvSpPr>
+          <p:nvPr>
+            <p:ph type="sldImg"/>
+          </p:nvPr>
+        </p:nvSpPr>
+        <p:spPr/>
+      </p:sp>
+      <p:sp>
+        <p:nvSpPr>
+          <p:cNvPr id="3" name="Notes Placeholder 2"/>
+          <p:cNvSpPr>
+            <a:spLocks noGrp="1"/>
+          </p:cNvSpPr>
+          <p:nvPr>
+            <p:ph type="body" idx="1"/>
+          </p:nvPr>
+        </p:nvSpPr>
+        <p:spPr/>
+        <p:txBody>
+          <a:bodyPr/>
+          <a:lstStyle/>
+          <a:p>
+            <a:endParaRPr lang="en-US" dirty="0"/>
+          </a:p>
+        </p:txBody>
+      </p:sp>
+      <p:sp>
+        <p:nvSpPr>
+          <p:cNvPr id="4" name="Slide Number Placeholder 3"/>
+          <p:cNvSpPr>
+            <a:spLocks noGrp="1"/>
+          </p:cNvSpPr>
+          <p:nvPr>
+            <p:ph type="sldNum" sz="quarter" idx="5"/>
+          </p:nvPr>
+        </p:nvSpPr>
+        <p:spPr/>
+        <p:txBody>
+          <a:bodyPr/>
+          <a:lstStyle/>
+          <a:p>
+            <a:fld id="{3BE7DE0F-4338-D345-B6F5-61C48058FBBB}" type="slidenum">
+              <a:rPr lang="en-US" smtClean="0"/>
+              <a:t>65</a:t>
+            </a:fld>
+            <a:endParaRPr lang="en-US"/>
+          </a:p>
+        </p:txBody>
+      </p:sp>
+    </p:spTree>
+    <p:extLst>
+      <p:ext uri="{BB962C8B-B14F-4D97-AF65-F5344CB8AC3E}">
+        <p14:creationId xmlns:p14="http://schemas.microsoft.com/office/powerpoint/2010/main" val="1912274951"/>
+      </p:ext>
+    </p:extLst>
+  </p:cSld>
+  <p:clrMapOvr>
+    <a:masterClrMapping/>
+  </p:clrMapOvr>
+</p:notes>
+</file>
+
+<file path=ppt/notesSlides/notesSlide34.xml><?xml version="1.0" encoding="utf-8"?>
+<p:notes xmlns:a="http://schemas.openxmlformats.org/drawingml/2006/main" xmlns:r="http://schemas.openxmlformats.org/officeDocument/2006/relationships" xmlns:p="http://schemas.openxmlformats.org/presentationml/2006/main">
+  <p:cSld>
+    <p:spTree>
+      <p:nvGrpSpPr>
+        <p:cNvPr id="1" name=""/>
+        <p:cNvGrpSpPr/>
+        <p:nvPr/>
+      </p:nvGrpSpPr>
+      <p:grpSpPr>
+        <a:xfrm>
+          <a:off x="0" y="0"/>
+          <a:ext cx="0" cy="0"/>
+          <a:chOff x="0" y="0"/>
+          <a:chExt cx="0" cy="0"/>
+        </a:xfrm>
+      </p:grpSpPr>
+      <p:sp>
+        <p:nvSpPr>
+          <p:cNvPr id="2" name="Slide Image Placeholder 1"/>
+          <p:cNvSpPr>
+            <a:spLocks noGrp="1" noRot="1" noChangeAspect="1"/>
+          </p:cNvSpPr>
+          <p:nvPr>
+            <p:ph type="sldImg"/>
+          </p:nvPr>
+        </p:nvSpPr>
+        <p:spPr/>
+      </p:sp>
+      <p:sp>
+        <p:nvSpPr>
+          <p:cNvPr id="3" name="Notes Placeholder 2"/>
+          <p:cNvSpPr>
+            <a:spLocks noGrp="1"/>
+          </p:cNvSpPr>
+          <p:nvPr>
+            <p:ph type="body" idx="1"/>
+          </p:nvPr>
+        </p:nvSpPr>
+        <p:spPr/>
+        <p:txBody>
+          <a:bodyPr/>
+          <a:lstStyle/>
+          <a:p>
+            <a:endParaRPr lang="en-US" dirty="0"/>
+          </a:p>
+        </p:txBody>
+      </p:sp>
+      <p:sp>
+        <p:nvSpPr>
+          <p:cNvPr id="4" name="Slide Number Placeholder 3"/>
+          <p:cNvSpPr>
+            <a:spLocks noGrp="1"/>
+          </p:cNvSpPr>
+          <p:nvPr>
+            <p:ph type="sldNum" sz="quarter" idx="5"/>
+          </p:nvPr>
+        </p:nvSpPr>
+        <p:spPr/>
+        <p:txBody>
+          <a:bodyPr/>
+          <a:lstStyle/>
+          <a:p>
+            <a:fld id="{3BE7DE0F-4338-D345-B6F5-61C48058FBBB}" type="slidenum">
+              <a:rPr lang="en-US" smtClean="0"/>
+              <a:t>66</a:t>
+            </a:fld>
+            <a:endParaRPr lang="en-US"/>
+          </a:p>
+        </p:txBody>
+      </p:sp>
+    </p:spTree>
+    <p:extLst>
+      <p:ext uri="{BB962C8B-B14F-4D97-AF65-F5344CB8AC3E}">
+        <p14:creationId xmlns:p14="http://schemas.microsoft.com/office/powerpoint/2010/main" val="1915657362"/>
+      </p:ext>
+    </p:extLst>
+  </p:cSld>
+  <p:clrMapOvr>
+    <a:masterClrMapping/>
+  </p:clrMapOvr>
+</p:notes>
+</file>
+
+<file path=ppt/notesSlides/notesSlide35.xml><?xml version="1.0" encoding="utf-8"?>
+<p:notes xmlns:a="http://schemas.openxmlformats.org/drawingml/2006/main" xmlns:r="http://schemas.openxmlformats.org/officeDocument/2006/relationships" xmlns:p="http://schemas.openxmlformats.org/presentationml/2006/main">
+  <p:cSld>
+    <p:spTree>
+      <p:nvGrpSpPr>
+        <p:cNvPr id="1" name=""/>
+        <p:cNvGrpSpPr/>
+        <p:nvPr/>
+      </p:nvGrpSpPr>
+      <p:grpSpPr>
+        <a:xfrm>
+          <a:off x="0" y="0"/>
+          <a:ext cx="0" cy="0"/>
+          <a:chOff x="0" y="0"/>
+          <a:chExt cx="0" cy="0"/>
+        </a:xfrm>
+      </p:grpSpPr>
+      <p:sp>
+        <p:nvSpPr>
+          <p:cNvPr id="2" name="Slide Image Placeholder 1"/>
+          <p:cNvSpPr>
+            <a:spLocks noGrp="1" noRot="1" noChangeAspect="1"/>
+          </p:cNvSpPr>
+          <p:nvPr>
+            <p:ph type="sldImg"/>
+          </p:nvPr>
+        </p:nvSpPr>
+        <p:spPr/>
+      </p:sp>
+      <p:sp>
+        <p:nvSpPr>
+          <p:cNvPr id="3" name="Notes Placeholder 2"/>
+          <p:cNvSpPr>
+            <a:spLocks noGrp="1"/>
+          </p:cNvSpPr>
+          <p:nvPr>
+            <p:ph type="body" idx="1"/>
+          </p:nvPr>
+        </p:nvSpPr>
+        <p:spPr/>
+        <p:txBody>
+          <a:bodyPr/>
+          <a:lstStyle/>
+          <a:p>
+            <a:endParaRPr lang="en-US" dirty="0"/>
+          </a:p>
+        </p:txBody>
+      </p:sp>
+      <p:sp>
+        <p:nvSpPr>
+          <p:cNvPr id="4" name="Slide Number Placeholder 3"/>
+          <p:cNvSpPr>
+            <a:spLocks noGrp="1"/>
+          </p:cNvSpPr>
+          <p:nvPr>
+            <p:ph type="sldNum" sz="quarter" idx="5"/>
+          </p:nvPr>
+        </p:nvSpPr>
+        <p:spPr/>
+        <p:txBody>
+          <a:bodyPr/>
+          <a:lstStyle/>
+          <a:p>
+            <a:fld id="{3BE7DE0F-4338-D345-B6F5-61C48058FBBB}" type="slidenum">
+              <a:rPr lang="en-US" smtClean="0"/>
+              <a:t>67</a:t>
+            </a:fld>
+            <a:endParaRPr lang="en-US"/>
+          </a:p>
+        </p:txBody>
+      </p:sp>
+    </p:spTree>
+    <p:extLst>
+      <p:ext uri="{BB962C8B-B14F-4D97-AF65-F5344CB8AC3E}">
+        <p14:creationId xmlns:p14="http://schemas.microsoft.com/office/powerpoint/2010/main" val="2182482279"/>
+      </p:ext>
+    </p:extLst>
+  </p:cSld>
+  <p:clrMapOvr>
+    <a:masterClrMapping/>
+  </p:clrMapOvr>
+</p:notes>
+</file>
+
+<file path=ppt/notesSlides/notesSlide36.xml><?xml version="1.0" encoding="utf-8"?>
+<p:notes xmlns:a="http://schemas.openxmlformats.org/drawingml/2006/main" xmlns:r="http://schemas.openxmlformats.org/officeDocument/2006/relationships" xmlns:p="http://schemas.openxmlformats.org/presentationml/2006/main">
+  <p:cSld>
+    <p:spTree>
+      <p:nvGrpSpPr>
+        <p:cNvPr id="1" name=""/>
+        <p:cNvGrpSpPr/>
+        <p:nvPr/>
+      </p:nvGrpSpPr>
+      <p:grpSpPr>
+        <a:xfrm>
+          <a:off x="0" y="0"/>
+          <a:ext cx="0" cy="0"/>
+          <a:chOff x="0" y="0"/>
+          <a:chExt cx="0" cy="0"/>
+        </a:xfrm>
+      </p:grpSpPr>
+      <p:sp>
+        <p:nvSpPr>
+          <p:cNvPr id="2" name="Slide Image Placeholder 1"/>
+          <p:cNvSpPr>
+            <a:spLocks noGrp="1" noRot="1" noChangeAspect="1"/>
+          </p:cNvSpPr>
+          <p:nvPr>
+            <p:ph type="sldImg"/>
+          </p:nvPr>
+        </p:nvSpPr>
+        <p:spPr/>
+      </p:sp>
+      <p:sp>
+        <p:nvSpPr>
+          <p:cNvPr id="3" name="Notes Placeholder 2"/>
+          <p:cNvSpPr>
+            <a:spLocks noGrp="1"/>
+          </p:cNvSpPr>
+          <p:nvPr>
+            <p:ph type="body" idx="1"/>
+          </p:nvPr>
+        </p:nvSpPr>
+        <p:spPr/>
+        <p:txBody>
+          <a:bodyPr/>
+          <a:lstStyle/>
+          <a:p>
+            <a:endParaRPr lang="en-US" dirty="0"/>
+          </a:p>
+        </p:txBody>
+      </p:sp>
+      <p:sp>
+        <p:nvSpPr>
+          <p:cNvPr id="4" name="Slide Number Placeholder 3"/>
+          <p:cNvSpPr>
+            <a:spLocks noGrp="1"/>
+          </p:cNvSpPr>
+          <p:nvPr>
+            <p:ph type="sldNum" sz="quarter" idx="5"/>
+          </p:nvPr>
+        </p:nvSpPr>
+        <p:spPr/>
+        <p:txBody>
+          <a:bodyPr/>
+          <a:lstStyle/>
+          <a:p>
+            <a:fld id="{3BE7DE0F-4338-D345-B6F5-61C48058FBBB}" type="slidenum">
+              <a:rPr lang="en-US" smtClean="0"/>
+              <a:t>68</a:t>
+            </a:fld>
+            <a:endParaRPr lang="en-US"/>
+          </a:p>
+        </p:txBody>
+      </p:sp>
+    </p:spTree>
+    <p:extLst>
+      <p:ext uri="{BB962C8B-B14F-4D97-AF65-F5344CB8AC3E}">
         <p14:creationId xmlns:p14="http://schemas.microsoft.com/office/powerpoint/2010/main" val="139684487"/>
+      </p:ext>
+    </p:extLst>
+  </p:cSld>
+  <p:clrMapOvr>
+    <a:masterClrMapping/>
+  </p:clrMapOvr>
+</p:notes>
+</file>
+
+<file path=ppt/notesSlides/notesSlide37.xml><?xml version="1.0" encoding="utf-8"?>
+<p:notes xmlns:a="http://schemas.openxmlformats.org/drawingml/2006/main" xmlns:r="http://schemas.openxmlformats.org/officeDocument/2006/relationships" xmlns:p="http://schemas.openxmlformats.org/presentationml/2006/main">
+  <p:cSld>
+    <p:spTree>
+      <p:nvGrpSpPr>
+        <p:cNvPr id="1" name=""/>
+        <p:cNvGrpSpPr/>
+        <p:nvPr/>
+      </p:nvGrpSpPr>
+      <p:grpSpPr>
+        <a:xfrm>
+          <a:off x="0" y="0"/>
+          <a:ext cx="0" cy="0"/>
+          <a:chOff x="0" y="0"/>
+          <a:chExt cx="0" cy="0"/>
+        </a:xfrm>
+      </p:grpSpPr>
+      <p:sp>
+        <p:nvSpPr>
+          <p:cNvPr id="2" name="Slide Image Placeholder 1"/>
+          <p:cNvSpPr>
+            <a:spLocks noGrp="1" noRot="1" noChangeAspect="1"/>
+          </p:cNvSpPr>
+          <p:nvPr>
+            <p:ph type="sldImg"/>
+          </p:nvPr>
+        </p:nvSpPr>
+        <p:spPr/>
+      </p:sp>
+      <p:sp>
+        <p:nvSpPr>
+          <p:cNvPr id="3" name="Notes Placeholder 2"/>
+          <p:cNvSpPr>
+            <a:spLocks noGrp="1"/>
+          </p:cNvSpPr>
+          <p:nvPr>
+            <p:ph type="body" idx="1"/>
+          </p:nvPr>
+        </p:nvSpPr>
+        <p:spPr/>
+        <p:txBody>
+          <a:bodyPr/>
+          <a:lstStyle/>
+          <a:p>
+            <a:endParaRPr lang="en-US" dirty="0"/>
+          </a:p>
+        </p:txBody>
+      </p:sp>
+      <p:sp>
+        <p:nvSpPr>
+          <p:cNvPr id="4" name="Slide Number Placeholder 3"/>
+          <p:cNvSpPr>
+            <a:spLocks noGrp="1"/>
+          </p:cNvSpPr>
+          <p:nvPr>
+            <p:ph type="sldNum" sz="quarter" idx="5"/>
+          </p:nvPr>
+        </p:nvSpPr>
+        <p:spPr/>
+        <p:txBody>
+          <a:bodyPr/>
+          <a:lstStyle/>
+          <a:p>
+            <a:fld id="{3BE7DE0F-4338-D345-B6F5-61C48058FBBB}" type="slidenum">
+              <a:rPr lang="en-US" smtClean="0"/>
+              <a:t>69</a:t>
+            </a:fld>
+            <a:endParaRPr lang="en-US"/>
+          </a:p>
+        </p:txBody>
+      </p:sp>
+    </p:spTree>
+    <p:extLst>
+      <p:ext uri="{BB962C8B-B14F-4D97-AF65-F5344CB8AC3E}">
+        <p14:creationId xmlns:p14="http://schemas.microsoft.com/office/powerpoint/2010/main" val="4121155767"/>
+      </p:ext>
+    </p:extLst>
+  </p:cSld>
+  <p:clrMapOvr>
+    <a:masterClrMapping/>
+  </p:clrMapOvr>
+</p:notes>
+</file>
+
+<file path=ppt/notesSlides/notesSlide38.xml><?xml version="1.0" encoding="utf-8"?>
+<p:notes xmlns:a="http://schemas.openxmlformats.org/drawingml/2006/main" xmlns:r="http://schemas.openxmlformats.org/officeDocument/2006/relationships" xmlns:p="http://schemas.openxmlformats.org/presentationml/2006/main">
+  <p:cSld>
+    <p:spTree>
+      <p:nvGrpSpPr>
+        <p:cNvPr id="1" name=""/>
+        <p:cNvGrpSpPr/>
+        <p:nvPr/>
+      </p:nvGrpSpPr>
+      <p:grpSpPr>
+        <a:xfrm>
+          <a:off x="0" y="0"/>
+          <a:ext cx="0" cy="0"/>
+          <a:chOff x="0" y="0"/>
+          <a:chExt cx="0" cy="0"/>
+        </a:xfrm>
+      </p:grpSpPr>
+      <p:sp>
+        <p:nvSpPr>
+          <p:cNvPr id="2" name="Slide Image Placeholder 1"/>
+          <p:cNvSpPr>
+            <a:spLocks noGrp="1" noRot="1" noChangeAspect="1"/>
+          </p:cNvSpPr>
+          <p:nvPr>
+            <p:ph type="sldImg"/>
+          </p:nvPr>
+        </p:nvSpPr>
+        <p:spPr/>
+      </p:sp>
+      <p:sp>
+        <p:nvSpPr>
+          <p:cNvPr id="3" name="Notes Placeholder 2"/>
+          <p:cNvSpPr>
+            <a:spLocks noGrp="1"/>
+          </p:cNvSpPr>
+          <p:nvPr>
+            <p:ph type="body" idx="1"/>
+          </p:nvPr>
+        </p:nvSpPr>
+        <p:spPr/>
+        <p:txBody>
+          <a:bodyPr/>
+          <a:lstStyle/>
+          <a:p>
+            <a:endParaRPr lang="en-US" dirty="0"/>
+          </a:p>
+        </p:txBody>
+      </p:sp>
+      <p:sp>
+        <p:nvSpPr>
+          <p:cNvPr id="4" name="Slide Number Placeholder 3"/>
+          <p:cNvSpPr>
+            <a:spLocks noGrp="1"/>
+          </p:cNvSpPr>
+          <p:nvPr>
+            <p:ph type="sldNum" sz="quarter" idx="5"/>
+          </p:nvPr>
+        </p:nvSpPr>
+        <p:spPr/>
+        <p:txBody>
+          <a:bodyPr/>
+          <a:lstStyle/>
+          <a:p>
+            <a:fld id="{3BE7DE0F-4338-D345-B6F5-61C48058FBBB}" type="slidenum">
+              <a:rPr lang="en-US" smtClean="0"/>
+              <a:t>70</a:t>
+            </a:fld>
+            <a:endParaRPr lang="en-US"/>
+          </a:p>
+        </p:txBody>
+      </p:sp>
+    </p:spTree>
+    <p:extLst>
+      <p:ext uri="{BB962C8B-B14F-4D97-AF65-F5344CB8AC3E}">
+        <p14:creationId xmlns:p14="http://schemas.microsoft.com/office/powerpoint/2010/main" val="1035003123"/>
       </p:ext>
     </p:extLst>
   </p:cSld>
@@ -3364,7 +3874,7 @@
           <a:p>
             <a:fld id="{E2A512E7-6AD5-7B43-AE02-D93C2E36A4B9}" type="datetimeFigureOut">
               <a:rPr lang="es-ES_tradnl" smtClean="0"/>
-              <a:t>20/3/19</a:t>
+              <a:t>21/3/19</a:t>
             </a:fld>
             <a:endParaRPr lang="es-ES_tradnl"/>
           </a:p>
@@ -3564,7 +4074,7 @@
           <a:p>
             <a:fld id="{E2A512E7-6AD5-7B43-AE02-D93C2E36A4B9}" type="datetimeFigureOut">
               <a:rPr lang="es-ES_tradnl" smtClean="0"/>
-              <a:t>20/3/19</a:t>
+              <a:t>21/3/19</a:t>
             </a:fld>
             <a:endParaRPr lang="es-ES_tradnl"/>
           </a:p>
@@ -3774,7 +4284,7 @@
           <a:p>
             <a:fld id="{E2A512E7-6AD5-7B43-AE02-D93C2E36A4B9}" type="datetimeFigureOut">
               <a:rPr lang="es-ES_tradnl" smtClean="0"/>
-              <a:t>20/3/19</a:t>
+              <a:t>21/3/19</a:t>
             </a:fld>
             <a:endParaRPr lang="es-ES_tradnl"/>
           </a:p>
@@ -3974,7 +4484,7 @@
           <a:p>
             <a:fld id="{E2A512E7-6AD5-7B43-AE02-D93C2E36A4B9}" type="datetimeFigureOut">
               <a:rPr lang="es-ES_tradnl" smtClean="0"/>
-              <a:t>20/3/19</a:t>
+              <a:t>21/3/19</a:t>
             </a:fld>
             <a:endParaRPr lang="es-ES_tradnl"/>
           </a:p>
@@ -4250,7 +4760,7 @@
           <a:p>
             <a:fld id="{E2A512E7-6AD5-7B43-AE02-D93C2E36A4B9}" type="datetimeFigureOut">
               <a:rPr lang="es-ES_tradnl" smtClean="0"/>
-              <a:t>20/3/19</a:t>
+              <a:t>21/3/19</a:t>
             </a:fld>
             <a:endParaRPr lang="es-ES_tradnl"/>
           </a:p>
@@ -4518,7 +5028,7 @@
           <a:p>
             <a:fld id="{E2A512E7-6AD5-7B43-AE02-D93C2E36A4B9}" type="datetimeFigureOut">
               <a:rPr lang="es-ES_tradnl" smtClean="0"/>
-              <a:t>20/3/19</a:t>
+              <a:t>21/3/19</a:t>
             </a:fld>
             <a:endParaRPr lang="es-ES_tradnl"/>
           </a:p>
@@ -4933,7 +5443,7 @@
           <a:p>
             <a:fld id="{E2A512E7-6AD5-7B43-AE02-D93C2E36A4B9}" type="datetimeFigureOut">
               <a:rPr lang="es-ES_tradnl" smtClean="0"/>
-              <a:t>20/3/19</a:t>
+              <a:t>21/3/19</a:t>
             </a:fld>
             <a:endParaRPr lang="es-ES_tradnl"/>
           </a:p>
@@ -5075,7 +5585,7 @@
           <a:p>
             <a:fld id="{E2A512E7-6AD5-7B43-AE02-D93C2E36A4B9}" type="datetimeFigureOut">
               <a:rPr lang="es-ES_tradnl" smtClean="0"/>
-              <a:t>20/3/19</a:t>
+              <a:t>21/3/19</a:t>
             </a:fld>
             <a:endParaRPr lang="es-ES_tradnl"/>
           </a:p>
@@ -5188,7 +5698,7 @@
           <a:p>
             <a:fld id="{E2A512E7-6AD5-7B43-AE02-D93C2E36A4B9}" type="datetimeFigureOut">
               <a:rPr lang="es-ES_tradnl" smtClean="0"/>
-              <a:t>20/3/19</a:t>
+              <a:t>21/3/19</a:t>
             </a:fld>
             <a:endParaRPr lang="es-ES_tradnl"/>
           </a:p>
@@ -5501,7 +6011,7 @@
           <a:p>
             <a:fld id="{E2A512E7-6AD5-7B43-AE02-D93C2E36A4B9}" type="datetimeFigureOut">
               <a:rPr lang="es-ES_tradnl" smtClean="0"/>
-              <a:t>20/3/19</a:t>
+              <a:t>21/3/19</a:t>
             </a:fld>
             <a:endParaRPr lang="es-ES_tradnl"/>
           </a:p>
@@ -5790,7 +6300,7 @@
           <a:p>
             <a:fld id="{E2A512E7-6AD5-7B43-AE02-D93C2E36A4B9}" type="datetimeFigureOut">
               <a:rPr lang="es-ES_tradnl" smtClean="0"/>
-              <a:t>20/3/19</a:t>
+              <a:t>21/3/19</a:t>
             </a:fld>
             <a:endParaRPr lang="es-ES_tradnl"/>
           </a:p>
@@ -6033,7 +6543,7 @@
           <a:p>
             <a:fld id="{E2A512E7-6AD5-7B43-AE02-D93C2E36A4B9}" type="datetimeFigureOut">
               <a:rPr lang="es-ES_tradnl" smtClean="0"/>
-              <a:t>20/3/19</a:t>
+              <a:t>21/3/19</a:t>
             </a:fld>
             <a:endParaRPr lang="es-ES_tradnl"/>
           </a:p>
@@ -21041,44 +21551,48 @@
           <a:lstStyle/>
           <a:p>
             <a:r>
-              <a:rPr lang="en-US" sz="3200" dirty="0">
-                <a:solidFill>
-                  <a:srgbClr val="FFFFFF"/>
-                </a:solidFill>
-              </a:rPr>
-              <a:t>Las </a:t>
-            </a:r>
-            <a:r>
-              <a:rPr lang="en-US" sz="3200" dirty="0" err="1">
-                <a:solidFill>
-                  <a:srgbClr val="FFFFFF"/>
-                </a:solidFill>
-              </a:rPr>
-              <a:t>construcciones</a:t>
-            </a:r>
-            <a:r>
-              <a:rPr lang="en-US" sz="3200" dirty="0">
-                <a:solidFill>
-                  <a:srgbClr val="FFFFFF"/>
-                </a:solidFill>
-              </a:rPr>
-              <a:t> de </a:t>
-            </a:r>
-            <a:r>
-              <a:rPr lang="en-US" sz="3200" dirty="0" err="1">
-                <a:solidFill>
-                  <a:srgbClr val="FFFFFF"/>
-                </a:solidFill>
-              </a:rPr>
-              <a:t>iteración</a:t>
-            </a:r>
-            <a:r>
-              <a:rPr lang="en-US" sz="3200" dirty="0">
-                <a:solidFill>
-                  <a:srgbClr val="FFFFFF"/>
-                </a:solidFill>
-              </a:rPr>
-              <a:t> o loops</a:t>
+              <a:rPr lang="en-US" sz="3200" kern="1200" dirty="0">
+                <a:solidFill>
+                  <a:srgbClr val="FFFFFF"/>
+                </a:solidFill>
+                <a:latin typeface="+mj-lt"/>
+                <a:ea typeface="+mj-ea"/>
+                <a:cs typeface="+mj-cs"/>
+              </a:rPr>
+              <a:t>Los </a:t>
+            </a:r>
+            <a:r>
+              <a:rPr lang="en-US" sz="3200" kern="1200" dirty="0" err="1">
+                <a:solidFill>
+                  <a:srgbClr val="FFFFFF"/>
+                </a:solidFill>
+                <a:latin typeface="+mj-lt"/>
+                <a:ea typeface="+mj-ea"/>
+                <a:cs typeface="+mj-cs"/>
+              </a:rPr>
+              <a:t>operadores</a:t>
+            </a:r>
+            <a:r>
+              <a:rPr lang="en-US" sz="3200" kern="1200" dirty="0">
+                <a:solidFill>
+                  <a:srgbClr val="FFFFFF"/>
+                </a:solidFill>
+                <a:latin typeface="+mj-lt"/>
+                <a:ea typeface="+mj-ea"/>
+                <a:cs typeface="+mj-cs"/>
+              </a:rPr>
+              <a:t> </a:t>
+            </a:r>
+            <a:r>
+              <a:rPr lang="en-US" sz="3200" kern="1200" dirty="0" err="1">
+                <a:solidFill>
+                  <a:srgbClr val="FFFFFF"/>
+                </a:solidFill>
+                <a:latin typeface="+mj-lt"/>
+                <a:ea typeface="+mj-ea"/>
+                <a:cs typeface="+mj-cs"/>
+              </a:rPr>
+              <a:t>aritméticos</a:t>
             </a:r>
             <a:endParaRPr lang="en-US" sz="3200" kern="1200" dirty="0">
               <a:solidFill>
@@ -21093,10 +21607,10 @@
       </p:sp>
       <p:sp>
         <p:nvSpPr>
-          <p:cNvPr id="6" name="TextBox 5">
-            <a:extLst>
-              <a:ext uri="{FF2B5EF4-FFF2-40B4-BE49-F238E27FC236}">
-                <a16:creationId xmlns:a16="http://schemas.microsoft.com/office/drawing/2014/main" id="{B787FDE0-D221-5344-AE76-795D3CD93923}"/>
+          <p:cNvPr id="3" name="TextBox 2">
+            <a:extLst>
+              <a:ext uri="{FF2B5EF4-FFF2-40B4-BE49-F238E27FC236}">
+                <a16:creationId xmlns:a16="http://schemas.microsoft.com/office/drawing/2014/main" id="{2903534B-5A49-FF48-AB17-38EF308CF39B}"/>
               </a:ext>
             </a:extLst>
           </p:cNvPr>
@@ -21105,8 +21619,8 @@
         </p:nvSpPr>
         <p:spPr>
           <a:xfrm>
-            <a:off x="5637553" y="1700213"/>
-            <a:ext cx="3627620" cy="3046988"/>
+            <a:off x="5246556" y="1230158"/>
+            <a:ext cx="6026048" cy="1631216"/>
           </a:xfrm>
           <a:prstGeom prst="rect">
             <a:avLst/>
@@ -21119,6 +21633,1261 @@
           </a:bodyPr>
           <a:lstStyle/>
           <a:p>
+            <a:r>
+              <a:rPr lang="en-US" sz="2000" dirty="0"/>
+              <a:t>+	x = x + 10	Suma		</a:t>
+            </a:r>
+          </a:p>
+          <a:p>
+            <a:r>
+              <a:rPr lang="en-US" sz="2000" dirty="0"/>
+              <a:t>-	y = x – 20	</a:t>
+            </a:r>
+            <a:r>
+              <a:rPr lang="en-US" sz="2000" dirty="0" err="1"/>
+              <a:t>Resta</a:t>
+            </a:r>
+            <a:endParaRPr lang="en-US" sz="2000" dirty="0"/>
+          </a:p>
+          <a:p>
+            <a:r>
+              <a:rPr lang="en-US" sz="2000" dirty="0"/>
+              <a:t>*	y = x * 25	</a:t>
+            </a:r>
+            <a:r>
+              <a:rPr lang="en-US" sz="2000" dirty="0" err="1"/>
+              <a:t>Multiplicación</a:t>
+            </a:r>
+            <a:endParaRPr lang="en-US" sz="2000" dirty="0"/>
+          </a:p>
+          <a:p>
+            <a:r>
+              <a:rPr lang="en-US" sz="2000" dirty="0"/>
+              <a:t>/	y = x / 3		División</a:t>
+            </a:r>
+          </a:p>
+          <a:p>
+            <a:r>
+              <a:rPr lang="en-US" sz="2000" dirty="0"/>
+              <a:t>%	y = x % 3		</a:t>
+            </a:r>
+            <a:r>
+              <a:rPr lang="en-US" sz="2000" dirty="0" err="1"/>
+              <a:t>Módulo</a:t>
+            </a:r>
+            <a:endParaRPr lang="en-US" sz="2000" dirty="0"/>
+          </a:p>
+        </p:txBody>
+      </p:sp>
+      <p:sp>
+        <p:nvSpPr>
+          <p:cNvPr id="4" name="TextBox 3">
+            <a:extLst>
+              <a:ext uri="{FF2B5EF4-FFF2-40B4-BE49-F238E27FC236}">
+                <a16:creationId xmlns:a16="http://schemas.microsoft.com/office/drawing/2014/main" id="{72EF47CD-5E2D-BB43-AE3B-085B289B1EB2}"/>
+              </a:ext>
+            </a:extLst>
+          </p:cNvPr>
+          <p:cNvSpPr txBox="1"/>
+          <p:nvPr/>
+        </p:nvSpPr>
+        <p:spPr>
+          <a:xfrm>
+            <a:off x="4855562" y="452472"/>
+            <a:ext cx="3104215" cy="461665"/>
+          </a:xfrm>
+          <a:prstGeom prst="rect">
+            <a:avLst/>
+          </a:prstGeom>
+          <a:noFill/>
+        </p:spPr>
+        <p:txBody>
+          <a:bodyPr wrap="square" rtlCol="0">
+            <a:spAutoFit/>
+          </a:bodyPr>
+          <a:lstStyle/>
+          <a:p>
+            <a:r>
+              <a:rPr lang="en-US" sz="2400" dirty="0" err="1"/>
+              <a:t>Operadores</a:t>
+            </a:r>
+            <a:r>
+              <a:rPr lang="en-US" sz="2400" dirty="0"/>
+              <a:t> </a:t>
+            </a:r>
+            <a:r>
+              <a:rPr lang="en-US" sz="2400" dirty="0" err="1"/>
+              <a:t>regulares</a:t>
+            </a:r>
+            <a:endParaRPr lang="en-US" sz="2400" dirty="0"/>
+          </a:p>
+        </p:txBody>
+      </p:sp>
+      <p:sp>
+        <p:nvSpPr>
+          <p:cNvPr id="6" name="TextBox 5">
+            <a:extLst>
+              <a:ext uri="{FF2B5EF4-FFF2-40B4-BE49-F238E27FC236}">
+                <a16:creationId xmlns:a16="http://schemas.microsoft.com/office/drawing/2014/main" id="{46576D8B-300A-A748-A643-24561534C346}"/>
+              </a:ext>
+            </a:extLst>
+          </p:cNvPr>
+          <p:cNvSpPr txBox="1"/>
+          <p:nvPr/>
+        </p:nvSpPr>
+        <p:spPr>
+          <a:xfrm>
+            <a:off x="4855562" y="3215760"/>
+            <a:ext cx="3237876" cy="461665"/>
+          </a:xfrm>
+          <a:prstGeom prst="rect">
+            <a:avLst/>
+          </a:prstGeom>
+          <a:noFill/>
+        </p:spPr>
+        <p:txBody>
+          <a:bodyPr wrap="square" rtlCol="0">
+            <a:spAutoFit/>
+          </a:bodyPr>
+          <a:lstStyle/>
+          <a:p>
+            <a:r>
+              <a:rPr lang="en-US" sz="2400" dirty="0" err="1"/>
+              <a:t>Operadores</a:t>
+            </a:r>
+            <a:r>
+              <a:rPr lang="en-US" sz="2400" dirty="0"/>
+              <a:t> </a:t>
+            </a:r>
+            <a:r>
+              <a:rPr lang="en-US" sz="2400" dirty="0" err="1"/>
+              <a:t>abreviados</a:t>
+            </a:r>
+            <a:endParaRPr lang="en-US" sz="2400" dirty="0"/>
+          </a:p>
+        </p:txBody>
+      </p:sp>
+      <p:sp>
+        <p:nvSpPr>
+          <p:cNvPr id="8" name="TextBox 7">
+            <a:extLst>
+              <a:ext uri="{FF2B5EF4-FFF2-40B4-BE49-F238E27FC236}">
+                <a16:creationId xmlns:a16="http://schemas.microsoft.com/office/drawing/2014/main" id="{A6ACB86E-6A15-9247-B4BE-4761DB0914B5}"/>
+              </a:ext>
+            </a:extLst>
+          </p:cNvPr>
+          <p:cNvSpPr txBox="1"/>
+          <p:nvPr/>
+        </p:nvSpPr>
+        <p:spPr>
+          <a:xfrm>
+            <a:off x="5246556" y="3996626"/>
+            <a:ext cx="6026048" cy="2246769"/>
+          </a:xfrm>
+          <a:prstGeom prst="rect">
+            <a:avLst/>
+          </a:prstGeom>
+          <a:noFill/>
+        </p:spPr>
+        <p:txBody>
+          <a:bodyPr wrap="square" rtlCol="0">
+            <a:spAutoFit/>
+          </a:bodyPr>
+          <a:lstStyle/>
+          <a:p>
+            <a:r>
+              <a:rPr lang="en-US" sz="2000" dirty="0"/>
+              <a:t>+=	x += 10 		Suma </a:t>
+            </a:r>
+            <a:r>
+              <a:rPr lang="en-US" sz="2000" dirty="0" err="1"/>
+              <a:t>misma</a:t>
+            </a:r>
+            <a:r>
+              <a:rPr lang="en-US" sz="2000" dirty="0"/>
+              <a:t> variable	</a:t>
+            </a:r>
+          </a:p>
+          <a:p>
+            <a:r>
+              <a:rPr lang="en-US" sz="2000" dirty="0"/>
+              <a:t>-=	x -= 20		</a:t>
+            </a:r>
+            <a:r>
+              <a:rPr lang="en-US" sz="2000" dirty="0" err="1"/>
+              <a:t>Resta</a:t>
+            </a:r>
+            <a:r>
+              <a:rPr lang="en-US" sz="2000" dirty="0"/>
+              <a:t> </a:t>
+            </a:r>
+            <a:r>
+              <a:rPr lang="en-US" sz="2000" dirty="0" err="1"/>
+              <a:t>misma</a:t>
+            </a:r>
+            <a:r>
+              <a:rPr lang="en-US" sz="2000" dirty="0"/>
+              <a:t> variable</a:t>
+            </a:r>
+          </a:p>
+          <a:p>
+            <a:r>
+              <a:rPr lang="en-US" sz="2000" dirty="0"/>
+              <a:t>*=	x *= 25		</a:t>
+            </a:r>
+            <a:r>
+              <a:rPr lang="en-US" sz="2000" dirty="0" err="1"/>
+              <a:t>Multiplicación</a:t>
+            </a:r>
+            <a:r>
+              <a:rPr lang="en-US" sz="2000" dirty="0"/>
+              <a:t> </a:t>
+            </a:r>
+            <a:r>
+              <a:rPr lang="en-US" sz="2000" dirty="0" err="1"/>
+              <a:t>misma</a:t>
+            </a:r>
+            <a:r>
+              <a:rPr lang="en-US" sz="2000" dirty="0"/>
+              <a:t> variable</a:t>
+            </a:r>
+          </a:p>
+          <a:p>
+            <a:r>
+              <a:rPr lang="en-US" sz="2000" dirty="0"/>
+              <a:t>/=	x /= 3		División </a:t>
+            </a:r>
+            <a:r>
+              <a:rPr lang="en-US" sz="2000" dirty="0" err="1"/>
+              <a:t>misma</a:t>
+            </a:r>
+            <a:r>
+              <a:rPr lang="en-US" sz="2000" dirty="0"/>
+              <a:t> variable</a:t>
+            </a:r>
+          </a:p>
+          <a:p>
+            <a:r>
+              <a:rPr lang="en-US" sz="2000" dirty="0"/>
+              <a:t>%=	x %= 3		</a:t>
+            </a:r>
+            <a:r>
+              <a:rPr lang="en-US" sz="2000" dirty="0" err="1"/>
+              <a:t>Módulo</a:t>
+            </a:r>
+            <a:r>
+              <a:rPr lang="en-US" sz="2000" dirty="0"/>
+              <a:t> </a:t>
+            </a:r>
+            <a:r>
+              <a:rPr lang="en-US" sz="2000" dirty="0" err="1"/>
+              <a:t>misma</a:t>
+            </a:r>
+            <a:r>
+              <a:rPr lang="en-US" sz="2000" dirty="0"/>
+              <a:t> variable</a:t>
+            </a:r>
+          </a:p>
+          <a:p>
+            <a:r>
+              <a:rPr lang="en-US" sz="2000" dirty="0"/>
+              <a:t>++	x++ (++x)	</a:t>
+            </a:r>
+            <a:r>
+              <a:rPr lang="en-US" sz="2000" dirty="0" err="1"/>
+              <a:t>Incremento</a:t>
+            </a:r>
+            <a:r>
+              <a:rPr lang="en-US" sz="2000" dirty="0"/>
+              <a:t> </a:t>
+            </a:r>
+            <a:r>
+              <a:rPr lang="en-US" sz="2000" dirty="0" err="1"/>
+              <a:t>en</a:t>
+            </a:r>
+            <a:r>
+              <a:rPr lang="en-US" sz="2000" dirty="0"/>
+              <a:t> </a:t>
+            </a:r>
+            <a:r>
+              <a:rPr lang="en-US" sz="2000" dirty="0" err="1"/>
+              <a:t>uno</a:t>
+            </a:r>
+            <a:endParaRPr lang="en-US" sz="2000" dirty="0"/>
+          </a:p>
+          <a:p>
+            <a:r>
+              <a:rPr lang="en-US" sz="2000" dirty="0"/>
+              <a:t>--	x– (--x)		</a:t>
+            </a:r>
+            <a:r>
+              <a:rPr lang="en-US" sz="2000" dirty="0" err="1"/>
+              <a:t>Decremento</a:t>
+            </a:r>
+            <a:r>
+              <a:rPr lang="en-US" sz="2000" dirty="0"/>
+              <a:t> </a:t>
+            </a:r>
+            <a:r>
+              <a:rPr lang="en-US" sz="2000" dirty="0" err="1"/>
+              <a:t>en</a:t>
+            </a:r>
+            <a:r>
+              <a:rPr lang="en-US" sz="2000" dirty="0"/>
+              <a:t> </a:t>
+            </a:r>
+            <a:r>
+              <a:rPr lang="en-US" sz="2000" dirty="0" err="1"/>
+              <a:t>uno</a:t>
+            </a:r>
+            <a:endParaRPr lang="en-US" sz="2000" dirty="0"/>
+          </a:p>
+        </p:txBody>
+      </p:sp>
+    </p:spTree>
+    <p:extLst>
+      <p:ext uri="{BB962C8B-B14F-4D97-AF65-F5344CB8AC3E}">
+        <p14:creationId xmlns:p14="http://schemas.microsoft.com/office/powerpoint/2010/main" val="2715870922"/>
+      </p:ext>
+    </p:extLst>
+  </p:cSld>
+  <p:clrMapOvr>
+    <a:masterClrMapping/>
+  </p:clrMapOvr>
+</p:sld>
+</file>
+
+<file path=ppt/slides/slide65.xml><?xml version="1.0" encoding="utf-8"?>
+<p:sld xmlns:a="http://schemas.openxmlformats.org/drawingml/2006/main" xmlns:r="http://schemas.openxmlformats.org/officeDocument/2006/relationships" xmlns:p="http://schemas.openxmlformats.org/presentationml/2006/main">
+  <p:cSld>
+    <p:bg>
+      <p:bgPr>
+        <a:solidFill>
+          <a:schemeClr val="bg1"/>
+        </a:solidFill>
+        <a:effectLst/>
+      </p:bgPr>
+    </p:bg>
+    <p:spTree>
+      <p:nvGrpSpPr>
+        <p:cNvPr id="1" name=""/>
+        <p:cNvGrpSpPr/>
+        <p:nvPr/>
+      </p:nvGrpSpPr>
+      <p:grpSpPr>
+        <a:xfrm>
+          <a:off x="0" y="0"/>
+          <a:ext cx="0" cy="0"/>
+          <a:chOff x="0" y="0"/>
+          <a:chExt cx="0" cy="0"/>
+        </a:xfrm>
+      </p:grpSpPr>
+      <p:sp>
+        <p:nvSpPr>
+          <p:cNvPr id="11" name="Flowchart: Document 10">
+            <a:extLst>
+              <a:ext uri="{FF2B5EF4-FFF2-40B4-BE49-F238E27FC236}">
+                <a16:creationId xmlns:a16="http://schemas.microsoft.com/office/drawing/2014/main" id="{D12DDE76-C203-4047-9998-63900085B5E8}"/>
+              </a:ext>
+              <a:ext uri="{C183D7F6-B498-43B3-948B-1728B52AA6E4}">
+                <adec:decorative xmlns:adec="http://schemas.microsoft.com/office/drawing/2017/decorative" val="1"/>
+              </a:ext>
+            </a:extLst>
+          </p:cNvPr>
+          <p:cNvSpPr>
+            <a:spLocks noGrp="1" noRot="1" noChangeAspect="1" noMove="1" noResize="1" noEditPoints="1" noAdjustHandles="1" noChangeArrowheads="1" noChangeShapeType="1" noTextEdit="1"/>
+          </p:cNvSpPr>
+          <p:nvPr>
+            <p:extLst>
+              <p:ext uri="{386F3935-93C4-4BCD-93E2-E3B085C9AB24}">
+                <p16:designElem xmlns:p16="http://schemas.microsoft.com/office/powerpoint/2015/main" val="1"/>
+              </p:ext>
+            </p:extLst>
+          </p:nvPr>
+        </p:nvSpPr>
+        <p:spPr>
+          <a:xfrm>
+            <a:off x="638175" y="0"/>
+            <a:ext cx="3248025" cy="3400426"/>
+          </a:xfrm>
+          <a:prstGeom prst="flowChartDocument">
+            <a:avLst/>
+          </a:prstGeom>
+          <a:solidFill>
+            <a:schemeClr val="accent1"/>
+          </a:solidFill>
+          <a:ln>
+            <a:noFill/>
+          </a:ln>
+        </p:spPr>
+        <p:style>
+          <a:lnRef idx="2">
+            <a:schemeClr val="accent1">
+              <a:shade val="50000"/>
+            </a:schemeClr>
+          </a:lnRef>
+          <a:fillRef idx="1">
+            <a:schemeClr val="accent1"/>
+          </a:fillRef>
+          <a:effectRef idx="0">
+            <a:schemeClr val="accent1"/>
+          </a:effectRef>
+          <a:fontRef idx="minor">
+            <a:schemeClr val="lt1"/>
+          </a:fontRef>
+        </p:style>
+        <p:txBody>
+          <a:bodyPr rtlCol="0" anchor="ctr"/>
+          <a:lstStyle/>
+          <a:p>
+            <a:pPr algn="ctr"/>
+            <a:endParaRPr lang="en-US"/>
+          </a:p>
+        </p:txBody>
+      </p:sp>
+      <p:sp>
+        <p:nvSpPr>
+          <p:cNvPr id="2" name="Title 1">
+            <a:extLst>
+              <a:ext uri="{FF2B5EF4-FFF2-40B4-BE49-F238E27FC236}">
+                <a16:creationId xmlns:a16="http://schemas.microsoft.com/office/drawing/2014/main" id="{9D045432-EED2-8148-BA86-3132BFE644EB}"/>
+              </a:ext>
+            </a:extLst>
+          </p:cNvPr>
+          <p:cNvSpPr>
+            <a:spLocks noGrp="1"/>
+          </p:cNvSpPr>
+          <p:nvPr>
+            <p:ph type="title"/>
+          </p:nvPr>
+        </p:nvSpPr>
+        <p:spPr>
+          <a:xfrm>
+            <a:off x="838200" y="171162"/>
+            <a:ext cx="2840182" cy="3229264"/>
+          </a:xfrm>
+        </p:spPr>
+        <p:txBody>
+          <a:bodyPr vert="horz" lIns="91440" tIns="45720" rIns="91440" bIns="45720" rtlCol="0" anchor="ctr">
+            <a:noAutofit/>
+          </a:bodyPr>
+          <a:lstStyle/>
+          <a:p>
+            <a:r>
+              <a:rPr lang="en-US" sz="3200" kern="1200" dirty="0">
+                <a:solidFill>
+                  <a:srgbClr val="FFFFFF"/>
+                </a:solidFill>
+                <a:latin typeface="+mj-lt"/>
+                <a:ea typeface="+mj-ea"/>
+                <a:cs typeface="+mj-cs"/>
+              </a:rPr>
+              <a:t>Los </a:t>
+            </a:r>
+            <a:r>
+              <a:rPr lang="en-US" sz="3200" kern="1200" dirty="0" err="1">
+                <a:solidFill>
+                  <a:srgbClr val="FFFFFF"/>
+                </a:solidFill>
+                <a:latin typeface="+mj-lt"/>
+                <a:ea typeface="+mj-ea"/>
+                <a:cs typeface="+mj-cs"/>
+              </a:rPr>
+              <a:t>operadores</a:t>
+            </a:r>
+            <a:r>
+              <a:rPr lang="en-US" sz="3200" kern="1200" dirty="0">
+                <a:solidFill>
+                  <a:srgbClr val="FFFFFF"/>
+                </a:solidFill>
+                <a:latin typeface="+mj-lt"/>
+                <a:ea typeface="+mj-ea"/>
+                <a:cs typeface="+mj-cs"/>
+              </a:rPr>
+              <a:t> </a:t>
+            </a:r>
+            <a:r>
+              <a:rPr lang="en-US" sz="3200" kern="1200" dirty="0" err="1">
+                <a:solidFill>
+                  <a:srgbClr val="FFFFFF"/>
+                </a:solidFill>
+                <a:latin typeface="+mj-lt"/>
+                <a:ea typeface="+mj-ea"/>
+                <a:cs typeface="+mj-cs"/>
+              </a:rPr>
+              <a:t>aritméticos</a:t>
+            </a:r>
+            <a:br>
+              <a:rPr lang="en-US" sz="3200" kern="1200" dirty="0">
+                <a:solidFill>
+                  <a:srgbClr val="FFFFFF"/>
+                </a:solidFill>
+                <a:latin typeface="+mj-lt"/>
+                <a:ea typeface="+mj-ea"/>
+                <a:cs typeface="+mj-cs"/>
+              </a:rPr>
+            </a:br>
+            <a:r>
+              <a:rPr lang="en-US" sz="3200" kern="1200" dirty="0">
+                <a:solidFill>
+                  <a:srgbClr val="FFFFFF"/>
+                </a:solidFill>
+                <a:latin typeface="+mj-lt"/>
+                <a:ea typeface="+mj-ea"/>
+                <a:cs typeface="+mj-cs"/>
+              </a:rPr>
+              <a:t>(</a:t>
+            </a:r>
+            <a:r>
+              <a:rPr lang="en-US" sz="3200" kern="1200" dirty="0" err="1">
+                <a:solidFill>
+                  <a:srgbClr val="FFFFFF"/>
+                </a:solidFill>
+                <a:latin typeface="+mj-lt"/>
+                <a:ea typeface="+mj-ea"/>
+                <a:cs typeface="+mj-cs"/>
+              </a:rPr>
+              <a:t>regulares</a:t>
+            </a:r>
+            <a:r>
+              <a:rPr lang="en-US" sz="3200" kern="1200" dirty="0">
+                <a:solidFill>
+                  <a:srgbClr val="FFFFFF"/>
+                </a:solidFill>
+                <a:latin typeface="+mj-lt"/>
+                <a:ea typeface="+mj-ea"/>
+                <a:cs typeface="+mj-cs"/>
+              </a:rPr>
+              <a:t>)</a:t>
+            </a:r>
+          </a:p>
+        </p:txBody>
+      </p:sp>
+      <p:pic>
+        <p:nvPicPr>
+          <p:cNvPr id="9" name="Picture 8" descr="A screenshot of a cell phone&#10;&#10;Description automatically generated">
+            <a:extLst>
+              <a:ext uri="{FF2B5EF4-FFF2-40B4-BE49-F238E27FC236}">
+                <a16:creationId xmlns:a16="http://schemas.microsoft.com/office/drawing/2014/main" id="{3F64A604-DC01-1640-84AD-0011535EB528}"/>
+              </a:ext>
+            </a:extLst>
+          </p:cNvPr>
+          <p:cNvPicPr>
+            <a:picLocks noChangeAspect="1"/>
+          </p:cNvPicPr>
+          <p:nvPr/>
+        </p:nvPicPr>
+        <p:blipFill>
+          <a:blip r:embed="rId3"/>
+          <a:stretch>
+            <a:fillRect/>
+          </a:stretch>
+        </p:blipFill>
+        <p:spPr>
+          <a:xfrm>
+            <a:off x="4854796" y="428626"/>
+            <a:ext cx="4864100" cy="5943600"/>
+          </a:xfrm>
+          <a:prstGeom prst="rect">
+            <a:avLst/>
+          </a:prstGeom>
+        </p:spPr>
+      </p:pic>
+    </p:spTree>
+    <p:extLst>
+      <p:ext uri="{BB962C8B-B14F-4D97-AF65-F5344CB8AC3E}">
+        <p14:creationId xmlns:p14="http://schemas.microsoft.com/office/powerpoint/2010/main" val="69044004"/>
+      </p:ext>
+    </p:extLst>
+  </p:cSld>
+  <p:clrMapOvr>
+    <a:masterClrMapping/>
+  </p:clrMapOvr>
+</p:sld>
+</file>
+
+<file path=ppt/slides/slide66.xml><?xml version="1.0" encoding="utf-8"?>
+<p:sld xmlns:a="http://schemas.openxmlformats.org/drawingml/2006/main" xmlns:r="http://schemas.openxmlformats.org/officeDocument/2006/relationships" xmlns:p="http://schemas.openxmlformats.org/presentationml/2006/main">
+  <p:cSld>
+    <p:bg>
+      <p:bgPr>
+        <a:solidFill>
+          <a:schemeClr val="bg1"/>
+        </a:solidFill>
+        <a:effectLst/>
+      </p:bgPr>
+    </p:bg>
+    <p:spTree>
+      <p:nvGrpSpPr>
+        <p:cNvPr id="1" name=""/>
+        <p:cNvGrpSpPr/>
+        <p:nvPr/>
+      </p:nvGrpSpPr>
+      <p:grpSpPr>
+        <a:xfrm>
+          <a:off x="0" y="0"/>
+          <a:ext cx="0" cy="0"/>
+          <a:chOff x="0" y="0"/>
+          <a:chExt cx="0" cy="0"/>
+        </a:xfrm>
+      </p:grpSpPr>
+      <p:sp>
+        <p:nvSpPr>
+          <p:cNvPr id="11" name="Flowchart: Document 10">
+            <a:extLst>
+              <a:ext uri="{FF2B5EF4-FFF2-40B4-BE49-F238E27FC236}">
+                <a16:creationId xmlns:a16="http://schemas.microsoft.com/office/drawing/2014/main" id="{D12DDE76-C203-4047-9998-63900085B5E8}"/>
+              </a:ext>
+              <a:ext uri="{C183D7F6-B498-43B3-948B-1728B52AA6E4}">
+                <adec:decorative xmlns:adec="http://schemas.microsoft.com/office/drawing/2017/decorative" val="1"/>
+              </a:ext>
+            </a:extLst>
+          </p:cNvPr>
+          <p:cNvSpPr>
+            <a:spLocks noGrp="1" noRot="1" noChangeAspect="1" noMove="1" noResize="1" noEditPoints="1" noAdjustHandles="1" noChangeArrowheads="1" noChangeShapeType="1" noTextEdit="1"/>
+          </p:cNvSpPr>
+          <p:nvPr>
+            <p:extLst>
+              <p:ext uri="{386F3935-93C4-4BCD-93E2-E3B085C9AB24}">
+                <p16:designElem xmlns:p16="http://schemas.microsoft.com/office/powerpoint/2015/main" val="1"/>
+              </p:ext>
+            </p:extLst>
+          </p:nvPr>
+        </p:nvSpPr>
+        <p:spPr>
+          <a:xfrm>
+            <a:off x="638175" y="0"/>
+            <a:ext cx="3248025" cy="3400426"/>
+          </a:xfrm>
+          <a:prstGeom prst="flowChartDocument">
+            <a:avLst/>
+          </a:prstGeom>
+          <a:solidFill>
+            <a:schemeClr val="accent1"/>
+          </a:solidFill>
+          <a:ln>
+            <a:noFill/>
+          </a:ln>
+        </p:spPr>
+        <p:style>
+          <a:lnRef idx="2">
+            <a:schemeClr val="accent1">
+              <a:shade val="50000"/>
+            </a:schemeClr>
+          </a:lnRef>
+          <a:fillRef idx="1">
+            <a:schemeClr val="accent1"/>
+          </a:fillRef>
+          <a:effectRef idx="0">
+            <a:schemeClr val="accent1"/>
+          </a:effectRef>
+          <a:fontRef idx="minor">
+            <a:schemeClr val="lt1"/>
+          </a:fontRef>
+        </p:style>
+        <p:txBody>
+          <a:bodyPr rtlCol="0" anchor="ctr"/>
+          <a:lstStyle/>
+          <a:p>
+            <a:pPr algn="ctr"/>
+            <a:endParaRPr lang="en-US"/>
+          </a:p>
+        </p:txBody>
+      </p:sp>
+      <p:sp>
+        <p:nvSpPr>
+          <p:cNvPr id="2" name="Title 1">
+            <a:extLst>
+              <a:ext uri="{FF2B5EF4-FFF2-40B4-BE49-F238E27FC236}">
+                <a16:creationId xmlns:a16="http://schemas.microsoft.com/office/drawing/2014/main" id="{9D045432-EED2-8148-BA86-3132BFE644EB}"/>
+              </a:ext>
+            </a:extLst>
+          </p:cNvPr>
+          <p:cNvSpPr>
+            <a:spLocks noGrp="1"/>
+          </p:cNvSpPr>
+          <p:nvPr>
+            <p:ph type="title"/>
+          </p:nvPr>
+        </p:nvSpPr>
+        <p:spPr>
+          <a:xfrm>
+            <a:off x="838200" y="171162"/>
+            <a:ext cx="2840182" cy="3229264"/>
+          </a:xfrm>
+        </p:spPr>
+        <p:txBody>
+          <a:bodyPr vert="horz" lIns="91440" tIns="45720" rIns="91440" bIns="45720" rtlCol="0" anchor="ctr">
+            <a:noAutofit/>
+          </a:bodyPr>
+          <a:lstStyle/>
+          <a:p>
+            <a:r>
+              <a:rPr lang="en-US" sz="3200" kern="1200" dirty="0">
+                <a:solidFill>
+                  <a:srgbClr val="FFFFFF"/>
+                </a:solidFill>
+                <a:latin typeface="+mj-lt"/>
+                <a:ea typeface="+mj-ea"/>
+                <a:cs typeface="+mj-cs"/>
+              </a:rPr>
+              <a:t>Los </a:t>
+            </a:r>
+            <a:r>
+              <a:rPr lang="en-US" sz="3200" kern="1200" dirty="0" err="1">
+                <a:solidFill>
+                  <a:srgbClr val="FFFFFF"/>
+                </a:solidFill>
+                <a:latin typeface="+mj-lt"/>
+                <a:ea typeface="+mj-ea"/>
+                <a:cs typeface="+mj-cs"/>
+              </a:rPr>
+              <a:t>operadores</a:t>
+            </a:r>
+            <a:r>
+              <a:rPr lang="en-US" sz="3200" kern="1200" dirty="0">
+                <a:solidFill>
+                  <a:srgbClr val="FFFFFF"/>
+                </a:solidFill>
+                <a:latin typeface="+mj-lt"/>
+                <a:ea typeface="+mj-ea"/>
+                <a:cs typeface="+mj-cs"/>
+              </a:rPr>
+              <a:t> </a:t>
+            </a:r>
+            <a:r>
+              <a:rPr lang="en-US" sz="3200" kern="1200" dirty="0" err="1">
+                <a:solidFill>
+                  <a:srgbClr val="FFFFFF"/>
+                </a:solidFill>
+                <a:latin typeface="+mj-lt"/>
+                <a:ea typeface="+mj-ea"/>
+                <a:cs typeface="+mj-cs"/>
+              </a:rPr>
+              <a:t>aritméticos</a:t>
+            </a:r>
+            <a:br>
+              <a:rPr lang="en-US" sz="3200" kern="1200" dirty="0">
+                <a:solidFill>
+                  <a:srgbClr val="FFFFFF"/>
+                </a:solidFill>
+                <a:latin typeface="+mj-lt"/>
+                <a:ea typeface="+mj-ea"/>
+                <a:cs typeface="+mj-cs"/>
+              </a:rPr>
+            </a:br>
+            <a:r>
+              <a:rPr lang="en-US" sz="3200" kern="1200" dirty="0">
+                <a:solidFill>
+                  <a:srgbClr val="FFFFFF"/>
+                </a:solidFill>
+                <a:latin typeface="+mj-lt"/>
+                <a:ea typeface="+mj-ea"/>
+                <a:cs typeface="+mj-cs"/>
+              </a:rPr>
+              <a:t>(</a:t>
+            </a:r>
+            <a:r>
+              <a:rPr lang="en-US" sz="3200" kern="1200" dirty="0" err="1">
+                <a:solidFill>
+                  <a:srgbClr val="FFFFFF"/>
+                </a:solidFill>
+                <a:latin typeface="+mj-lt"/>
+                <a:ea typeface="+mj-ea"/>
+                <a:cs typeface="+mj-cs"/>
+              </a:rPr>
+              <a:t>abreviados</a:t>
+            </a:r>
+            <a:r>
+              <a:rPr lang="en-US" sz="3200" kern="1200" dirty="0">
+                <a:solidFill>
+                  <a:srgbClr val="FFFFFF"/>
+                </a:solidFill>
+                <a:latin typeface="+mj-lt"/>
+                <a:ea typeface="+mj-ea"/>
+                <a:cs typeface="+mj-cs"/>
+              </a:rPr>
+              <a:t>)</a:t>
+            </a:r>
+          </a:p>
+        </p:txBody>
+      </p:sp>
+      <p:pic>
+        <p:nvPicPr>
+          <p:cNvPr id="4" name="Picture 3" descr="A screenshot of a cell phone&#10;&#10;Description automatically generated">
+            <a:extLst>
+              <a:ext uri="{FF2B5EF4-FFF2-40B4-BE49-F238E27FC236}">
+                <a16:creationId xmlns:a16="http://schemas.microsoft.com/office/drawing/2014/main" id="{B14E1FF2-8579-B244-8274-4F519BD047EC}"/>
+              </a:ext>
+            </a:extLst>
+          </p:cNvPr>
+          <p:cNvPicPr>
+            <a:picLocks noChangeAspect="1"/>
+          </p:cNvPicPr>
+          <p:nvPr/>
+        </p:nvPicPr>
+        <p:blipFill>
+          <a:blip r:embed="rId3"/>
+          <a:stretch>
+            <a:fillRect/>
+          </a:stretch>
+        </p:blipFill>
+        <p:spPr>
+          <a:xfrm>
+            <a:off x="4293536" y="171162"/>
+            <a:ext cx="4864100" cy="3733800"/>
+          </a:xfrm>
+          <a:prstGeom prst="rect">
+            <a:avLst/>
+          </a:prstGeom>
+        </p:spPr>
+      </p:pic>
+      <p:pic>
+        <p:nvPicPr>
+          <p:cNvPr id="6" name="Picture 5" descr="A close up of a logo&#10;&#10;Description automatically generated">
+            <a:extLst>
+              <a:ext uri="{FF2B5EF4-FFF2-40B4-BE49-F238E27FC236}">
+                <a16:creationId xmlns:a16="http://schemas.microsoft.com/office/drawing/2014/main" id="{1D48BC5C-30F1-274A-B357-07BF6886A246}"/>
+              </a:ext>
+            </a:extLst>
+          </p:cNvPr>
+          <p:cNvPicPr>
+            <a:picLocks noChangeAspect="1"/>
+          </p:cNvPicPr>
+          <p:nvPr/>
+        </p:nvPicPr>
+        <p:blipFill>
+          <a:blip r:embed="rId4"/>
+          <a:stretch>
+            <a:fillRect/>
+          </a:stretch>
+        </p:blipFill>
+        <p:spPr>
+          <a:xfrm>
+            <a:off x="8128000" y="3041938"/>
+            <a:ext cx="3225800" cy="3644900"/>
+          </a:xfrm>
+          <a:prstGeom prst="rect">
+            <a:avLst/>
+          </a:prstGeom>
+        </p:spPr>
+      </p:pic>
+    </p:spTree>
+    <p:extLst>
+      <p:ext uri="{BB962C8B-B14F-4D97-AF65-F5344CB8AC3E}">
+        <p14:creationId xmlns:p14="http://schemas.microsoft.com/office/powerpoint/2010/main" val="1059610666"/>
+      </p:ext>
+    </p:extLst>
+  </p:cSld>
+  <p:clrMapOvr>
+    <a:masterClrMapping/>
+  </p:clrMapOvr>
+</p:sld>
+</file>
+
+<file path=ppt/slides/slide67.xml><?xml version="1.0" encoding="utf-8"?>
+<p:sld xmlns:a="http://schemas.openxmlformats.org/drawingml/2006/main" xmlns:r="http://schemas.openxmlformats.org/officeDocument/2006/relationships" xmlns:p="http://schemas.openxmlformats.org/presentationml/2006/main">
+  <p:cSld>
+    <p:bg>
+      <p:bgPr>
+        <a:solidFill>
+          <a:schemeClr val="bg1"/>
+        </a:solidFill>
+        <a:effectLst/>
+      </p:bgPr>
+    </p:bg>
+    <p:spTree>
+      <p:nvGrpSpPr>
+        <p:cNvPr id="1" name=""/>
+        <p:cNvGrpSpPr/>
+        <p:nvPr/>
+      </p:nvGrpSpPr>
+      <p:grpSpPr>
+        <a:xfrm>
+          <a:off x="0" y="0"/>
+          <a:ext cx="0" cy="0"/>
+          <a:chOff x="0" y="0"/>
+          <a:chExt cx="0" cy="0"/>
+        </a:xfrm>
+      </p:grpSpPr>
+      <p:sp>
+        <p:nvSpPr>
+          <p:cNvPr id="11" name="Flowchart: Document 10">
+            <a:extLst>
+              <a:ext uri="{FF2B5EF4-FFF2-40B4-BE49-F238E27FC236}">
+                <a16:creationId xmlns:a16="http://schemas.microsoft.com/office/drawing/2014/main" id="{D12DDE76-C203-4047-9998-63900085B5E8}"/>
+              </a:ext>
+              <a:ext uri="{C183D7F6-B498-43B3-948B-1728B52AA6E4}">
+                <adec:decorative xmlns:adec="http://schemas.microsoft.com/office/drawing/2017/decorative" val="1"/>
+              </a:ext>
+            </a:extLst>
+          </p:cNvPr>
+          <p:cNvSpPr>
+            <a:spLocks noGrp="1" noRot="1" noChangeAspect="1" noMove="1" noResize="1" noEditPoints="1" noAdjustHandles="1" noChangeArrowheads="1" noChangeShapeType="1" noTextEdit="1"/>
+          </p:cNvSpPr>
+          <p:nvPr>
+            <p:extLst>
+              <p:ext uri="{386F3935-93C4-4BCD-93E2-E3B085C9AB24}">
+                <p16:designElem xmlns:p16="http://schemas.microsoft.com/office/powerpoint/2015/main" val="1"/>
+              </p:ext>
+            </p:extLst>
+          </p:nvPr>
+        </p:nvSpPr>
+        <p:spPr>
+          <a:xfrm>
+            <a:off x="638175" y="0"/>
+            <a:ext cx="3248025" cy="3400426"/>
+          </a:xfrm>
+          <a:prstGeom prst="flowChartDocument">
+            <a:avLst/>
+          </a:prstGeom>
+          <a:solidFill>
+            <a:schemeClr val="accent1"/>
+          </a:solidFill>
+          <a:ln>
+            <a:noFill/>
+          </a:ln>
+        </p:spPr>
+        <p:style>
+          <a:lnRef idx="2">
+            <a:schemeClr val="accent1">
+              <a:shade val="50000"/>
+            </a:schemeClr>
+          </a:lnRef>
+          <a:fillRef idx="1">
+            <a:schemeClr val="accent1"/>
+          </a:fillRef>
+          <a:effectRef idx="0">
+            <a:schemeClr val="accent1"/>
+          </a:effectRef>
+          <a:fontRef idx="minor">
+            <a:schemeClr val="lt1"/>
+          </a:fontRef>
+        </p:style>
+        <p:txBody>
+          <a:bodyPr rtlCol="0" anchor="ctr"/>
+          <a:lstStyle/>
+          <a:p>
+            <a:pPr algn="ctr"/>
+            <a:endParaRPr lang="en-US"/>
+          </a:p>
+        </p:txBody>
+      </p:sp>
+      <p:sp>
+        <p:nvSpPr>
+          <p:cNvPr id="2" name="Title 1">
+            <a:extLst>
+              <a:ext uri="{FF2B5EF4-FFF2-40B4-BE49-F238E27FC236}">
+                <a16:creationId xmlns:a16="http://schemas.microsoft.com/office/drawing/2014/main" id="{9D045432-EED2-8148-BA86-3132BFE644EB}"/>
+              </a:ext>
+            </a:extLst>
+          </p:cNvPr>
+          <p:cNvSpPr>
+            <a:spLocks noGrp="1"/>
+          </p:cNvSpPr>
+          <p:nvPr>
+            <p:ph type="title"/>
+          </p:nvPr>
+        </p:nvSpPr>
+        <p:spPr>
+          <a:xfrm>
+            <a:off x="838200" y="171162"/>
+            <a:ext cx="2840182" cy="3229264"/>
+          </a:xfrm>
+        </p:spPr>
+        <p:txBody>
+          <a:bodyPr vert="horz" lIns="91440" tIns="45720" rIns="91440" bIns="45720" rtlCol="0" anchor="ctr">
+            <a:noAutofit/>
+          </a:bodyPr>
+          <a:lstStyle/>
+          <a:p>
+            <a:r>
+              <a:rPr lang="en-US" sz="3200" kern="1200" dirty="0">
+                <a:solidFill>
+                  <a:srgbClr val="FFFFFF"/>
+                </a:solidFill>
+                <a:latin typeface="+mj-lt"/>
+                <a:ea typeface="+mj-ea"/>
+                <a:cs typeface="+mj-cs"/>
+              </a:rPr>
+              <a:t>La </a:t>
+            </a:r>
+            <a:r>
+              <a:rPr lang="en-US" sz="3200" kern="1200" dirty="0" err="1">
+                <a:solidFill>
+                  <a:srgbClr val="FFFFFF"/>
+                </a:solidFill>
+                <a:latin typeface="+mj-lt"/>
+                <a:ea typeface="+mj-ea"/>
+                <a:cs typeface="+mj-cs"/>
+              </a:rPr>
+              <a:t>clase</a:t>
+            </a:r>
+            <a:r>
+              <a:rPr lang="en-US" sz="3200" dirty="0">
+                <a:solidFill>
+                  <a:srgbClr val="FFFFFF"/>
+                </a:solidFill>
+              </a:rPr>
+              <a:t> </a:t>
+            </a:r>
+            <a:r>
+              <a:rPr lang="en-US" sz="3200" dirty="0" err="1">
+                <a:solidFill>
+                  <a:srgbClr val="FFFFFF"/>
+                </a:solidFill>
+              </a:rPr>
+              <a:t>System.Math</a:t>
+            </a:r>
+            <a:endParaRPr lang="en-US" sz="3200" kern="1200" dirty="0">
+              <a:solidFill>
+                <a:srgbClr val="FFFFFF"/>
+              </a:solidFill>
+              <a:latin typeface="+mj-lt"/>
+              <a:ea typeface="+mj-ea"/>
+              <a:cs typeface="+mj-cs"/>
+            </a:endParaRPr>
+          </a:p>
+        </p:txBody>
+      </p:sp>
+      <p:pic>
+        <p:nvPicPr>
+          <p:cNvPr id="7" name="Picture 6" descr="A screenshot of a cell phone&#10;&#10;Description automatically generated">
+            <a:extLst>
+              <a:ext uri="{FF2B5EF4-FFF2-40B4-BE49-F238E27FC236}">
+                <a16:creationId xmlns:a16="http://schemas.microsoft.com/office/drawing/2014/main" id="{7DB74C2D-2019-E14E-916F-FE427E40E478}"/>
+              </a:ext>
+            </a:extLst>
+          </p:cNvPr>
+          <p:cNvPicPr>
+            <a:picLocks noChangeAspect="1"/>
+          </p:cNvPicPr>
+          <p:nvPr/>
+        </p:nvPicPr>
+        <p:blipFill>
+          <a:blip r:embed="rId3"/>
+          <a:stretch>
+            <a:fillRect/>
+          </a:stretch>
+        </p:blipFill>
+        <p:spPr>
+          <a:xfrm>
+            <a:off x="4862747" y="449289"/>
+            <a:ext cx="5524500" cy="5689600"/>
+          </a:xfrm>
+          <a:prstGeom prst="rect">
+            <a:avLst/>
+          </a:prstGeom>
+        </p:spPr>
+      </p:pic>
+    </p:spTree>
+    <p:extLst>
+      <p:ext uri="{BB962C8B-B14F-4D97-AF65-F5344CB8AC3E}">
+        <p14:creationId xmlns:p14="http://schemas.microsoft.com/office/powerpoint/2010/main" val="2842482433"/>
+      </p:ext>
+    </p:extLst>
+  </p:cSld>
+  <p:clrMapOvr>
+    <a:masterClrMapping/>
+  </p:clrMapOvr>
+</p:sld>
+</file>
+
+<file path=ppt/slides/slide68.xml><?xml version="1.0" encoding="utf-8"?>
+<p:sld xmlns:a="http://schemas.openxmlformats.org/drawingml/2006/main" xmlns:r="http://schemas.openxmlformats.org/officeDocument/2006/relationships" xmlns:p="http://schemas.openxmlformats.org/presentationml/2006/main">
+  <p:cSld>
+    <p:bg>
+      <p:bgPr>
+        <a:solidFill>
+          <a:schemeClr val="bg1"/>
+        </a:solidFill>
+        <a:effectLst/>
+      </p:bgPr>
+    </p:bg>
+    <p:spTree>
+      <p:nvGrpSpPr>
+        <p:cNvPr id="1" name=""/>
+        <p:cNvGrpSpPr/>
+        <p:nvPr/>
+      </p:nvGrpSpPr>
+      <p:grpSpPr>
+        <a:xfrm>
+          <a:off x="0" y="0"/>
+          <a:ext cx="0" cy="0"/>
+          <a:chOff x="0" y="0"/>
+          <a:chExt cx="0" cy="0"/>
+        </a:xfrm>
+      </p:grpSpPr>
+      <p:sp>
+        <p:nvSpPr>
+          <p:cNvPr id="11" name="Flowchart: Document 10">
+            <a:extLst>
+              <a:ext uri="{FF2B5EF4-FFF2-40B4-BE49-F238E27FC236}">
+                <a16:creationId xmlns:a16="http://schemas.microsoft.com/office/drawing/2014/main" id="{D12DDE76-C203-4047-9998-63900085B5E8}"/>
+              </a:ext>
+              <a:ext uri="{C183D7F6-B498-43B3-948B-1728B52AA6E4}">
+                <adec:decorative xmlns:adec="http://schemas.microsoft.com/office/drawing/2017/decorative" val="1"/>
+              </a:ext>
+            </a:extLst>
+          </p:cNvPr>
+          <p:cNvSpPr>
+            <a:spLocks noGrp="1" noRot="1" noChangeAspect="1" noMove="1" noResize="1" noEditPoints="1" noAdjustHandles="1" noChangeArrowheads="1" noChangeShapeType="1" noTextEdit="1"/>
+          </p:cNvSpPr>
+          <p:nvPr>
+            <p:extLst>
+              <p:ext uri="{386F3935-93C4-4BCD-93E2-E3B085C9AB24}">
+                <p16:designElem xmlns:p16="http://schemas.microsoft.com/office/powerpoint/2015/main" val="1"/>
+              </p:ext>
+            </p:extLst>
+          </p:nvPr>
+        </p:nvSpPr>
+        <p:spPr>
+          <a:xfrm>
+            <a:off x="638175" y="0"/>
+            <a:ext cx="3248025" cy="3400426"/>
+          </a:xfrm>
+          <a:prstGeom prst="flowChartDocument">
+            <a:avLst/>
+          </a:prstGeom>
+          <a:solidFill>
+            <a:schemeClr val="accent1"/>
+          </a:solidFill>
+          <a:ln>
+            <a:noFill/>
+          </a:ln>
+        </p:spPr>
+        <p:style>
+          <a:lnRef idx="2">
+            <a:schemeClr val="accent1">
+              <a:shade val="50000"/>
+            </a:schemeClr>
+          </a:lnRef>
+          <a:fillRef idx="1">
+            <a:schemeClr val="accent1"/>
+          </a:fillRef>
+          <a:effectRef idx="0">
+            <a:schemeClr val="accent1"/>
+          </a:effectRef>
+          <a:fontRef idx="minor">
+            <a:schemeClr val="lt1"/>
+          </a:fontRef>
+        </p:style>
+        <p:txBody>
+          <a:bodyPr rtlCol="0" anchor="ctr"/>
+          <a:lstStyle/>
+          <a:p>
+            <a:pPr algn="ctr"/>
+            <a:endParaRPr lang="en-US"/>
+          </a:p>
+        </p:txBody>
+      </p:sp>
+      <p:sp>
+        <p:nvSpPr>
+          <p:cNvPr id="2" name="Title 1">
+            <a:extLst>
+              <a:ext uri="{FF2B5EF4-FFF2-40B4-BE49-F238E27FC236}">
+                <a16:creationId xmlns:a16="http://schemas.microsoft.com/office/drawing/2014/main" id="{9D045432-EED2-8148-BA86-3132BFE644EB}"/>
+              </a:ext>
+            </a:extLst>
+          </p:cNvPr>
+          <p:cNvSpPr>
+            <a:spLocks noGrp="1"/>
+          </p:cNvSpPr>
+          <p:nvPr>
+            <p:ph type="title"/>
+          </p:nvPr>
+        </p:nvSpPr>
+        <p:spPr>
+          <a:xfrm>
+            <a:off x="838200" y="171162"/>
+            <a:ext cx="2840182" cy="3229264"/>
+          </a:xfrm>
+        </p:spPr>
+        <p:txBody>
+          <a:bodyPr vert="horz" lIns="91440" tIns="45720" rIns="91440" bIns="45720" rtlCol="0" anchor="ctr">
+            <a:noAutofit/>
+          </a:bodyPr>
+          <a:lstStyle/>
+          <a:p>
+            <a:r>
+              <a:rPr lang="en-US" sz="3200" dirty="0">
+                <a:solidFill>
+                  <a:srgbClr val="FFFFFF"/>
+                </a:solidFill>
+              </a:rPr>
+              <a:t>Las </a:t>
+            </a:r>
+            <a:r>
+              <a:rPr lang="en-US" sz="3200" dirty="0" err="1">
+                <a:solidFill>
+                  <a:srgbClr val="FFFFFF"/>
+                </a:solidFill>
+              </a:rPr>
+              <a:t>construcciones</a:t>
+            </a:r>
+            <a:r>
+              <a:rPr lang="en-US" sz="3200" dirty="0">
+                <a:solidFill>
+                  <a:srgbClr val="FFFFFF"/>
+                </a:solidFill>
+              </a:rPr>
+              <a:t> de </a:t>
+            </a:r>
+            <a:r>
+              <a:rPr lang="en-US" sz="3200" dirty="0" err="1">
+                <a:solidFill>
+                  <a:srgbClr val="FFFFFF"/>
+                </a:solidFill>
+              </a:rPr>
+              <a:t>iteración</a:t>
+            </a:r>
+            <a:r>
+              <a:rPr lang="en-US" sz="3200" dirty="0">
+                <a:solidFill>
+                  <a:srgbClr val="FFFFFF"/>
+                </a:solidFill>
+              </a:rPr>
+              <a:t> o loops</a:t>
+            </a:r>
+            <a:endParaRPr lang="en-US" sz="3200" kern="1200" dirty="0">
+              <a:solidFill>
+                <a:srgbClr val="FFFFFF"/>
+              </a:solidFill>
+              <a:latin typeface="+mj-lt"/>
+              <a:ea typeface="+mj-ea"/>
+              <a:cs typeface="+mj-cs"/>
+            </a:endParaRPr>
+          </a:p>
+        </p:txBody>
+      </p:sp>
+      <p:sp>
+        <p:nvSpPr>
+          <p:cNvPr id="6" name="TextBox 5">
+            <a:extLst>
+              <a:ext uri="{FF2B5EF4-FFF2-40B4-BE49-F238E27FC236}">
+                <a16:creationId xmlns:a16="http://schemas.microsoft.com/office/drawing/2014/main" id="{B787FDE0-D221-5344-AE76-795D3CD93923}"/>
+              </a:ext>
+            </a:extLst>
+          </p:cNvPr>
+          <p:cNvSpPr txBox="1"/>
+          <p:nvPr/>
+        </p:nvSpPr>
+        <p:spPr>
+          <a:xfrm>
+            <a:off x="5637553" y="1700213"/>
+            <a:ext cx="3627620" cy="3046988"/>
+          </a:xfrm>
+          <a:prstGeom prst="rect">
+            <a:avLst/>
+          </a:prstGeom>
+          <a:noFill/>
+        </p:spPr>
+        <p:txBody>
+          <a:bodyPr wrap="square" rtlCol="0">
+            <a:spAutoFit/>
+          </a:bodyPr>
+          <a:lstStyle/>
+          <a:p>
             <a:pPr marL="285750" indent="-285750">
               <a:buFont typeface="Arial" panose="020B0604020202020204" pitchFamily="34" charset="0"/>
               <a:buChar char="•"/>
@@ -21164,6 +22933,184 @@
     <p:extLst>
       <p:ext uri="{BB962C8B-B14F-4D97-AF65-F5344CB8AC3E}">
         <p14:creationId xmlns:p14="http://schemas.microsoft.com/office/powerpoint/2010/main" val="1589950708"/>
+      </p:ext>
+    </p:extLst>
+  </p:cSld>
+  <p:clrMapOvr>
+    <a:masterClrMapping/>
+  </p:clrMapOvr>
+</p:sld>
+</file>
+
+<file path=ppt/slides/slide69.xml><?xml version="1.0" encoding="utf-8"?>
+<p:sld xmlns:a="http://schemas.openxmlformats.org/drawingml/2006/main" xmlns:r="http://schemas.openxmlformats.org/officeDocument/2006/relationships" xmlns:p="http://schemas.openxmlformats.org/presentationml/2006/main">
+  <p:cSld>
+    <p:bg>
+      <p:bgPr>
+        <a:solidFill>
+          <a:schemeClr val="bg1"/>
+        </a:solidFill>
+        <a:effectLst/>
+      </p:bgPr>
+    </p:bg>
+    <p:spTree>
+      <p:nvGrpSpPr>
+        <p:cNvPr id="1" name=""/>
+        <p:cNvGrpSpPr/>
+        <p:nvPr/>
+      </p:nvGrpSpPr>
+      <p:grpSpPr>
+        <a:xfrm>
+          <a:off x="0" y="0"/>
+          <a:ext cx="0" cy="0"/>
+          <a:chOff x="0" y="0"/>
+          <a:chExt cx="0" cy="0"/>
+        </a:xfrm>
+      </p:grpSpPr>
+      <p:sp>
+        <p:nvSpPr>
+          <p:cNvPr id="11" name="Flowchart: Document 10">
+            <a:extLst>
+              <a:ext uri="{FF2B5EF4-FFF2-40B4-BE49-F238E27FC236}">
+                <a16:creationId xmlns:a16="http://schemas.microsoft.com/office/drawing/2014/main" id="{D12DDE76-C203-4047-9998-63900085B5E8}"/>
+              </a:ext>
+              <a:ext uri="{C183D7F6-B498-43B3-948B-1728B52AA6E4}">
+                <adec:decorative xmlns:adec="http://schemas.microsoft.com/office/drawing/2017/decorative" val="1"/>
+              </a:ext>
+            </a:extLst>
+          </p:cNvPr>
+          <p:cNvSpPr>
+            <a:spLocks noGrp="1" noRot="1" noChangeAspect="1" noMove="1" noResize="1" noEditPoints="1" noAdjustHandles="1" noChangeArrowheads="1" noChangeShapeType="1" noTextEdit="1"/>
+          </p:cNvSpPr>
+          <p:nvPr>
+            <p:extLst>
+              <p:ext uri="{386F3935-93C4-4BCD-93E2-E3B085C9AB24}">
+                <p16:designElem xmlns:p16="http://schemas.microsoft.com/office/powerpoint/2015/main" val="1"/>
+              </p:ext>
+            </p:extLst>
+          </p:nvPr>
+        </p:nvSpPr>
+        <p:spPr>
+          <a:xfrm>
+            <a:off x="638175" y="0"/>
+            <a:ext cx="3248025" cy="3400426"/>
+          </a:xfrm>
+          <a:prstGeom prst="flowChartDocument">
+            <a:avLst/>
+          </a:prstGeom>
+          <a:solidFill>
+            <a:schemeClr val="accent1"/>
+          </a:solidFill>
+          <a:ln>
+            <a:noFill/>
+          </a:ln>
+        </p:spPr>
+        <p:style>
+          <a:lnRef idx="2">
+            <a:schemeClr val="accent1">
+              <a:shade val="50000"/>
+            </a:schemeClr>
+          </a:lnRef>
+          <a:fillRef idx="1">
+            <a:schemeClr val="accent1"/>
+          </a:fillRef>
+          <a:effectRef idx="0">
+            <a:schemeClr val="accent1"/>
+          </a:effectRef>
+          <a:fontRef idx="minor">
+            <a:schemeClr val="lt1"/>
+          </a:fontRef>
+        </p:style>
+        <p:txBody>
+          <a:bodyPr rtlCol="0" anchor="ctr"/>
+          <a:lstStyle/>
+          <a:p>
+            <a:pPr algn="ctr"/>
+            <a:endParaRPr lang="en-US"/>
+          </a:p>
+        </p:txBody>
+      </p:sp>
+      <p:sp>
+        <p:nvSpPr>
+          <p:cNvPr id="2" name="Title 1">
+            <a:extLst>
+              <a:ext uri="{FF2B5EF4-FFF2-40B4-BE49-F238E27FC236}">
+                <a16:creationId xmlns:a16="http://schemas.microsoft.com/office/drawing/2014/main" id="{9D045432-EED2-8148-BA86-3132BFE644EB}"/>
+              </a:ext>
+            </a:extLst>
+          </p:cNvPr>
+          <p:cNvSpPr>
+            <a:spLocks noGrp="1"/>
+          </p:cNvSpPr>
+          <p:nvPr>
+            <p:ph type="title"/>
+          </p:nvPr>
+        </p:nvSpPr>
+        <p:spPr>
+          <a:xfrm>
+            <a:off x="838200" y="171162"/>
+            <a:ext cx="2840182" cy="3229264"/>
+          </a:xfrm>
+        </p:spPr>
+        <p:txBody>
+          <a:bodyPr vert="horz" lIns="91440" tIns="45720" rIns="91440" bIns="45720" rtlCol="0" anchor="ctr">
+            <a:noAutofit/>
+          </a:bodyPr>
+          <a:lstStyle/>
+          <a:p>
+            <a:r>
+              <a:rPr lang="en-US" sz="3200" dirty="0">
+                <a:solidFill>
+                  <a:srgbClr val="FFFFFF"/>
+                </a:solidFill>
+              </a:rPr>
+              <a:t>for</a:t>
+            </a:r>
+            <a:endParaRPr lang="en-US" sz="3200" kern="1200" dirty="0">
+              <a:solidFill>
+                <a:srgbClr val="FFFFFF"/>
+              </a:solidFill>
+              <a:latin typeface="+mj-lt"/>
+              <a:ea typeface="+mj-ea"/>
+              <a:cs typeface="+mj-cs"/>
+            </a:endParaRPr>
+          </a:p>
+        </p:txBody>
+      </p:sp>
+      <p:pic>
+        <p:nvPicPr>
+          <p:cNvPr id="4" name="Picture 3" descr="A screenshot of a cell phone&#10;&#10;Description automatically generated">
+            <a:extLst>
+              <a:ext uri="{FF2B5EF4-FFF2-40B4-BE49-F238E27FC236}">
+                <a16:creationId xmlns:a16="http://schemas.microsoft.com/office/drawing/2014/main" id="{B7EAA950-0D0E-DC4A-9A61-31B4730AB17D}"/>
+              </a:ext>
+            </a:extLst>
+          </p:cNvPr>
+          <p:cNvPicPr>
+            <a:picLocks noChangeAspect="1"/>
+          </p:cNvPicPr>
+          <p:nvPr/>
+        </p:nvPicPr>
+        <p:blipFill>
+          <a:blip r:embed="rId3"/>
+          <a:stretch>
+            <a:fillRect/>
+          </a:stretch>
+        </p:blipFill>
+        <p:spPr>
+          <a:xfrm>
+            <a:off x="4837874" y="171162"/>
+            <a:ext cx="4483100" cy="6146800"/>
+          </a:xfrm>
+          <a:prstGeom prst="rect">
+            <a:avLst/>
+          </a:prstGeom>
+        </p:spPr>
+      </p:pic>
+    </p:spTree>
+    <p:extLst>
+      <p:ext uri="{BB962C8B-B14F-4D97-AF65-F5344CB8AC3E}">
+        <p14:creationId xmlns:p14="http://schemas.microsoft.com/office/powerpoint/2010/main" val="1515001185"/>
       </p:ext>
     </p:extLst>
   </p:cSld>
@@ -21350,6 +23297,184 @@
     <p:extLst>
       <p:ext uri="{BB962C8B-B14F-4D97-AF65-F5344CB8AC3E}">
         <p14:creationId xmlns:p14="http://schemas.microsoft.com/office/powerpoint/2010/main" val="2457761474"/>
+      </p:ext>
+    </p:extLst>
+  </p:cSld>
+  <p:clrMapOvr>
+    <a:masterClrMapping/>
+  </p:clrMapOvr>
+</p:sld>
+</file>
+
+<file path=ppt/slides/slide70.xml><?xml version="1.0" encoding="utf-8"?>
+<p:sld xmlns:a="http://schemas.openxmlformats.org/drawingml/2006/main" xmlns:r="http://schemas.openxmlformats.org/officeDocument/2006/relationships" xmlns:p="http://schemas.openxmlformats.org/presentationml/2006/main">
+  <p:cSld>
+    <p:bg>
+      <p:bgPr>
+        <a:solidFill>
+          <a:schemeClr val="bg1"/>
+        </a:solidFill>
+        <a:effectLst/>
+      </p:bgPr>
+    </p:bg>
+    <p:spTree>
+      <p:nvGrpSpPr>
+        <p:cNvPr id="1" name=""/>
+        <p:cNvGrpSpPr/>
+        <p:nvPr/>
+      </p:nvGrpSpPr>
+      <p:grpSpPr>
+        <a:xfrm>
+          <a:off x="0" y="0"/>
+          <a:ext cx="0" cy="0"/>
+          <a:chOff x="0" y="0"/>
+          <a:chExt cx="0" cy="0"/>
+        </a:xfrm>
+      </p:grpSpPr>
+      <p:sp>
+        <p:nvSpPr>
+          <p:cNvPr id="11" name="Flowchart: Document 10">
+            <a:extLst>
+              <a:ext uri="{FF2B5EF4-FFF2-40B4-BE49-F238E27FC236}">
+                <a16:creationId xmlns:a16="http://schemas.microsoft.com/office/drawing/2014/main" id="{D12DDE76-C203-4047-9998-63900085B5E8}"/>
+              </a:ext>
+              <a:ext uri="{C183D7F6-B498-43B3-948B-1728B52AA6E4}">
+                <adec:decorative xmlns:adec="http://schemas.microsoft.com/office/drawing/2017/decorative" val="1"/>
+              </a:ext>
+            </a:extLst>
+          </p:cNvPr>
+          <p:cNvSpPr>
+            <a:spLocks noGrp="1" noRot="1" noChangeAspect="1" noMove="1" noResize="1" noEditPoints="1" noAdjustHandles="1" noChangeArrowheads="1" noChangeShapeType="1" noTextEdit="1"/>
+          </p:cNvSpPr>
+          <p:nvPr>
+            <p:extLst>
+              <p:ext uri="{386F3935-93C4-4BCD-93E2-E3B085C9AB24}">
+                <p16:designElem xmlns:p16="http://schemas.microsoft.com/office/powerpoint/2015/main" val="1"/>
+              </p:ext>
+            </p:extLst>
+          </p:nvPr>
+        </p:nvSpPr>
+        <p:spPr>
+          <a:xfrm>
+            <a:off x="638175" y="0"/>
+            <a:ext cx="3248025" cy="3400426"/>
+          </a:xfrm>
+          <a:prstGeom prst="flowChartDocument">
+            <a:avLst/>
+          </a:prstGeom>
+          <a:solidFill>
+            <a:schemeClr val="accent1"/>
+          </a:solidFill>
+          <a:ln>
+            <a:noFill/>
+          </a:ln>
+        </p:spPr>
+        <p:style>
+          <a:lnRef idx="2">
+            <a:schemeClr val="accent1">
+              <a:shade val="50000"/>
+            </a:schemeClr>
+          </a:lnRef>
+          <a:fillRef idx="1">
+            <a:schemeClr val="accent1"/>
+          </a:fillRef>
+          <a:effectRef idx="0">
+            <a:schemeClr val="accent1"/>
+          </a:effectRef>
+          <a:fontRef idx="minor">
+            <a:schemeClr val="lt1"/>
+          </a:fontRef>
+        </p:style>
+        <p:txBody>
+          <a:bodyPr rtlCol="0" anchor="ctr"/>
+          <a:lstStyle/>
+          <a:p>
+            <a:pPr algn="ctr"/>
+            <a:endParaRPr lang="en-US"/>
+          </a:p>
+        </p:txBody>
+      </p:sp>
+      <p:sp>
+        <p:nvSpPr>
+          <p:cNvPr id="2" name="Title 1">
+            <a:extLst>
+              <a:ext uri="{FF2B5EF4-FFF2-40B4-BE49-F238E27FC236}">
+                <a16:creationId xmlns:a16="http://schemas.microsoft.com/office/drawing/2014/main" id="{9D045432-EED2-8148-BA86-3132BFE644EB}"/>
+              </a:ext>
+            </a:extLst>
+          </p:cNvPr>
+          <p:cNvSpPr>
+            <a:spLocks noGrp="1"/>
+          </p:cNvSpPr>
+          <p:nvPr>
+            <p:ph type="title"/>
+          </p:nvPr>
+        </p:nvSpPr>
+        <p:spPr>
+          <a:xfrm>
+            <a:off x="838200" y="171162"/>
+            <a:ext cx="2840182" cy="3229264"/>
+          </a:xfrm>
+        </p:spPr>
+        <p:txBody>
+          <a:bodyPr vert="horz" lIns="91440" tIns="45720" rIns="91440" bIns="45720" rtlCol="0" anchor="ctr">
+            <a:noAutofit/>
+          </a:bodyPr>
+          <a:lstStyle/>
+          <a:p>
+            <a:r>
+              <a:rPr lang="en-US" sz="3200" dirty="0">
+                <a:solidFill>
+                  <a:srgbClr val="FFFFFF"/>
+                </a:solidFill>
+              </a:rPr>
+              <a:t>for</a:t>
+            </a:r>
+            <a:endParaRPr lang="en-US" sz="3200" kern="1200" dirty="0">
+              <a:solidFill>
+                <a:srgbClr val="FFFFFF"/>
+              </a:solidFill>
+              <a:latin typeface="+mj-lt"/>
+              <a:ea typeface="+mj-ea"/>
+              <a:cs typeface="+mj-cs"/>
+            </a:endParaRPr>
+          </a:p>
+        </p:txBody>
+      </p:sp>
+      <p:pic>
+        <p:nvPicPr>
+          <p:cNvPr id="7" name="Picture 6" descr="A screenshot of a cell phone&#10;&#10;Description automatically generated">
+            <a:extLst>
+              <a:ext uri="{FF2B5EF4-FFF2-40B4-BE49-F238E27FC236}">
+                <a16:creationId xmlns:a16="http://schemas.microsoft.com/office/drawing/2014/main" id="{E40C7681-0803-4144-8E7F-42C4AEE8DB9A}"/>
+              </a:ext>
+            </a:extLst>
+          </p:cNvPr>
+          <p:cNvPicPr>
+            <a:picLocks noChangeAspect="1"/>
+          </p:cNvPicPr>
+          <p:nvPr/>
+        </p:nvPicPr>
+        <p:blipFill>
+          <a:blip r:embed="rId3"/>
+          <a:stretch>
+            <a:fillRect/>
+          </a:stretch>
+        </p:blipFill>
+        <p:spPr>
+          <a:xfrm>
+            <a:off x="4086225" y="419100"/>
+            <a:ext cx="7531100" cy="6019800"/>
+          </a:xfrm>
+          <a:prstGeom prst="rect">
+            <a:avLst/>
+          </a:prstGeom>
+        </p:spPr>
+      </p:pic>
+    </p:spTree>
+    <p:extLst>
+      <p:ext uri="{BB962C8B-B14F-4D97-AF65-F5344CB8AC3E}">
+        <p14:creationId xmlns:p14="http://schemas.microsoft.com/office/powerpoint/2010/main" val="2406219561"/>
       </p:ext>
     </p:extLst>
   </p:cSld>

--- a/Curso201.pptx
+++ b/Curso201.pptx
@@ -5,7 +5,7 @@
     <p:sldMasterId id="2147483648" r:id="rId1"/>
   </p:sldMasterIdLst>
   <p:notesMasterIdLst>
-    <p:notesMasterId r:id="rId72"/>
+    <p:notesMasterId r:id="rId76"/>
   </p:notesMasterIdLst>
   <p:sldIdLst>
     <p:sldId id="256" r:id="rId2"/>
@@ -78,6 +78,10 @@
     <p:sldId id="313" r:id="rId69"/>
     <p:sldId id="328" r:id="rId70"/>
     <p:sldId id="329" r:id="rId71"/>
+    <p:sldId id="330" r:id="rId72"/>
+    <p:sldId id="331" r:id="rId73"/>
+    <p:sldId id="332" r:id="rId74"/>
+    <p:sldId id="333" r:id="rId75"/>
   </p:sldIdLst>
   <p:sldSz cx="12192000" cy="6858000"/>
   <p:notesSz cx="6858000" cy="9144000"/>
@@ -3221,6 +3225,90 @@
 </p:notes>
 </file>
 
+<file path=ppt/notesSlides/notesSlide39.xml><?xml version="1.0" encoding="utf-8"?>
+<p:notes xmlns:a="http://schemas.openxmlformats.org/drawingml/2006/main" xmlns:r="http://schemas.openxmlformats.org/officeDocument/2006/relationships" xmlns:p="http://schemas.openxmlformats.org/presentationml/2006/main">
+  <p:cSld>
+    <p:spTree>
+      <p:nvGrpSpPr>
+        <p:cNvPr id="1" name=""/>
+        <p:cNvGrpSpPr/>
+        <p:nvPr/>
+      </p:nvGrpSpPr>
+      <p:grpSpPr>
+        <a:xfrm>
+          <a:off x="0" y="0"/>
+          <a:ext cx="0" cy="0"/>
+          <a:chOff x="0" y="0"/>
+          <a:chExt cx="0" cy="0"/>
+        </a:xfrm>
+      </p:grpSpPr>
+      <p:sp>
+        <p:nvSpPr>
+          <p:cNvPr id="2" name="Slide Image Placeholder 1"/>
+          <p:cNvSpPr>
+            <a:spLocks noGrp="1" noRot="1" noChangeAspect="1"/>
+          </p:cNvSpPr>
+          <p:nvPr>
+            <p:ph type="sldImg"/>
+          </p:nvPr>
+        </p:nvSpPr>
+        <p:spPr/>
+      </p:sp>
+      <p:sp>
+        <p:nvSpPr>
+          <p:cNvPr id="3" name="Notes Placeholder 2"/>
+          <p:cNvSpPr>
+            <a:spLocks noGrp="1"/>
+          </p:cNvSpPr>
+          <p:nvPr>
+            <p:ph type="body" idx="1"/>
+          </p:nvPr>
+        </p:nvSpPr>
+        <p:spPr/>
+        <p:txBody>
+          <a:bodyPr/>
+          <a:lstStyle/>
+          <a:p>
+            <a:endParaRPr lang="en-US" dirty="0"/>
+          </a:p>
+        </p:txBody>
+      </p:sp>
+      <p:sp>
+        <p:nvSpPr>
+          <p:cNvPr id="4" name="Slide Number Placeholder 3"/>
+          <p:cNvSpPr>
+            <a:spLocks noGrp="1"/>
+          </p:cNvSpPr>
+          <p:nvPr>
+            <p:ph type="sldNum" sz="quarter" idx="5"/>
+          </p:nvPr>
+        </p:nvSpPr>
+        <p:spPr/>
+        <p:txBody>
+          <a:bodyPr/>
+          <a:lstStyle/>
+          <a:p>
+            <a:fld id="{3BE7DE0F-4338-D345-B6F5-61C48058FBBB}" type="slidenum">
+              <a:rPr lang="en-US" smtClean="0"/>
+              <a:t>71</a:t>
+            </a:fld>
+            <a:endParaRPr lang="en-US"/>
+          </a:p>
+        </p:txBody>
+      </p:sp>
+    </p:spTree>
+    <p:extLst>
+      <p:ext uri="{BB962C8B-B14F-4D97-AF65-F5344CB8AC3E}">
+        <p14:creationId xmlns:p14="http://schemas.microsoft.com/office/powerpoint/2010/main" val="2229984058"/>
+      </p:ext>
+    </p:extLst>
+  </p:cSld>
+  <p:clrMapOvr>
+    <a:masterClrMapping/>
+  </p:clrMapOvr>
+</p:notes>
+</file>
+
 <file path=ppt/notesSlides/notesSlide4.xml><?xml version="1.0" encoding="utf-8"?>
 <p:notes xmlns:a="http://schemas.openxmlformats.org/drawingml/2006/main" xmlns:r="http://schemas.openxmlformats.org/officeDocument/2006/relationships" xmlns:p="http://schemas.openxmlformats.org/presentationml/2006/main">
   <p:cSld>
@@ -3296,6 +3384,258 @@
     <p:extLst>
       <p:ext uri="{BB962C8B-B14F-4D97-AF65-F5344CB8AC3E}">
         <p14:creationId xmlns:p14="http://schemas.microsoft.com/office/powerpoint/2010/main" val="2083485034"/>
+      </p:ext>
+    </p:extLst>
+  </p:cSld>
+  <p:clrMapOvr>
+    <a:masterClrMapping/>
+  </p:clrMapOvr>
+</p:notes>
+</file>
+
+<file path=ppt/notesSlides/notesSlide40.xml><?xml version="1.0" encoding="utf-8"?>
+<p:notes xmlns:a="http://schemas.openxmlformats.org/drawingml/2006/main" xmlns:r="http://schemas.openxmlformats.org/officeDocument/2006/relationships" xmlns:p="http://schemas.openxmlformats.org/presentationml/2006/main">
+  <p:cSld>
+    <p:spTree>
+      <p:nvGrpSpPr>
+        <p:cNvPr id="1" name=""/>
+        <p:cNvGrpSpPr/>
+        <p:nvPr/>
+      </p:nvGrpSpPr>
+      <p:grpSpPr>
+        <a:xfrm>
+          <a:off x="0" y="0"/>
+          <a:ext cx="0" cy="0"/>
+          <a:chOff x="0" y="0"/>
+          <a:chExt cx="0" cy="0"/>
+        </a:xfrm>
+      </p:grpSpPr>
+      <p:sp>
+        <p:nvSpPr>
+          <p:cNvPr id="2" name="Slide Image Placeholder 1"/>
+          <p:cNvSpPr>
+            <a:spLocks noGrp="1" noRot="1" noChangeAspect="1"/>
+          </p:cNvSpPr>
+          <p:nvPr>
+            <p:ph type="sldImg"/>
+          </p:nvPr>
+        </p:nvSpPr>
+        <p:spPr/>
+      </p:sp>
+      <p:sp>
+        <p:nvSpPr>
+          <p:cNvPr id="3" name="Notes Placeholder 2"/>
+          <p:cNvSpPr>
+            <a:spLocks noGrp="1"/>
+          </p:cNvSpPr>
+          <p:nvPr>
+            <p:ph type="body" idx="1"/>
+          </p:nvPr>
+        </p:nvSpPr>
+        <p:spPr/>
+        <p:txBody>
+          <a:bodyPr/>
+          <a:lstStyle/>
+          <a:p>
+            <a:endParaRPr lang="en-US" dirty="0"/>
+          </a:p>
+        </p:txBody>
+      </p:sp>
+      <p:sp>
+        <p:nvSpPr>
+          <p:cNvPr id="4" name="Slide Number Placeholder 3"/>
+          <p:cNvSpPr>
+            <a:spLocks noGrp="1"/>
+          </p:cNvSpPr>
+          <p:nvPr>
+            <p:ph type="sldNum" sz="quarter" idx="5"/>
+          </p:nvPr>
+        </p:nvSpPr>
+        <p:spPr/>
+        <p:txBody>
+          <a:bodyPr/>
+          <a:lstStyle/>
+          <a:p>
+            <a:fld id="{3BE7DE0F-4338-D345-B6F5-61C48058FBBB}" type="slidenum">
+              <a:rPr lang="en-US" smtClean="0"/>
+              <a:t>72</a:t>
+            </a:fld>
+            <a:endParaRPr lang="en-US"/>
+          </a:p>
+        </p:txBody>
+      </p:sp>
+    </p:spTree>
+    <p:extLst>
+      <p:ext uri="{BB962C8B-B14F-4D97-AF65-F5344CB8AC3E}">
+        <p14:creationId xmlns:p14="http://schemas.microsoft.com/office/powerpoint/2010/main" val="2346467872"/>
+      </p:ext>
+    </p:extLst>
+  </p:cSld>
+  <p:clrMapOvr>
+    <a:masterClrMapping/>
+  </p:clrMapOvr>
+</p:notes>
+</file>
+
+<file path=ppt/notesSlides/notesSlide41.xml><?xml version="1.0" encoding="utf-8"?>
+<p:notes xmlns:a="http://schemas.openxmlformats.org/drawingml/2006/main" xmlns:r="http://schemas.openxmlformats.org/officeDocument/2006/relationships" xmlns:p="http://schemas.openxmlformats.org/presentationml/2006/main">
+  <p:cSld>
+    <p:spTree>
+      <p:nvGrpSpPr>
+        <p:cNvPr id="1" name=""/>
+        <p:cNvGrpSpPr/>
+        <p:nvPr/>
+      </p:nvGrpSpPr>
+      <p:grpSpPr>
+        <a:xfrm>
+          <a:off x="0" y="0"/>
+          <a:ext cx="0" cy="0"/>
+          <a:chOff x="0" y="0"/>
+          <a:chExt cx="0" cy="0"/>
+        </a:xfrm>
+      </p:grpSpPr>
+      <p:sp>
+        <p:nvSpPr>
+          <p:cNvPr id="2" name="Slide Image Placeholder 1"/>
+          <p:cNvSpPr>
+            <a:spLocks noGrp="1" noRot="1" noChangeAspect="1"/>
+          </p:cNvSpPr>
+          <p:nvPr>
+            <p:ph type="sldImg"/>
+          </p:nvPr>
+        </p:nvSpPr>
+        <p:spPr/>
+      </p:sp>
+      <p:sp>
+        <p:nvSpPr>
+          <p:cNvPr id="3" name="Notes Placeholder 2"/>
+          <p:cNvSpPr>
+            <a:spLocks noGrp="1"/>
+          </p:cNvSpPr>
+          <p:nvPr>
+            <p:ph type="body" idx="1"/>
+          </p:nvPr>
+        </p:nvSpPr>
+        <p:spPr/>
+        <p:txBody>
+          <a:bodyPr/>
+          <a:lstStyle/>
+          <a:p>
+            <a:endParaRPr lang="en-US" dirty="0"/>
+          </a:p>
+        </p:txBody>
+      </p:sp>
+      <p:sp>
+        <p:nvSpPr>
+          <p:cNvPr id="4" name="Slide Number Placeholder 3"/>
+          <p:cNvSpPr>
+            <a:spLocks noGrp="1"/>
+          </p:cNvSpPr>
+          <p:nvPr>
+            <p:ph type="sldNum" sz="quarter" idx="5"/>
+          </p:nvPr>
+        </p:nvSpPr>
+        <p:spPr/>
+        <p:txBody>
+          <a:bodyPr/>
+          <a:lstStyle/>
+          <a:p>
+            <a:fld id="{3BE7DE0F-4338-D345-B6F5-61C48058FBBB}" type="slidenum">
+              <a:rPr lang="en-US" smtClean="0"/>
+              <a:t>73</a:t>
+            </a:fld>
+            <a:endParaRPr lang="en-US"/>
+          </a:p>
+        </p:txBody>
+      </p:sp>
+    </p:spTree>
+    <p:extLst>
+      <p:ext uri="{BB962C8B-B14F-4D97-AF65-F5344CB8AC3E}">
+        <p14:creationId xmlns:p14="http://schemas.microsoft.com/office/powerpoint/2010/main" val="1540327077"/>
+      </p:ext>
+    </p:extLst>
+  </p:cSld>
+  <p:clrMapOvr>
+    <a:masterClrMapping/>
+  </p:clrMapOvr>
+</p:notes>
+</file>
+
+<file path=ppt/notesSlides/notesSlide42.xml><?xml version="1.0" encoding="utf-8"?>
+<p:notes xmlns:a="http://schemas.openxmlformats.org/drawingml/2006/main" xmlns:r="http://schemas.openxmlformats.org/officeDocument/2006/relationships" xmlns:p="http://schemas.openxmlformats.org/presentationml/2006/main">
+  <p:cSld>
+    <p:spTree>
+      <p:nvGrpSpPr>
+        <p:cNvPr id="1" name=""/>
+        <p:cNvGrpSpPr/>
+        <p:nvPr/>
+      </p:nvGrpSpPr>
+      <p:grpSpPr>
+        <a:xfrm>
+          <a:off x="0" y="0"/>
+          <a:ext cx="0" cy="0"/>
+          <a:chOff x="0" y="0"/>
+          <a:chExt cx="0" cy="0"/>
+        </a:xfrm>
+      </p:grpSpPr>
+      <p:sp>
+        <p:nvSpPr>
+          <p:cNvPr id="2" name="Slide Image Placeholder 1"/>
+          <p:cNvSpPr>
+            <a:spLocks noGrp="1" noRot="1" noChangeAspect="1"/>
+          </p:cNvSpPr>
+          <p:nvPr>
+            <p:ph type="sldImg"/>
+          </p:nvPr>
+        </p:nvSpPr>
+        <p:spPr/>
+      </p:sp>
+      <p:sp>
+        <p:nvSpPr>
+          <p:cNvPr id="3" name="Notes Placeholder 2"/>
+          <p:cNvSpPr>
+            <a:spLocks noGrp="1"/>
+          </p:cNvSpPr>
+          <p:nvPr>
+            <p:ph type="body" idx="1"/>
+          </p:nvPr>
+        </p:nvSpPr>
+        <p:spPr/>
+        <p:txBody>
+          <a:bodyPr/>
+          <a:lstStyle/>
+          <a:p>
+            <a:endParaRPr lang="en-US" dirty="0"/>
+          </a:p>
+        </p:txBody>
+      </p:sp>
+      <p:sp>
+        <p:nvSpPr>
+          <p:cNvPr id="4" name="Slide Number Placeholder 3"/>
+          <p:cNvSpPr>
+            <a:spLocks noGrp="1"/>
+          </p:cNvSpPr>
+          <p:nvPr>
+            <p:ph type="sldNum" sz="quarter" idx="5"/>
+          </p:nvPr>
+        </p:nvSpPr>
+        <p:spPr/>
+        <p:txBody>
+          <a:bodyPr/>
+          <a:lstStyle/>
+          <a:p>
+            <a:fld id="{3BE7DE0F-4338-D345-B6F5-61C48058FBBB}" type="slidenum">
+              <a:rPr lang="en-US" smtClean="0"/>
+              <a:t>74</a:t>
+            </a:fld>
+            <a:endParaRPr lang="en-US"/>
+          </a:p>
+        </p:txBody>
+      </p:sp>
+    </p:spTree>
+    <p:extLst>
+      <p:ext uri="{BB962C8B-B14F-4D97-AF65-F5344CB8AC3E}">
+        <p14:creationId xmlns:p14="http://schemas.microsoft.com/office/powerpoint/2010/main" val="1456056018"/>
       </p:ext>
     </p:extLst>
   </p:cSld>
@@ -23475,6 +23815,718 @@
     <p:extLst>
       <p:ext uri="{BB962C8B-B14F-4D97-AF65-F5344CB8AC3E}">
         <p14:creationId xmlns:p14="http://schemas.microsoft.com/office/powerpoint/2010/main" val="2406219561"/>
+      </p:ext>
+    </p:extLst>
+  </p:cSld>
+  <p:clrMapOvr>
+    <a:masterClrMapping/>
+  </p:clrMapOvr>
+</p:sld>
+</file>
+
+<file path=ppt/slides/slide71.xml><?xml version="1.0" encoding="utf-8"?>
+<p:sld xmlns:a="http://schemas.openxmlformats.org/drawingml/2006/main" xmlns:r="http://schemas.openxmlformats.org/officeDocument/2006/relationships" xmlns:p="http://schemas.openxmlformats.org/presentationml/2006/main">
+  <p:cSld>
+    <p:bg>
+      <p:bgPr>
+        <a:solidFill>
+          <a:schemeClr val="bg1"/>
+        </a:solidFill>
+        <a:effectLst/>
+      </p:bgPr>
+    </p:bg>
+    <p:spTree>
+      <p:nvGrpSpPr>
+        <p:cNvPr id="1" name=""/>
+        <p:cNvGrpSpPr/>
+        <p:nvPr/>
+      </p:nvGrpSpPr>
+      <p:grpSpPr>
+        <a:xfrm>
+          <a:off x="0" y="0"/>
+          <a:ext cx="0" cy="0"/>
+          <a:chOff x="0" y="0"/>
+          <a:chExt cx="0" cy="0"/>
+        </a:xfrm>
+      </p:grpSpPr>
+      <p:sp>
+        <p:nvSpPr>
+          <p:cNvPr id="11" name="Flowchart: Document 10">
+            <a:extLst>
+              <a:ext uri="{FF2B5EF4-FFF2-40B4-BE49-F238E27FC236}">
+                <a16:creationId xmlns:a16="http://schemas.microsoft.com/office/drawing/2014/main" id="{D12DDE76-C203-4047-9998-63900085B5E8}"/>
+              </a:ext>
+              <a:ext uri="{C183D7F6-B498-43B3-948B-1728B52AA6E4}">
+                <adec:decorative xmlns:adec="http://schemas.microsoft.com/office/drawing/2017/decorative" val="1"/>
+              </a:ext>
+            </a:extLst>
+          </p:cNvPr>
+          <p:cNvSpPr>
+            <a:spLocks noGrp="1" noRot="1" noChangeAspect="1" noMove="1" noResize="1" noEditPoints="1" noAdjustHandles="1" noChangeArrowheads="1" noChangeShapeType="1" noTextEdit="1"/>
+          </p:cNvSpPr>
+          <p:nvPr>
+            <p:extLst>
+              <p:ext uri="{386F3935-93C4-4BCD-93E2-E3B085C9AB24}">
+                <p16:designElem xmlns:p16="http://schemas.microsoft.com/office/powerpoint/2015/main" val="1"/>
+              </p:ext>
+            </p:extLst>
+          </p:nvPr>
+        </p:nvSpPr>
+        <p:spPr>
+          <a:xfrm>
+            <a:off x="638175" y="0"/>
+            <a:ext cx="3248025" cy="3400426"/>
+          </a:xfrm>
+          <a:prstGeom prst="flowChartDocument">
+            <a:avLst/>
+          </a:prstGeom>
+          <a:solidFill>
+            <a:schemeClr val="accent1"/>
+          </a:solidFill>
+          <a:ln>
+            <a:noFill/>
+          </a:ln>
+        </p:spPr>
+        <p:style>
+          <a:lnRef idx="2">
+            <a:schemeClr val="accent1">
+              <a:shade val="50000"/>
+            </a:schemeClr>
+          </a:lnRef>
+          <a:fillRef idx="1">
+            <a:schemeClr val="accent1"/>
+          </a:fillRef>
+          <a:effectRef idx="0">
+            <a:schemeClr val="accent1"/>
+          </a:effectRef>
+          <a:fontRef idx="minor">
+            <a:schemeClr val="lt1"/>
+          </a:fontRef>
+        </p:style>
+        <p:txBody>
+          <a:bodyPr rtlCol="0" anchor="ctr"/>
+          <a:lstStyle/>
+          <a:p>
+            <a:pPr algn="ctr"/>
+            <a:endParaRPr lang="en-US"/>
+          </a:p>
+        </p:txBody>
+      </p:sp>
+      <p:sp>
+        <p:nvSpPr>
+          <p:cNvPr id="2" name="Title 1">
+            <a:extLst>
+              <a:ext uri="{FF2B5EF4-FFF2-40B4-BE49-F238E27FC236}">
+                <a16:creationId xmlns:a16="http://schemas.microsoft.com/office/drawing/2014/main" id="{9D045432-EED2-8148-BA86-3132BFE644EB}"/>
+              </a:ext>
+            </a:extLst>
+          </p:cNvPr>
+          <p:cNvSpPr>
+            <a:spLocks noGrp="1"/>
+          </p:cNvSpPr>
+          <p:nvPr>
+            <p:ph type="title"/>
+          </p:nvPr>
+        </p:nvSpPr>
+        <p:spPr>
+          <a:xfrm>
+            <a:off x="838200" y="171162"/>
+            <a:ext cx="2840182" cy="3229264"/>
+          </a:xfrm>
+        </p:spPr>
+        <p:txBody>
+          <a:bodyPr vert="horz" lIns="91440" tIns="45720" rIns="91440" bIns="45720" rtlCol="0" anchor="ctr">
+            <a:noAutofit/>
+          </a:bodyPr>
+          <a:lstStyle/>
+          <a:p>
+            <a:r>
+              <a:rPr lang="en-US" sz="3200" dirty="0">
+                <a:solidFill>
+                  <a:srgbClr val="FFFFFF"/>
+                </a:solidFill>
+              </a:rPr>
+              <a:t>foreach</a:t>
+            </a:r>
+            <a:endParaRPr lang="en-US" sz="3200" kern="1200" dirty="0">
+              <a:solidFill>
+                <a:srgbClr val="FFFFFF"/>
+              </a:solidFill>
+              <a:latin typeface="+mj-lt"/>
+              <a:ea typeface="+mj-ea"/>
+              <a:cs typeface="+mj-cs"/>
+            </a:endParaRPr>
+          </a:p>
+        </p:txBody>
+      </p:sp>
+      <p:pic>
+        <p:nvPicPr>
+          <p:cNvPr id="4" name="Picture 3" descr="A screenshot of a cell phone&#10;&#10;Description automatically generated">
+            <a:extLst>
+              <a:ext uri="{FF2B5EF4-FFF2-40B4-BE49-F238E27FC236}">
+                <a16:creationId xmlns:a16="http://schemas.microsoft.com/office/drawing/2014/main" id="{5F797258-1721-B24A-9B3B-CA68ED275DF6}"/>
+              </a:ext>
+            </a:extLst>
+          </p:cNvPr>
+          <p:cNvPicPr>
+            <a:picLocks noChangeAspect="1"/>
+          </p:cNvPicPr>
+          <p:nvPr/>
+        </p:nvPicPr>
+        <p:blipFill>
+          <a:blip r:embed="rId3"/>
+          <a:stretch>
+            <a:fillRect/>
+          </a:stretch>
+        </p:blipFill>
+        <p:spPr>
+          <a:xfrm>
+            <a:off x="4086225" y="434976"/>
+            <a:ext cx="7928566" cy="5930900"/>
+          </a:xfrm>
+          <a:prstGeom prst="rect">
+            <a:avLst/>
+          </a:prstGeom>
+        </p:spPr>
+      </p:pic>
+    </p:spTree>
+    <p:extLst>
+      <p:ext uri="{BB962C8B-B14F-4D97-AF65-F5344CB8AC3E}">
+        <p14:creationId xmlns:p14="http://schemas.microsoft.com/office/powerpoint/2010/main" val="3621850026"/>
+      </p:ext>
+    </p:extLst>
+  </p:cSld>
+  <p:clrMapOvr>
+    <a:masterClrMapping/>
+  </p:clrMapOvr>
+</p:sld>
+</file>
+
+<file path=ppt/slides/slide72.xml><?xml version="1.0" encoding="utf-8"?>
+<p:sld xmlns:a="http://schemas.openxmlformats.org/drawingml/2006/main" xmlns:r="http://schemas.openxmlformats.org/officeDocument/2006/relationships" xmlns:p="http://schemas.openxmlformats.org/presentationml/2006/main">
+  <p:cSld>
+    <p:bg>
+      <p:bgPr>
+        <a:solidFill>
+          <a:schemeClr val="bg1"/>
+        </a:solidFill>
+        <a:effectLst/>
+      </p:bgPr>
+    </p:bg>
+    <p:spTree>
+      <p:nvGrpSpPr>
+        <p:cNvPr id="1" name=""/>
+        <p:cNvGrpSpPr/>
+        <p:nvPr/>
+      </p:nvGrpSpPr>
+      <p:grpSpPr>
+        <a:xfrm>
+          <a:off x="0" y="0"/>
+          <a:ext cx="0" cy="0"/>
+          <a:chOff x="0" y="0"/>
+          <a:chExt cx="0" cy="0"/>
+        </a:xfrm>
+      </p:grpSpPr>
+      <p:sp>
+        <p:nvSpPr>
+          <p:cNvPr id="11" name="Flowchart: Document 10">
+            <a:extLst>
+              <a:ext uri="{FF2B5EF4-FFF2-40B4-BE49-F238E27FC236}">
+                <a16:creationId xmlns:a16="http://schemas.microsoft.com/office/drawing/2014/main" id="{D12DDE76-C203-4047-9998-63900085B5E8}"/>
+              </a:ext>
+              <a:ext uri="{C183D7F6-B498-43B3-948B-1728B52AA6E4}">
+                <adec:decorative xmlns:adec="http://schemas.microsoft.com/office/drawing/2017/decorative" val="1"/>
+              </a:ext>
+            </a:extLst>
+          </p:cNvPr>
+          <p:cNvSpPr>
+            <a:spLocks noGrp="1" noRot="1" noChangeAspect="1" noMove="1" noResize="1" noEditPoints="1" noAdjustHandles="1" noChangeArrowheads="1" noChangeShapeType="1" noTextEdit="1"/>
+          </p:cNvSpPr>
+          <p:nvPr>
+            <p:extLst>
+              <p:ext uri="{386F3935-93C4-4BCD-93E2-E3B085C9AB24}">
+                <p16:designElem xmlns:p16="http://schemas.microsoft.com/office/powerpoint/2015/main" val="1"/>
+              </p:ext>
+            </p:extLst>
+          </p:nvPr>
+        </p:nvSpPr>
+        <p:spPr>
+          <a:xfrm>
+            <a:off x="638175" y="0"/>
+            <a:ext cx="3248025" cy="3400426"/>
+          </a:xfrm>
+          <a:prstGeom prst="flowChartDocument">
+            <a:avLst/>
+          </a:prstGeom>
+          <a:solidFill>
+            <a:schemeClr val="accent1"/>
+          </a:solidFill>
+          <a:ln>
+            <a:noFill/>
+          </a:ln>
+        </p:spPr>
+        <p:style>
+          <a:lnRef idx="2">
+            <a:schemeClr val="accent1">
+              <a:shade val="50000"/>
+            </a:schemeClr>
+          </a:lnRef>
+          <a:fillRef idx="1">
+            <a:schemeClr val="accent1"/>
+          </a:fillRef>
+          <a:effectRef idx="0">
+            <a:schemeClr val="accent1"/>
+          </a:effectRef>
+          <a:fontRef idx="minor">
+            <a:schemeClr val="lt1"/>
+          </a:fontRef>
+        </p:style>
+        <p:txBody>
+          <a:bodyPr rtlCol="0" anchor="ctr"/>
+          <a:lstStyle/>
+          <a:p>
+            <a:pPr algn="ctr"/>
+            <a:endParaRPr lang="en-US"/>
+          </a:p>
+        </p:txBody>
+      </p:sp>
+      <p:sp>
+        <p:nvSpPr>
+          <p:cNvPr id="2" name="Title 1">
+            <a:extLst>
+              <a:ext uri="{FF2B5EF4-FFF2-40B4-BE49-F238E27FC236}">
+                <a16:creationId xmlns:a16="http://schemas.microsoft.com/office/drawing/2014/main" id="{9D045432-EED2-8148-BA86-3132BFE644EB}"/>
+              </a:ext>
+            </a:extLst>
+          </p:cNvPr>
+          <p:cNvSpPr>
+            <a:spLocks noGrp="1"/>
+          </p:cNvSpPr>
+          <p:nvPr>
+            <p:ph type="title"/>
+          </p:nvPr>
+        </p:nvSpPr>
+        <p:spPr>
+          <a:xfrm>
+            <a:off x="838200" y="171162"/>
+            <a:ext cx="2840182" cy="3229264"/>
+          </a:xfrm>
+        </p:spPr>
+        <p:txBody>
+          <a:bodyPr vert="horz" lIns="91440" tIns="45720" rIns="91440" bIns="45720" rtlCol="0" anchor="ctr">
+            <a:noAutofit/>
+          </a:bodyPr>
+          <a:lstStyle/>
+          <a:p>
+            <a:r>
+              <a:rPr lang="en-US" sz="3200" dirty="0">
+                <a:solidFill>
+                  <a:srgbClr val="FFFFFF"/>
+                </a:solidFill>
+              </a:rPr>
+              <a:t>while</a:t>
+            </a:r>
+            <a:endParaRPr lang="en-US" sz="3200" kern="1200" dirty="0">
+              <a:solidFill>
+                <a:srgbClr val="FFFFFF"/>
+              </a:solidFill>
+              <a:latin typeface="+mj-lt"/>
+              <a:ea typeface="+mj-ea"/>
+              <a:cs typeface="+mj-cs"/>
+            </a:endParaRPr>
+          </a:p>
+        </p:txBody>
+      </p:sp>
+      <p:pic>
+        <p:nvPicPr>
+          <p:cNvPr id="6" name="Picture 5" descr="A screenshot of a cell phone&#10;&#10;Description automatically generated">
+            <a:extLst>
+              <a:ext uri="{FF2B5EF4-FFF2-40B4-BE49-F238E27FC236}">
+                <a16:creationId xmlns:a16="http://schemas.microsoft.com/office/drawing/2014/main" id="{2C258272-9051-CA4B-91BC-F2D450C83174}"/>
+              </a:ext>
+            </a:extLst>
+          </p:cNvPr>
+          <p:cNvPicPr>
+            <a:picLocks noChangeAspect="1"/>
+          </p:cNvPicPr>
+          <p:nvPr/>
+        </p:nvPicPr>
+        <p:blipFill>
+          <a:blip r:embed="rId3"/>
+          <a:stretch>
+            <a:fillRect/>
+          </a:stretch>
+        </p:blipFill>
+        <p:spPr>
+          <a:xfrm>
+            <a:off x="4086225" y="539750"/>
+            <a:ext cx="7886035" cy="5778500"/>
+          </a:xfrm>
+          <a:prstGeom prst="rect">
+            <a:avLst/>
+          </a:prstGeom>
+        </p:spPr>
+      </p:pic>
+    </p:spTree>
+    <p:extLst>
+      <p:ext uri="{BB962C8B-B14F-4D97-AF65-F5344CB8AC3E}">
+        <p14:creationId xmlns:p14="http://schemas.microsoft.com/office/powerpoint/2010/main" val="4044635454"/>
+      </p:ext>
+    </p:extLst>
+  </p:cSld>
+  <p:clrMapOvr>
+    <a:masterClrMapping/>
+  </p:clrMapOvr>
+</p:sld>
+</file>
+
+<file path=ppt/slides/slide73.xml><?xml version="1.0" encoding="utf-8"?>
+<p:sld xmlns:a="http://schemas.openxmlformats.org/drawingml/2006/main" xmlns:r="http://schemas.openxmlformats.org/officeDocument/2006/relationships" xmlns:p="http://schemas.openxmlformats.org/presentationml/2006/main">
+  <p:cSld>
+    <p:bg>
+      <p:bgPr>
+        <a:solidFill>
+          <a:schemeClr val="bg1"/>
+        </a:solidFill>
+        <a:effectLst/>
+      </p:bgPr>
+    </p:bg>
+    <p:spTree>
+      <p:nvGrpSpPr>
+        <p:cNvPr id="1" name=""/>
+        <p:cNvGrpSpPr/>
+        <p:nvPr/>
+      </p:nvGrpSpPr>
+      <p:grpSpPr>
+        <a:xfrm>
+          <a:off x="0" y="0"/>
+          <a:ext cx="0" cy="0"/>
+          <a:chOff x="0" y="0"/>
+          <a:chExt cx="0" cy="0"/>
+        </a:xfrm>
+      </p:grpSpPr>
+      <p:sp>
+        <p:nvSpPr>
+          <p:cNvPr id="11" name="Flowchart: Document 10">
+            <a:extLst>
+              <a:ext uri="{FF2B5EF4-FFF2-40B4-BE49-F238E27FC236}">
+                <a16:creationId xmlns:a16="http://schemas.microsoft.com/office/drawing/2014/main" id="{D12DDE76-C203-4047-9998-63900085B5E8}"/>
+              </a:ext>
+              <a:ext uri="{C183D7F6-B498-43B3-948B-1728B52AA6E4}">
+                <adec:decorative xmlns:adec="http://schemas.microsoft.com/office/drawing/2017/decorative" val="1"/>
+              </a:ext>
+            </a:extLst>
+          </p:cNvPr>
+          <p:cNvSpPr>
+            <a:spLocks noGrp="1" noRot="1" noChangeAspect="1" noMove="1" noResize="1" noEditPoints="1" noAdjustHandles="1" noChangeArrowheads="1" noChangeShapeType="1" noTextEdit="1"/>
+          </p:cNvSpPr>
+          <p:nvPr>
+            <p:extLst>
+              <p:ext uri="{386F3935-93C4-4BCD-93E2-E3B085C9AB24}">
+                <p16:designElem xmlns:p16="http://schemas.microsoft.com/office/powerpoint/2015/main" val="1"/>
+              </p:ext>
+            </p:extLst>
+          </p:nvPr>
+        </p:nvSpPr>
+        <p:spPr>
+          <a:xfrm>
+            <a:off x="638175" y="0"/>
+            <a:ext cx="3248025" cy="3400426"/>
+          </a:xfrm>
+          <a:prstGeom prst="flowChartDocument">
+            <a:avLst/>
+          </a:prstGeom>
+          <a:solidFill>
+            <a:schemeClr val="accent1"/>
+          </a:solidFill>
+          <a:ln>
+            <a:noFill/>
+          </a:ln>
+        </p:spPr>
+        <p:style>
+          <a:lnRef idx="2">
+            <a:schemeClr val="accent1">
+              <a:shade val="50000"/>
+            </a:schemeClr>
+          </a:lnRef>
+          <a:fillRef idx="1">
+            <a:schemeClr val="accent1"/>
+          </a:fillRef>
+          <a:effectRef idx="0">
+            <a:schemeClr val="accent1"/>
+          </a:effectRef>
+          <a:fontRef idx="minor">
+            <a:schemeClr val="lt1"/>
+          </a:fontRef>
+        </p:style>
+        <p:txBody>
+          <a:bodyPr rtlCol="0" anchor="ctr"/>
+          <a:lstStyle/>
+          <a:p>
+            <a:pPr algn="ctr"/>
+            <a:endParaRPr lang="en-US"/>
+          </a:p>
+        </p:txBody>
+      </p:sp>
+      <p:sp>
+        <p:nvSpPr>
+          <p:cNvPr id="2" name="Title 1">
+            <a:extLst>
+              <a:ext uri="{FF2B5EF4-FFF2-40B4-BE49-F238E27FC236}">
+                <a16:creationId xmlns:a16="http://schemas.microsoft.com/office/drawing/2014/main" id="{9D045432-EED2-8148-BA86-3132BFE644EB}"/>
+              </a:ext>
+            </a:extLst>
+          </p:cNvPr>
+          <p:cNvSpPr>
+            <a:spLocks noGrp="1"/>
+          </p:cNvSpPr>
+          <p:nvPr>
+            <p:ph type="title"/>
+          </p:nvPr>
+        </p:nvSpPr>
+        <p:spPr>
+          <a:xfrm>
+            <a:off x="838200" y="171162"/>
+            <a:ext cx="2840182" cy="3229264"/>
+          </a:xfrm>
+        </p:spPr>
+        <p:txBody>
+          <a:bodyPr vert="horz" lIns="91440" tIns="45720" rIns="91440" bIns="45720" rtlCol="0" anchor="ctr">
+            <a:noAutofit/>
+          </a:bodyPr>
+          <a:lstStyle/>
+          <a:p>
+            <a:r>
+              <a:rPr lang="en-US" sz="3200" dirty="0">
+                <a:solidFill>
+                  <a:srgbClr val="FFFFFF"/>
+                </a:solidFill>
+              </a:rPr>
+              <a:t>while</a:t>
+            </a:r>
+            <a:endParaRPr lang="en-US" sz="3200" kern="1200" dirty="0">
+              <a:solidFill>
+                <a:srgbClr val="FFFFFF"/>
+              </a:solidFill>
+              <a:latin typeface="+mj-lt"/>
+              <a:ea typeface="+mj-ea"/>
+              <a:cs typeface="+mj-cs"/>
+            </a:endParaRPr>
+          </a:p>
+        </p:txBody>
+      </p:sp>
+      <p:pic>
+        <p:nvPicPr>
+          <p:cNvPr id="4" name="Picture 3" descr="A screenshot of a social media post&#10;&#10;Description automatically generated">
+            <a:extLst>
+              <a:ext uri="{FF2B5EF4-FFF2-40B4-BE49-F238E27FC236}">
+                <a16:creationId xmlns:a16="http://schemas.microsoft.com/office/drawing/2014/main" id="{F5B4A702-3D41-894D-9C71-D78EB7FA77E7}"/>
+              </a:ext>
+            </a:extLst>
+          </p:cNvPr>
+          <p:cNvPicPr>
+            <a:picLocks noChangeAspect="1"/>
+          </p:cNvPicPr>
+          <p:nvPr/>
+        </p:nvPicPr>
+        <p:blipFill>
+          <a:blip r:embed="rId3"/>
+          <a:stretch>
+            <a:fillRect/>
+          </a:stretch>
+        </p:blipFill>
+        <p:spPr>
+          <a:xfrm>
+            <a:off x="4624423" y="355600"/>
+            <a:ext cx="5072469" cy="6146800"/>
+          </a:xfrm>
+          <a:prstGeom prst="rect">
+            <a:avLst/>
+          </a:prstGeom>
+        </p:spPr>
+      </p:pic>
+    </p:spTree>
+    <p:extLst>
+      <p:ext uri="{BB962C8B-B14F-4D97-AF65-F5344CB8AC3E}">
+        <p14:creationId xmlns:p14="http://schemas.microsoft.com/office/powerpoint/2010/main" val="3690340716"/>
+      </p:ext>
+    </p:extLst>
+  </p:cSld>
+  <p:clrMapOvr>
+    <a:masterClrMapping/>
+  </p:clrMapOvr>
+</p:sld>
+</file>
+
+<file path=ppt/slides/slide74.xml><?xml version="1.0" encoding="utf-8"?>
+<p:sld xmlns:a="http://schemas.openxmlformats.org/drawingml/2006/main" xmlns:r="http://schemas.openxmlformats.org/officeDocument/2006/relationships" xmlns:p="http://schemas.openxmlformats.org/presentationml/2006/main">
+  <p:cSld>
+    <p:bg>
+      <p:bgPr>
+        <a:solidFill>
+          <a:schemeClr val="bg1"/>
+        </a:solidFill>
+        <a:effectLst/>
+      </p:bgPr>
+    </p:bg>
+    <p:spTree>
+      <p:nvGrpSpPr>
+        <p:cNvPr id="1" name=""/>
+        <p:cNvGrpSpPr/>
+        <p:nvPr/>
+      </p:nvGrpSpPr>
+      <p:grpSpPr>
+        <a:xfrm>
+          <a:off x="0" y="0"/>
+          <a:ext cx="0" cy="0"/>
+          <a:chOff x="0" y="0"/>
+          <a:chExt cx="0" cy="0"/>
+        </a:xfrm>
+      </p:grpSpPr>
+      <p:sp>
+        <p:nvSpPr>
+          <p:cNvPr id="11" name="Flowchart: Document 10">
+            <a:extLst>
+              <a:ext uri="{FF2B5EF4-FFF2-40B4-BE49-F238E27FC236}">
+                <a16:creationId xmlns:a16="http://schemas.microsoft.com/office/drawing/2014/main" id="{D12DDE76-C203-4047-9998-63900085B5E8}"/>
+              </a:ext>
+              <a:ext uri="{C183D7F6-B498-43B3-948B-1728B52AA6E4}">
+                <adec:decorative xmlns:adec="http://schemas.microsoft.com/office/drawing/2017/decorative" val="1"/>
+              </a:ext>
+            </a:extLst>
+          </p:cNvPr>
+          <p:cNvSpPr>
+            <a:spLocks noGrp="1" noRot="1" noChangeAspect="1" noMove="1" noResize="1" noEditPoints="1" noAdjustHandles="1" noChangeArrowheads="1" noChangeShapeType="1" noTextEdit="1"/>
+          </p:cNvSpPr>
+          <p:nvPr>
+            <p:extLst>
+              <p:ext uri="{386F3935-93C4-4BCD-93E2-E3B085C9AB24}">
+                <p16:designElem xmlns:p16="http://schemas.microsoft.com/office/powerpoint/2015/main" val="1"/>
+              </p:ext>
+            </p:extLst>
+          </p:nvPr>
+        </p:nvSpPr>
+        <p:spPr>
+          <a:xfrm>
+            <a:off x="638175" y="0"/>
+            <a:ext cx="3248025" cy="3400426"/>
+          </a:xfrm>
+          <a:prstGeom prst="flowChartDocument">
+            <a:avLst/>
+          </a:prstGeom>
+          <a:solidFill>
+            <a:schemeClr val="accent1"/>
+          </a:solidFill>
+          <a:ln>
+            <a:noFill/>
+          </a:ln>
+        </p:spPr>
+        <p:style>
+          <a:lnRef idx="2">
+            <a:schemeClr val="accent1">
+              <a:shade val="50000"/>
+            </a:schemeClr>
+          </a:lnRef>
+          <a:fillRef idx="1">
+            <a:schemeClr val="accent1"/>
+          </a:fillRef>
+          <a:effectRef idx="0">
+            <a:schemeClr val="accent1"/>
+          </a:effectRef>
+          <a:fontRef idx="minor">
+            <a:schemeClr val="lt1"/>
+          </a:fontRef>
+        </p:style>
+        <p:txBody>
+          <a:bodyPr rtlCol="0" anchor="ctr"/>
+          <a:lstStyle/>
+          <a:p>
+            <a:pPr algn="ctr"/>
+            <a:endParaRPr lang="en-US"/>
+          </a:p>
+        </p:txBody>
+      </p:sp>
+      <p:sp>
+        <p:nvSpPr>
+          <p:cNvPr id="2" name="Title 1">
+            <a:extLst>
+              <a:ext uri="{FF2B5EF4-FFF2-40B4-BE49-F238E27FC236}">
+                <a16:creationId xmlns:a16="http://schemas.microsoft.com/office/drawing/2014/main" id="{9D045432-EED2-8148-BA86-3132BFE644EB}"/>
+              </a:ext>
+            </a:extLst>
+          </p:cNvPr>
+          <p:cNvSpPr>
+            <a:spLocks noGrp="1"/>
+          </p:cNvSpPr>
+          <p:nvPr>
+            <p:ph type="title"/>
+          </p:nvPr>
+        </p:nvSpPr>
+        <p:spPr>
+          <a:xfrm>
+            <a:off x="838200" y="171162"/>
+            <a:ext cx="2840182" cy="3229264"/>
+          </a:xfrm>
+        </p:spPr>
+        <p:txBody>
+          <a:bodyPr vert="horz" lIns="91440" tIns="45720" rIns="91440" bIns="45720" rtlCol="0" anchor="ctr">
+            <a:noAutofit/>
+          </a:bodyPr>
+          <a:lstStyle/>
+          <a:p>
+            <a:r>
+              <a:rPr lang="en-US" sz="3200" dirty="0">
+                <a:solidFill>
+                  <a:srgbClr val="FFFFFF"/>
+                </a:solidFill>
+              </a:rPr>
+              <a:t>do while</a:t>
+            </a:r>
+            <a:endParaRPr lang="en-US" sz="3200" kern="1200" dirty="0">
+              <a:solidFill>
+                <a:srgbClr val="FFFFFF"/>
+              </a:solidFill>
+              <a:latin typeface="+mj-lt"/>
+              <a:ea typeface="+mj-ea"/>
+              <a:cs typeface="+mj-cs"/>
+            </a:endParaRPr>
+          </a:p>
+        </p:txBody>
+      </p:sp>
+      <p:pic>
+        <p:nvPicPr>
+          <p:cNvPr id="5" name="Picture 4" descr="A screenshot of a social media post&#10;&#10;Description automatically generated">
+            <a:extLst>
+              <a:ext uri="{FF2B5EF4-FFF2-40B4-BE49-F238E27FC236}">
+                <a16:creationId xmlns:a16="http://schemas.microsoft.com/office/drawing/2014/main" id="{354759D5-1D06-EB48-A51C-313BF795D8DA}"/>
+              </a:ext>
+            </a:extLst>
+          </p:cNvPr>
+          <p:cNvPicPr>
+            <a:picLocks noChangeAspect="1"/>
+          </p:cNvPicPr>
+          <p:nvPr/>
+        </p:nvPicPr>
+        <p:blipFill>
+          <a:blip r:embed="rId3"/>
+          <a:stretch>
+            <a:fillRect/>
+          </a:stretch>
+        </p:blipFill>
+        <p:spPr>
+          <a:xfrm>
+            <a:off x="4845093" y="355600"/>
+            <a:ext cx="4559300" cy="6146800"/>
+          </a:xfrm>
+          <a:prstGeom prst="rect">
+            <a:avLst/>
+          </a:prstGeom>
+        </p:spPr>
+      </p:pic>
+    </p:spTree>
+    <p:extLst>
+      <p:ext uri="{BB962C8B-B14F-4D97-AF65-F5344CB8AC3E}">
+        <p14:creationId xmlns:p14="http://schemas.microsoft.com/office/powerpoint/2010/main" val="3881842930"/>
       </p:ext>
     </p:extLst>
   </p:cSld>

--- a/Curso201.pptx
+++ b/Curso201.pptx
@@ -5,7 +5,7 @@
     <p:sldMasterId id="2147483648" r:id="rId1"/>
   </p:sldMasterIdLst>
   <p:notesMasterIdLst>
-    <p:notesMasterId r:id="rId76"/>
+    <p:notesMasterId r:id="rId82"/>
   </p:notesMasterIdLst>
   <p:sldIdLst>
     <p:sldId id="256" r:id="rId2"/>
@@ -82,6 +82,12 @@
     <p:sldId id="331" r:id="rId73"/>
     <p:sldId id="332" r:id="rId74"/>
     <p:sldId id="333" r:id="rId75"/>
+    <p:sldId id="334" r:id="rId76"/>
+    <p:sldId id="335" r:id="rId77"/>
+    <p:sldId id="336" r:id="rId78"/>
+    <p:sldId id="337" r:id="rId79"/>
+    <p:sldId id="338" r:id="rId80"/>
+    <p:sldId id="339" r:id="rId81"/>
   </p:sldIdLst>
   <p:sldSz cx="12192000" cy="6858000"/>
   <p:notesSz cx="6858000" cy="9144000"/>
@@ -3636,6 +3642,510 @@
     <p:extLst>
       <p:ext uri="{BB962C8B-B14F-4D97-AF65-F5344CB8AC3E}">
         <p14:creationId xmlns:p14="http://schemas.microsoft.com/office/powerpoint/2010/main" val="1456056018"/>
+      </p:ext>
+    </p:extLst>
+  </p:cSld>
+  <p:clrMapOvr>
+    <a:masterClrMapping/>
+  </p:clrMapOvr>
+</p:notes>
+</file>
+
+<file path=ppt/notesSlides/notesSlide43.xml><?xml version="1.0" encoding="utf-8"?>
+<p:notes xmlns:a="http://schemas.openxmlformats.org/drawingml/2006/main" xmlns:r="http://schemas.openxmlformats.org/officeDocument/2006/relationships" xmlns:p="http://schemas.openxmlformats.org/presentationml/2006/main">
+  <p:cSld>
+    <p:spTree>
+      <p:nvGrpSpPr>
+        <p:cNvPr id="1" name=""/>
+        <p:cNvGrpSpPr/>
+        <p:nvPr/>
+      </p:nvGrpSpPr>
+      <p:grpSpPr>
+        <a:xfrm>
+          <a:off x="0" y="0"/>
+          <a:ext cx="0" cy="0"/>
+          <a:chOff x="0" y="0"/>
+          <a:chExt cx="0" cy="0"/>
+        </a:xfrm>
+      </p:grpSpPr>
+      <p:sp>
+        <p:nvSpPr>
+          <p:cNvPr id="2" name="Slide Image Placeholder 1"/>
+          <p:cNvSpPr>
+            <a:spLocks noGrp="1" noRot="1" noChangeAspect="1"/>
+          </p:cNvSpPr>
+          <p:nvPr>
+            <p:ph type="sldImg"/>
+          </p:nvPr>
+        </p:nvSpPr>
+        <p:spPr/>
+      </p:sp>
+      <p:sp>
+        <p:nvSpPr>
+          <p:cNvPr id="3" name="Notes Placeholder 2"/>
+          <p:cNvSpPr>
+            <a:spLocks noGrp="1"/>
+          </p:cNvSpPr>
+          <p:nvPr>
+            <p:ph type="body" idx="1"/>
+          </p:nvPr>
+        </p:nvSpPr>
+        <p:spPr/>
+        <p:txBody>
+          <a:bodyPr/>
+          <a:lstStyle/>
+          <a:p>
+            <a:endParaRPr lang="en-US" dirty="0"/>
+          </a:p>
+        </p:txBody>
+      </p:sp>
+      <p:sp>
+        <p:nvSpPr>
+          <p:cNvPr id="4" name="Slide Number Placeholder 3"/>
+          <p:cNvSpPr>
+            <a:spLocks noGrp="1"/>
+          </p:cNvSpPr>
+          <p:nvPr>
+            <p:ph type="sldNum" sz="quarter" idx="5"/>
+          </p:nvPr>
+        </p:nvSpPr>
+        <p:spPr/>
+        <p:txBody>
+          <a:bodyPr/>
+          <a:lstStyle/>
+          <a:p>
+            <a:fld id="{3BE7DE0F-4338-D345-B6F5-61C48058FBBB}" type="slidenum">
+              <a:rPr lang="en-US" smtClean="0"/>
+              <a:t>75</a:t>
+            </a:fld>
+            <a:endParaRPr lang="en-US"/>
+          </a:p>
+        </p:txBody>
+      </p:sp>
+    </p:spTree>
+    <p:extLst>
+      <p:ext uri="{BB962C8B-B14F-4D97-AF65-F5344CB8AC3E}">
+        <p14:creationId xmlns:p14="http://schemas.microsoft.com/office/powerpoint/2010/main" val="991348265"/>
+      </p:ext>
+    </p:extLst>
+  </p:cSld>
+  <p:clrMapOvr>
+    <a:masterClrMapping/>
+  </p:clrMapOvr>
+</p:notes>
+</file>
+
+<file path=ppt/notesSlides/notesSlide44.xml><?xml version="1.0" encoding="utf-8"?>
+<p:notes xmlns:a="http://schemas.openxmlformats.org/drawingml/2006/main" xmlns:r="http://schemas.openxmlformats.org/officeDocument/2006/relationships" xmlns:p="http://schemas.openxmlformats.org/presentationml/2006/main">
+  <p:cSld>
+    <p:spTree>
+      <p:nvGrpSpPr>
+        <p:cNvPr id="1" name=""/>
+        <p:cNvGrpSpPr/>
+        <p:nvPr/>
+      </p:nvGrpSpPr>
+      <p:grpSpPr>
+        <a:xfrm>
+          <a:off x="0" y="0"/>
+          <a:ext cx="0" cy="0"/>
+          <a:chOff x="0" y="0"/>
+          <a:chExt cx="0" cy="0"/>
+        </a:xfrm>
+      </p:grpSpPr>
+      <p:sp>
+        <p:nvSpPr>
+          <p:cNvPr id="2" name="Slide Image Placeholder 1"/>
+          <p:cNvSpPr>
+            <a:spLocks noGrp="1" noRot="1" noChangeAspect="1"/>
+          </p:cNvSpPr>
+          <p:nvPr>
+            <p:ph type="sldImg"/>
+          </p:nvPr>
+        </p:nvSpPr>
+        <p:spPr/>
+      </p:sp>
+      <p:sp>
+        <p:nvSpPr>
+          <p:cNvPr id="3" name="Notes Placeholder 2"/>
+          <p:cNvSpPr>
+            <a:spLocks noGrp="1"/>
+          </p:cNvSpPr>
+          <p:nvPr>
+            <p:ph type="body" idx="1"/>
+          </p:nvPr>
+        </p:nvSpPr>
+        <p:spPr/>
+        <p:txBody>
+          <a:bodyPr/>
+          <a:lstStyle/>
+          <a:p>
+            <a:endParaRPr lang="en-US" dirty="0"/>
+          </a:p>
+        </p:txBody>
+      </p:sp>
+      <p:sp>
+        <p:nvSpPr>
+          <p:cNvPr id="4" name="Slide Number Placeholder 3"/>
+          <p:cNvSpPr>
+            <a:spLocks noGrp="1"/>
+          </p:cNvSpPr>
+          <p:nvPr>
+            <p:ph type="sldNum" sz="quarter" idx="5"/>
+          </p:nvPr>
+        </p:nvSpPr>
+        <p:spPr/>
+        <p:txBody>
+          <a:bodyPr/>
+          <a:lstStyle/>
+          <a:p>
+            <a:fld id="{3BE7DE0F-4338-D345-B6F5-61C48058FBBB}" type="slidenum">
+              <a:rPr lang="en-US" smtClean="0"/>
+              <a:t>76</a:t>
+            </a:fld>
+            <a:endParaRPr lang="en-US"/>
+          </a:p>
+        </p:txBody>
+      </p:sp>
+    </p:spTree>
+    <p:extLst>
+      <p:ext uri="{BB962C8B-B14F-4D97-AF65-F5344CB8AC3E}">
+        <p14:creationId xmlns:p14="http://schemas.microsoft.com/office/powerpoint/2010/main" val="1655282027"/>
+      </p:ext>
+    </p:extLst>
+  </p:cSld>
+  <p:clrMapOvr>
+    <a:masterClrMapping/>
+  </p:clrMapOvr>
+</p:notes>
+</file>
+
+<file path=ppt/notesSlides/notesSlide45.xml><?xml version="1.0" encoding="utf-8"?>
+<p:notes xmlns:a="http://schemas.openxmlformats.org/drawingml/2006/main" xmlns:r="http://schemas.openxmlformats.org/officeDocument/2006/relationships" xmlns:p="http://schemas.openxmlformats.org/presentationml/2006/main">
+  <p:cSld>
+    <p:spTree>
+      <p:nvGrpSpPr>
+        <p:cNvPr id="1" name=""/>
+        <p:cNvGrpSpPr/>
+        <p:nvPr/>
+      </p:nvGrpSpPr>
+      <p:grpSpPr>
+        <a:xfrm>
+          <a:off x="0" y="0"/>
+          <a:ext cx="0" cy="0"/>
+          <a:chOff x="0" y="0"/>
+          <a:chExt cx="0" cy="0"/>
+        </a:xfrm>
+      </p:grpSpPr>
+      <p:sp>
+        <p:nvSpPr>
+          <p:cNvPr id="2" name="Slide Image Placeholder 1"/>
+          <p:cNvSpPr>
+            <a:spLocks noGrp="1" noRot="1" noChangeAspect="1"/>
+          </p:cNvSpPr>
+          <p:nvPr>
+            <p:ph type="sldImg"/>
+          </p:nvPr>
+        </p:nvSpPr>
+        <p:spPr/>
+      </p:sp>
+      <p:sp>
+        <p:nvSpPr>
+          <p:cNvPr id="3" name="Notes Placeholder 2"/>
+          <p:cNvSpPr>
+            <a:spLocks noGrp="1"/>
+          </p:cNvSpPr>
+          <p:nvPr>
+            <p:ph type="body" idx="1"/>
+          </p:nvPr>
+        </p:nvSpPr>
+        <p:spPr/>
+        <p:txBody>
+          <a:bodyPr/>
+          <a:lstStyle/>
+          <a:p>
+            <a:endParaRPr lang="en-US" dirty="0"/>
+          </a:p>
+        </p:txBody>
+      </p:sp>
+      <p:sp>
+        <p:nvSpPr>
+          <p:cNvPr id="4" name="Slide Number Placeholder 3"/>
+          <p:cNvSpPr>
+            <a:spLocks noGrp="1"/>
+          </p:cNvSpPr>
+          <p:nvPr>
+            <p:ph type="sldNum" sz="quarter" idx="5"/>
+          </p:nvPr>
+        </p:nvSpPr>
+        <p:spPr/>
+        <p:txBody>
+          <a:bodyPr/>
+          <a:lstStyle/>
+          <a:p>
+            <a:fld id="{3BE7DE0F-4338-D345-B6F5-61C48058FBBB}" type="slidenum">
+              <a:rPr lang="en-US" smtClean="0"/>
+              <a:t>77</a:t>
+            </a:fld>
+            <a:endParaRPr lang="en-US"/>
+          </a:p>
+        </p:txBody>
+      </p:sp>
+    </p:spTree>
+    <p:extLst>
+      <p:ext uri="{BB962C8B-B14F-4D97-AF65-F5344CB8AC3E}">
+        <p14:creationId xmlns:p14="http://schemas.microsoft.com/office/powerpoint/2010/main" val="2518551656"/>
+      </p:ext>
+    </p:extLst>
+  </p:cSld>
+  <p:clrMapOvr>
+    <a:masterClrMapping/>
+  </p:clrMapOvr>
+</p:notes>
+</file>
+
+<file path=ppt/notesSlides/notesSlide46.xml><?xml version="1.0" encoding="utf-8"?>
+<p:notes xmlns:a="http://schemas.openxmlformats.org/drawingml/2006/main" xmlns:r="http://schemas.openxmlformats.org/officeDocument/2006/relationships" xmlns:p="http://schemas.openxmlformats.org/presentationml/2006/main">
+  <p:cSld>
+    <p:spTree>
+      <p:nvGrpSpPr>
+        <p:cNvPr id="1" name=""/>
+        <p:cNvGrpSpPr/>
+        <p:nvPr/>
+      </p:nvGrpSpPr>
+      <p:grpSpPr>
+        <a:xfrm>
+          <a:off x="0" y="0"/>
+          <a:ext cx="0" cy="0"/>
+          <a:chOff x="0" y="0"/>
+          <a:chExt cx="0" cy="0"/>
+        </a:xfrm>
+      </p:grpSpPr>
+      <p:sp>
+        <p:nvSpPr>
+          <p:cNvPr id="2" name="Slide Image Placeholder 1"/>
+          <p:cNvSpPr>
+            <a:spLocks noGrp="1" noRot="1" noChangeAspect="1"/>
+          </p:cNvSpPr>
+          <p:nvPr>
+            <p:ph type="sldImg"/>
+          </p:nvPr>
+        </p:nvSpPr>
+        <p:spPr/>
+      </p:sp>
+      <p:sp>
+        <p:nvSpPr>
+          <p:cNvPr id="3" name="Notes Placeholder 2"/>
+          <p:cNvSpPr>
+            <a:spLocks noGrp="1"/>
+          </p:cNvSpPr>
+          <p:nvPr>
+            <p:ph type="body" idx="1"/>
+          </p:nvPr>
+        </p:nvSpPr>
+        <p:spPr/>
+        <p:txBody>
+          <a:bodyPr/>
+          <a:lstStyle/>
+          <a:p>
+            <a:endParaRPr lang="en-US" dirty="0"/>
+          </a:p>
+        </p:txBody>
+      </p:sp>
+      <p:sp>
+        <p:nvSpPr>
+          <p:cNvPr id="4" name="Slide Number Placeholder 3"/>
+          <p:cNvSpPr>
+            <a:spLocks noGrp="1"/>
+          </p:cNvSpPr>
+          <p:nvPr>
+            <p:ph type="sldNum" sz="quarter" idx="5"/>
+          </p:nvPr>
+        </p:nvSpPr>
+        <p:spPr/>
+        <p:txBody>
+          <a:bodyPr/>
+          <a:lstStyle/>
+          <a:p>
+            <a:fld id="{3BE7DE0F-4338-D345-B6F5-61C48058FBBB}" type="slidenum">
+              <a:rPr lang="en-US" smtClean="0"/>
+              <a:t>78</a:t>
+            </a:fld>
+            <a:endParaRPr lang="en-US"/>
+          </a:p>
+        </p:txBody>
+      </p:sp>
+    </p:spTree>
+    <p:extLst>
+      <p:ext uri="{BB962C8B-B14F-4D97-AF65-F5344CB8AC3E}">
+        <p14:creationId xmlns:p14="http://schemas.microsoft.com/office/powerpoint/2010/main" val="1095247234"/>
+      </p:ext>
+    </p:extLst>
+  </p:cSld>
+  <p:clrMapOvr>
+    <a:masterClrMapping/>
+  </p:clrMapOvr>
+</p:notes>
+</file>
+
+<file path=ppt/notesSlides/notesSlide47.xml><?xml version="1.0" encoding="utf-8"?>
+<p:notes xmlns:a="http://schemas.openxmlformats.org/drawingml/2006/main" xmlns:r="http://schemas.openxmlformats.org/officeDocument/2006/relationships" xmlns:p="http://schemas.openxmlformats.org/presentationml/2006/main">
+  <p:cSld>
+    <p:spTree>
+      <p:nvGrpSpPr>
+        <p:cNvPr id="1" name=""/>
+        <p:cNvGrpSpPr/>
+        <p:nvPr/>
+      </p:nvGrpSpPr>
+      <p:grpSpPr>
+        <a:xfrm>
+          <a:off x="0" y="0"/>
+          <a:ext cx="0" cy="0"/>
+          <a:chOff x="0" y="0"/>
+          <a:chExt cx="0" cy="0"/>
+        </a:xfrm>
+      </p:grpSpPr>
+      <p:sp>
+        <p:nvSpPr>
+          <p:cNvPr id="2" name="Slide Image Placeholder 1"/>
+          <p:cNvSpPr>
+            <a:spLocks noGrp="1" noRot="1" noChangeAspect="1"/>
+          </p:cNvSpPr>
+          <p:nvPr>
+            <p:ph type="sldImg"/>
+          </p:nvPr>
+        </p:nvSpPr>
+        <p:spPr/>
+      </p:sp>
+      <p:sp>
+        <p:nvSpPr>
+          <p:cNvPr id="3" name="Notes Placeholder 2"/>
+          <p:cNvSpPr>
+            <a:spLocks noGrp="1"/>
+          </p:cNvSpPr>
+          <p:nvPr>
+            <p:ph type="body" idx="1"/>
+          </p:nvPr>
+        </p:nvSpPr>
+        <p:spPr/>
+        <p:txBody>
+          <a:bodyPr/>
+          <a:lstStyle/>
+          <a:p>
+            <a:endParaRPr lang="en-US" dirty="0"/>
+          </a:p>
+        </p:txBody>
+      </p:sp>
+      <p:sp>
+        <p:nvSpPr>
+          <p:cNvPr id="4" name="Slide Number Placeholder 3"/>
+          <p:cNvSpPr>
+            <a:spLocks noGrp="1"/>
+          </p:cNvSpPr>
+          <p:nvPr>
+            <p:ph type="sldNum" sz="quarter" idx="5"/>
+          </p:nvPr>
+        </p:nvSpPr>
+        <p:spPr/>
+        <p:txBody>
+          <a:bodyPr/>
+          <a:lstStyle/>
+          <a:p>
+            <a:fld id="{3BE7DE0F-4338-D345-B6F5-61C48058FBBB}" type="slidenum">
+              <a:rPr lang="en-US" smtClean="0"/>
+              <a:t>79</a:t>
+            </a:fld>
+            <a:endParaRPr lang="en-US"/>
+          </a:p>
+        </p:txBody>
+      </p:sp>
+    </p:spTree>
+    <p:extLst>
+      <p:ext uri="{BB962C8B-B14F-4D97-AF65-F5344CB8AC3E}">
+        <p14:creationId xmlns:p14="http://schemas.microsoft.com/office/powerpoint/2010/main" val="3964275811"/>
+      </p:ext>
+    </p:extLst>
+  </p:cSld>
+  <p:clrMapOvr>
+    <a:masterClrMapping/>
+  </p:clrMapOvr>
+</p:notes>
+</file>
+
+<file path=ppt/notesSlides/notesSlide48.xml><?xml version="1.0" encoding="utf-8"?>
+<p:notes xmlns:a="http://schemas.openxmlformats.org/drawingml/2006/main" xmlns:r="http://schemas.openxmlformats.org/officeDocument/2006/relationships" xmlns:p="http://schemas.openxmlformats.org/presentationml/2006/main">
+  <p:cSld>
+    <p:spTree>
+      <p:nvGrpSpPr>
+        <p:cNvPr id="1" name=""/>
+        <p:cNvGrpSpPr/>
+        <p:nvPr/>
+      </p:nvGrpSpPr>
+      <p:grpSpPr>
+        <a:xfrm>
+          <a:off x="0" y="0"/>
+          <a:ext cx="0" cy="0"/>
+          <a:chOff x="0" y="0"/>
+          <a:chExt cx="0" cy="0"/>
+        </a:xfrm>
+      </p:grpSpPr>
+      <p:sp>
+        <p:nvSpPr>
+          <p:cNvPr id="2" name="Slide Image Placeholder 1"/>
+          <p:cNvSpPr>
+            <a:spLocks noGrp="1" noRot="1" noChangeAspect="1"/>
+          </p:cNvSpPr>
+          <p:nvPr>
+            <p:ph type="sldImg"/>
+          </p:nvPr>
+        </p:nvSpPr>
+        <p:spPr/>
+      </p:sp>
+      <p:sp>
+        <p:nvSpPr>
+          <p:cNvPr id="3" name="Notes Placeholder 2"/>
+          <p:cNvSpPr>
+            <a:spLocks noGrp="1"/>
+          </p:cNvSpPr>
+          <p:nvPr>
+            <p:ph type="body" idx="1"/>
+          </p:nvPr>
+        </p:nvSpPr>
+        <p:spPr/>
+        <p:txBody>
+          <a:bodyPr/>
+          <a:lstStyle/>
+          <a:p>
+            <a:endParaRPr lang="en-US" dirty="0"/>
+          </a:p>
+        </p:txBody>
+      </p:sp>
+      <p:sp>
+        <p:nvSpPr>
+          <p:cNvPr id="4" name="Slide Number Placeholder 3"/>
+          <p:cNvSpPr>
+            <a:spLocks noGrp="1"/>
+          </p:cNvSpPr>
+          <p:nvPr>
+            <p:ph type="sldNum" sz="quarter" idx="5"/>
+          </p:nvPr>
+        </p:nvSpPr>
+        <p:spPr/>
+        <p:txBody>
+          <a:bodyPr/>
+          <a:lstStyle/>
+          <a:p>
+            <a:fld id="{3BE7DE0F-4338-D345-B6F5-61C48058FBBB}" type="slidenum">
+              <a:rPr lang="en-US" smtClean="0"/>
+              <a:t>80</a:t>
+            </a:fld>
+            <a:endParaRPr lang="en-US"/>
+          </a:p>
+        </p:txBody>
+      </p:sp>
+    </p:spTree>
+    <p:extLst>
+      <p:ext uri="{BB962C8B-B14F-4D97-AF65-F5344CB8AC3E}">
+        <p14:creationId xmlns:p14="http://schemas.microsoft.com/office/powerpoint/2010/main" val="587499017"/>
       </p:ext>
     </p:extLst>
   </p:cSld>
@@ -24536,6 +25046,942 @@
 </p:sld>
 </file>
 
+<file path=ppt/slides/slide75.xml><?xml version="1.0" encoding="utf-8"?>
+<p:sld xmlns:a="http://schemas.openxmlformats.org/drawingml/2006/main" xmlns:r="http://schemas.openxmlformats.org/officeDocument/2006/relationships" xmlns:p="http://schemas.openxmlformats.org/presentationml/2006/main">
+  <p:cSld>
+    <p:bg>
+      <p:bgPr>
+        <a:solidFill>
+          <a:schemeClr val="bg1"/>
+        </a:solidFill>
+        <a:effectLst/>
+      </p:bgPr>
+    </p:bg>
+    <p:spTree>
+      <p:nvGrpSpPr>
+        <p:cNvPr id="1" name=""/>
+        <p:cNvGrpSpPr/>
+        <p:nvPr/>
+      </p:nvGrpSpPr>
+      <p:grpSpPr>
+        <a:xfrm>
+          <a:off x="0" y="0"/>
+          <a:ext cx="0" cy="0"/>
+          <a:chOff x="0" y="0"/>
+          <a:chExt cx="0" cy="0"/>
+        </a:xfrm>
+      </p:grpSpPr>
+      <p:sp>
+        <p:nvSpPr>
+          <p:cNvPr id="11" name="Flowchart: Document 10">
+            <a:extLst>
+              <a:ext uri="{FF2B5EF4-FFF2-40B4-BE49-F238E27FC236}">
+                <a16:creationId xmlns:a16="http://schemas.microsoft.com/office/drawing/2014/main" id="{D12DDE76-C203-4047-9998-63900085B5E8}"/>
+              </a:ext>
+              <a:ext uri="{C183D7F6-B498-43B3-948B-1728B52AA6E4}">
+                <adec:decorative xmlns:adec="http://schemas.microsoft.com/office/drawing/2017/decorative" val="1"/>
+              </a:ext>
+            </a:extLst>
+          </p:cNvPr>
+          <p:cNvSpPr>
+            <a:spLocks noGrp="1" noRot="1" noChangeAspect="1" noMove="1" noResize="1" noEditPoints="1" noAdjustHandles="1" noChangeArrowheads="1" noChangeShapeType="1" noTextEdit="1"/>
+          </p:cNvSpPr>
+          <p:nvPr>
+            <p:extLst>
+              <p:ext uri="{386F3935-93C4-4BCD-93E2-E3B085C9AB24}">
+                <p16:designElem xmlns:p16="http://schemas.microsoft.com/office/powerpoint/2015/main" val="1"/>
+              </p:ext>
+            </p:extLst>
+          </p:nvPr>
+        </p:nvSpPr>
+        <p:spPr>
+          <a:xfrm>
+            <a:off x="638175" y="0"/>
+            <a:ext cx="3248025" cy="3400426"/>
+          </a:xfrm>
+          <a:prstGeom prst="flowChartDocument">
+            <a:avLst/>
+          </a:prstGeom>
+          <a:solidFill>
+            <a:schemeClr val="accent1"/>
+          </a:solidFill>
+          <a:ln>
+            <a:noFill/>
+          </a:ln>
+        </p:spPr>
+        <p:style>
+          <a:lnRef idx="2">
+            <a:schemeClr val="accent1">
+              <a:shade val="50000"/>
+            </a:schemeClr>
+          </a:lnRef>
+          <a:fillRef idx="1">
+            <a:schemeClr val="accent1"/>
+          </a:fillRef>
+          <a:effectRef idx="0">
+            <a:schemeClr val="accent1"/>
+          </a:effectRef>
+          <a:fontRef idx="minor">
+            <a:schemeClr val="lt1"/>
+          </a:fontRef>
+        </p:style>
+        <p:txBody>
+          <a:bodyPr rtlCol="0" anchor="ctr"/>
+          <a:lstStyle/>
+          <a:p>
+            <a:pPr algn="ctr"/>
+            <a:endParaRPr lang="en-US"/>
+          </a:p>
+        </p:txBody>
+      </p:sp>
+      <p:sp>
+        <p:nvSpPr>
+          <p:cNvPr id="2" name="Title 1">
+            <a:extLst>
+              <a:ext uri="{FF2B5EF4-FFF2-40B4-BE49-F238E27FC236}">
+                <a16:creationId xmlns:a16="http://schemas.microsoft.com/office/drawing/2014/main" id="{9D045432-EED2-8148-BA86-3132BFE644EB}"/>
+              </a:ext>
+            </a:extLst>
+          </p:cNvPr>
+          <p:cNvSpPr>
+            <a:spLocks noGrp="1"/>
+          </p:cNvSpPr>
+          <p:nvPr>
+            <p:ph type="title"/>
+          </p:nvPr>
+        </p:nvSpPr>
+        <p:spPr>
+          <a:xfrm>
+            <a:off x="838200" y="171162"/>
+            <a:ext cx="2840182" cy="3229264"/>
+          </a:xfrm>
+        </p:spPr>
+        <p:txBody>
+          <a:bodyPr vert="horz" lIns="91440" tIns="45720" rIns="91440" bIns="45720" rtlCol="0" anchor="ctr">
+            <a:noAutofit/>
+          </a:bodyPr>
+          <a:lstStyle/>
+          <a:p>
+            <a:r>
+              <a:rPr lang="en-US" sz="3200" dirty="0">
+                <a:solidFill>
+                  <a:srgbClr val="FFFFFF"/>
+                </a:solidFill>
+              </a:rPr>
+              <a:t>Arrays</a:t>
+            </a:r>
+            <a:endParaRPr lang="en-US" sz="3200" kern="1200" dirty="0">
+              <a:solidFill>
+                <a:srgbClr val="FFFFFF"/>
+              </a:solidFill>
+              <a:latin typeface="+mj-lt"/>
+              <a:ea typeface="+mj-ea"/>
+              <a:cs typeface="+mj-cs"/>
+            </a:endParaRPr>
+          </a:p>
+        </p:txBody>
+      </p:sp>
+      <p:pic>
+        <p:nvPicPr>
+          <p:cNvPr id="6" name="Picture 5" descr="A screenshot of a cell phone&#10;&#10;Description automatically generated">
+            <a:extLst>
+              <a:ext uri="{FF2B5EF4-FFF2-40B4-BE49-F238E27FC236}">
+                <a16:creationId xmlns:a16="http://schemas.microsoft.com/office/drawing/2014/main" id="{8669E227-4F2D-A140-98BF-E92E0DD78BAA}"/>
+              </a:ext>
+            </a:extLst>
+          </p:cNvPr>
+          <p:cNvPicPr>
+            <a:picLocks noChangeAspect="1"/>
+          </p:cNvPicPr>
+          <p:nvPr/>
+        </p:nvPicPr>
+        <p:blipFill>
+          <a:blip r:embed="rId3"/>
+          <a:stretch>
+            <a:fillRect/>
+          </a:stretch>
+        </p:blipFill>
+        <p:spPr>
+          <a:xfrm>
+            <a:off x="5048770" y="672787"/>
+            <a:ext cx="4013200" cy="5092700"/>
+          </a:xfrm>
+          <a:prstGeom prst="rect">
+            <a:avLst/>
+          </a:prstGeom>
+        </p:spPr>
+      </p:pic>
+    </p:spTree>
+    <p:extLst>
+      <p:ext uri="{BB962C8B-B14F-4D97-AF65-F5344CB8AC3E}">
+        <p14:creationId xmlns:p14="http://schemas.microsoft.com/office/powerpoint/2010/main" val="137524602"/>
+      </p:ext>
+    </p:extLst>
+  </p:cSld>
+  <p:clrMapOvr>
+    <a:masterClrMapping/>
+  </p:clrMapOvr>
+</p:sld>
+</file>
+
+<file path=ppt/slides/slide76.xml><?xml version="1.0" encoding="utf-8"?>
+<p:sld xmlns:a="http://schemas.openxmlformats.org/drawingml/2006/main" xmlns:r="http://schemas.openxmlformats.org/officeDocument/2006/relationships" xmlns:p="http://schemas.openxmlformats.org/presentationml/2006/main">
+  <p:cSld>
+    <p:bg>
+      <p:bgPr>
+        <a:solidFill>
+          <a:schemeClr val="bg1"/>
+        </a:solidFill>
+        <a:effectLst/>
+      </p:bgPr>
+    </p:bg>
+    <p:spTree>
+      <p:nvGrpSpPr>
+        <p:cNvPr id="1" name=""/>
+        <p:cNvGrpSpPr/>
+        <p:nvPr/>
+      </p:nvGrpSpPr>
+      <p:grpSpPr>
+        <a:xfrm>
+          <a:off x="0" y="0"/>
+          <a:ext cx="0" cy="0"/>
+          <a:chOff x="0" y="0"/>
+          <a:chExt cx="0" cy="0"/>
+        </a:xfrm>
+      </p:grpSpPr>
+      <p:sp>
+        <p:nvSpPr>
+          <p:cNvPr id="11" name="Flowchart: Document 10">
+            <a:extLst>
+              <a:ext uri="{FF2B5EF4-FFF2-40B4-BE49-F238E27FC236}">
+                <a16:creationId xmlns:a16="http://schemas.microsoft.com/office/drawing/2014/main" id="{D12DDE76-C203-4047-9998-63900085B5E8}"/>
+              </a:ext>
+              <a:ext uri="{C183D7F6-B498-43B3-948B-1728B52AA6E4}">
+                <adec:decorative xmlns:adec="http://schemas.microsoft.com/office/drawing/2017/decorative" val="1"/>
+              </a:ext>
+            </a:extLst>
+          </p:cNvPr>
+          <p:cNvSpPr>
+            <a:spLocks noGrp="1" noRot="1" noChangeAspect="1" noMove="1" noResize="1" noEditPoints="1" noAdjustHandles="1" noChangeArrowheads="1" noChangeShapeType="1" noTextEdit="1"/>
+          </p:cNvSpPr>
+          <p:nvPr>
+            <p:extLst>
+              <p:ext uri="{386F3935-93C4-4BCD-93E2-E3B085C9AB24}">
+                <p16:designElem xmlns:p16="http://schemas.microsoft.com/office/powerpoint/2015/main" val="1"/>
+              </p:ext>
+            </p:extLst>
+          </p:nvPr>
+        </p:nvSpPr>
+        <p:spPr>
+          <a:xfrm>
+            <a:off x="638175" y="0"/>
+            <a:ext cx="3248025" cy="3400426"/>
+          </a:xfrm>
+          <a:prstGeom prst="flowChartDocument">
+            <a:avLst/>
+          </a:prstGeom>
+          <a:solidFill>
+            <a:schemeClr val="accent1"/>
+          </a:solidFill>
+          <a:ln>
+            <a:noFill/>
+          </a:ln>
+        </p:spPr>
+        <p:style>
+          <a:lnRef idx="2">
+            <a:schemeClr val="accent1">
+              <a:shade val="50000"/>
+            </a:schemeClr>
+          </a:lnRef>
+          <a:fillRef idx="1">
+            <a:schemeClr val="accent1"/>
+          </a:fillRef>
+          <a:effectRef idx="0">
+            <a:schemeClr val="accent1"/>
+          </a:effectRef>
+          <a:fontRef idx="minor">
+            <a:schemeClr val="lt1"/>
+          </a:fontRef>
+        </p:style>
+        <p:txBody>
+          <a:bodyPr rtlCol="0" anchor="ctr"/>
+          <a:lstStyle/>
+          <a:p>
+            <a:pPr algn="ctr"/>
+            <a:endParaRPr lang="en-US"/>
+          </a:p>
+        </p:txBody>
+      </p:sp>
+      <p:sp>
+        <p:nvSpPr>
+          <p:cNvPr id="2" name="Title 1">
+            <a:extLst>
+              <a:ext uri="{FF2B5EF4-FFF2-40B4-BE49-F238E27FC236}">
+                <a16:creationId xmlns:a16="http://schemas.microsoft.com/office/drawing/2014/main" id="{9D045432-EED2-8148-BA86-3132BFE644EB}"/>
+              </a:ext>
+            </a:extLst>
+          </p:cNvPr>
+          <p:cNvSpPr>
+            <a:spLocks noGrp="1"/>
+          </p:cNvSpPr>
+          <p:nvPr>
+            <p:ph type="title"/>
+          </p:nvPr>
+        </p:nvSpPr>
+        <p:spPr>
+          <a:xfrm>
+            <a:off x="838200" y="171162"/>
+            <a:ext cx="2840182" cy="3229264"/>
+          </a:xfrm>
+        </p:spPr>
+        <p:txBody>
+          <a:bodyPr vert="horz" lIns="91440" tIns="45720" rIns="91440" bIns="45720" rtlCol="0" anchor="ctr">
+            <a:noAutofit/>
+          </a:bodyPr>
+          <a:lstStyle/>
+          <a:p>
+            <a:r>
+              <a:rPr lang="en-US" sz="3200" dirty="0">
+                <a:solidFill>
+                  <a:srgbClr val="FFFFFF"/>
+                </a:solidFill>
+              </a:rPr>
+              <a:t>Arrays</a:t>
+            </a:r>
+            <a:endParaRPr lang="en-US" sz="3200" kern="1200" dirty="0">
+              <a:solidFill>
+                <a:srgbClr val="FFFFFF"/>
+              </a:solidFill>
+              <a:latin typeface="+mj-lt"/>
+              <a:ea typeface="+mj-ea"/>
+              <a:cs typeface="+mj-cs"/>
+            </a:endParaRPr>
+          </a:p>
+        </p:txBody>
+      </p:sp>
+      <p:pic>
+        <p:nvPicPr>
+          <p:cNvPr id="5" name="Picture 4" descr="A screenshot of a cell phone&#10;&#10;Description automatically generated">
+            <a:extLst>
+              <a:ext uri="{FF2B5EF4-FFF2-40B4-BE49-F238E27FC236}">
+                <a16:creationId xmlns:a16="http://schemas.microsoft.com/office/drawing/2014/main" id="{65B39FF7-06F8-1944-A5BE-9CCDA2B99F08}"/>
+              </a:ext>
+            </a:extLst>
+          </p:cNvPr>
+          <p:cNvPicPr>
+            <a:picLocks noChangeAspect="1"/>
+          </p:cNvPicPr>
+          <p:nvPr/>
+        </p:nvPicPr>
+        <p:blipFill>
+          <a:blip r:embed="rId3"/>
+          <a:stretch>
+            <a:fillRect/>
+          </a:stretch>
+        </p:blipFill>
+        <p:spPr>
+          <a:xfrm>
+            <a:off x="4326015" y="473076"/>
+            <a:ext cx="6388100" cy="5854700"/>
+          </a:xfrm>
+          <a:prstGeom prst="rect">
+            <a:avLst/>
+          </a:prstGeom>
+        </p:spPr>
+      </p:pic>
+    </p:spTree>
+    <p:extLst>
+      <p:ext uri="{BB962C8B-B14F-4D97-AF65-F5344CB8AC3E}">
+        <p14:creationId xmlns:p14="http://schemas.microsoft.com/office/powerpoint/2010/main" val="2934074009"/>
+      </p:ext>
+    </p:extLst>
+  </p:cSld>
+  <p:clrMapOvr>
+    <a:masterClrMapping/>
+  </p:clrMapOvr>
+</p:sld>
+</file>
+
+<file path=ppt/slides/slide77.xml><?xml version="1.0" encoding="utf-8"?>
+<p:sld xmlns:a="http://schemas.openxmlformats.org/drawingml/2006/main" xmlns:r="http://schemas.openxmlformats.org/officeDocument/2006/relationships" xmlns:p="http://schemas.openxmlformats.org/presentationml/2006/main">
+  <p:cSld>
+    <p:bg>
+      <p:bgPr>
+        <a:solidFill>
+          <a:schemeClr val="bg1"/>
+        </a:solidFill>
+        <a:effectLst/>
+      </p:bgPr>
+    </p:bg>
+    <p:spTree>
+      <p:nvGrpSpPr>
+        <p:cNvPr id="1" name=""/>
+        <p:cNvGrpSpPr/>
+        <p:nvPr/>
+      </p:nvGrpSpPr>
+      <p:grpSpPr>
+        <a:xfrm>
+          <a:off x="0" y="0"/>
+          <a:ext cx="0" cy="0"/>
+          <a:chOff x="0" y="0"/>
+          <a:chExt cx="0" cy="0"/>
+        </a:xfrm>
+      </p:grpSpPr>
+      <p:sp>
+        <p:nvSpPr>
+          <p:cNvPr id="11" name="Flowchart: Document 10">
+            <a:extLst>
+              <a:ext uri="{FF2B5EF4-FFF2-40B4-BE49-F238E27FC236}">
+                <a16:creationId xmlns:a16="http://schemas.microsoft.com/office/drawing/2014/main" id="{D12DDE76-C203-4047-9998-63900085B5E8}"/>
+              </a:ext>
+              <a:ext uri="{C183D7F6-B498-43B3-948B-1728B52AA6E4}">
+                <adec:decorative xmlns:adec="http://schemas.microsoft.com/office/drawing/2017/decorative" val="1"/>
+              </a:ext>
+            </a:extLst>
+          </p:cNvPr>
+          <p:cNvSpPr>
+            <a:spLocks noGrp="1" noRot="1" noChangeAspect="1" noMove="1" noResize="1" noEditPoints="1" noAdjustHandles="1" noChangeArrowheads="1" noChangeShapeType="1" noTextEdit="1"/>
+          </p:cNvSpPr>
+          <p:nvPr>
+            <p:extLst>
+              <p:ext uri="{386F3935-93C4-4BCD-93E2-E3B085C9AB24}">
+                <p16:designElem xmlns:p16="http://schemas.microsoft.com/office/powerpoint/2015/main" val="1"/>
+              </p:ext>
+            </p:extLst>
+          </p:nvPr>
+        </p:nvSpPr>
+        <p:spPr>
+          <a:xfrm>
+            <a:off x="638175" y="0"/>
+            <a:ext cx="3248025" cy="3400426"/>
+          </a:xfrm>
+          <a:prstGeom prst="flowChartDocument">
+            <a:avLst/>
+          </a:prstGeom>
+          <a:solidFill>
+            <a:schemeClr val="accent1"/>
+          </a:solidFill>
+          <a:ln>
+            <a:noFill/>
+          </a:ln>
+        </p:spPr>
+        <p:style>
+          <a:lnRef idx="2">
+            <a:schemeClr val="accent1">
+              <a:shade val="50000"/>
+            </a:schemeClr>
+          </a:lnRef>
+          <a:fillRef idx="1">
+            <a:schemeClr val="accent1"/>
+          </a:fillRef>
+          <a:effectRef idx="0">
+            <a:schemeClr val="accent1"/>
+          </a:effectRef>
+          <a:fontRef idx="minor">
+            <a:schemeClr val="lt1"/>
+          </a:fontRef>
+        </p:style>
+        <p:txBody>
+          <a:bodyPr rtlCol="0" anchor="ctr"/>
+          <a:lstStyle/>
+          <a:p>
+            <a:pPr algn="ctr"/>
+            <a:endParaRPr lang="en-US"/>
+          </a:p>
+        </p:txBody>
+      </p:sp>
+      <p:sp>
+        <p:nvSpPr>
+          <p:cNvPr id="2" name="Title 1">
+            <a:extLst>
+              <a:ext uri="{FF2B5EF4-FFF2-40B4-BE49-F238E27FC236}">
+                <a16:creationId xmlns:a16="http://schemas.microsoft.com/office/drawing/2014/main" id="{9D045432-EED2-8148-BA86-3132BFE644EB}"/>
+              </a:ext>
+            </a:extLst>
+          </p:cNvPr>
+          <p:cNvSpPr>
+            <a:spLocks noGrp="1"/>
+          </p:cNvSpPr>
+          <p:nvPr>
+            <p:ph type="title"/>
+          </p:nvPr>
+        </p:nvSpPr>
+        <p:spPr>
+          <a:xfrm>
+            <a:off x="838200" y="171162"/>
+            <a:ext cx="2840182" cy="3229264"/>
+          </a:xfrm>
+        </p:spPr>
+        <p:txBody>
+          <a:bodyPr vert="horz" lIns="91440" tIns="45720" rIns="91440" bIns="45720" rtlCol="0" anchor="ctr">
+            <a:noAutofit/>
+          </a:bodyPr>
+          <a:lstStyle/>
+          <a:p>
+            <a:r>
+              <a:rPr lang="en-US" sz="3200" dirty="0">
+                <a:solidFill>
+                  <a:srgbClr val="FFFFFF"/>
+                </a:solidFill>
+              </a:rPr>
+              <a:t>Arrays</a:t>
+            </a:r>
+            <a:endParaRPr lang="en-US" sz="3200" kern="1200" dirty="0">
+              <a:solidFill>
+                <a:srgbClr val="FFFFFF"/>
+              </a:solidFill>
+              <a:latin typeface="+mj-lt"/>
+              <a:ea typeface="+mj-ea"/>
+              <a:cs typeface="+mj-cs"/>
+            </a:endParaRPr>
+          </a:p>
+        </p:txBody>
+      </p:sp>
+      <p:pic>
+        <p:nvPicPr>
+          <p:cNvPr id="4" name="Picture 3" descr="A screenshot of a social media post&#10;&#10;Description automatically generated">
+            <a:extLst>
+              <a:ext uri="{FF2B5EF4-FFF2-40B4-BE49-F238E27FC236}">
+                <a16:creationId xmlns:a16="http://schemas.microsoft.com/office/drawing/2014/main" id="{342910E2-094D-F24D-8F60-222370D258C7}"/>
+              </a:ext>
+            </a:extLst>
+          </p:cNvPr>
+          <p:cNvPicPr>
+            <a:picLocks noChangeAspect="1"/>
+          </p:cNvPicPr>
+          <p:nvPr/>
+        </p:nvPicPr>
+        <p:blipFill>
+          <a:blip r:embed="rId3"/>
+          <a:stretch>
+            <a:fillRect/>
+          </a:stretch>
+        </p:blipFill>
+        <p:spPr>
+          <a:xfrm>
+            <a:off x="4333358" y="703964"/>
+            <a:ext cx="6502400" cy="5067300"/>
+          </a:xfrm>
+          <a:prstGeom prst="rect">
+            <a:avLst/>
+          </a:prstGeom>
+        </p:spPr>
+      </p:pic>
+    </p:spTree>
+    <p:extLst>
+      <p:ext uri="{BB962C8B-B14F-4D97-AF65-F5344CB8AC3E}">
+        <p14:creationId xmlns:p14="http://schemas.microsoft.com/office/powerpoint/2010/main" val="4080861051"/>
+      </p:ext>
+    </p:extLst>
+  </p:cSld>
+  <p:clrMapOvr>
+    <a:masterClrMapping/>
+  </p:clrMapOvr>
+</p:sld>
+</file>
+
+<file path=ppt/slides/slide78.xml><?xml version="1.0" encoding="utf-8"?>
+<p:sld xmlns:a="http://schemas.openxmlformats.org/drawingml/2006/main" xmlns:r="http://schemas.openxmlformats.org/officeDocument/2006/relationships" xmlns:p="http://schemas.openxmlformats.org/presentationml/2006/main">
+  <p:cSld>
+    <p:bg>
+      <p:bgPr>
+        <a:solidFill>
+          <a:schemeClr val="bg1"/>
+        </a:solidFill>
+        <a:effectLst/>
+      </p:bgPr>
+    </p:bg>
+    <p:spTree>
+      <p:nvGrpSpPr>
+        <p:cNvPr id="1" name=""/>
+        <p:cNvGrpSpPr/>
+        <p:nvPr/>
+      </p:nvGrpSpPr>
+      <p:grpSpPr>
+        <a:xfrm>
+          <a:off x="0" y="0"/>
+          <a:ext cx="0" cy="0"/>
+          <a:chOff x="0" y="0"/>
+          <a:chExt cx="0" cy="0"/>
+        </a:xfrm>
+      </p:grpSpPr>
+      <p:sp>
+        <p:nvSpPr>
+          <p:cNvPr id="11" name="Flowchart: Document 10">
+            <a:extLst>
+              <a:ext uri="{FF2B5EF4-FFF2-40B4-BE49-F238E27FC236}">
+                <a16:creationId xmlns:a16="http://schemas.microsoft.com/office/drawing/2014/main" id="{D12DDE76-C203-4047-9998-63900085B5E8}"/>
+              </a:ext>
+              <a:ext uri="{C183D7F6-B498-43B3-948B-1728B52AA6E4}">
+                <adec:decorative xmlns:adec="http://schemas.microsoft.com/office/drawing/2017/decorative" val="1"/>
+              </a:ext>
+            </a:extLst>
+          </p:cNvPr>
+          <p:cNvSpPr>
+            <a:spLocks noGrp="1" noRot="1" noChangeAspect="1" noMove="1" noResize="1" noEditPoints="1" noAdjustHandles="1" noChangeArrowheads="1" noChangeShapeType="1" noTextEdit="1"/>
+          </p:cNvSpPr>
+          <p:nvPr>
+            <p:extLst>
+              <p:ext uri="{386F3935-93C4-4BCD-93E2-E3B085C9AB24}">
+                <p16:designElem xmlns:p16="http://schemas.microsoft.com/office/powerpoint/2015/main" val="1"/>
+              </p:ext>
+            </p:extLst>
+          </p:nvPr>
+        </p:nvSpPr>
+        <p:spPr>
+          <a:xfrm>
+            <a:off x="638175" y="0"/>
+            <a:ext cx="3248025" cy="3400426"/>
+          </a:xfrm>
+          <a:prstGeom prst="flowChartDocument">
+            <a:avLst/>
+          </a:prstGeom>
+          <a:solidFill>
+            <a:schemeClr val="accent1"/>
+          </a:solidFill>
+          <a:ln>
+            <a:noFill/>
+          </a:ln>
+        </p:spPr>
+        <p:style>
+          <a:lnRef idx="2">
+            <a:schemeClr val="accent1">
+              <a:shade val="50000"/>
+            </a:schemeClr>
+          </a:lnRef>
+          <a:fillRef idx="1">
+            <a:schemeClr val="accent1"/>
+          </a:fillRef>
+          <a:effectRef idx="0">
+            <a:schemeClr val="accent1"/>
+          </a:effectRef>
+          <a:fontRef idx="minor">
+            <a:schemeClr val="lt1"/>
+          </a:fontRef>
+        </p:style>
+        <p:txBody>
+          <a:bodyPr rtlCol="0" anchor="ctr"/>
+          <a:lstStyle/>
+          <a:p>
+            <a:pPr algn="ctr"/>
+            <a:endParaRPr lang="en-US"/>
+          </a:p>
+        </p:txBody>
+      </p:sp>
+      <p:sp>
+        <p:nvSpPr>
+          <p:cNvPr id="2" name="Title 1">
+            <a:extLst>
+              <a:ext uri="{FF2B5EF4-FFF2-40B4-BE49-F238E27FC236}">
+                <a16:creationId xmlns:a16="http://schemas.microsoft.com/office/drawing/2014/main" id="{9D045432-EED2-8148-BA86-3132BFE644EB}"/>
+              </a:ext>
+            </a:extLst>
+          </p:cNvPr>
+          <p:cNvSpPr>
+            <a:spLocks noGrp="1"/>
+          </p:cNvSpPr>
+          <p:nvPr>
+            <p:ph type="title"/>
+          </p:nvPr>
+        </p:nvSpPr>
+        <p:spPr>
+          <a:xfrm>
+            <a:off x="838200" y="171162"/>
+            <a:ext cx="2840182" cy="3229264"/>
+          </a:xfrm>
+        </p:spPr>
+        <p:txBody>
+          <a:bodyPr vert="horz" lIns="91440" tIns="45720" rIns="91440" bIns="45720" rtlCol="0" anchor="ctr">
+            <a:noAutofit/>
+          </a:bodyPr>
+          <a:lstStyle/>
+          <a:p>
+            <a:r>
+              <a:rPr lang="en-US" sz="3200" dirty="0">
+                <a:solidFill>
+                  <a:srgbClr val="FFFFFF"/>
+                </a:solidFill>
+              </a:rPr>
+              <a:t>Arrays</a:t>
+            </a:r>
+            <a:br>
+              <a:rPr lang="en-US" sz="3200" dirty="0">
+                <a:solidFill>
+                  <a:srgbClr val="FFFFFF"/>
+                </a:solidFill>
+              </a:rPr>
+            </a:br>
+            <a:r>
+              <a:rPr lang="en-US" sz="3200" dirty="0" err="1">
+                <a:solidFill>
+                  <a:srgbClr val="FFFFFF"/>
+                </a:solidFill>
+              </a:rPr>
+              <a:t>Declaración</a:t>
+            </a:r>
+            <a:r>
+              <a:rPr lang="en-US" sz="3200" dirty="0">
+                <a:solidFill>
+                  <a:srgbClr val="FFFFFF"/>
+                </a:solidFill>
+              </a:rPr>
+              <a:t> </a:t>
+            </a:r>
+            <a:r>
+              <a:rPr lang="en-US" sz="3200" dirty="0" err="1">
+                <a:solidFill>
+                  <a:srgbClr val="FFFFFF"/>
+                </a:solidFill>
+              </a:rPr>
+              <a:t>implícita</a:t>
+            </a:r>
+            <a:endParaRPr lang="en-US" sz="3200" kern="1200" dirty="0">
+              <a:solidFill>
+                <a:srgbClr val="FFFFFF"/>
+              </a:solidFill>
+              <a:latin typeface="+mj-lt"/>
+              <a:ea typeface="+mj-ea"/>
+              <a:cs typeface="+mj-cs"/>
+            </a:endParaRPr>
+          </a:p>
+        </p:txBody>
+      </p:sp>
+      <p:pic>
+        <p:nvPicPr>
+          <p:cNvPr id="5" name="Picture 4" descr="A screenshot of a cell phone&#10;&#10;Description automatically generated">
+            <a:extLst>
+              <a:ext uri="{FF2B5EF4-FFF2-40B4-BE49-F238E27FC236}">
+                <a16:creationId xmlns:a16="http://schemas.microsoft.com/office/drawing/2014/main" id="{68E65224-A24C-E646-9F48-7DD02F645B3F}"/>
+              </a:ext>
+            </a:extLst>
+          </p:cNvPr>
+          <p:cNvPicPr>
+            <a:picLocks noChangeAspect="1"/>
+          </p:cNvPicPr>
+          <p:nvPr/>
+        </p:nvPicPr>
+        <p:blipFill>
+          <a:blip r:embed="rId3"/>
+          <a:stretch>
+            <a:fillRect/>
+          </a:stretch>
+        </p:blipFill>
+        <p:spPr>
+          <a:xfrm>
+            <a:off x="4277611" y="581099"/>
+            <a:ext cx="7531100" cy="5270500"/>
+          </a:xfrm>
+          <a:prstGeom prst="rect">
+            <a:avLst/>
+          </a:prstGeom>
+        </p:spPr>
+      </p:pic>
+    </p:spTree>
+    <p:extLst>
+      <p:ext uri="{BB962C8B-B14F-4D97-AF65-F5344CB8AC3E}">
+        <p14:creationId xmlns:p14="http://schemas.microsoft.com/office/powerpoint/2010/main" val="481420186"/>
+      </p:ext>
+    </p:extLst>
+  </p:cSld>
+  <p:clrMapOvr>
+    <a:masterClrMapping/>
+  </p:clrMapOvr>
+</p:sld>
+</file>
+
+<file path=ppt/slides/slide79.xml><?xml version="1.0" encoding="utf-8"?>
+<p:sld xmlns:a="http://schemas.openxmlformats.org/drawingml/2006/main" xmlns:r="http://schemas.openxmlformats.org/officeDocument/2006/relationships" xmlns:p="http://schemas.openxmlformats.org/presentationml/2006/main">
+  <p:cSld>
+    <p:bg>
+      <p:bgPr>
+        <a:solidFill>
+          <a:schemeClr val="bg1"/>
+        </a:solidFill>
+        <a:effectLst/>
+      </p:bgPr>
+    </p:bg>
+    <p:spTree>
+      <p:nvGrpSpPr>
+        <p:cNvPr id="1" name=""/>
+        <p:cNvGrpSpPr/>
+        <p:nvPr/>
+      </p:nvGrpSpPr>
+      <p:grpSpPr>
+        <a:xfrm>
+          <a:off x="0" y="0"/>
+          <a:ext cx="0" cy="0"/>
+          <a:chOff x="0" y="0"/>
+          <a:chExt cx="0" cy="0"/>
+        </a:xfrm>
+      </p:grpSpPr>
+      <p:sp>
+        <p:nvSpPr>
+          <p:cNvPr id="11" name="Flowchart: Document 10">
+            <a:extLst>
+              <a:ext uri="{FF2B5EF4-FFF2-40B4-BE49-F238E27FC236}">
+                <a16:creationId xmlns:a16="http://schemas.microsoft.com/office/drawing/2014/main" id="{D12DDE76-C203-4047-9998-63900085B5E8}"/>
+              </a:ext>
+              <a:ext uri="{C183D7F6-B498-43B3-948B-1728B52AA6E4}">
+                <adec:decorative xmlns:adec="http://schemas.microsoft.com/office/drawing/2017/decorative" val="1"/>
+              </a:ext>
+            </a:extLst>
+          </p:cNvPr>
+          <p:cNvSpPr>
+            <a:spLocks noGrp="1" noRot="1" noChangeAspect="1" noMove="1" noResize="1" noEditPoints="1" noAdjustHandles="1" noChangeArrowheads="1" noChangeShapeType="1" noTextEdit="1"/>
+          </p:cNvSpPr>
+          <p:nvPr>
+            <p:extLst>
+              <p:ext uri="{386F3935-93C4-4BCD-93E2-E3B085C9AB24}">
+                <p16:designElem xmlns:p16="http://schemas.microsoft.com/office/powerpoint/2015/main" val="1"/>
+              </p:ext>
+            </p:extLst>
+          </p:nvPr>
+        </p:nvSpPr>
+        <p:spPr>
+          <a:xfrm>
+            <a:off x="638175" y="0"/>
+            <a:ext cx="3248025" cy="3400426"/>
+          </a:xfrm>
+          <a:prstGeom prst="flowChartDocument">
+            <a:avLst/>
+          </a:prstGeom>
+          <a:solidFill>
+            <a:schemeClr val="accent1"/>
+          </a:solidFill>
+          <a:ln>
+            <a:noFill/>
+          </a:ln>
+        </p:spPr>
+        <p:style>
+          <a:lnRef idx="2">
+            <a:schemeClr val="accent1">
+              <a:shade val="50000"/>
+            </a:schemeClr>
+          </a:lnRef>
+          <a:fillRef idx="1">
+            <a:schemeClr val="accent1"/>
+          </a:fillRef>
+          <a:effectRef idx="0">
+            <a:schemeClr val="accent1"/>
+          </a:effectRef>
+          <a:fontRef idx="minor">
+            <a:schemeClr val="lt1"/>
+          </a:fontRef>
+        </p:style>
+        <p:txBody>
+          <a:bodyPr rtlCol="0" anchor="ctr"/>
+          <a:lstStyle/>
+          <a:p>
+            <a:pPr algn="ctr"/>
+            <a:endParaRPr lang="en-US"/>
+          </a:p>
+        </p:txBody>
+      </p:sp>
+      <p:sp>
+        <p:nvSpPr>
+          <p:cNvPr id="2" name="Title 1">
+            <a:extLst>
+              <a:ext uri="{FF2B5EF4-FFF2-40B4-BE49-F238E27FC236}">
+                <a16:creationId xmlns:a16="http://schemas.microsoft.com/office/drawing/2014/main" id="{9D045432-EED2-8148-BA86-3132BFE644EB}"/>
+              </a:ext>
+            </a:extLst>
+          </p:cNvPr>
+          <p:cNvSpPr>
+            <a:spLocks noGrp="1"/>
+          </p:cNvSpPr>
+          <p:nvPr>
+            <p:ph type="title"/>
+          </p:nvPr>
+        </p:nvSpPr>
+        <p:spPr>
+          <a:xfrm>
+            <a:off x="838200" y="171162"/>
+            <a:ext cx="2840182" cy="3229264"/>
+          </a:xfrm>
+        </p:spPr>
+        <p:txBody>
+          <a:bodyPr vert="horz" lIns="91440" tIns="45720" rIns="91440" bIns="45720" rtlCol="0" anchor="ctr">
+            <a:noAutofit/>
+          </a:bodyPr>
+          <a:lstStyle/>
+          <a:p>
+            <a:r>
+              <a:rPr lang="en-US" sz="3200" dirty="0">
+                <a:solidFill>
+                  <a:srgbClr val="FFFFFF"/>
+                </a:solidFill>
+              </a:rPr>
+              <a:t>Arrays</a:t>
+            </a:r>
+            <a:br>
+              <a:rPr lang="en-US" sz="3200" dirty="0">
+                <a:solidFill>
+                  <a:srgbClr val="FFFFFF"/>
+                </a:solidFill>
+              </a:rPr>
+            </a:br>
+            <a:r>
+              <a:rPr lang="en-US" sz="3200" dirty="0">
+                <a:solidFill>
+                  <a:srgbClr val="FFFFFF"/>
+                </a:solidFill>
+              </a:rPr>
+              <a:t>de Objects</a:t>
+            </a:r>
+            <a:endParaRPr lang="en-US" sz="3200" kern="1200" dirty="0">
+              <a:solidFill>
+                <a:srgbClr val="FFFFFF"/>
+              </a:solidFill>
+              <a:latin typeface="+mj-lt"/>
+              <a:ea typeface="+mj-ea"/>
+              <a:cs typeface="+mj-cs"/>
+            </a:endParaRPr>
+          </a:p>
+        </p:txBody>
+      </p:sp>
+      <p:pic>
+        <p:nvPicPr>
+          <p:cNvPr id="4" name="Picture 3" descr="A screenshot of a cell phone&#10;&#10;Description automatically generated">
+            <a:extLst>
+              <a:ext uri="{FF2B5EF4-FFF2-40B4-BE49-F238E27FC236}">
+                <a16:creationId xmlns:a16="http://schemas.microsoft.com/office/drawing/2014/main" id="{886E22AB-F4AB-5647-AFA8-F3CA10BBE7C6}"/>
+              </a:ext>
+            </a:extLst>
+          </p:cNvPr>
+          <p:cNvPicPr>
+            <a:picLocks noChangeAspect="1"/>
+          </p:cNvPicPr>
+          <p:nvPr/>
+        </p:nvPicPr>
+        <p:blipFill>
+          <a:blip r:embed="rId3"/>
+          <a:stretch>
+            <a:fillRect/>
+          </a:stretch>
+        </p:blipFill>
+        <p:spPr>
+          <a:xfrm>
+            <a:off x="4529174" y="790576"/>
+            <a:ext cx="6578600" cy="5219700"/>
+          </a:xfrm>
+          <a:prstGeom prst="rect">
+            <a:avLst/>
+          </a:prstGeom>
+        </p:spPr>
+      </p:pic>
+    </p:spTree>
+    <p:extLst>
+      <p:ext uri="{BB962C8B-B14F-4D97-AF65-F5344CB8AC3E}">
+        <p14:creationId xmlns:p14="http://schemas.microsoft.com/office/powerpoint/2010/main" val="2568747999"/>
+      </p:ext>
+    </p:extLst>
+  </p:cSld>
+  <p:clrMapOvr>
+    <a:masterClrMapping/>
+  </p:clrMapOvr>
+</p:sld>
+</file>
+
 <file path=ppt/slides/slide8.xml><?xml version="1.0" encoding="utf-8"?>
 <p:sld xmlns:a="http://schemas.openxmlformats.org/drawingml/2006/main" xmlns:r="http://schemas.openxmlformats.org/officeDocument/2006/relationships" xmlns:p="http://schemas.openxmlformats.org/presentationml/2006/main">
   <p:cSld>
@@ -24700,6 +26146,199 @@
     <p:extLst>
       <p:ext uri="{BB962C8B-B14F-4D97-AF65-F5344CB8AC3E}">
         <p14:creationId xmlns:p14="http://schemas.microsoft.com/office/powerpoint/2010/main" val="3694888185"/>
+      </p:ext>
+    </p:extLst>
+  </p:cSld>
+  <p:clrMapOvr>
+    <a:masterClrMapping/>
+  </p:clrMapOvr>
+</p:sld>
+</file>
+
+<file path=ppt/slides/slide80.xml><?xml version="1.0" encoding="utf-8"?>
+<p:sld xmlns:a="http://schemas.openxmlformats.org/drawingml/2006/main" xmlns:r="http://schemas.openxmlformats.org/officeDocument/2006/relationships" xmlns:p="http://schemas.openxmlformats.org/presentationml/2006/main">
+  <p:cSld>
+    <p:bg>
+      <p:bgPr>
+        <a:solidFill>
+          <a:schemeClr val="bg1"/>
+        </a:solidFill>
+        <a:effectLst/>
+      </p:bgPr>
+    </p:bg>
+    <p:spTree>
+      <p:nvGrpSpPr>
+        <p:cNvPr id="1" name=""/>
+        <p:cNvGrpSpPr/>
+        <p:nvPr/>
+      </p:nvGrpSpPr>
+      <p:grpSpPr>
+        <a:xfrm>
+          <a:off x="0" y="0"/>
+          <a:ext cx="0" cy="0"/>
+          <a:chOff x="0" y="0"/>
+          <a:chExt cx="0" cy="0"/>
+        </a:xfrm>
+      </p:grpSpPr>
+      <p:sp>
+        <p:nvSpPr>
+          <p:cNvPr id="11" name="Flowchart: Document 10">
+            <a:extLst>
+              <a:ext uri="{FF2B5EF4-FFF2-40B4-BE49-F238E27FC236}">
+                <a16:creationId xmlns:a16="http://schemas.microsoft.com/office/drawing/2014/main" id="{D12DDE76-C203-4047-9998-63900085B5E8}"/>
+              </a:ext>
+              <a:ext uri="{C183D7F6-B498-43B3-948B-1728B52AA6E4}">
+                <adec:decorative xmlns:adec="http://schemas.microsoft.com/office/drawing/2017/decorative" val="1"/>
+              </a:ext>
+            </a:extLst>
+          </p:cNvPr>
+          <p:cNvSpPr>
+            <a:spLocks noGrp="1" noRot="1" noChangeAspect="1" noMove="1" noResize="1" noEditPoints="1" noAdjustHandles="1" noChangeArrowheads="1" noChangeShapeType="1" noTextEdit="1"/>
+          </p:cNvSpPr>
+          <p:nvPr>
+            <p:extLst>
+              <p:ext uri="{386F3935-93C4-4BCD-93E2-E3B085C9AB24}">
+                <p16:designElem xmlns:p16="http://schemas.microsoft.com/office/powerpoint/2015/main" val="1"/>
+              </p:ext>
+            </p:extLst>
+          </p:nvPr>
+        </p:nvSpPr>
+        <p:spPr>
+          <a:xfrm>
+            <a:off x="638175" y="0"/>
+            <a:ext cx="3248025" cy="3400426"/>
+          </a:xfrm>
+          <a:prstGeom prst="flowChartDocument">
+            <a:avLst/>
+          </a:prstGeom>
+          <a:solidFill>
+            <a:schemeClr val="accent1"/>
+          </a:solidFill>
+          <a:ln>
+            <a:noFill/>
+          </a:ln>
+        </p:spPr>
+        <p:style>
+          <a:lnRef idx="2">
+            <a:schemeClr val="accent1">
+              <a:shade val="50000"/>
+            </a:schemeClr>
+          </a:lnRef>
+          <a:fillRef idx="1">
+            <a:schemeClr val="accent1"/>
+          </a:fillRef>
+          <a:effectRef idx="0">
+            <a:schemeClr val="accent1"/>
+          </a:effectRef>
+          <a:fontRef idx="minor">
+            <a:schemeClr val="lt1"/>
+          </a:fontRef>
+        </p:style>
+        <p:txBody>
+          <a:bodyPr rtlCol="0" anchor="ctr"/>
+          <a:lstStyle/>
+          <a:p>
+            <a:pPr algn="ctr"/>
+            <a:endParaRPr lang="en-US"/>
+          </a:p>
+        </p:txBody>
+      </p:sp>
+      <p:sp>
+        <p:nvSpPr>
+          <p:cNvPr id="2" name="Title 1">
+            <a:extLst>
+              <a:ext uri="{FF2B5EF4-FFF2-40B4-BE49-F238E27FC236}">
+                <a16:creationId xmlns:a16="http://schemas.microsoft.com/office/drawing/2014/main" id="{9D045432-EED2-8148-BA86-3132BFE644EB}"/>
+              </a:ext>
+            </a:extLst>
+          </p:cNvPr>
+          <p:cNvSpPr>
+            <a:spLocks noGrp="1"/>
+          </p:cNvSpPr>
+          <p:nvPr>
+            <p:ph type="title"/>
+          </p:nvPr>
+        </p:nvSpPr>
+        <p:spPr>
+          <a:xfrm>
+            <a:off x="838200" y="171162"/>
+            <a:ext cx="2840182" cy="3229264"/>
+          </a:xfrm>
+        </p:spPr>
+        <p:txBody>
+          <a:bodyPr vert="horz" lIns="91440" tIns="45720" rIns="91440" bIns="45720" rtlCol="0" anchor="ctr">
+            <a:noAutofit/>
+          </a:bodyPr>
+          <a:lstStyle/>
+          <a:p>
+            <a:r>
+              <a:rPr lang="en-US" sz="3200" dirty="0">
+                <a:solidFill>
+                  <a:srgbClr val="FFFFFF"/>
+                </a:solidFill>
+              </a:rPr>
+              <a:t>Arrays</a:t>
+            </a:r>
+            <a:br>
+              <a:rPr lang="en-US" sz="2400" dirty="0">
+                <a:solidFill>
+                  <a:srgbClr val="FFFFFF"/>
+                </a:solidFill>
+              </a:rPr>
+            </a:br>
+            <a:r>
+              <a:rPr lang="en-US" sz="2400" dirty="0" err="1">
+                <a:solidFill>
+                  <a:srgbClr val="FFFFFF"/>
+                </a:solidFill>
+              </a:rPr>
+              <a:t>Multidimensionales</a:t>
+            </a:r>
+            <a:endParaRPr lang="en-US" sz="2400" kern="1200" dirty="0">
+              <a:solidFill>
+                <a:srgbClr val="FFFFFF"/>
+              </a:solidFill>
+              <a:latin typeface="+mj-lt"/>
+              <a:ea typeface="+mj-ea"/>
+              <a:cs typeface="+mj-cs"/>
+            </a:endParaRPr>
+          </a:p>
+        </p:txBody>
+      </p:sp>
+      <p:pic>
+        <p:nvPicPr>
+          <p:cNvPr id="5" name="Picture 4" descr="A screenshot of a cell phone&#10;&#10;Description automatically generated">
+            <a:extLst>
+              <a:ext uri="{FF2B5EF4-FFF2-40B4-BE49-F238E27FC236}">
+                <a16:creationId xmlns:a16="http://schemas.microsoft.com/office/drawing/2014/main" id="{A585936F-236C-4C4C-9A18-02FDB20874A0}"/>
+              </a:ext>
+            </a:extLst>
+          </p:cNvPr>
+          <p:cNvPicPr>
+            <a:picLocks noChangeAspect="1"/>
+          </p:cNvPicPr>
+          <p:nvPr/>
+        </p:nvPicPr>
+        <p:blipFill>
+          <a:blip r:embed="rId3"/>
+          <a:stretch>
+            <a:fillRect/>
+          </a:stretch>
+        </p:blipFill>
+        <p:spPr>
+          <a:xfrm>
+            <a:off x="4770474" y="549276"/>
+            <a:ext cx="6096000" cy="5702300"/>
+          </a:xfrm>
+          <a:prstGeom prst="rect">
+            <a:avLst/>
+          </a:prstGeom>
+        </p:spPr>
+      </p:pic>
+    </p:spTree>
+    <p:extLst>
+      <p:ext uri="{BB962C8B-B14F-4D97-AF65-F5344CB8AC3E}">
+        <p14:creationId xmlns:p14="http://schemas.microsoft.com/office/powerpoint/2010/main" val="945225208"/>
       </p:ext>
     </p:extLst>
   </p:cSld>

--- a/Curso201.pptx
+++ b/Curso201.pptx
@@ -5,7 +5,7 @@
     <p:sldMasterId id="2147483648" r:id="rId1"/>
   </p:sldMasterIdLst>
   <p:notesMasterIdLst>
-    <p:notesMasterId r:id="rId82"/>
+    <p:notesMasterId r:id="rId88"/>
   </p:notesMasterIdLst>
   <p:sldIdLst>
     <p:sldId id="256" r:id="rId2"/>
@@ -85,9 +85,15 @@
     <p:sldId id="334" r:id="rId76"/>
     <p:sldId id="335" r:id="rId77"/>
     <p:sldId id="336" r:id="rId78"/>
-    <p:sldId id="337" r:id="rId79"/>
-    <p:sldId id="338" r:id="rId80"/>
-    <p:sldId id="339" r:id="rId81"/>
+    <p:sldId id="342" r:id="rId79"/>
+    <p:sldId id="337" r:id="rId80"/>
+    <p:sldId id="338" r:id="rId81"/>
+    <p:sldId id="339" r:id="rId82"/>
+    <p:sldId id="340" r:id="rId83"/>
+    <p:sldId id="341" r:id="rId84"/>
+    <p:sldId id="343" r:id="rId85"/>
+    <p:sldId id="344" r:id="rId86"/>
+    <p:sldId id="345" r:id="rId87"/>
   </p:sldIdLst>
   <p:sldSz cx="12192000" cy="6858000"/>
   <p:notesSz cx="6858000" cy="9144000"/>
@@ -276,7 +282,7 @@
           <a:p>
             <a:fld id="{4282A413-D2B7-6541-8037-CC8699C3C638}" type="datetimeFigureOut">
               <a:rPr lang="en-US" smtClean="0"/>
-              <a:t>3/21/19</a:t>
+              <a:t>3/22/19</a:t>
             </a:fld>
             <a:endParaRPr lang="en-US"/>
           </a:p>
@@ -3977,7 +3983,7 @@
     </p:spTree>
     <p:extLst>
       <p:ext uri="{BB962C8B-B14F-4D97-AF65-F5344CB8AC3E}">
-        <p14:creationId xmlns:p14="http://schemas.microsoft.com/office/powerpoint/2010/main" val="1095247234"/>
+        <p14:creationId xmlns:p14="http://schemas.microsoft.com/office/powerpoint/2010/main" val="2661706965"/>
       </p:ext>
     </p:extLst>
   </p:cSld>
@@ -4061,7 +4067,7 @@
     </p:spTree>
     <p:extLst>
       <p:ext uri="{BB962C8B-B14F-4D97-AF65-F5344CB8AC3E}">
-        <p14:creationId xmlns:p14="http://schemas.microsoft.com/office/powerpoint/2010/main" val="3964275811"/>
+        <p14:creationId xmlns:p14="http://schemas.microsoft.com/office/powerpoint/2010/main" val="1095247234"/>
       </p:ext>
     </p:extLst>
   </p:cSld>
@@ -4137,6 +4143,90 @@
             <a:fld id="{3BE7DE0F-4338-D345-B6F5-61C48058FBBB}" type="slidenum">
               <a:rPr lang="en-US" smtClean="0"/>
               <a:t>80</a:t>
+            </a:fld>
+            <a:endParaRPr lang="en-US"/>
+          </a:p>
+        </p:txBody>
+      </p:sp>
+    </p:spTree>
+    <p:extLst>
+      <p:ext uri="{BB962C8B-B14F-4D97-AF65-F5344CB8AC3E}">
+        <p14:creationId xmlns:p14="http://schemas.microsoft.com/office/powerpoint/2010/main" val="3964275811"/>
+      </p:ext>
+    </p:extLst>
+  </p:cSld>
+  <p:clrMapOvr>
+    <a:masterClrMapping/>
+  </p:clrMapOvr>
+</p:notes>
+</file>
+
+<file path=ppt/notesSlides/notesSlide49.xml><?xml version="1.0" encoding="utf-8"?>
+<p:notes xmlns:a="http://schemas.openxmlformats.org/drawingml/2006/main" xmlns:r="http://schemas.openxmlformats.org/officeDocument/2006/relationships" xmlns:p="http://schemas.openxmlformats.org/presentationml/2006/main">
+  <p:cSld>
+    <p:spTree>
+      <p:nvGrpSpPr>
+        <p:cNvPr id="1" name=""/>
+        <p:cNvGrpSpPr/>
+        <p:nvPr/>
+      </p:nvGrpSpPr>
+      <p:grpSpPr>
+        <a:xfrm>
+          <a:off x="0" y="0"/>
+          <a:ext cx="0" cy="0"/>
+          <a:chOff x="0" y="0"/>
+          <a:chExt cx="0" cy="0"/>
+        </a:xfrm>
+      </p:grpSpPr>
+      <p:sp>
+        <p:nvSpPr>
+          <p:cNvPr id="2" name="Slide Image Placeholder 1"/>
+          <p:cNvSpPr>
+            <a:spLocks noGrp="1" noRot="1" noChangeAspect="1"/>
+          </p:cNvSpPr>
+          <p:nvPr>
+            <p:ph type="sldImg"/>
+          </p:nvPr>
+        </p:nvSpPr>
+        <p:spPr/>
+      </p:sp>
+      <p:sp>
+        <p:nvSpPr>
+          <p:cNvPr id="3" name="Notes Placeholder 2"/>
+          <p:cNvSpPr>
+            <a:spLocks noGrp="1"/>
+          </p:cNvSpPr>
+          <p:nvPr>
+            <p:ph type="body" idx="1"/>
+          </p:nvPr>
+        </p:nvSpPr>
+        <p:spPr/>
+        <p:txBody>
+          <a:bodyPr/>
+          <a:lstStyle/>
+          <a:p>
+            <a:endParaRPr lang="en-US" dirty="0"/>
+          </a:p>
+        </p:txBody>
+      </p:sp>
+      <p:sp>
+        <p:nvSpPr>
+          <p:cNvPr id="4" name="Slide Number Placeholder 3"/>
+          <p:cNvSpPr>
+            <a:spLocks noGrp="1"/>
+          </p:cNvSpPr>
+          <p:nvPr>
+            <p:ph type="sldNum" sz="quarter" idx="5"/>
+          </p:nvPr>
+        </p:nvSpPr>
+        <p:spPr/>
+        <p:txBody>
+          <a:bodyPr/>
+          <a:lstStyle/>
+          <a:p>
+            <a:fld id="{3BE7DE0F-4338-D345-B6F5-61C48058FBBB}" type="slidenum">
+              <a:rPr lang="en-US" smtClean="0"/>
+              <a:t>81</a:t>
             </a:fld>
             <a:endParaRPr lang="en-US"/>
           </a:p>
@@ -4230,6 +4320,426 @@
     <p:extLst>
       <p:ext uri="{BB962C8B-B14F-4D97-AF65-F5344CB8AC3E}">
         <p14:creationId xmlns:p14="http://schemas.microsoft.com/office/powerpoint/2010/main" val="2782901984"/>
+      </p:ext>
+    </p:extLst>
+  </p:cSld>
+  <p:clrMapOvr>
+    <a:masterClrMapping/>
+  </p:clrMapOvr>
+</p:notes>
+</file>
+
+<file path=ppt/notesSlides/notesSlide50.xml><?xml version="1.0" encoding="utf-8"?>
+<p:notes xmlns:a="http://schemas.openxmlformats.org/drawingml/2006/main" xmlns:r="http://schemas.openxmlformats.org/officeDocument/2006/relationships" xmlns:p="http://schemas.openxmlformats.org/presentationml/2006/main">
+  <p:cSld>
+    <p:spTree>
+      <p:nvGrpSpPr>
+        <p:cNvPr id="1" name=""/>
+        <p:cNvGrpSpPr/>
+        <p:nvPr/>
+      </p:nvGrpSpPr>
+      <p:grpSpPr>
+        <a:xfrm>
+          <a:off x="0" y="0"/>
+          <a:ext cx="0" cy="0"/>
+          <a:chOff x="0" y="0"/>
+          <a:chExt cx="0" cy="0"/>
+        </a:xfrm>
+      </p:grpSpPr>
+      <p:sp>
+        <p:nvSpPr>
+          <p:cNvPr id="2" name="Slide Image Placeholder 1"/>
+          <p:cNvSpPr>
+            <a:spLocks noGrp="1" noRot="1" noChangeAspect="1"/>
+          </p:cNvSpPr>
+          <p:nvPr>
+            <p:ph type="sldImg"/>
+          </p:nvPr>
+        </p:nvSpPr>
+        <p:spPr/>
+      </p:sp>
+      <p:sp>
+        <p:nvSpPr>
+          <p:cNvPr id="3" name="Notes Placeholder 2"/>
+          <p:cNvSpPr>
+            <a:spLocks noGrp="1"/>
+          </p:cNvSpPr>
+          <p:nvPr>
+            <p:ph type="body" idx="1"/>
+          </p:nvPr>
+        </p:nvSpPr>
+        <p:spPr/>
+        <p:txBody>
+          <a:bodyPr/>
+          <a:lstStyle/>
+          <a:p>
+            <a:endParaRPr lang="en-US" dirty="0"/>
+          </a:p>
+        </p:txBody>
+      </p:sp>
+      <p:sp>
+        <p:nvSpPr>
+          <p:cNvPr id="4" name="Slide Number Placeholder 3"/>
+          <p:cNvSpPr>
+            <a:spLocks noGrp="1"/>
+          </p:cNvSpPr>
+          <p:nvPr>
+            <p:ph type="sldNum" sz="quarter" idx="5"/>
+          </p:nvPr>
+        </p:nvSpPr>
+        <p:spPr/>
+        <p:txBody>
+          <a:bodyPr/>
+          <a:lstStyle/>
+          <a:p>
+            <a:fld id="{3BE7DE0F-4338-D345-B6F5-61C48058FBBB}" type="slidenum">
+              <a:rPr lang="en-US" smtClean="0"/>
+              <a:t>82</a:t>
+            </a:fld>
+            <a:endParaRPr lang="en-US"/>
+          </a:p>
+        </p:txBody>
+      </p:sp>
+    </p:spTree>
+    <p:extLst>
+      <p:ext uri="{BB962C8B-B14F-4D97-AF65-F5344CB8AC3E}">
+        <p14:creationId xmlns:p14="http://schemas.microsoft.com/office/powerpoint/2010/main" val="275434475"/>
+      </p:ext>
+    </p:extLst>
+  </p:cSld>
+  <p:clrMapOvr>
+    <a:masterClrMapping/>
+  </p:clrMapOvr>
+</p:notes>
+</file>
+
+<file path=ppt/notesSlides/notesSlide51.xml><?xml version="1.0" encoding="utf-8"?>
+<p:notes xmlns:a="http://schemas.openxmlformats.org/drawingml/2006/main" xmlns:r="http://schemas.openxmlformats.org/officeDocument/2006/relationships" xmlns:p="http://schemas.openxmlformats.org/presentationml/2006/main">
+  <p:cSld>
+    <p:spTree>
+      <p:nvGrpSpPr>
+        <p:cNvPr id="1" name=""/>
+        <p:cNvGrpSpPr/>
+        <p:nvPr/>
+      </p:nvGrpSpPr>
+      <p:grpSpPr>
+        <a:xfrm>
+          <a:off x="0" y="0"/>
+          <a:ext cx="0" cy="0"/>
+          <a:chOff x="0" y="0"/>
+          <a:chExt cx="0" cy="0"/>
+        </a:xfrm>
+      </p:grpSpPr>
+      <p:sp>
+        <p:nvSpPr>
+          <p:cNvPr id="2" name="Slide Image Placeholder 1"/>
+          <p:cNvSpPr>
+            <a:spLocks noGrp="1" noRot="1" noChangeAspect="1"/>
+          </p:cNvSpPr>
+          <p:nvPr>
+            <p:ph type="sldImg"/>
+          </p:nvPr>
+        </p:nvSpPr>
+        <p:spPr/>
+      </p:sp>
+      <p:sp>
+        <p:nvSpPr>
+          <p:cNvPr id="3" name="Notes Placeholder 2"/>
+          <p:cNvSpPr>
+            <a:spLocks noGrp="1"/>
+          </p:cNvSpPr>
+          <p:nvPr>
+            <p:ph type="body" idx="1"/>
+          </p:nvPr>
+        </p:nvSpPr>
+        <p:spPr/>
+        <p:txBody>
+          <a:bodyPr/>
+          <a:lstStyle/>
+          <a:p>
+            <a:endParaRPr lang="en-US" dirty="0"/>
+          </a:p>
+        </p:txBody>
+      </p:sp>
+      <p:sp>
+        <p:nvSpPr>
+          <p:cNvPr id="4" name="Slide Number Placeholder 3"/>
+          <p:cNvSpPr>
+            <a:spLocks noGrp="1"/>
+          </p:cNvSpPr>
+          <p:nvPr>
+            <p:ph type="sldNum" sz="quarter" idx="5"/>
+          </p:nvPr>
+        </p:nvSpPr>
+        <p:spPr/>
+        <p:txBody>
+          <a:bodyPr/>
+          <a:lstStyle/>
+          <a:p>
+            <a:fld id="{3BE7DE0F-4338-D345-B6F5-61C48058FBBB}" type="slidenum">
+              <a:rPr lang="en-US" smtClean="0"/>
+              <a:t>83</a:t>
+            </a:fld>
+            <a:endParaRPr lang="en-US"/>
+          </a:p>
+        </p:txBody>
+      </p:sp>
+    </p:spTree>
+    <p:extLst>
+      <p:ext uri="{BB962C8B-B14F-4D97-AF65-F5344CB8AC3E}">
+        <p14:creationId xmlns:p14="http://schemas.microsoft.com/office/powerpoint/2010/main" val="4070101427"/>
+      </p:ext>
+    </p:extLst>
+  </p:cSld>
+  <p:clrMapOvr>
+    <a:masterClrMapping/>
+  </p:clrMapOvr>
+</p:notes>
+</file>
+
+<file path=ppt/notesSlides/notesSlide52.xml><?xml version="1.0" encoding="utf-8"?>
+<p:notes xmlns:a="http://schemas.openxmlformats.org/drawingml/2006/main" xmlns:r="http://schemas.openxmlformats.org/officeDocument/2006/relationships" xmlns:p="http://schemas.openxmlformats.org/presentationml/2006/main">
+  <p:cSld>
+    <p:spTree>
+      <p:nvGrpSpPr>
+        <p:cNvPr id="1" name=""/>
+        <p:cNvGrpSpPr/>
+        <p:nvPr/>
+      </p:nvGrpSpPr>
+      <p:grpSpPr>
+        <a:xfrm>
+          <a:off x="0" y="0"/>
+          <a:ext cx="0" cy="0"/>
+          <a:chOff x="0" y="0"/>
+          <a:chExt cx="0" cy="0"/>
+        </a:xfrm>
+      </p:grpSpPr>
+      <p:sp>
+        <p:nvSpPr>
+          <p:cNvPr id="2" name="Slide Image Placeholder 1"/>
+          <p:cNvSpPr>
+            <a:spLocks noGrp="1" noRot="1" noChangeAspect="1"/>
+          </p:cNvSpPr>
+          <p:nvPr>
+            <p:ph type="sldImg"/>
+          </p:nvPr>
+        </p:nvSpPr>
+        <p:spPr/>
+      </p:sp>
+      <p:sp>
+        <p:nvSpPr>
+          <p:cNvPr id="3" name="Notes Placeholder 2"/>
+          <p:cNvSpPr>
+            <a:spLocks noGrp="1"/>
+          </p:cNvSpPr>
+          <p:nvPr>
+            <p:ph type="body" idx="1"/>
+          </p:nvPr>
+        </p:nvSpPr>
+        <p:spPr/>
+        <p:txBody>
+          <a:bodyPr/>
+          <a:lstStyle/>
+          <a:p>
+            <a:endParaRPr lang="en-US" dirty="0"/>
+          </a:p>
+        </p:txBody>
+      </p:sp>
+      <p:sp>
+        <p:nvSpPr>
+          <p:cNvPr id="4" name="Slide Number Placeholder 3"/>
+          <p:cNvSpPr>
+            <a:spLocks noGrp="1"/>
+          </p:cNvSpPr>
+          <p:nvPr>
+            <p:ph type="sldNum" sz="quarter" idx="5"/>
+          </p:nvPr>
+        </p:nvSpPr>
+        <p:spPr/>
+        <p:txBody>
+          <a:bodyPr/>
+          <a:lstStyle/>
+          <a:p>
+            <a:fld id="{3BE7DE0F-4338-D345-B6F5-61C48058FBBB}" type="slidenum">
+              <a:rPr lang="en-US" smtClean="0"/>
+              <a:t>84</a:t>
+            </a:fld>
+            <a:endParaRPr lang="en-US"/>
+          </a:p>
+        </p:txBody>
+      </p:sp>
+    </p:spTree>
+    <p:extLst>
+      <p:ext uri="{BB962C8B-B14F-4D97-AF65-F5344CB8AC3E}">
+        <p14:creationId xmlns:p14="http://schemas.microsoft.com/office/powerpoint/2010/main" val="1394394186"/>
+      </p:ext>
+    </p:extLst>
+  </p:cSld>
+  <p:clrMapOvr>
+    <a:masterClrMapping/>
+  </p:clrMapOvr>
+</p:notes>
+</file>
+
+<file path=ppt/notesSlides/notesSlide53.xml><?xml version="1.0" encoding="utf-8"?>
+<p:notes xmlns:a="http://schemas.openxmlformats.org/drawingml/2006/main" xmlns:r="http://schemas.openxmlformats.org/officeDocument/2006/relationships" xmlns:p="http://schemas.openxmlformats.org/presentationml/2006/main">
+  <p:cSld>
+    <p:spTree>
+      <p:nvGrpSpPr>
+        <p:cNvPr id="1" name=""/>
+        <p:cNvGrpSpPr/>
+        <p:nvPr/>
+      </p:nvGrpSpPr>
+      <p:grpSpPr>
+        <a:xfrm>
+          <a:off x="0" y="0"/>
+          <a:ext cx="0" cy="0"/>
+          <a:chOff x="0" y="0"/>
+          <a:chExt cx="0" cy="0"/>
+        </a:xfrm>
+      </p:grpSpPr>
+      <p:sp>
+        <p:nvSpPr>
+          <p:cNvPr id="2" name="Slide Image Placeholder 1"/>
+          <p:cNvSpPr>
+            <a:spLocks noGrp="1" noRot="1" noChangeAspect="1"/>
+          </p:cNvSpPr>
+          <p:nvPr>
+            <p:ph type="sldImg"/>
+          </p:nvPr>
+        </p:nvSpPr>
+        <p:spPr/>
+      </p:sp>
+      <p:sp>
+        <p:nvSpPr>
+          <p:cNvPr id="3" name="Notes Placeholder 2"/>
+          <p:cNvSpPr>
+            <a:spLocks noGrp="1"/>
+          </p:cNvSpPr>
+          <p:nvPr>
+            <p:ph type="body" idx="1"/>
+          </p:nvPr>
+        </p:nvSpPr>
+        <p:spPr/>
+        <p:txBody>
+          <a:bodyPr/>
+          <a:lstStyle/>
+          <a:p>
+            <a:endParaRPr lang="en-US" dirty="0"/>
+          </a:p>
+        </p:txBody>
+      </p:sp>
+      <p:sp>
+        <p:nvSpPr>
+          <p:cNvPr id="4" name="Slide Number Placeholder 3"/>
+          <p:cNvSpPr>
+            <a:spLocks noGrp="1"/>
+          </p:cNvSpPr>
+          <p:nvPr>
+            <p:ph type="sldNum" sz="quarter" idx="5"/>
+          </p:nvPr>
+        </p:nvSpPr>
+        <p:spPr/>
+        <p:txBody>
+          <a:bodyPr/>
+          <a:lstStyle/>
+          <a:p>
+            <a:fld id="{3BE7DE0F-4338-D345-B6F5-61C48058FBBB}" type="slidenum">
+              <a:rPr lang="en-US" smtClean="0"/>
+              <a:t>85</a:t>
+            </a:fld>
+            <a:endParaRPr lang="en-US"/>
+          </a:p>
+        </p:txBody>
+      </p:sp>
+    </p:spTree>
+    <p:extLst>
+      <p:ext uri="{BB962C8B-B14F-4D97-AF65-F5344CB8AC3E}">
+        <p14:creationId xmlns:p14="http://schemas.microsoft.com/office/powerpoint/2010/main" val="1700250662"/>
+      </p:ext>
+    </p:extLst>
+  </p:cSld>
+  <p:clrMapOvr>
+    <a:masterClrMapping/>
+  </p:clrMapOvr>
+</p:notes>
+</file>
+
+<file path=ppt/notesSlides/notesSlide54.xml><?xml version="1.0" encoding="utf-8"?>
+<p:notes xmlns:a="http://schemas.openxmlformats.org/drawingml/2006/main" xmlns:r="http://schemas.openxmlformats.org/officeDocument/2006/relationships" xmlns:p="http://schemas.openxmlformats.org/presentationml/2006/main">
+  <p:cSld>
+    <p:spTree>
+      <p:nvGrpSpPr>
+        <p:cNvPr id="1" name=""/>
+        <p:cNvGrpSpPr/>
+        <p:nvPr/>
+      </p:nvGrpSpPr>
+      <p:grpSpPr>
+        <a:xfrm>
+          <a:off x="0" y="0"/>
+          <a:ext cx="0" cy="0"/>
+          <a:chOff x="0" y="0"/>
+          <a:chExt cx="0" cy="0"/>
+        </a:xfrm>
+      </p:grpSpPr>
+      <p:sp>
+        <p:nvSpPr>
+          <p:cNvPr id="2" name="Slide Image Placeholder 1"/>
+          <p:cNvSpPr>
+            <a:spLocks noGrp="1" noRot="1" noChangeAspect="1"/>
+          </p:cNvSpPr>
+          <p:nvPr>
+            <p:ph type="sldImg"/>
+          </p:nvPr>
+        </p:nvSpPr>
+        <p:spPr/>
+      </p:sp>
+      <p:sp>
+        <p:nvSpPr>
+          <p:cNvPr id="3" name="Notes Placeholder 2"/>
+          <p:cNvSpPr>
+            <a:spLocks noGrp="1"/>
+          </p:cNvSpPr>
+          <p:nvPr>
+            <p:ph type="body" idx="1"/>
+          </p:nvPr>
+        </p:nvSpPr>
+        <p:spPr/>
+        <p:txBody>
+          <a:bodyPr/>
+          <a:lstStyle/>
+          <a:p>
+            <a:endParaRPr lang="en-US" dirty="0"/>
+          </a:p>
+        </p:txBody>
+      </p:sp>
+      <p:sp>
+        <p:nvSpPr>
+          <p:cNvPr id="4" name="Slide Number Placeholder 3"/>
+          <p:cNvSpPr>
+            <a:spLocks noGrp="1"/>
+          </p:cNvSpPr>
+          <p:nvPr>
+            <p:ph type="sldNum" sz="quarter" idx="5"/>
+          </p:nvPr>
+        </p:nvSpPr>
+        <p:spPr/>
+        <p:txBody>
+          <a:bodyPr/>
+          <a:lstStyle/>
+          <a:p>
+            <a:fld id="{3BE7DE0F-4338-D345-B6F5-61C48058FBBB}" type="slidenum">
+              <a:rPr lang="en-US" smtClean="0"/>
+              <a:t>86</a:t>
+            </a:fld>
+            <a:endParaRPr lang="en-US"/>
+          </a:p>
+        </p:txBody>
+      </p:sp>
+    </p:spTree>
+    <p:extLst>
+      <p:ext uri="{BB962C8B-B14F-4D97-AF65-F5344CB8AC3E}">
+        <p14:creationId xmlns:p14="http://schemas.microsoft.com/office/powerpoint/2010/main" val="3889461352"/>
       </p:ext>
     </p:extLst>
   </p:cSld>
@@ -4724,7 +5234,7 @@
           <a:p>
             <a:fld id="{E2A512E7-6AD5-7B43-AE02-D93C2E36A4B9}" type="datetimeFigureOut">
               <a:rPr lang="es-ES_tradnl" smtClean="0"/>
-              <a:t>21/3/19</a:t>
+              <a:t>22/3/19</a:t>
             </a:fld>
             <a:endParaRPr lang="es-ES_tradnl"/>
           </a:p>
@@ -4924,7 +5434,7 @@
           <a:p>
             <a:fld id="{E2A512E7-6AD5-7B43-AE02-D93C2E36A4B9}" type="datetimeFigureOut">
               <a:rPr lang="es-ES_tradnl" smtClean="0"/>
-              <a:t>21/3/19</a:t>
+              <a:t>22/3/19</a:t>
             </a:fld>
             <a:endParaRPr lang="es-ES_tradnl"/>
           </a:p>
@@ -5134,7 +5644,7 @@
           <a:p>
             <a:fld id="{E2A512E7-6AD5-7B43-AE02-D93C2E36A4B9}" type="datetimeFigureOut">
               <a:rPr lang="es-ES_tradnl" smtClean="0"/>
-              <a:t>21/3/19</a:t>
+              <a:t>22/3/19</a:t>
             </a:fld>
             <a:endParaRPr lang="es-ES_tradnl"/>
           </a:p>
@@ -5334,7 +5844,7 @@
           <a:p>
             <a:fld id="{E2A512E7-6AD5-7B43-AE02-D93C2E36A4B9}" type="datetimeFigureOut">
               <a:rPr lang="es-ES_tradnl" smtClean="0"/>
-              <a:t>21/3/19</a:t>
+              <a:t>22/3/19</a:t>
             </a:fld>
             <a:endParaRPr lang="es-ES_tradnl"/>
           </a:p>
@@ -5610,7 +6120,7 @@
           <a:p>
             <a:fld id="{E2A512E7-6AD5-7B43-AE02-D93C2E36A4B9}" type="datetimeFigureOut">
               <a:rPr lang="es-ES_tradnl" smtClean="0"/>
-              <a:t>21/3/19</a:t>
+              <a:t>22/3/19</a:t>
             </a:fld>
             <a:endParaRPr lang="es-ES_tradnl"/>
           </a:p>
@@ -5878,7 +6388,7 @@
           <a:p>
             <a:fld id="{E2A512E7-6AD5-7B43-AE02-D93C2E36A4B9}" type="datetimeFigureOut">
               <a:rPr lang="es-ES_tradnl" smtClean="0"/>
-              <a:t>21/3/19</a:t>
+              <a:t>22/3/19</a:t>
             </a:fld>
             <a:endParaRPr lang="es-ES_tradnl"/>
           </a:p>
@@ -6293,7 +6803,7 @@
           <a:p>
             <a:fld id="{E2A512E7-6AD5-7B43-AE02-D93C2E36A4B9}" type="datetimeFigureOut">
               <a:rPr lang="es-ES_tradnl" smtClean="0"/>
-              <a:t>21/3/19</a:t>
+              <a:t>22/3/19</a:t>
             </a:fld>
             <a:endParaRPr lang="es-ES_tradnl"/>
           </a:p>
@@ -6435,7 +6945,7 @@
           <a:p>
             <a:fld id="{E2A512E7-6AD5-7B43-AE02-D93C2E36A4B9}" type="datetimeFigureOut">
               <a:rPr lang="es-ES_tradnl" smtClean="0"/>
-              <a:t>21/3/19</a:t>
+              <a:t>22/3/19</a:t>
             </a:fld>
             <a:endParaRPr lang="es-ES_tradnl"/>
           </a:p>
@@ -6548,7 +7058,7 @@
           <a:p>
             <a:fld id="{E2A512E7-6AD5-7B43-AE02-D93C2E36A4B9}" type="datetimeFigureOut">
               <a:rPr lang="es-ES_tradnl" smtClean="0"/>
-              <a:t>21/3/19</a:t>
+              <a:t>22/3/19</a:t>
             </a:fld>
             <a:endParaRPr lang="es-ES_tradnl"/>
           </a:p>
@@ -6861,7 +7371,7 @@
           <a:p>
             <a:fld id="{E2A512E7-6AD5-7B43-AE02-D93C2E36A4B9}" type="datetimeFigureOut">
               <a:rPr lang="es-ES_tradnl" smtClean="0"/>
-              <a:t>21/3/19</a:t>
+              <a:t>22/3/19</a:t>
             </a:fld>
             <a:endParaRPr lang="es-ES_tradnl"/>
           </a:p>
@@ -7150,7 +7660,7 @@
           <a:p>
             <a:fld id="{E2A512E7-6AD5-7B43-AE02-D93C2E36A4B9}" type="datetimeFigureOut">
               <a:rPr lang="es-ES_tradnl" smtClean="0"/>
-              <a:t>21/3/19</a:t>
+              <a:t>22/3/19</a:t>
             </a:fld>
             <a:endParaRPr lang="es-ES_tradnl"/>
           </a:p>
@@ -7393,7 +7903,7 @@
           <a:p>
             <a:fld id="{E2A512E7-6AD5-7B43-AE02-D93C2E36A4B9}" type="datetimeFigureOut">
               <a:rPr lang="es-ES_tradnl" smtClean="0"/>
-              <a:t>21/3/19</a:t>
+              <a:t>22/3/19</a:t>
             </a:fld>
             <a:endParaRPr lang="es-ES_tradnl"/>
           </a:p>
@@ -25725,7 +26235,7 @@
                   <a:srgbClr val="FFFFFF"/>
                 </a:solidFill>
               </a:rPr>
-              <a:t> </a:t>
+              <a:t> con </a:t>
             </a:r>
             <a:r>
               <a:rPr lang="en-US" sz="3200" dirty="0" err="1">
@@ -25733,7 +26243,7 @@
                   <a:srgbClr val="FFFFFF"/>
                 </a:solidFill>
               </a:rPr>
-              <a:t>implícita</a:t>
+              <a:t>inicializador</a:t>
             </a:r>
             <a:endParaRPr lang="en-US" sz="3200" kern="1200" dirty="0">
               <a:solidFill>
@@ -25748,10 +26258,10 @@
       </p:sp>
       <p:pic>
         <p:nvPicPr>
-          <p:cNvPr id="5" name="Picture 4" descr="A screenshot of a cell phone&#10;&#10;Description automatically generated">
-            <a:extLst>
-              <a:ext uri="{FF2B5EF4-FFF2-40B4-BE49-F238E27FC236}">
-                <a16:creationId xmlns:a16="http://schemas.microsoft.com/office/drawing/2014/main" id="{68E65224-A24C-E646-9F48-7DD02F645B3F}"/>
+          <p:cNvPr id="7" name="Picture 6" descr="A screenshot of a cell phone&#10;&#10;Description automatically generated">
+            <a:extLst>
+              <a:ext uri="{FF2B5EF4-FFF2-40B4-BE49-F238E27FC236}">
+                <a16:creationId xmlns:a16="http://schemas.microsoft.com/office/drawing/2014/main" id="{7CE76BAB-8129-7D4F-9B73-BB84CC2A49A6}"/>
               </a:ext>
             </a:extLst>
           </p:cNvPr>
@@ -25768,8 +26278,8 @@
         </p:blipFill>
         <p:spPr>
           <a:xfrm>
-            <a:off x="4277611" y="581099"/>
-            <a:ext cx="7531100" cy="5270500"/>
+            <a:off x="4525482" y="346076"/>
+            <a:ext cx="5905500" cy="6108700"/>
           </a:xfrm>
           <a:prstGeom prst="rect">
             <a:avLst/>
@@ -25779,7 +26289,7 @@
     </p:spTree>
     <p:extLst>
       <p:ext uri="{BB962C8B-B14F-4D97-AF65-F5344CB8AC3E}">
-        <p14:creationId xmlns:p14="http://schemas.microsoft.com/office/powerpoint/2010/main" val="481420186"/>
+        <p14:creationId xmlns:p14="http://schemas.microsoft.com/office/powerpoint/2010/main" val="812800610"/>
       </p:ext>
     </p:extLst>
   </p:cSld>
@@ -25921,12 +26431,28 @@
               </a:rPr>
             </a:br>
             <a:r>
+              <a:rPr lang="en-US" sz="3200" dirty="0" err="1">
+                <a:solidFill>
+                  <a:srgbClr val="FFFFFF"/>
+                </a:solidFill>
+              </a:rPr>
+              <a:t>Declaración</a:t>
+            </a:r>
+            <a:r>
               <a:rPr lang="en-US" sz="3200" dirty="0">
                 <a:solidFill>
                   <a:srgbClr val="FFFFFF"/>
                 </a:solidFill>
               </a:rPr>
-              <a:t>de Objects</a:t>
+              <a:t> </a:t>
+            </a:r>
+            <a:r>
+              <a:rPr lang="en-US" sz="3200" dirty="0" err="1">
+                <a:solidFill>
+                  <a:srgbClr val="FFFFFF"/>
+                </a:solidFill>
+              </a:rPr>
+              <a:t>implícita</a:t>
             </a:r>
             <a:endParaRPr lang="en-US" sz="3200" kern="1200" dirty="0">
               <a:solidFill>
@@ -25941,10 +26467,10 @@
       </p:sp>
       <p:pic>
         <p:nvPicPr>
-          <p:cNvPr id="4" name="Picture 3" descr="A screenshot of a cell phone&#10;&#10;Description automatically generated">
-            <a:extLst>
-              <a:ext uri="{FF2B5EF4-FFF2-40B4-BE49-F238E27FC236}">
-                <a16:creationId xmlns:a16="http://schemas.microsoft.com/office/drawing/2014/main" id="{886E22AB-F4AB-5647-AFA8-F3CA10BBE7C6}"/>
+          <p:cNvPr id="5" name="Picture 4" descr="A screenshot of a cell phone&#10;&#10;Description automatically generated">
+            <a:extLst>
+              <a:ext uri="{FF2B5EF4-FFF2-40B4-BE49-F238E27FC236}">
+                <a16:creationId xmlns:a16="http://schemas.microsoft.com/office/drawing/2014/main" id="{68E65224-A24C-E646-9F48-7DD02F645B3F}"/>
               </a:ext>
             </a:extLst>
           </p:cNvPr>
@@ -25961,8 +26487,8 @@
         </p:blipFill>
         <p:spPr>
           <a:xfrm>
-            <a:off x="4529174" y="790576"/>
-            <a:ext cx="6578600" cy="5219700"/>
+            <a:off x="4277611" y="581099"/>
+            <a:ext cx="7531100" cy="5270500"/>
           </a:xfrm>
           <a:prstGeom prst="rect">
             <a:avLst/>
@@ -25972,7 +26498,7 @@
     </p:spTree>
     <p:extLst>
       <p:ext uri="{BB962C8B-B14F-4D97-AF65-F5344CB8AC3E}">
-        <p14:creationId xmlns:p14="http://schemas.microsoft.com/office/powerpoint/2010/main" val="2568747999"/>
+        <p14:creationId xmlns:p14="http://schemas.microsoft.com/office/powerpoint/2010/main" val="481420186"/>
       </p:ext>
     </p:extLst>
   </p:cSld>
@@ -26280,21 +26806,21 @@
               <a:t>Arrays</a:t>
             </a:r>
             <a:br>
-              <a:rPr lang="en-US" sz="2400" dirty="0">
+              <a:rPr lang="en-US" sz="3200" dirty="0">
                 <a:solidFill>
                   <a:srgbClr val="FFFFFF"/>
                 </a:solidFill>
               </a:rPr>
             </a:br>
             <a:r>
-              <a:rPr lang="en-US" sz="2400" dirty="0" err="1">
-                <a:solidFill>
-                  <a:srgbClr val="FFFFFF"/>
-                </a:solidFill>
-              </a:rPr>
-              <a:t>Multidimensionales</a:t>
-            </a:r>
-            <a:endParaRPr lang="en-US" sz="2400" kern="1200" dirty="0">
+              <a:rPr lang="en-US" sz="3200" dirty="0">
+                <a:solidFill>
+                  <a:srgbClr val="FFFFFF"/>
+                </a:solidFill>
+              </a:rPr>
+              <a:t>de Objects</a:t>
+            </a:r>
+            <a:endParaRPr lang="en-US" sz="3200" kern="1200" dirty="0">
               <a:solidFill>
                 <a:srgbClr val="FFFFFF"/>
               </a:solidFill>
@@ -26307,10 +26833,10 @@
       </p:sp>
       <p:pic>
         <p:nvPicPr>
-          <p:cNvPr id="5" name="Picture 4" descr="A screenshot of a cell phone&#10;&#10;Description automatically generated">
-            <a:extLst>
-              <a:ext uri="{FF2B5EF4-FFF2-40B4-BE49-F238E27FC236}">
-                <a16:creationId xmlns:a16="http://schemas.microsoft.com/office/drawing/2014/main" id="{A585936F-236C-4C4C-9A18-02FDB20874A0}"/>
+          <p:cNvPr id="4" name="Picture 3" descr="A screenshot of a cell phone&#10;&#10;Description automatically generated">
+            <a:extLst>
+              <a:ext uri="{FF2B5EF4-FFF2-40B4-BE49-F238E27FC236}">
+                <a16:creationId xmlns:a16="http://schemas.microsoft.com/office/drawing/2014/main" id="{886E22AB-F4AB-5647-AFA8-F3CA10BBE7C6}"/>
               </a:ext>
             </a:extLst>
           </p:cNvPr>
@@ -26327,6 +26853,199 @@
         </p:blipFill>
         <p:spPr>
           <a:xfrm>
+            <a:off x="4529174" y="790576"/>
+            <a:ext cx="6578600" cy="5219700"/>
+          </a:xfrm>
+          <a:prstGeom prst="rect">
+            <a:avLst/>
+          </a:prstGeom>
+        </p:spPr>
+      </p:pic>
+    </p:spTree>
+    <p:extLst>
+      <p:ext uri="{BB962C8B-B14F-4D97-AF65-F5344CB8AC3E}">
+        <p14:creationId xmlns:p14="http://schemas.microsoft.com/office/powerpoint/2010/main" val="2568747999"/>
+      </p:ext>
+    </p:extLst>
+  </p:cSld>
+  <p:clrMapOvr>
+    <a:masterClrMapping/>
+  </p:clrMapOvr>
+</p:sld>
+</file>
+
+<file path=ppt/slides/slide81.xml><?xml version="1.0" encoding="utf-8"?>
+<p:sld xmlns:a="http://schemas.openxmlformats.org/drawingml/2006/main" xmlns:r="http://schemas.openxmlformats.org/officeDocument/2006/relationships" xmlns:p="http://schemas.openxmlformats.org/presentationml/2006/main">
+  <p:cSld>
+    <p:bg>
+      <p:bgPr>
+        <a:solidFill>
+          <a:schemeClr val="bg1"/>
+        </a:solidFill>
+        <a:effectLst/>
+      </p:bgPr>
+    </p:bg>
+    <p:spTree>
+      <p:nvGrpSpPr>
+        <p:cNvPr id="1" name=""/>
+        <p:cNvGrpSpPr/>
+        <p:nvPr/>
+      </p:nvGrpSpPr>
+      <p:grpSpPr>
+        <a:xfrm>
+          <a:off x="0" y="0"/>
+          <a:ext cx="0" cy="0"/>
+          <a:chOff x="0" y="0"/>
+          <a:chExt cx="0" cy="0"/>
+        </a:xfrm>
+      </p:grpSpPr>
+      <p:sp>
+        <p:nvSpPr>
+          <p:cNvPr id="11" name="Flowchart: Document 10">
+            <a:extLst>
+              <a:ext uri="{FF2B5EF4-FFF2-40B4-BE49-F238E27FC236}">
+                <a16:creationId xmlns:a16="http://schemas.microsoft.com/office/drawing/2014/main" id="{D12DDE76-C203-4047-9998-63900085B5E8}"/>
+              </a:ext>
+              <a:ext uri="{C183D7F6-B498-43B3-948B-1728B52AA6E4}">
+                <adec:decorative xmlns:adec="http://schemas.microsoft.com/office/drawing/2017/decorative" val="1"/>
+              </a:ext>
+            </a:extLst>
+          </p:cNvPr>
+          <p:cNvSpPr>
+            <a:spLocks noGrp="1" noRot="1" noChangeAspect="1" noMove="1" noResize="1" noEditPoints="1" noAdjustHandles="1" noChangeArrowheads="1" noChangeShapeType="1" noTextEdit="1"/>
+          </p:cNvSpPr>
+          <p:nvPr>
+            <p:extLst>
+              <p:ext uri="{386F3935-93C4-4BCD-93E2-E3B085C9AB24}">
+                <p16:designElem xmlns:p16="http://schemas.microsoft.com/office/powerpoint/2015/main" val="1"/>
+              </p:ext>
+            </p:extLst>
+          </p:nvPr>
+        </p:nvSpPr>
+        <p:spPr>
+          <a:xfrm>
+            <a:off x="638175" y="0"/>
+            <a:ext cx="3248025" cy="3400426"/>
+          </a:xfrm>
+          <a:prstGeom prst="flowChartDocument">
+            <a:avLst/>
+          </a:prstGeom>
+          <a:solidFill>
+            <a:schemeClr val="accent1"/>
+          </a:solidFill>
+          <a:ln>
+            <a:noFill/>
+          </a:ln>
+        </p:spPr>
+        <p:style>
+          <a:lnRef idx="2">
+            <a:schemeClr val="accent1">
+              <a:shade val="50000"/>
+            </a:schemeClr>
+          </a:lnRef>
+          <a:fillRef idx="1">
+            <a:schemeClr val="accent1"/>
+          </a:fillRef>
+          <a:effectRef idx="0">
+            <a:schemeClr val="accent1"/>
+          </a:effectRef>
+          <a:fontRef idx="minor">
+            <a:schemeClr val="lt1"/>
+          </a:fontRef>
+        </p:style>
+        <p:txBody>
+          <a:bodyPr rtlCol="0" anchor="ctr"/>
+          <a:lstStyle/>
+          <a:p>
+            <a:pPr algn="ctr"/>
+            <a:endParaRPr lang="en-US"/>
+          </a:p>
+        </p:txBody>
+      </p:sp>
+      <p:sp>
+        <p:nvSpPr>
+          <p:cNvPr id="2" name="Title 1">
+            <a:extLst>
+              <a:ext uri="{FF2B5EF4-FFF2-40B4-BE49-F238E27FC236}">
+                <a16:creationId xmlns:a16="http://schemas.microsoft.com/office/drawing/2014/main" id="{9D045432-EED2-8148-BA86-3132BFE644EB}"/>
+              </a:ext>
+            </a:extLst>
+          </p:cNvPr>
+          <p:cNvSpPr>
+            <a:spLocks noGrp="1"/>
+          </p:cNvSpPr>
+          <p:nvPr>
+            <p:ph type="title"/>
+          </p:nvPr>
+        </p:nvSpPr>
+        <p:spPr>
+          <a:xfrm>
+            <a:off x="838200" y="171162"/>
+            <a:ext cx="2840182" cy="3229264"/>
+          </a:xfrm>
+        </p:spPr>
+        <p:txBody>
+          <a:bodyPr vert="horz" lIns="91440" tIns="45720" rIns="91440" bIns="45720" rtlCol="0" anchor="ctr">
+            <a:noAutofit/>
+          </a:bodyPr>
+          <a:lstStyle/>
+          <a:p>
+            <a:r>
+              <a:rPr lang="en-US" sz="3200" dirty="0">
+                <a:solidFill>
+                  <a:srgbClr val="FFFFFF"/>
+                </a:solidFill>
+              </a:rPr>
+              <a:t>Arrays</a:t>
+            </a:r>
+            <a:br>
+              <a:rPr lang="en-US" sz="2400" dirty="0">
+                <a:solidFill>
+                  <a:srgbClr val="FFFFFF"/>
+                </a:solidFill>
+              </a:rPr>
+            </a:br>
+            <a:r>
+              <a:rPr lang="en-US" sz="2400" dirty="0" err="1">
+                <a:solidFill>
+                  <a:srgbClr val="FFFFFF"/>
+                </a:solidFill>
+              </a:rPr>
+              <a:t>Multidimensionales</a:t>
+            </a:r>
+            <a:endParaRPr lang="en-US" sz="2400" kern="1200" dirty="0">
+              <a:solidFill>
+                <a:srgbClr val="FFFFFF"/>
+              </a:solidFill>
+              <a:latin typeface="+mj-lt"/>
+              <a:ea typeface="+mj-ea"/>
+              <a:cs typeface="+mj-cs"/>
+            </a:endParaRPr>
+          </a:p>
+        </p:txBody>
+      </p:sp>
+      <p:pic>
+        <p:nvPicPr>
+          <p:cNvPr id="5" name="Picture 4" descr="A screenshot of a cell phone&#10;&#10;Description automatically generated">
+            <a:extLst>
+              <a:ext uri="{FF2B5EF4-FFF2-40B4-BE49-F238E27FC236}">
+                <a16:creationId xmlns:a16="http://schemas.microsoft.com/office/drawing/2014/main" id="{A585936F-236C-4C4C-9A18-02FDB20874A0}"/>
+              </a:ext>
+            </a:extLst>
+          </p:cNvPr>
+          <p:cNvPicPr>
+            <a:picLocks noChangeAspect="1"/>
+          </p:cNvPicPr>
+          <p:nvPr/>
+        </p:nvPicPr>
+        <p:blipFill>
+          <a:blip r:embed="rId3"/>
+          <a:stretch>
+            <a:fillRect/>
+          </a:stretch>
+        </p:blipFill>
+        <p:spPr>
+          <a:xfrm>
             <a:off x="4770474" y="549276"/>
             <a:ext cx="6096000" cy="5702300"/>
           </a:xfrm>
@@ -26339,6 +27058,1108 @@
     <p:extLst>
       <p:ext uri="{BB962C8B-B14F-4D97-AF65-F5344CB8AC3E}">
         <p14:creationId xmlns:p14="http://schemas.microsoft.com/office/powerpoint/2010/main" val="945225208"/>
+      </p:ext>
+    </p:extLst>
+  </p:cSld>
+  <p:clrMapOvr>
+    <a:masterClrMapping/>
+  </p:clrMapOvr>
+</p:sld>
+</file>
+
+<file path=ppt/slides/slide82.xml><?xml version="1.0" encoding="utf-8"?>
+<p:sld xmlns:a="http://schemas.openxmlformats.org/drawingml/2006/main" xmlns:r="http://schemas.openxmlformats.org/officeDocument/2006/relationships" xmlns:p="http://schemas.openxmlformats.org/presentationml/2006/main">
+  <p:cSld>
+    <p:bg>
+      <p:bgPr>
+        <a:solidFill>
+          <a:schemeClr val="bg1"/>
+        </a:solidFill>
+        <a:effectLst/>
+      </p:bgPr>
+    </p:bg>
+    <p:spTree>
+      <p:nvGrpSpPr>
+        <p:cNvPr id="1" name=""/>
+        <p:cNvGrpSpPr/>
+        <p:nvPr/>
+      </p:nvGrpSpPr>
+      <p:grpSpPr>
+        <a:xfrm>
+          <a:off x="0" y="0"/>
+          <a:ext cx="0" cy="0"/>
+          <a:chOff x="0" y="0"/>
+          <a:chExt cx="0" cy="0"/>
+        </a:xfrm>
+      </p:grpSpPr>
+      <p:sp>
+        <p:nvSpPr>
+          <p:cNvPr id="11" name="Flowchart: Document 10">
+            <a:extLst>
+              <a:ext uri="{FF2B5EF4-FFF2-40B4-BE49-F238E27FC236}">
+                <a16:creationId xmlns:a16="http://schemas.microsoft.com/office/drawing/2014/main" id="{D12DDE76-C203-4047-9998-63900085B5E8}"/>
+              </a:ext>
+              <a:ext uri="{C183D7F6-B498-43B3-948B-1728B52AA6E4}">
+                <adec:decorative xmlns:adec="http://schemas.microsoft.com/office/drawing/2017/decorative" val="1"/>
+              </a:ext>
+            </a:extLst>
+          </p:cNvPr>
+          <p:cNvSpPr>
+            <a:spLocks noGrp="1" noRot="1" noChangeAspect="1" noMove="1" noResize="1" noEditPoints="1" noAdjustHandles="1" noChangeArrowheads="1" noChangeShapeType="1" noTextEdit="1"/>
+          </p:cNvSpPr>
+          <p:nvPr>
+            <p:extLst>
+              <p:ext uri="{386F3935-93C4-4BCD-93E2-E3B085C9AB24}">
+                <p16:designElem xmlns:p16="http://schemas.microsoft.com/office/powerpoint/2015/main" val="1"/>
+              </p:ext>
+            </p:extLst>
+          </p:nvPr>
+        </p:nvSpPr>
+        <p:spPr>
+          <a:xfrm>
+            <a:off x="638175" y="0"/>
+            <a:ext cx="3248025" cy="3400426"/>
+          </a:xfrm>
+          <a:prstGeom prst="flowChartDocument">
+            <a:avLst/>
+          </a:prstGeom>
+          <a:solidFill>
+            <a:schemeClr val="accent1"/>
+          </a:solidFill>
+          <a:ln>
+            <a:noFill/>
+          </a:ln>
+        </p:spPr>
+        <p:style>
+          <a:lnRef idx="2">
+            <a:schemeClr val="accent1">
+              <a:shade val="50000"/>
+            </a:schemeClr>
+          </a:lnRef>
+          <a:fillRef idx="1">
+            <a:schemeClr val="accent1"/>
+          </a:fillRef>
+          <a:effectRef idx="0">
+            <a:schemeClr val="accent1"/>
+          </a:effectRef>
+          <a:fontRef idx="minor">
+            <a:schemeClr val="lt1"/>
+          </a:fontRef>
+        </p:style>
+        <p:txBody>
+          <a:bodyPr rtlCol="0" anchor="ctr"/>
+          <a:lstStyle/>
+          <a:p>
+            <a:pPr algn="ctr"/>
+            <a:endParaRPr lang="en-US"/>
+          </a:p>
+        </p:txBody>
+      </p:sp>
+      <p:sp>
+        <p:nvSpPr>
+          <p:cNvPr id="2" name="Title 1">
+            <a:extLst>
+              <a:ext uri="{FF2B5EF4-FFF2-40B4-BE49-F238E27FC236}">
+                <a16:creationId xmlns:a16="http://schemas.microsoft.com/office/drawing/2014/main" id="{9D045432-EED2-8148-BA86-3132BFE644EB}"/>
+              </a:ext>
+            </a:extLst>
+          </p:cNvPr>
+          <p:cNvSpPr>
+            <a:spLocks noGrp="1"/>
+          </p:cNvSpPr>
+          <p:nvPr>
+            <p:ph type="title"/>
+          </p:nvPr>
+        </p:nvSpPr>
+        <p:spPr>
+          <a:xfrm>
+            <a:off x="838200" y="171162"/>
+            <a:ext cx="2840182" cy="3229264"/>
+          </a:xfrm>
+        </p:spPr>
+        <p:txBody>
+          <a:bodyPr vert="horz" lIns="91440" tIns="45720" rIns="91440" bIns="45720" rtlCol="0" anchor="ctr">
+            <a:noAutofit/>
+          </a:bodyPr>
+          <a:lstStyle/>
+          <a:p>
+            <a:r>
+              <a:rPr lang="en-US" sz="3200" dirty="0">
+                <a:solidFill>
+                  <a:srgbClr val="FFFFFF"/>
+                </a:solidFill>
+              </a:rPr>
+              <a:t>La </a:t>
+            </a:r>
+            <a:r>
+              <a:rPr lang="en-US" sz="3200" dirty="0" err="1">
+                <a:solidFill>
+                  <a:srgbClr val="FFFFFF"/>
+                </a:solidFill>
+              </a:rPr>
+              <a:t>clase</a:t>
+            </a:r>
+            <a:r>
+              <a:rPr lang="en-US" sz="3200" dirty="0">
+                <a:solidFill>
+                  <a:srgbClr val="FFFFFF"/>
+                </a:solidFill>
+              </a:rPr>
+              <a:t> </a:t>
+            </a:r>
+            <a:br>
+              <a:rPr lang="en-US" sz="3200" dirty="0">
+                <a:solidFill>
+                  <a:srgbClr val="FFFFFF"/>
+                </a:solidFill>
+              </a:rPr>
+            </a:br>
+            <a:r>
+              <a:rPr lang="en-US" sz="3200" dirty="0" err="1">
+                <a:solidFill>
+                  <a:srgbClr val="FFFFFF"/>
+                </a:solidFill>
+              </a:rPr>
+              <a:t>System.Array</a:t>
+            </a:r>
+            <a:endParaRPr lang="en-US" sz="2400" kern="1200" dirty="0">
+              <a:solidFill>
+                <a:srgbClr val="FFFFFF"/>
+              </a:solidFill>
+              <a:latin typeface="+mj-lt"/>
+              <a:ea typeface="+mj-ea"/>
+              <a:cs typeface="+mj-cs"/>
+            </a:endParaRPr>
+          </a:p>
+        </p:txBody>
+      </p:sp>
+      <p:pic>
+        <p:nvPicPr>
+          <p:cNvPr id="4" name="Picture 3" descr="A screenshot of a cell phone&#10;&#10;Description automatically generated">
+            <a:extLst>
+              <a:ext uri="{FF2B5EF4-FFF2-40B4-BE49-F238E27FC236}">
+                <a16:creationId xmlns:a16="http://schemas.microsoft.com/office/drawing/2014/main" id="{799D583C-217E-9B49-97EC-CAD68817BD28}"/>
+              </a:ext>
+            </a:extLst>
+          </p:cNvPr>
+          <p:cNvPicPr>
+            <a:picLocks noChangeAspect="1"/>
+          </p:cNvPicPr>
+          <p:nvPr/>
+        </p:nvPicPr>
+        <p:blipFill>
+          <a:blip r:embed="rId3"/>
+          <a:stretch>
+            <a:fillRect/>
+          </a:stretch>
+        </p:blipFill>
+        <p:spPr>
+          <a:xfrm>
+            <a:off x="2594123" y="3027429"/>
+            <a:ext cx="8959702" cy="3451969"/>
+          </a:xfrm>
+          <a:prstGeom prst="rect">
+            <a:avLst/>
+          </a:prstGeom>
+        </p:spPr>
+      </p:pic>
+    </p:spTree>
+    <p:extLst>
+      <p:ext uri="{BB962C8B-B14F-4D97-AF65-F5344CB8AC3E}">
+        <p14:creationId xmlns:p14="http://schemas.microsoft.com/office/powerpoint/2010/main" val="395961066"/>
+      </p:ext>
+    </p:extLst>
+  </p:cSld>
+  <p:clrMapOvr>
+    <a:masterClrMapping/>
+  </p:clrMapOvr>
+</p:sld>
+</file>
+
+<file path=ppt/slides/slide83.xml><?xml version="1.0" encoding="utf-8"?>
+<p:sld xmlns:a="http://schemas.openxmlformats.org/drawingml/2006/main" xmlns:r="http://schemas.openxmlformats.org/officeDocument/2006/relationships" xmlns:p="http://schemas.openxmlformats.org/presentationml/2006/main">
+  <p:cSld>
+    <p:bg>
+      <p:bgPr>
+        <a:solidFill>
+          <a:schemeClr val="bg1"/>
+        </a:solidFill>
+        <a:effectLst/>
+      </p:bgPr>
+    </p:bg>
+    <p:spTree>
+      <p:nvGrpSpPr>
+        <p:cNvPr id="1" name=""/>
+        <p:cNvGrpSpPr/>
+        <p:nvPr/>
+      </p:nvGrpSpPr>
+      <p:grpSpPr>
+        <a:xfrm>
+          <a:off x="0" y="0"/>
+          <a:ext cx="0" cy="0"/>
+          <a:chOff x="0" y="0"/>
+          <a:chExt cx="0" cy="0"/>
+        </a:xfrm>
+      </p:grpSpPr>
+      <p:sp>
+        <p:nvSpPr>
+          <p:cNvPr id="11" name="Flowchart: Document 10">
+            <a:extLst>
+              <a:ext uri="{FF2B5EF4-FFF2-40B4-BE49-F238E27FC236}">
+                <a16:creationId xmlns:a16="http://schemas.microsoft.com/office/drawing/2014/main" id="{D12DDE76-C203-4047-9998-63900085B5E8}"/>
+              </a:ext>
+              <a:ext uri="{C183D7F6-B498-43B3-948B-1728B52AA6E4}">
+                <adec:decorative xmlns:adec="http://schemas.microsoft.com/office/drawing/2017/decorative" val="1"/>
+              </a:ext>
+            </a:extLst>
+          </p:cNvPr>
+          <p:cNvSpPr>
+            <a:spLocks noGrp="1" noRot="1" noChangeAspect="1" noMove="1" noResize="1" noEditPoints="1" noAdjustHandles="1" noChangeArrowheads="1" noChangeShapeType="1" noTextEdit="1"/>
+          </p:cNvSpPr>
+          <p:nvPr>
+            <p:extLst>
+              <p:ext uri="{386F3935-93C4-4BCD-93E2-E3B085C9AB24}">
+                <p16:designElem xmlns:p16="http://schemas.microsoft.com/office/powerpoint/2015/main" val="1"/>
+              </p:ext>
+            </p:extLst>
+          </p:nvPr>
+        </p:nvSpPr>
+        <p:spPr>
+          <a:xfrm>
+            <a:off x="638175" y="0"/>
+            <a:ext cx="3248025" cy="3400426"/>
+          </a:xfrm>
+          <a:prstGeom prst="flowChartDocument">
+            <a:avLst/>
+          </a:prstGeom>
+          <a:solidFill>
+            <a:schemeClr val="accent1"/>
+          </a:solidFill>
+          <a:ln>
+            <a:noFill/>
+          </a:ln>
+        </p:spPr>
+        <p:style>
+          <a:lnRef idx="2">
+            <a:schemeClr val="accent1">
+              <a:shade val="50000"/>
+            </a:schemeClr>
+          </a:lnRef>
+          <a:fillRef idx="1">
+            <a:schemeClr val="accent1"/>
+          </a:fillRef>
+          <a:effectRef idx="0">
+            <a:schemeClr val="accent1"/>
+          </a:effectRef>
+          <a:fontRef idx="minor">
+            <a:schemeClr val="lt1"/>
+          </a:fontRef>
+        </p:style>
+        <p:txBody>
+          <a:bodyPr rtlCol="0" anchor="ctr"/>
+          <a:lstStyle/>
+          <a:p>
+            <a:pPr algn="ctr"/>
+            <a:endParaRPr lang="en-US"/>
+          </a:p>
+        </p:txBody>
+      </p:sp>
+      <p:sp>
+        <p:nvSpPr>
+          <p:cNvPr id="2" name="Title 1">
+            <a:extLst>
+              <a:ext uri="{FF2B5EF4-FFF2-40B4-BE49-F238E27FC236}">
+                <a16:creationId xmlns:a16="http://schemas.microsoft.com/office/drawing/2014/main" id="{9D045432-EED2-8148-BA86-3132BFE644EB}"/>
+              </a:ext>
+            </a:extLst>
+          </p:cNvPr>
+          <p:cNvSpPr>
+            <a:spLocks noGrp="1"/>
+          </p:cNvSpPr>
+          <p:nvPr>
+            <p:ph type="title"/>
+          </p:nvPr>
+        </p:nvSpPr>
+        <p:spPr>
+          <a:xfrm>
+            <a:off x="838200" y="171162"/>
+            <a:ext cx="2840182" cy="3229264"/>
+          </a:xfrm>
+        </p:spPr>
+        <p:txBody>
+          <a:bodyPr vert="horz" lIns="91440" tIns="45720" rIns="91440" bIns="45720" rtlCol="0" anchor="ctr">
+            <a:noAutofit/>
+          </a:bodyPr>
+          <a:lstStyle/>
+          <a:p>
+            <a:r>
+              <a:rPr lang="en-US" sz="3200" dirty="0">
+                <a:solidFill>
+                  <a:srgbClr val="FFFFFF"/>
+                </a:solidFill>
+              </a:rPr>
+              <a:t>La </a:t>
+            </a:r>
+            <a:r>
+              <a:rPr lang="en-US" sz="3200" dirty="0" err="1">
+                <a:solidFill>
+                  <a:srgbClr val="FFFFFF"/>
+                </a:solidFill>
+              </a:rPr>
+              <a:t>clase</a:t>
+            </a:r>
+            <a:r>
+              <a:rPr lang="en-US" sz="3200" dirty="0">
+                <a:solidFill>
+                  <a:srgbClr val="FFFFFF"/>
+                </a:solidFill>
+              </a:rPr>
+              <a:t> </a:t>
+            </a:r>
+            <a:br>
+              <a:rPr lang="en-US" sz="3200" dirty="0">
+                <a:solidFill>
+                  <a:srgbClr val="FFFFFF"/>
+                </a:solidFill>
+              </a:rPr>
+            </a:br>
+            <a:r>
+              <a:rPr lang="en-US" sz="3200" dirty="0" err="1">
+                <a:solidFill>
+                  <a:srgbClr val="FFFFFF"/>
+                </a:solidFill>
+              </a:rPr>
+              <a:t>System.Array</a:t>
+            </a:r>
+            <a:endParaRPr lang="en-US" sz="2400" kern="1200" dirty="0">
+              <a:solidFill>
+                <a:srgbClr val="FFFFFF"/>
+              </a:solidFill>
+              <a:latin typeface="+mj-lt"/>
+              <a:ea typeface="+mj-ea"/>
+              <a:cs typeface="+mj-cs"/>
+            </a:endParaRPr>
+          </a:p>
+        </p:txBody>
+      </p:sp>
+      <p:pic>
+        <p:nvPicPr>
+          <p:cNvPr id="5" name="Picture 4" descr="A screenshot of a cell phone&#10;&#10;Description automatically generated">
+            <a:extLst>
+              <a:ext uri="{FF2B5EF4-FFF2-40B4-BE49-F238E27FC236}">
+                <a16:creationId xmlns:a16="http://schemas.microsoft.com/office/drawing/2014/main" id="{F7B08448-C04A-4545-93EB-07FA1978ADA8}"/>
+              </a:ext>
+            </a:extLst>
+          </p:cNvPr>
+          <p:cNvPicPr>
+            <a:picLocks noChangeAspect="1"/>
+          </p:cNvPicPr>
+          <p:nvPr/>
+        </p:nvPicPr>
+        <p:blipFill>
+          <a:blip r:embed="rId3"/>
+          <a:stretch>
+            <a:fillRect/>
+          </a:stretch>
+        </p:blipFill>
+        <p:spPr>
+          <a:xfrm>
+            <a:off x="4557824" y="367864"/>
+            <a:ext cx="6271880" cy="5705388"/>
+          </a:xfrm>
+          <a:prstGeom prst="rect">
+            <a:avLst/>
+          </a:prstGeom>
+        </p:spPr>
+      </p:pic>
+    </p:spTree>
+    <p:extLst>
+      <p:ext uri="{BB962C8B-B14F-4D97-AF65-F5344CB8AC3E}">
+        <p14:creationId xmlns:p14="http://schemas.microsoft.com/office/powerpoint/2010/main" val="825682713"/>
+      </p:ext>
+    </p:extLst>
+  </p:cSld>
+  <p:clrMapOvr>
+    <a:masterClrMapping/>
+  </p:clrMapOvr>
+</p:sld>
+</file>
+
+<file path=ppt/slides/slide84.xml><?xml version="1.0" encoding="utf-8"?>
+<p:sld xmlns:a="http://schemas.openxmlformats.org/drawingml/2006/main" xmlns:r="http://schemas.openxmlformats.org/officeDocument/2006/relationships" xmlns:p="http://schemas.openxmlformats.org/presentationml/2006/main">
+  <p:cSld>
+    <p:bg>
+      <p:bgPr>
+        <a:solidFill>
+          <a:schemeClr val="bg1"/>
+        </a:solidFill>
+        <a:effectLst/>
+      </p:bgPr>
+    </p:bg>
+    <p:spTree>
+      <p:nvGrpSpPr>
+        <p:cNvPr id="1" name=""/>
+        <p:cNvGrpSpPr/>
+        <p:nvPr/>
+      </p:nvGrpSpPr>
+      <p:grpSpPr>
+        <a:xfrm>
+          <a:off x="0" y="0"/>
+          <a:ext cx="0" cy="0"/>
+          <a:chOff x="0" y="0"/>
+          <a:chExt cx="0" cy="0"/>
+        </a:xfrm>
+      </p:grpSpPr>
+      <p:sp>
+        <p:nvSpPr>
+          <p:cNvPr id="11" name="Flowchart: Document 10">
+            <a:extLst>
+              <a:ext uri="{FF2B5EF4-FFF2-40B4-BE49-F238E27FC236}">
+                <a16:creationId xmlns:a16="http://schemas.microsoft.com/office/drawing/2014/main" id="{D12DDE76-C203-4047-9998-63900085B5E8}"/>
+              </a:ext>
+              <a:ext uri="{C183D7F6-B498-43B3-948B-1728B52AA6E4}">
+                <adec:decorative xmlns:adec="http://schemas.microsoft.com/office/drawing/2017/decorative" val="1"/>
+              </a:ext>
+            </a:extLst>
+          </p:cNvPr>
+          <p:cNvSpPr>
+            <a:spLocks noGrp="1" noRot="1" noChangeAspect="1" noMove="1" noResize="1" noEditPoints="1" noAdjustHandles="1" noChangeArrowheads="1" noChangeShapeType="1" noTextEdit="1"/>
+          </p:cNvSpPr>
+          <p:nvPr>
+            <p:extLst>
+              <p:ext uri="{386F3935-93C4-4BCD-93E2-E3B085C9AB24}">
+                <p16:designElem xmlns:p16="http://schemas.microsoft.com/office/powerpoint/2015/main" val="1"/>
+              </p:ext>
+            </p:extLst>
+          </p:nvPr>
+        </p:nvSpPr>
+        <p:spPr>
+          <a:xfrm>
+            <a:off x="638175" y="0"/>
+            <a:ext cx="3248025" cy="3400426"/>
+          </a:xfrm>
+          <a:prstGeom prst="flowChartDocument">
+            <a:avLst/>
+          </a:prstGeom>
+          <a:solidFill>
+            <a:schemeClr val="accent1"/>
+          </a:solidFill>
+          <a:ln>
+            <a:noFill/>
+          </a:ln>
+        </p:spPr>
+        <p:style>
+          <a:lnRef idx="2">
+            <a:schemeClr val="accent1">
+              <a:shade val="50000"/>
+            </a:schemeClr>
+          </a:lnRef>
+          <a:fillRef idx="1">
+            <a:schemeClr val="accent1"/>
+          </a:fillRef>
+          <a:effectRef idx="0">
+            <a:schemeClr val="accent1"/>
+          </a:effectRef>
+          <a:fontRef idx="minor">
+            <a:schemeClr val="lt1"/>
+          </a:fontRef>
+        </p:style>
+        <p:txBody>
+          <a:bodyPr rtlCol="0" anchor="ctr"/>
+          <a:lstStyle/>
+          <a:p>
+            <a:pPr algn="ctr"/>
+            <a:endParaRPr lang="en-US"/>
+          </a:p>
+        </p:txBody>
+      </p:sp>
+      <p:sp>
+        <p:nvSpPr>
+          <p:cNvPr id="2" name="Title 1">
+            <a:extLst>
+              <a:ext uri="{FF2B5EF4-FFF2-40B4-BE49-F238E27FC236}">
+                <a16:creationId xmlns:a16="http://schemas.microsoft.com/office/drawing/2014/main" id="{9D045432-EED2-8148-BA86-3132BFE644EB}"/>
+              </a:ext>
+            </a:extLst>
+          </p:cNvPr>
+          <p:cNvSpPr>
+            <a:spLocks noGrp="1"/>
+          </p:cNvSpPr>
+          <p:nvPr>
+            <p:ph type="title"/>
+          </p:nvPr>
+        </p:nvSpPr>
+        <p:spPr>
+          <a:xfrm>
+            <a:off x="838200" y="171162"/>
+            <a:ext cx="2840182" cy="3229264"/>
+          </a:xfrm>
+        </p:spPr>
+        <p:txBody>
+          <a:bodyPr vert="horz" lIns="91440" tIns="45720" rIns="91440" bIns="45720" rtlCol="0" anchor="ctr">
+            <a:noAutofit/>
+          </a:bodyPr>
+          <a:lstStyle/>
+          <a:p>
+            <a:r>
+              <a:rPr lang="en-US" sz="3200" kern="1200" dirty="0" err="1">
+                <a:solidFill>
+                  <a:srgbClr val="FFFFFF"/>
+                </a:solidFill>
+                <a:latin typeface="+mj-lt"/>
+                <a:ea typeface="+mj-ea"/>
+                <a:cs typeface="+mj-cs"/>
+              </a:rPr>
+              <a:t>Métodos</a:t>
+            </a:r>
+            <a:r>
+              <a:rPr lang="en-US" sz="3200" kern="1200" dirty="0">
+                <a:solidFill>
+                  <a:srgbClr val="FFFFFF"/>
+                </a:solidFill>
+                <a:latin typeface="+mj-lt"/>
+                <a:ea typeface="+mj-ea"/>
+                <a:cs typeface="+mj-cs"/>
+              </a:rPr>
+              <a:t> </a:t>
+            </a:r>
+            <a:endParaRPr lang="en-US" sz="2400" kern="1200" dirty="0">
+              <a:solidFill>
+                <a:srgbClr val="FFFFFF"/>
+              </a:solidFill>
+              <a:latin typeface="+mj-lt"/>
+              <a:ea typeface="+mj-ea"/>
+              <a:cs typeface="+mj-cs"/>
+            </a:endParaRPr>
+          </a:p>
+        </p:txBody>
+      </p:sp>
+      <p:pic>
+        <p:nvPicPr>
+          <p:cNvPr id="4" name="Picture 3" descr="A screenshot of a cell phone&#10;&#10;Description automatically generated">
+            <a:extLst>
+              <a:ext uri="{FF2B5EF4-FFF2-40B4-BE49-F238E27FC236}">
+                <a16:creationId xmlns:a16="http://schemas.microsoft.com/office/drawing/2014/main" id="{75E5C9B1-5247-564C-86CF-B311E1F735A4}"/>
+              </a:ext>
+            </a:extLst>
+          </p:cNvPr>
+          <p:cNvPicPr>
+            <a:picLocks noChangeAspect="1"/>
+          </p:cNvPicPr>
+          <p:nvPr/>
+        </p:nvPicPr>
+        <p:blipFill>
+          <a:blip r:embed="rId3"/>
+          <a:stretch>
+            <a:fillRect/>
+          </a:stretch>
+        </p:blipFill>
+        <p:spPr>
+          <a:xfrm>
+            <a:off x="4842539" y="850463"/>
+            <a:ext cx="5788646" cy="4912383"/>
+          </a:xfrm>
+          <a:prstGeom prst="rect">
+            <a:avLst/>
+          </a:prstGeom>
+        </p:spPr>
+      </p:pic>
+    </p:spTree>
+    <p:extLst>
+      <p:ext uri="{BB962C8B-B14F-4D97-AF65-F5344CB8AC3E}">
+        <p14:creationId xmlns:p14="http://schemas.microsoft.com/office/powerpoint/2010/main" val="691646495"/>
+      </p:ext>
+    </p:extLst>
+  </p:cSld>
+  <p:clrMapOvr>
+    <a:masterClrMapping/>
+  </p:clrMapOvr>
+</p:sld>
+</file>
+
+<file path=ppt/slides/slide85.xml><?xml version="1.0" encoding="utf-8"?>
+<p:sld xmlns:a="http://schemas.openxmlformats.org/drawingml/2006/main" xmlns:r="http://schemas.openxmlformats.org/officeDocument/2006/relationships" xmlns:p="http://schemas.openxmlformats.org/presentationml/2006/main">
+  <p:cSld>
+    <p:bg>
+      <p:bgPr>
+        <a:solidFill>
+          <a:schemeClr val="bg1"/>
+        </a:solidFill>
+        <a:effectLst/>
+      </p:bgPr>
+    </p:bg>
+    <p:spTree>
+      <p:nvGrpSpPr>
+        <p:cNvPr id="1" name=""/>
+        <p:cNvGrpSpPr/>
+        <p:nvPr/>
+      </p:nvGrpSpPr>
+      <p:grpSpPr>
+        <a:xfrm>
+          <a:off x="0" y="0"/>
+          <a:ext cx="0" cy="0"/>
+          <a:chOff x="0" y="0"/>
+          <a:chExt cx="0" cy="0"/>
+        </a:xfrm>
+      </p:grpSpPr>
+      <p:sp>
+        <p:nvSpPr>
+          <p:cNvPr id="11" name="Flowchart: Document 10">
+            <a:extLst>
+              <a:ext uri="{FF2B5EF4-FFF2-40B4-BE49-F238E27FC236}">
+                <a16:creationId xmlns:a16="http://schemas.microsoft.com/office/drawing/2014/main" id="{D12DDE76-C203-4047-9998-63900085B5E8}"/>
+              </a:ext>
+              <a:ext uri="{C183D7F6-B498-43B3-948B-1728B52AA6E4}">
+                <adec:decorative xmlns:adec="http://schemas.microsoft.com/office/drawing/2017/decorative" val="1"/>
+              </a:ext>
+            </a:extLst>
+          </p:cNvPr>
+          <p:cNvSpPr>
+            <a:spLocks noGrp="1" noRot="1" noChangeAspect="1" noMove="1" noResize="1" noEditPoints="1" noAdjustHandles="1" noChangeArrowheads="1" noChangeShapeType="1" noTextEdit="1"/>
+          </p:cNvSpPr>
+          <p:nvPr>
+            <p:extLst>
+              <p:ext uri="{386F3935-93C4-4BCD-93E2-E3B085C9AB24}">
+                <p16:designElem xmlns:p16="http://schemas.microsoft.com/office/powerpoint/2015/main" val="1"/>
+              </p:ext>
+            </p:extLst>
+          </p:nvPr>
+        </p:nvSpPr>
+        <p:spPr>
+          <a:xfrm>
+            <a:off x="638175" y="0"/>
+            <a:ext cx="3248025" cy="3400426"/>
+          </a:xfrm>
+          <a:prstGeom prst="flowChartDocument">
+            <a:avLst/>
+          </a:prstGeom>
+          <a:solidFill>
+            <a:schemeClr val="accent1"/>
+          </a:solidFill>
+          <a:ln>
+            <a:noFill/>
+          </a:ln>
+        </p:spPr>
+        <p:style>
+          <a:lnRef idx="2">
+            <a:schemeClr val="accent1">
+              <a:shade val="50000"/>
+            </a:schemeClr>
+          </a:lnRef>
+          <a:fillRef idx="1">
+            <a:schemeClr val="accent1"/>
+          </a:fillRef>
+          <a:effectRef idx="0">
+            <a:schemeClr val="accent1"/>
+          </a:effectRef>
+          <a:fontRef idx="minor">
+            <a:schemeClr val="lt1"/>
+          </a:fontRef>
+        </p:style>
+        <p:txBody>
+          <a:bodyPr rtlCol="0" anchor="ctr"/>
+          <a:lstStyle/>
+          <a:p>
+            <a:pPr algn="ctr"/>
+            <a:endParaRPr lang="en-US"/>
+          </a:p>
+        </p:txBody>
+      </p:sp>
+      <p:sp>
+        <p:nvSpPr>
+          <p:cNvPr id="2" name="Title 1">
+            <a:extLst>
+              <a:ext uri="{FF2B5EF4-FFF2-40B4-BE49-F238E27FC236}">
+                <a16:creationId xmlns:a16="http://schemas.microsoft.com/office/drawing/2014/main" id="{9D045432-EED2-8148-BA86-3132BFE644EB}"/>
+              </a:ext>
+            </a:extLst>
+          </p:cNvPr>
+          <p:cNvSpPr>
+            <a:spLocks noGrp="1"/>
+          </p:cNvSpPr>
+          <p:nvPr>
+            <p:ph type="title"/>
+          </p:nvPr>
+        </p:nvSpPr>
+        <p:spPr>
+          <a:xfrm>
+            <a:off x="838200" y="171162"/>
+            <a:ext cx="2840182" cy="3229264"/>
+          </a:xfrm>
+        </p:spPr>
+        <p:txBody>
+          <a:bodyPr vert="horz" lIns="91440" tIns="45720" rIns="91440" bIns="45720" rtlCol="0" anchor="ctr">
+            <a:noAutofit/>
+          </a:bodyPr>
+          <a:lstStyle/>
+          <a:p>
+            <a:r>
+              <a:rPr lang="en-US" sz="3200" dirty="0" err="1">
+                <a:solidFill>
+                  <a:srgbClr val="FFFFFF"/>
+                </a:solidFill>
+              </a:rPr>
+              <a:t>Clase</a:t>
+            </a:r>
+            <a:r>
+              <a:rPr lang="en-US" sz="3200" dirty="0">
+                <a:solidFill>
+                  <a:srgbClr val="FFFFFF"/>
+                </a:solidFill>
+              </a:rPr>
+              <a:t> static  </a:t>
+            </a:r>
+            <a:br>
+              <a:rPr lang="en-US" sz="3200" dirty="0">
+                <a:solidFill>
+                  <a:srgbClr val="FFFFFF"/>
+                </a:solidFill>
+              </a:rPr>
+            </a:br>
+            <a:r>
+              <a:rPr lang="en-US" sz="3200" dirty="0">
+                <a:solidFill>
+                  <a:srgbClr val="FFFFFF"/>
+                </a:solidFill>
+              </a:rPr>
+              <a:t>y</a:t>
+            </a:r>
+            <a:br>
+              <a:rPr lang="en-US" sz="3200" dirty="0">
+                <a:solidFill>
+                  <a:srgbClr val="FFFFFF"/>
+                </a:solidFill>
+              </a:rPr>
+            </a:br>
+            <a:r>
+              <a:rPr lang="en-US" sz="3200" dirty="0" err="1">
+                <a:solidFill>
+                  <a:srgbClr val="FFFFFF"/>
+                </a:solidFill>
+              </a:rPr>
+              <a:t>métodos</a:t>
+            </a:r>
+            <a:r>
+              <a:rPr lang="en-US" sz="3200" dirty="0">
+                <a:solidFill>
+                  <a:srgbClr val="FFFFFF"/>
+                </a:solidFill>
+              </a:rPr>
+              <a:t> static </a:t>
+            </a:r>
+            <a:r>
+              <a:rPr lang="en-US" sz="3200" kern="1200" dirty="0">
+                <a:solidFill>
+                  <a:srgbClr val="FFFFFF"/>
+                </a:solidFill>
+                <a:latin typeface="+mj-lt"/>
+                <a:ea typeface="+mj-ea"/>
+                <a:cs typeface="+mj-cs"/>
+              </a:rPr>
+              <a:t> </a:t>
+            </a:r>
+            <a:endParaRPr lang="en-US" sz="2400" kern="1200" dirty="0">
+              <a:solidFill>
+                <a:srgbClr val="FFFFFF"/>
+              </a:solidFill>
+              <a:latin typeface="+mj-lt"/>
+              <a:ea typeface="+mj-ea"/>
+              <a:cs typeface="+mj-cs"/>
+            </a:endParaRPr>
+          </a:p>
+        </p:txBody>
+      </p:sp>
+      <p:pic>
+        <p:nvPicPr>
+          <p:cNvPr id="12" name="Picture 11" descr="A screenshot of a cell phone&#10;&#10;Description automatically generated">
+            <a:extLst>
+              <a:ext uri="{FF2B5EF4-FFF2-40B4-BE49-F238E27FC236}">
+                <a16:creationId xmlns:a16="http://schemas.microsoft.com/office/drawing/2014/main" id="{C5026EF4-63F9-3A42-B1CF-F0E209A32C30}"/>
+              </a:ext>
+            </a:extLst>
+          </p:cNvPr>
+          <p:cNvPicPr>
+            <a:picLocks noChangeAspect="1"/>
+          </p:cNvPicPr>
+          <p:nvPr/>
+        </p:nvPicPr>
+        <p:blipFill>
+          <a:blip r:embed="rId3"/>
+          <a:stretch>
+            <a:fillRect/>
+          </a:stretch>
+        </p:blipFill>
+        <p:spPr>
+          <a:xfrm>
+            <a:off x="4309920" y="224170"/>
+            <a:ext cx="4203700" cy="3606800"/>
+          </a:xfrm>
+          <a:prstGeom prst="rect">
+            <a:avLst/>
+          </a:prstGeom>
+        </p:spPr>
+      </p:pic>
+      <p:pic>
+        <p:nvPicPr>
+          <p:cNvPr id="7" name="Picture 6" descr="A screenshot of a social media post&#10;&#10;Description automatically generated">
+            <a:extLst>
+              <a:ext uri="{FF2B5EF4-FFF2-40B4-BE49-F238E27FC236}">
+                <a16:creationId xmlns:a16="http://schemas.microsoft.com/office/drawing/2014/main" id="{545259E9-FFD6-104E-95DC-2AA84DD36991}"/>
+              </a:ext>
+            </a:extLst>
+          </p:cNvPr>
+          <p:cNvPicPr>
+            <a:picLocks noChangeAspect="1"/>
+          </p:cNvPicPr>
+          <p:nvPr/>
+        </p:nvPicPr>
+        <p:blipFill>
+          <a:blip r:embed="rId4"/>
+          <a:stretch>
+            <a:fillRect/>
+          </a:stretch>
+        </p:blipFill>
+        <p:spPr>
+          <a:xfrm>
+            <a:off x="4309920" y="3429000"/>
+            <a:ext cx="3873500" cy="2717800"/>
+          </a:xfrm>
+          <a:prstGeom prst="rect">
+            <a:avLst/>
+          </a:prstGeom>
+        </p:spPr>
+      </p:pic>
+      <p:pic>
+        <p:nvPicPr>
+          <p:cNvPr id="14" name="Picture 13" descr="A screenshot of a cell phone&#10;&#10;Description automatically generated">
+            <a:extLst>
+              <a:ext uri="{FF2B5EF4-FFF2-40B4-BE49-F238E27FC236}">
+                <a16:creationId xmlns:a16="http://schemas.microsoft.com/office/drawing/2014/main" id="{4CA26A65-803C-DC4C-9AFF-E804448CFAB4}"/>
+              </a:ext>
+            </a:extLst>
+          </p:cNvPr>
+          <p:cNvPicPr>
+            <a:picLocks noChangeAspect="1"/>
+          </p:cNvPicPr>
+          <p:nvPr/>
+        </p:nvPicPr>
+        <p:blipFill>
+          <a:blip r:embed="rId5"/>
+          <a:stretch>
+            <a:fillRect/>
+          </a:stretch>
+        </p:blipFill>
+        <p:spPr>
+          <a:xfrm>
+            <a:off x="8922340" y="4959868"/>
+            <a:ext cx="1917700" cy="1270000"/>
+          </a:xfrm>
+          <a:prstGeom prst="rect">
+            <a:avLst/>
+          </a:prstGeom>
+        </p:spPr>
+      </p:pic>
+    </p:spTree>
+    <p:extLst>
+      <p:ext uri="{BB962C8B-B14F-4D97-AF65-F5344CB8AC3E}">
+        <p14:creationId xmlns:p14="http://schemas.microsoft.com/office/powerpoint/2010/main" val="774756354"/>
+      </p:ext>
+    </p:extLst>
+  </p:cSld>
+  <p:clrMapOvr>
+    <a:masterClrMapping/>
+  </p:clrMapOvr>
+</p:sld>
+</file>
+
+<file path=ppt/slides/slide86.xml><?xml version="1.0" encoding="utf-8"?>
+<p:sld xmlns:a="http://schemas.openxmlformats.org/drawingml/2006/main" xmlns:r="http://schemas.openxmlformats.org/officeDocument/2006/relationships" xmlns:p="http://schemas.openxmlformats.org/presentationml/2006/main">
+  <p:cSld>
+    <p:bg>
+      <p:bgPr>
+        <a:solidFill>
+          <a:schemeClr val="bg1"/>
+        </a:solidFill>
+        <a:effectLst/>
+      </p:bgPr>
+    </p:bg>
+    <p:spTree>
+      <p:nvGrpSpPr>
+        <p:cNvPr id="1" name=""/>
+        <p:cNvGrpSpPr/>
+        <p:nvPr/>
+      </p:nvGrpSpPr>
+      <p:grpSpPr>
+        <a:xfrm>
+          <a:off x="0" y="0"/>
+          <a:ext cx="0" cy="0"/>
+          <a:chOff x="0" y="0"/>
+          <a:chExt cx="0" cy="0"/>
+        </a:xfrm>
+      </p:grpSpPr>
+      <p:sp>
+        <p:nvSpPr>
+          <p:cNvPr id="11" name="Flowchart: Document 10">
+            <a:extLst>
+              <a:ext uri="{FF2B5EF4-FFF2-40B4-BE49-F238E27FC236}">
+                <a16:creationId xmlns:a16="http://schemas.microsoft.com/office/drawing/2014/main" id="{D12DDE76-C203-4047-9998-63900085B5E8}"/>
+              </a:ext>
+              <a:ext uri="{C183D7F6-B498-43B3-948B-1728B52AA6E4}">
+                <adec:decorative xmlns:adec="http://schemas.microsoft.com/office/drawing/2017/decorative" val="1"/>
+              </a:ext>
+            </a:extLst>
+          </p:cNvPr>
+          <p:cNvSpPr>
+            <a:spLocks noGrp="1" noRot="1" noChangeAspect="1" noMove="1" noResize="1" noEditPoints="1" noAdjustHandles="1" noChangeArrowheads="1" noChangeShapeType="1" noTextEdit="1"/>
+          </p:cNvSpPr>
+          <p:nvPr>
+            <p:extLst>
+              <p:ext uri="{386F3935-93C4-4BCD-93E2-E3B085C9AB24}">
+                <p16:designElem xmlns:p16="http://schemas.microsoft.com/office/powerpoint/2015/main" val="1"/>
+              </p:ext>
+            </p:extLst>
+          </p:nvPr>
+        </p:nvSpPr>
+        <p:spPr>
+          <a:xfrm>
+            <a:off x="638175" y="0"/>
+            <a:ext cx="3248025" cy="3400426"/>
+          </a:xfrm>
+          <a:prstGeom prst="flowChartDocument">
+            <a:avLst/>
+          </a:prstGeom>
+          <a:solidFill>
+            <a:schemeClr val="accent1"/>
+          </a:solidFill>
+          <a:ln>
+            <a:noFill/>
+          </a:ln>
+        </p:spPr>
+        <p:style>
+          <a:lnRef idx="2">
+            <a:schemeClr val="accent1">
+              <a:shade val="50000"/>
+            </a:schemeClr>
+          </a:lnRef>
+          <a:fillRef idx="1">
+            <a:schemeClr val="accent1"/>
+          </a:fillRef>
+          <a:effectRef idx="0">
+            <a:schemeClr val="accent1"/>
+          </a:effectRef>
+          <a:fontRef idx="minor">
+            <a:schemeClr val="lt1"/>
+          </a:fontRef>
+        </p:style>
+        <p:txBody>
+          <a:bodyPr rtlCol="0" anchor="ctr"/>
+          <a:lstStyle/>
+          <a:p>
+            <a:pPr algn="ctr"/>
+            <a:endParaRPr lang="en-US"/>
+          </a:p>
+        </p:txBody>
+      </p:sp>
+      <p:sp>
+        <p:nvSpPr>
+          <p:cNvPr id="2" name="Title 1">
+            <a:extLst>
+              <a:ext uri="{FF2B5EF4-FFF2-40B4-BE49-F238E27FC236}">
+                <a16:creationId xmlns:a16="http://schemas.microsoft.com/office/drawing/2014/main" id="{9D045432-EED2-8148-BA86-3132BFE644EB}"/>
+              </a:ext>
+            </a:extLst>
+          </p:cNvPr>
+          <p:cNvSpPr>
+            <a:spLocks noGrp="1"/>
+          </p:cNvSpPr>
+          <p:nvPr>
+            <p:ph type="title"/>
+          </p:nvPr>
+        </p:nvSpPr>
+        <p:spPr>
+          <a:xfrm>
+            <a:off x="838200" y="171162"/>
+            <a:ext cx="2840182" cy="3229264"/>
+          </a:xfrm>
+        </p:spPr>
+        <p:txBody>
+          <a:bodyPr vert="horz" lIns="91440" tIns="45720" rIns="91440" bIns="45720" rtlCol="0" anchor="ctr">
+            <a:noAutofit/>
+          </a:bodyPr>
+          <a:lstStyle/>
+          <a:p>
+            <a:r>
+              <a:rPr lang="en-US" sz="3200" dirty="0" err="1">
+                <a:solidFill>
+                  <a:srgbClr val="FFFFFF"/>
+                </a:solidFill>
+              </a:rPr>
+              <a:t>Métodos</a:t>
+            </a:r>
+            <a:r>
+              <a:rPr lang="en-US" sz="3200" dirty="0">
+                <a:solidFill>
+                  <a:srgbClr val="FFFFFF"/>
+                </a:solidFill>
+              </a:rPr>
+              <a:t> con ”expression-bodied”  </a:t>
+            </a:r>
+            <a:r>
+              <a:rPr lang="en-US" sz="3200" kern="1200" dirty="0">
+                <a:solidFill>
+                  <a:srgbClr val="FFFFFF"/>
+                </a:solidFill>
+                <a:latin typeface="+mj-lt"/>
+                <a:ea typeface="+mj-ea"/>
+                <a:cs typeface="+mj-cs"/>
+              </a:rPr>
+              <a:t> </a:t>
+            </a:r>
+            <a:endParaRPr lang="en-US" sz="2400" kern="1200" dirty="0">
+              <a:solidFill>
+                <a:srgbClr val="FFFFFF"/>
+              </a:solidFill>
+              <a:latin typeface="+mj-lt"/>
+              <a:ea typeface="+mj-ea"/>
+              <a:cs typeface="+mj-cs"/>
+            </a:endParaRPr>
+          </a:p>
+        </p:txBody>
+      </p:sp>
+      <p:pic>
+        <p:nvPicPr>
+          <p:cNvPr id="4" name="Picture 3" descr="A screenshot of a cell phone&#10;&#10;Description automatically generated">
+            <a:extLst>
+              <a:ext uri="{FF2B5EF4-FFF2-40B4-BE49-F238E27FC236}">
+                <a16:creationId xmlns:a16="http://schemas.microsoft.com/office/drawing/2014/main" id="{F343D8D7-E754-0B4C-BAB2-7A74D4C8659E}"/>
+              </a:ext>
+            </a:extLst>
+          </p:cNvPr>
+          <p:cNvPicPr>
+            <a:picLocks noChangeAspect="1"/>
+          </p:cNvPicPr>
+          <p:nvPr/>
+        </p:nvPicPr>
+        <p:blipFill>
+          <a:blip r:embed="rId3"/>
+          <a:stretch>
+            <a:fillRect/>
+          </a:stretch>
+        </p:blipFill>
+        <p:spPr>
+          <a:xfrm>
+            <a:off x="4543722" y="714376"/>
+            <a:ext cx="7150100" cy="5372100"/>
+          </a:xfrm>
+          <a:prstGeom prst="rect">
+            <a:avLst/>
+          </a:prstGeom>
+        </p:spPr>
+      </p:pic>
+    </p:spTree>
+    <p:extLst>
+      <p:ext uri="{BB962C8B-B14F-4D97-AF65-F5344CB8AC3E}">
+        <p14:creationId xmlns:p14="http://schemas.microsoft.com/office/powerpoint/2010/main" val="1160149384"/>
       </p:ext>
     </p:extLst>
   </p:cSld>
